--- a/Monthly Plan.pptx
+++ b/Monthly Plan.pptx
@@ -4579,7 +4579,7 @@
             <p:ph idx="1"/>
             <p:extLst>
               <p:ext uri="{D42A27DB-BD31-4B8C-83A1-F6EECF244321}">
-                <p14:modId xmlns:p14="http://schemas.microsoft.com/office/powerpoint/2010/main" val="1733543941"/>
+                <p14:modId xmlns:p14="http://schemas.microsoft.com/office/powerpoint/2010/main" val="3207185231"/>
               </p:ext>
             </p:extLst>
           </p:nvPr>
@@ -5890,7 +5890,10 @@
                       </a:endParaRPr>
                     </a:p>
                     <a:p>
-                      <a:pPr latinLnBrk="1"/>
+                      <a:pPr marL="171450" indent="-171450" latinLnBrk="1">
+                        <a:buFontTx/>
+                        <a:buChar char="-"/>
+                      </a:pPr>
                       <a:r>
                         <a:rPr lang="en-US" altLang="ko-KR" sz="800" dirty="0" smtClean="0">
                           <a:solidFill>
@@ -5900,7 +5903,7 @@
                             </a:schemeClr>
                           </a:solidFill>
                         </a:rPr>
-                        <a:t>- Homestead</a:t>
+                        <a:t>Homestead</a:t>
                       </a:r>
                       <a:endParaRPr lang="en-US" altLang="ko-KR" sz="800" dirty="0" smtClean="0">
                         <a:solidFill>
@@ -6125,18 +6128,7 @@
                             </a:schemeClr>
                           </a:solidFill>
                         </a:rPr>
-                        <a:t> </a:t>
-                      </a:r>
-                      <a:r>
-                        <a:rPr lang="ko-KR" altLang="en-US" sz="800" dirty="0" smtClean="0">
-                          <a:solidFill>
-                            <a:schemeClr val="tx2">
-                              <a:lumMod val="40000"/>
-                              <a:lumOff val="60000"/>
-                            </a:schemeClr>
-                          </a:solidFill>
-                        </a:rPr>
-                        <a:t>해킹</a:t>
+                        <a:t> 해킹</a:t>
                       </a:r>
                       <a:endParaRPr lang="en-US" altLang="ko-KR" sz="800" dirty="0" smtClean="0">
                         <a:solidFill>
@@ -6215,14 +6207,6 @@
                         </a:rPr>
                         <a:t>URL</a:t>
                       </a:r>
-                      <a:endParaRPr lang="en-US" altLang="ko-KR" sz="800" dirty="0" smtClean="0">
-                        <a:solidFill>
-                          <a:schemeClr val="tx2">
-                            <a:lumMod val="40000"/>
-                            <a:lumOff val="60000"/>
-                          </a:schemeClr>
-                        </a:solidFill>
-                      </a:endParaRPr>
                     </a:p>
                   </a:txBody>
                   <a:tcPr/>
@@ -7308,14 +7292,6 @@
                         </a:rPr>
                         <a:t>Contracts</a:t>
                       </a:r>
-                      <a:endParaRPr lang="en-US" altLang="ko-KR" sz="800" dirty="0" smtClean="0">
-                        <a:solidFill>
-                          <a:schemeClr val="tx2">
-                            <a:lumMod val="40000"/>
-                            <a:lumOff val="60000"/>
-                          </a:schemeClr>
-                        </a:solidFill>
-                      </a:endParaRPr>
                     </a:p>
                   </a:txBody>
                   <a:tcPr/>
@@ -7437,14 +7413,6 @@
                         </a:rPr>
                         <a:t>20</a:t>
                       </a:r>
-                      <a:endParaRPr lang="en-US" altLang="ko-KR" sz="800" dirty="0" smtClean="0">
-                        <a:solidFill>
-                          <a:schemeClr val="tx2">
-                            <a:lumMod val="40000"/>
-                            <a:lumOff val="60000"/>
-                          </a:schemeClr>
-                        </a:solidFill>
-                      </a:endParaRPr>
                     </a:p>
                     <a:p>
                       <a:pPr latinLnBrk="1"/>
@@ -7907,6 +7875,17 @@
                         </a:rPr>
                         <a:t>25</a:t>
                       </a:r>
+                    </a:p>
+                    <a:p>
+                      <a:pPr latinLnBrk="1"/>
+                      <a:endParaRPr lang="en-US" altLang="ko-KR" sz="800" smtClean="0">
+                        <a:solidFill>
+                          <a:schemeClr val="tx2">
+                            <a:lumMod val="40000"/>
+                            <a:lumOff val="60000"/>
+                          </a:schemeClr>
+                        </a:solidFill>
+                      </a:endParaRPr>
                     </a:p>
                     <a:p>
                       <a:pPr latinLnBrk="1"/>
@@ -8734,6 +8713,46 @@
           <a:xfrm>
             <a:off x="4947387" y="2800718"/>
             <a:ext cx="118846" cy="127546"/>
+          </a:xfrm>
+          <a:prstGeom prst="ellipse">
+            <a:avLst/>
+          </a:prstGeom>
+        </p:spPr>
+        <p:style>
+          <a:lnRef idx="2">
+            <a:schemeClr val="accent1">
+              <a:shade val="50000"/>
+            </a:schemeClr>
+          </a:lnRef>
+          <a:fillRef idx="1">
+            <a:schemeClr val="accent1"/>
+          </a:fillRef>
+          <a:effectRef idx="0">
+            <a:schemeClr val="accent1"/>
+          </a:effectRef>
+          <a:fontRef idx="minor">
+            <a:schemeClr val="lt1"/>
+          </a:fontRef>
+        </p:style>
+        <p:txBody>
+          <a:bodyPr rtlCol="0" anchor="ctr"/>
+          <a:lstStyle/>
+          <a:p>
+            <a:pPr algn="ctr"/>
+            <a:endParaRPr lang="ko-KR" altLang="en-US"/>
+          </a:p>
+        </p:txBody>
+      </p:sp>
+      <p:sp>
+        <p:nvSpPr>
+          <p:cNvPr id="19" name="타원 18"/>
+          <p:cNvSpPr/>
+          <p:nvPr/>
+        </p:nvSpPr>
+        <p:spPr>
+          <a:xfrm>
+            <a:off x="6061177" y="2782716"/>
+            <a:ext cx="134193" cy="144016"/>
           </a:xfrm>
           <a:prstGeom prst="ellipse">
             <a:avLst/>

--- a/Monthly Plan.pptx
+++ b/Monthly Plan.pptx
@@ -194,7 +194,7 @@
           <a:p>
             <a:fld id="{E1E76E78-0C2A-445E-B35D-3ADF0836B2B3}" type="datetimeFigureOut">
               <a:rPr lang="ko-KR" altLang="en-US" smtClean="0"/>
-              <a:t>2018-05-10</a:t>
+              <a:t>2018-05-13</a:t>
             </a:fld>
             <a:endParaRPr lang="ko-KR" altLang="en-US"/>
           </a:p>
@@ -727,7 +727,7 @@
           <a:p>
             <a:fld id="{48C2848A-6F74-48C5-A4CD-91F929EC3187}" type="datetimeFigureOut">
               <a:rPr lang="ko-KR" altLang="en-US" smtClean="0"/>
-              <a:t>2018-05-10</a:t>
+              <a:t>2018-05-13</a:t>
             </a:fld>
             <a:endParaRPr lang="ko-KR" altLang="en-US"/>
           </a:p>
@@ -897,7 +897,7 @@
           <a:p>
             <a:fld id="{48C2848A-6F74-48C5-A4CD-91F929EC3187}" type="datetimeFigureOut">
               <a:rPr lang="ko-KR" altLang="en-US" smtClean="0"/>
-              <a:t>2018-05-10</a:t>
+              <a:t>2018-05-13</a:t>
             </a:fld>
             <a:endParaRPr lang="ko-KR" altLang="en-US"/>
           </a:p>
@@ -1077,7 +1077,7 @@
           <a:p>
             <a:fld id="{48C2848A-6F74-48C5-A4CD-91F929EC3187}" type="datetimeFigureOut">
               <a:rPr lang="ko-KR" altLang="en-US" smtClean="0"/>
-              <a:t>2018-05-10</a:t>
+              <a:t>2018-05-13</a:t>
             </a:fld>
             <a:endParaRPr lang="ko-KR" altLang="en-US"/>
           </a:p>
@@ -1247,7 +1247,7 @@
           <a:p>
             <a:fld id="{48C2848A-6F74-48C5-A4CD-91F929EC3187}" type="datetimeFigureOut">
               <a:rPr lang="ko-KR" altLang="en-US" smtClean="0"/>
-              <a:t>2018-05-10</a:t>
+              <a:t>2018-05-13</a:t>
             </a:fld>
             <a:endParaRPr lang="ko-KR" altLang="en-US"/>
           </a:p>
@@ -1493,7 +1493,7 @@
           <a:p>
             <a:fld id="{48C2848A-6F74-48C5-A4CD-91F929EC3187}" type="datetimeFigureOut">
               <a:rPr lang="ko-KR" altLang="en-US" smtClean="0"/>
-              <a:t>2018-05-10</a:t>
+              <a:t>2018-05-13</a:t>
             </a:fld>
             <a:endParaRPr lang="ko-KR" altLang="en-US"/>
           </a:p>
@@ -1781,7 +1781,7 @@
           <a:p>
             <a:fld id="{48C2848A-6F74-48C5-A4CD-91F929EC3187}" type="datetimeFigureOut">
               <a:rPr lang="ko-KR" altLang="en-US" smtClean="0"/>
-              <a:t>2018-05-10</a:t>
+              <a:t>2018-05-13</a:t>
             </a:fld>
             <a:endParaRPr lang="ko-KR" altLang="en-US"/>
           </a:p>
@@ -2203,7 +2203,7 @@
           <a:p>
             <a:fld id="{48C2848A-6F74-48C5-A4CD-91F929EC3187}" type="datetimeFigureOut">
               <a:rPr lang="ko-KR" altLang="en-US" smtClean="0"/>
-              <a:t>2018-05-10</a:t>
+              <a:t>2018-05-13</a:t>
             </a:fld>
             <a:endParaRPr lang="ko-KR" altLang="en-US"/>
           </a:p>
@@ -2321,7 +2321,7 @@
           <a:p>
             <a:fld id="{48C2848A-6F74-48C5-A4CD-91F929EC3187}" type="datetimeFigureOut">
               <a:rPr lang="ko-KR" altLang="en-US" smtClean="0"/>
-              <a:t>2018-05-10</a:t>
+              <a:t>2018-05-13</a:t>
             </a:fld>
             <a:endParaRPr lang="ko-KR" altLang="en-US"/>
           </a:p>
@@ -2416,7 +2416,7 @@
           <a:p>
             <a:fld id="{48C2848A-6F74-48C5-A4CD-91F929EC3187}" type="datetimeFigureOut">
               <a:rPr lang="ko-KR" altLang="en-US" smtClean="0"/>
-              <a:t>2018-05-10</a:t>
+              <a:t>2018-05-13</a:t>
             </a:fld>
             <a:endParaRPr lang="ko-KR" altLang="en-US"/>
           </a:p>
@@ -2693,7 +2693,7 @@
           <a:p>
             <a:fld id="{48C2848A-6F74-48C5-A4CD-91F929EC3187}" type="datetimeFigureOut">
               <a:rPr lang="ko-KR" altLang="en-US" smtClean="0"/>
-              <a:t>2018-05-10</a:t>
+              <a:t>2018-05-13</a:t>
             </a:fld>
             <a:endParaRPr lang="ko-KR" altLang="en-US"/>
           </a:p>
@@ -2946,7 +2946,7 @@
           <a:p>
             <a:fld id="{48C2848A-6F74-48C5-A4CD-91F929EC3187}" type="datetimeFigureOut">
               <a:rPr lang="ko-KR" altLang="en-US" smtClean="0"/>
-              <a:t>2018-05-10</a:t>
+              <a:t>2018-05-13</a:t>
             </a:fld>
             <a:endParaRPr lang="ko-KR" altLang="en-US"/>
           </a:p>
@@ -3159,7 +3159,7 @@
           <a:p>
             <a:fld id="{48C2848A-6F74-48C5-A4CD-91F929EC3187}" type="datetimeFigureOut">
               <a:rPr lang="ko-KR" altLang="en-US" smtClean="0"/>
-              <a:t>2018-05-10</a:t>
+              <a:t>2018-05-13</a:t>
             </a:fld>
             <a:endParaRPr lang="ko-KR" altLang="en-US"/>
           </a:p>
@@ -4579,14 +4579,14 @@
             <p:ph idx="1"/>
             <p:extLst>
               <p:ext uri="{D42A27DB-BD31-4B8C-83A1-F6EECF244321}">
-                <p14:modId xmlns:p14="http://schemas.microsoft.com/office/powerpoint/2010/main" val="3207185231"/>
+                <p14:modId xmlns:p14="http://schemas.microsoft.com/office/powerpoint/2010/main" val="2742311134"/>
               </p:ext>
             </p:extLst>
           </p:nvPr>
         </p:nvGraphicFramePr>
         <p:xfrm>
           <a:off x="457200" y="836712"/>
-          <a:ext cx="8229599" cy="5356408"/>
+          <a:ext cx="8229599" cy="5478328"/>
         </p:xfrm>
         <a:graphic>
           <a:graphicData uri="http://schemas.openxmlformats.org/drawingml/2006/table">
@@ -5905,14 +5905,6 @@
                         </a:rPr>
                         <a:t>Homestead</a:t>
                       </a:r>
-                      <a:endParaRPr lang="en-US" altLang="ko-KR" sz="800" dirty="0" smtClean="0">
-                        <a:solidFill>
-                          <a:schemeClr val="tx2">
-                            <a:lumMod val="40000"/>
-                            <a:lumOff val="60000"/>
-                          </a:schemeClr>
-                        </a:solidFill>
-                      </a:endParaRPr>
                     </a:p>
                   </a:txBody>
                   <a:tcPr/>
@@ -6405,6 +6397,36 @@
                     </a:p>
                     <a:p>
                       <a:pPr latinLnBrk="1"/>
+                      <a:r>
+                        <a:rPr lang="en-US" altLang="ko-KR" sz="800" b="0" i="0" kern="1200" dirty="0" err="1" smtClean="0">
+                          <a:solidFill>
+                            <a:schemeClr val="tx2">
+                              <a:lumMod val="40000"/>
+                              <a:lumOff val="60000"/>
+                            </a:schemeClr>
+                          </a:solidFill>
+                          <a:effectLst/>
+                          <a:latin typeface="+mn-lt"/>
+                          <a:ea typeface="+mn-ea"/>
+                          <a:cs typeface="+mn-cs"/>
+                        </a:rPr>
+                        <a:t>Laravel</a:t>
+                      </a:r>
+                      <a:r>
+                        <a:rPr lang="ko-KR" altLang="en-US" sz="800" b="0" i="0" kern="1200" dirty="0" smtClean="0">
+                          <a:solidFill>
+                            <a:schemeClr val="tx2">
+                              <a:lumMod val="40000"/>
+                              <a:lumOff val="60000"/>
+                            </a:schemeClr>
+                          </a:solidFill>
+                          <a:effectLst/>
+                          <a:latin typeface="+mn-lt"/>
+                          <a:ea typeface="+mn-ea"/>
+                          <a:cs typeface="+mn-cs"/>
+                        </a:rPr>
+                        <a:t>로 배우는</a:t>
+                      </a:r>
                       <a:endParaRPr lang="en-US" altLang="ko-KR" sz="800" b="0" i="0" kern="1200" dirty="0" smtClean="0">
                         <a:solidFill>
                           <a:schemeClr val="tx2">
@@ -6421,7 +6443,7 @@
                     <a:p>
                       <a:pPr latinLnBrk="1"/>
                       <a:r>
-                        <a:rPr lang="en-US" altLang="ko-KR" sz="800" b="0" i="0" kern="1200" dirty="0" err="1" smtClean="0">
+                        <a:rPr lang="ko-KR" altLang="en-US" sz="800" b="0" i="0" kern="1200" dirty="0" smtClean="0">
                           <a:solidFill>
                             <a:schemeClr val="tx2">
                               <a:lumMod val="40000"/>
@@ -6433,7 +6455,22 @@
                           <a:ea typeface="+mn-ea"/>
                           <a:cs typeface="+mn-cs"/>
                         </a:rPr>
-                        <a:t>Laravel</a:t>
+                        <a:t>서버사이드 </a:t>
+                      </a:r>
+                      <a:r>
+                        <a:rPr lang="en-US" altLang="ko-KR" sz="800" b="0" i="0" kern="1200" dirty="0" smtClean="0">
+                          <a:solidFill>
+                            <a:schemeClr val="tx2">
+                              <a:lumMod val="40000"/>
+                              <a:lumOff val="60000"/>
+                            </a:schemeClr>
+                          </a:solidFill>
+                          <a:effectLst/>
+                          <a:latin typeface="+mn-lt"/>
+                          <a:ea typeface="+mn-ea"/>
+                          <a:cs typeface="+mn-cs"/>
+                        </a:rPr>
+                        <a:t>4,5</a:t>
                       </a:r>
                       <a:endParaRPr lang="en-US" altLang="ko-KR" sz="800" b="0" i="0" kern="1200" dirty="0" smtClean="0">
                         <a:solidFill>
@@ -6463,7 +6500,7 @@
                           <a:ea typeface="+mn-ea"/>
                           <a:cs typeface="+mn-cs"/>
                         </a:rPr>
-                        <a:t>-</a:t>
+                        <a:t>+ </a:t>
                       </a:r>
                       <a:r>
                         <a:rPr lang="ko-KR" altLang="en-US" sz="800" b="0" i="0" kern="1200" dirty="0" smtClean="0">
@@ -6478,10 +6515,25 @@
                           <a:ea typeface="+mn-ea"/>
                           <a:cs typeface="+mn-cs"/>
                         </a:rPr>
-                        <a:t>설계 </a:t>
-                      </a:r>
-                      <a:r>
-                        <a:rPr lang="ko-KR" altLang="en-US" sz="800" b="0" i="0" kern="1200" dirty="0" err="1" smtClean="0">
+                        <a:t>세미나</a:t>
+                      </a:r>
+                      <a:endParaRPr lang="en-US" altLang="ko-KR" sz="800" b="0" i="0" kern="1200" dirty="0" smtClean="0">
+                        <a:solidFill>
+                          <a:schemeClr val="tx2">
+                            <a:lumMod val="40000"/>
+                            <a:lumOff val="60000"/>
+                          </a:schemeClr>
+                        </a:solidFill>
+                        <a:effectLst/>
+                        <a:latin typeface="+mn-lt"/>
+                        <a:ea typeface="+mn-ea"/>
+                        <a:cs typeface="+mn-cs"/>
+                      </a:endParaRPr>
+                    </a:p>
+                    <a:p>
+                      <a:pPr latinLnBrk="1"/>
+                      <a:r>
+                        <a:rPr lang="en-US" altLang="ko-KR" sz="800" b="0" i="0" kern="1200" dirty="0" smtClean="0">
                           <a:solidFill>
                             <a:schemeClr val="tx2">
                               <a:lumMod val="40000"/>
@@ -6493,7 +6545,52 @@
                           <a:ea typeface="+mn-ea"/>
                           <a:cs typeface="+mn-cs"/>
                         </a:rPr>
-                        <a:t>컨셉</a:t>
+                        <a:t>TIPS </a:t>
+                      </a:r>
+                      <a:r>
+                        <a:rPr lang="ko-KR" altLang="en-US" sz="800" b="0" i="0" kern="1200" dirty="0" smtClean="0">
+                          <a:solidFill>
+                            <a:schemeClr val="tx2">
+                              <a:lumMod val="40000"/>
+                              <a:lumOff val="60000"/>
+                            </a:schemeClr>
+                          </a:solidFill>
+                          <a:effectLst/>
+                          <a:latin typeface="+mn-lt"/>
+                          <a:ea typeface="+mn-ea"/>
+                          <a:cs typeface="+mn-cs"/>
+                        </a:rPr>
+                        <a:t>타운 지하</a:t>
+                      </a:r>
+                      <a:r>
+                        <a:rPr lang="en-US" altLang="ko-KR" sz="800" b="0" i="0" kern="1200" dirty="0" smtClean="0">
+                          <a:solidFill>
+                            <a:schemeClr val="tx2">
+                              <a:lumMod val="40000"/>
+                              <a:lumOff val="60000"/>
+                            </a:schemeClr>
+                          </a:solidFill>
+                          <a:effectLst/>
+                          <a:latin typeface="+mn-lt"/>
+                          <a:ea typeface="+mn-ea"/>
+                          <a:cs typeface="+mn-cs"/>
+                        </a:rPr>
+                        <a:t>1</a:t>
+                      </a:r>
+                      <a:r>
+                        <a:rPr lang="ko-KR" altLang="en-US" sz="800" b="0" i="0" kern="1200" dirty="0" smtClean="0">
+                          <a:solidFill>
+                            <a:schemeClr val="tx2">
+                              <a:lumMod val="40000"/>
+                              <a:lumOff val="60000"/>
+                            </a:schemeClr>
+                          </a:solidFill>
+                          <a:effectLst/>
+                          <a:latin typeface="+mn-lt"/>
+                          <a:ea typeface="+mn-ea"/>
+                          <a:cs typeface="+mn-cs"/>
+                        </a:rPr>
+                        <a:t>층</a:t>
                       </a:r>
                       <a:endParaRPr lang="en-US" altLang="ko-KR" sz="800" b="0" i="0" kern="1200" dirty="0" smtClean="0">
                         <a:solidFill>
@@ -6510,21 +6607,6 @@
                     </a:p>
                     <a:p>
                       <a:pPr latinLnBrk="1"/>
-                      <a:endParaRPr lang="en-US" altLang="ko-KR" sz="800" b="0" i="0" kern="1200" dirty="0" smtClean="0">
-                        <a:solidFill>
-                          <a:schemeClr val="tx2">
-                            <a:lumMod val="40000"/>
-                            <a:lumOff val="60000"/>
-                          </a:schemeClr>
-                        </a:solidFill>
-                        <a:effectLst/>
-                        <a:latin typeface="+mn-lt"/>
-                        <a:ea typeface="+mn-ea"/>
-                        <a:cs typeface="+mn-cs"/>
-                      </a:endParaRPr>
-                    </a:p>
-                    <a:p>
-                      <a:pPr latinLnBrk="1"/>
                       <a:r>
                         <a:rPr lang="en-US" altLang="ko-KR" sz="800" b="0" i="0" kern="1200" dirty="0" smtClean="0">
                           <a:solidFill>
@@ -6537,98 +6619,9 @@
                           <a:latin typeface="+mn-lt"/>
                           <a:ea typeface="+mn-ea"/>
                           <a:cs typeface="+mn-cs"/>
-                        </a:rPr>
-                        <a:t>+ </a:t>
-                      </a:r>
-                      <a:r>
-                        <a:rPr lang="ko-KR" altLang="en-US" sz="800" b="0" i="0" kern="1200" dirty="0" smtClean="0">
-                          <a:solidFill>
-                            <a:schemeClr val="tx2">
-                              <a:lumMod val="40000"/>
-                              <a:lumOff val="60000"/>
-                            </a:schemeClr>
-                          </a:solidFill>
-                          <a:effectLst/>
-                          <a:latin typeface="+mn-lt"/>
-                          <a:ea typeface="+mn-ea"/>
-                          <a:cs typeface="+mn-cs"/>
-                        </a:rPr>
-                        <a:t>세미나</a:t>
-                      </a:r>
-                      <a:endParaRPr lang="en-US" altLang="ko-KR" sz="800" b="0" i="0" kern="1200" dirty="0" smtClean="0">
-                        <a:solidFill>
-                          <a:schemeClr val="tx2">
-                            <a:lumMod val="40000"/>
-                            <a:lumOff val="60000"/>
-                          </a:schemeClr>
-                        </a:solidFill>
-                        <a:effectLst/>
-                        <a:latin typeface="+mn-lt"/>
-                        <a:ea typeface="+mn-ea"/>
-                        <a:cs typeface="+mn-cs"/>
-                      </a:endParaRPr>
-                    </a:p>
-                    <a:p>
-                      <a:pPr latinLnBrk="1"/>
-                      <a:r>
-                        <a:rPr lang="en-US" altLang="ko-KR" sz="800" b="0" i="0" kern="1200" dirty="0" smtClean="0">
-                          <a:solidFill>
-                            <a:schemeClr val="tx2">
-                              <a:lumMod val="40000"/>
-                              <a:lumOff val="60000"/>
-                            </a:schemeClr>
-                          </a:solidFill>
-                          <a:effectLst/>
-                          <a:latin typeface="+mn-lt"/>
-                          <a:ea typeface="+mn-ea"/>
-                          <a:cs typeface="+mn-cs"/>
-                        </a:rPr>
-                        <a:t>TIPS </a:t>
-                      </a:r>
-                      <a:r>
-                        <a:rPr lang="ko-KR" altLang="en-US" sz="800" b="0" i="0" kern="1200" dirty="0" smtClean="0">
-                          <a:solidFill>
-                            <a:schemeClr val="tx2">
-                              <a:lumMod val="40000"/>
-                              <a:lumOff val="60000"/>
-                            </a:schemeClr>
-                          </a:solidFill>
-                          <a:effectLst/>
-                          <a:latin typeface="+mn-lt"/>
-                          <a:ea typeface="+mn-ea"/>
-                          <a:cs typeface="+mn-cs"/>
-                        </a:rPr>
-                        <a:t>타운 지하</a:t>
-                      </a:r>
-                      <a:r>
-                        <a:rPr lang="en-US" altLang="ko-KR" sz="800" b="0" i="0" kern="1200" dirty="0" smtClean="0">
-                          <a:solidFill>
-                            <a:schemeClr val="tx2">
-                              <a:lumMod val="40000"/>
-                              <a:lumOff val="60000"/>
-                            </a:schemeClr>
-                          </a:solidFill>
-                          <a:effectLst/>
-                          <a:latin typeface="+mn-lt"/>
-                          <a:ea typeface="+mn-ea"/>
-                          <a:cs typeface="+mn-cs"/>
-                        </a:rPr>
-                        <a:t>1</a:t>
-                      </a:r>
-                      <a:r>
-                        <a:rPr lang="ko-KR" altLang="en-US" sz="800" b="0" i="0" kern="1200" dirty="0" smtClean="0">
-                          <a:solidFill>
-                            <a:schemeClr val="tx2">
-                              <a:lumMod val="40000"/>
-                              <a:lumOff val="60000"/>
-                            </a:schemeClr>
-                          </a:solidFill>
-                          <a:effectLst/>
-                          <a:latin typeface="+mn-lt"/>
-                          <a:ea typeface="+mn-ea"/>
-                          <a:cs typeface="+mn-cs"/>
-                        </a:rPr>
-                        <a:t>층</a:t>
+                          <a:hlinkClick r:id="rId3"/>
+                        </a:rPr>
+                        <a:t>https://onoffmix.com/event/134421</a:t>
                       </a:r>
                       <a:endParaRPr lang="en-US" altLang="ko-KR" sz="800" b="0" i="0" kern="1200" dirty="0" smtClean="0">
                         <a:solidFill>
@@ -6689,28 +6682,6 @@
                         <a:t> </a:t>
                       </a:r>
                       <a:r>
-                        <a:rPr lang="ko-KR" altLang="en-US" sz="800" dirty="0" err="1" smtClean="0">
-                          <a:solidFill>
-                            <a:schemeClr val="tx2">
-                              <a:lumMod val="40000"/>
-                              <a:lumOff val="60000"/>
-                            </a:schemeClr>
-                          </a:solidFill>
-                        </a:rPr>
-                        <a:t>설계컨셉</a:t>
-                      </a:r>
-                      <a:r>
-                        <a:rPr lang="ko-KR" altLang="en-US" sz="800" dirty="0" smtClean="0">
-                          <a:solidFill>
-                            <a:schemeClr val="tx2">
-                              <a:lumMod val="40000"/>
-                              <a:lumOff val="60000"/>
-                            </a:schemeClr>
-                          </a:solidFill>
-                        </a:rPr>
-                        <a:t> </a:t>
-                      </a:r>
-                      <a:r>
                         <a:rPr lang="en-US" altLang="ko-KR" sz="800" dirty="0" smtClean="0">
                           <a:solidFill>
                             <a:schemeClr val="tx2">
@@ -6899,10 +6870,10 @@
                           <a:ea typeface="+mn-ea"/>
                           <a:cs typeface="+mn-cs"/>
                         </a:rPr>
-                        <a:t>여의도복지관 건물</a:t>
-                      </a:r>
-                      <a:r>
-                        <a:rPr lang="en-US" altLang="ko-KR" sz="800" b="0" i="0" kern="1200" dirty="0" smtClean="0">
+                        <a:t>복지관 </a:t>
+                      </a:r>
+                      <a:r>
+                        <a:rPr lang="ko-KR" altLang="en-US" sz="800" b="0" i="0" kern="1200" dirty="0" smtClean="0">
                           <a:solidFill>
                             <a:schemeClr val="accent1"/>
                           </a:solidFill>
@@ -6911,7 +6882,31 @@
                           <a:ea typeface="+mn-ea"/>
                           <a:cs typeface="+mn-cs"/>
                         </a:rPr>
+                        <a:t>건물</a:t>
+                      </a:r>
+                      <a:r>
+                        <a:rPr lang="en-US" altLang="ko-KR" sz="800" b="0" i="0" kern="1200" dirty="0" smtClean="0">
+                          <a:solidFill>
+                            <a:schemeClr val="accent1"/>
+                          </a:solidFill>
+                          <a:effectLst/>
+                          <a:latin typeface="+mn-lt"/>
+                          <a:ea typeface="+mn-ea"/>
+                          <a:cs typeface="+mn-cs"/>
+                        </a:rPr>
                         <a:t>]</a:t>
+                      </a:r>
+                    </a:p>
+                    <a:p>
+                      <a:pPr latinLnBrk="1"/>
+                      <a:r>
+                        <a:rPr lang="en-US" altLang="ko-KR" sz="800" b="0" dirty="0" smtClean="0">
+                          <a:solidFill>
+                            <a:schemeClr val="accent1"/>
+                          </a:solidFill>
+                          <a:hlinkClick r:id="rId4"/>
+                        </a:rPr>
+                        <a:t>https://onoffmix.com/event/135969</a:t>
                       </a:r>
                       <a:endParaRPr lang="ko-KR" altLang="en-US" sz="800" b="0" dirty="0">
                         <a:solidFill>
@@ -6938,785 +6933,6 @@
                           </a:solidFill>
                         </a:rPr>
                         <a:t>16</a:t>
-                      </a:r>
-                    </a:p>
-                    <a:p>
-                      <a:pPr latinLnBrk="1"/>
-                      <a:endParaRPr lang="en-US" altLang="ko-KR" sz="800" dirty="0" smtClean="0">
-                        <a:solidFill>
-                          <a:schemeClr val="tx2">
-                            <a:lumMod val="40000"/>
-                            <a:lumOff val="60000"/>
-                          </a:schemeClr>
-                        </a:solidFill>
-                      </a:endParaRPr>
-                    </a:p>
-                    <a:p>
-                      <a:pPr latinLnBrk="1"/>
-                      <a:r>
-                        <a:rPr lang="en-US" altLang="ko-KR" sz="800" dirty="0" err="1" smtClean="0">
-                          <a:solidFill>
-                            <a:schemeClr val="tx2">
-                              <a:lumMod val="40000"/>
-                              <a:lumOff val="60000"/>
-                            </a:schemeClr>
-                          </a:solidFill>
-                        </a:rPr>
-                        <a:t>Laravel</a:t>
-                      </a:r>
-                      <a:r>
-                        <a:rPr lang="en-US" altLang="ko-KR" sz="800" baseline="0" dirty="0" smtClean="0">
-                          <a:solidFill>
-                            <a:schemeClr val="tx2">
-                              <a:lumMod val="40000"/>
-                              <a:lumOff val="60000"/>
-                            </a:schemeClr>
-                          </a:solidFill>
-                        </a:rPr>
-                        <a:t> </a:t>
-                      </a:r>
-                      <a:r>
-                        <a:rPr lang="ko-KR" altLang="en-US" sz="800" baseline="0" dirty="0" err="1" smtClean="0">
-                          <a:solidFill>
-                            <a:schemeClr val="tx2">
-                              <a:lumMod val="40000"/>
-                              <a:lumOff val="60000"/>
-                            </a:schemeClr>
-                          </a:solidFill>
-                        </a:rPr>
-                        <a:t>설계컨셉</a:t>
-                      </a:r>
-                      <a:endParaRPr lang="en-US" altLang="ko-KR" sz="800" baseline="0" dirty="0" smtClean="0">
-                        <a:solidFill>
-                          <a:schemeClr val="tx2">
-                            <a:lumMod val="40000"/>
-                            <a:lumOff val="60000"/>
-                          </a:schemeClr>
-                        </a:solidFill>
-                      </a:endParaRPr>
-                    </a:p>
-                    <a:p>
-                      <a:pPr latinLnBrk="1"/>
-                      <a:endParaRPr lang="en-US" altLang="ko-KR" sz="800" baseline="0" dirty="0" smtClean="0">
-                        <a:solidFill>
-                          <a:schemeClr val="tx2">
-                            <a:lumMod val="40000"/>
-                            <a:lumOff val="60000"/>
-                          </a:schemeClr>
-                        </a:solidFill>
-                      </a:endParaRPr>
-                    </a:p>
-                    <a:p>
-                      <a:pPr latinLnBrk="1"/>
-                      <a:r>
-                        <a:rPr lang="en-US" altLang="ko-KR" sz="800" baseline="0" dirty="0" smtClean="0">
-                          <a:solidFill>
-                            <a:schemeClr val="tx2">
-                              <a:lumMod val="40000"/>
-                              <a:lumOff val="60000"/>
-                            </a:schemeClr>
-                          </a:solidFill>
-                        </a:rPr>
-                        <a:t>(</a:t>
-                      </a:r>
-                      <a:r>
-                        <a:rPr lang="ko-KR" altLang="en-US" sz="800" baseline="0" dirty="0" smtClean="0">
-                          <a:solidFill>
-                            <a:schemeClr val="tx2">
-                              <a:lumMod val="40000"/>
-                              <a:lumOff val="60000"/>
-                            </a:schemeClr>
-                          </a:solidFill>
-                        </a:rPr>
-                        <a:t>서비스 </a:t>
-                      </a:r>
-                      <a:r>
-                        <a:rPr lang="ko-KR" altLang="en-US" sz="800" baseline="0" dirty="0" err="1" smtClean="0">
-                          <a:solidFill>
-                            <a:schemeClr val="tx2">
-                              <a:lumMod val="40000"/>
-                              <a:lumOff val="60000"/>
-                            </a:schemeClr>
-                          </a:solidFill>
-                        </a:rPr>
-                        <a:t>프로바이더</a:t>
-                      </a:r>
-                      <a:r>
-                        <a:rPr lang="en-US" altLang="ko-KR" sz="800" baseline="0" dirty="0" smtClean="0">
-                          <a:solidFill>
-                            <a:schemeClr val="tx2">
-                              <a:lumMod val="40000"/>
-                              <a:lumOff val="60000"/>
-                            </a:schemeClr>
-                          </a:solidFill>
-                        </a:rPr>
-                        <a:t>)</a:t>
-                      </a:r>
-                      <a:endParaRPr lang="en-US" altLang="ko-KR" sz="800" dirty="0" smtClean="0">
-                        <a:solidFill>
-                          <a:schemeClr val="tx2">
-                            <a:lumMod val="40000"/>
-                            <a:lumOff val="60000"/>
-                          </a:schemeClr>
-                        </a:solidFill>
-                      </a:endParaRPr>
-                    </a:p>
-                  </a:txBody>
-                  <a:tcPr/>
-                </a:tc>
-                <a:tc>
-                  <a:txBody>
-                    <a:bodyPr/>
-                    <a:lstStyle/>
-                    <a:p>
-                      <a:pPr latinLnBrk="1"/>
-                      <a:r>
-                        <a:rPr lang="en-US" altLang="ko-KR" sz="800" dirty="0" smtClean="0">
-                          <a:solidFill>
-                            <a:schemeClr val="tx2">
-                              <a:lumMod val="40000"/>
-                              <a:lumOff val="60000"/>
-                            </a:schemeClr>
-                          </a:solidFill>
-                        </a:rPr>
-                        <a:t>17</a:t>
-                      </a:r>
-                    </a:p>
-                    <a:p>
-                      <a:pPr latinLnBrk="1"/>
-                      <a:endParaRPr lang="en-US" altLang="ko-KR" sz="800" dirty="0" smtClean="0">
-                        <a:solidFill>
-                          <a:schemeClr val="tx2">
-                            <a:lumMod val="40000"/>
-                            <a:lumOff val="60000"/>
-                          </a:schemeClr>
-                        </a:solidFill>
-                      </a:endParaRPr>
-                    </a:p>
-                    <a:p>
-                      <a:pPr latinLnBrk="1"/>
-                      <a:r>
-                        <a:rPr lang="en-US" altLang="ko-KR" sz="800" dirty="0" err="1" smtClean="0">
-                          <a:solidFill>
-                            <a:schemeClr val="tx2">
-                              <a:lumMod val="40000"/>
-                              <a:lumOff val="60000"/>
-                            </a:schemeClr>
-                          </a:solidFill>
-                        </a:rPr>
-                        <a:t>Laravel</a:t>
-                      </a:r>
-                      <a:r>
-                        <a:rPr lang="en-US" altLang="ko-KR" sz="800" baseline="0" dirty="0" smtClean="0">
-                          <a:solidFill>
-                            <a:schemeClr val="tx2">
-                              <a:lumMod val="40000"/>
-                              <a:lumOff val="60000"/>
-                            </a:schemeClr>
-                          </a:solidFill>
-                        </a:rPr>
-                        <a:t> </a:t>
-                      </a:r>
-                      <a:r>
-                        <a:rPr lang="ko-KR" altLang="en-US" sz="800" baseline="0" dirty="0" err="1" smtClean="0">
-                          <a:solidFill>
-                            <a:schemeClr val="tx2">
-                              <a:lumMod val="40000"/>
-                              <a:lumOff val="60000"/>
-                            </a:schemeClr>
-                          </a:solidFill>
-                        </a:rPr>
-                        <a:t>설계컨셉</a:t>
-                      </a:r>
-                      <a:endParaRPr lang="en-US" altLang="ko-KR" sz="800" baseline="0" dirty="0" smtClean="0">
-                        <a:solidFill>
-                          <a:schemeClr val="tx2">
-                            <a:lumMod val="40000"/>
-                            <a:lumOff val="60000"/>
-                          </a:schemeClr>
-                        </a:solidFill>
-                      </a:endParaRPr>
-                    </a:p>
-                    <a:p>
-                      <a:pPr latinLnBrk="1"/>
-                      <a:endParaRPr lang="en-US" altLang="ko-KR" sz="800" baseline="0" dirty="0" smtClean="0">
-                        <a:solidFill>
-                          <a:schemeClr val="tx2">
-                            <a:lumMod val="40000"/>
-                            <a:lumOff val="60000"/>
-                          </a:schemeClr>
-                        </a:solidFill>
-                      </a:endParaRPr>
-                    </a:p>
-                    <a:p>
-                      <a:pPr latinLnBrk="1"/>
-                      <a:r>
-                        <a:rPr lang="en-US" altLang="ko-KR" sz="800" baseline="0" dirty="0" smtClean="0">
-                          <a:solidFill>
-                            <a:schemeClr val="tx2">
-                              <a:lumMod val="40000"/>
-                              <a:lumOff val="60000"/>
-                            </a:schemeClr>
-                          </a:solidFill>
-                        </a:rPr>
-                        <a:t>(Facades-</a:t>
-                      </a:r>
-                      <a:r>
-                        <a:rPr lang="ko-KR" altLang="en-US" sz="800" baseline="0" dirty="0" err="1" smtClean="0">
-                          <a:solidFill>
-                            <a:schemeClr val="tx2">
-                              <a:lumMod val="40000"/>
-                              <a:lumOff val="60000"/>
-                            </a:schemeClr>
-                          </a:solidFill>
-                        </a:rPr>
-                        <a:t>파사드</a:t>
-                      </a:r>
-                      <a:r>
-                        <a:rPr lang="en-US" altLang="ko-KR" sz="800" baseline="0" dirty="0" smtClean="0">
-                          <a:solidFill>
-                            <a:schemeClr val="tx2">
-                              <a:lumMod val="40000"/>
-                              <a:lumOff val="60000"/>
-                            </a:schemeClr>
-                          </a:solidFill>
-                        </a:rPr>
-                        <a:t>)</a:t>
-                      </a:r>
-                      <a:endParaRPr lang="en-US" altLang="ko-KR" sz="800" dirty="0" smtClean="0">
-                        <a:solidFill>
-                          <a:schemeClr val="tx2">
-                            <a:lumMod val="40000"/>
-                            <a:lumOff val="60000"/>
-                          </a:schemeClr>
-                        </a:solidFill>
-                      </a:endParaRPr>
-                    </a:p>
-                  </a:txBody>
-                  <a:tcPr/>
-                </a:tc>
-                <a:tc>
-                  <a:txBody>
-                    <a:bodyPr/>
-                    <a:lstStyle/>
-                    <a:p>
-                      <a:pPr latinLnBrk="1"/>
-                      <a:r>
-                        <a:rPr lang="en-US" altLang="ko-KR" sz="800" dirty="0" smtClean="0">
-                          <a:solidFill>
-                            <a:schemeClr val="tx2">
-                              <a:lumMod val="40000"/>
-                              <a:lumOff val="60000"/>
-                            </a:schemeClr>
-                          </a:solidFill>
-                        </a:rPr>
-                        <a:t>18</a:t>
-                      </a:r>
-                    </a:p>
-                    <a:p>
-                      <a:pPr latinLnBrk="1"/>
-                      <a:endParaRPr lang="en-US" altLang="ko-KR" sz="800" dirty="0" smtClean="0">
-                        <a:solidFill>
-                          <a:schemeClr val="tx2">
-                            <a:lumMod val="40000"/>
-                            <a:lumOff val="60000"/>
-                          </a:schemeClr>
-                        </a:solidFill>
-                      </a:endParaRPr>
-                    </a:p>
-                    <a:p>
-                      <a:pPr latinLnBrk="1"/>
-                      <a:r>
-                        <a:rPr lang="en-US" altLang="ko-KR" sz="800" dirty="0" err="1" smtClean="0">
-                          <a:solidFill>
-                            <a:schemeClr val="tx2">
-                              <a:lumMod val="40000"/>
-                              <a:lumOff val="60000"/>
-                            </a:schemeClr>
-                          </a:solidFill>
-                        </a:rPr>
-                        <a:t>Laravel</a:t>
-                      </a:r>
-                      <a:r>
-                        <a:rPr lang="en-US" altLang="ko-KR" sz="800" dirty="0" smtClean="0">
-                          <a:solidFill>
-                            <a:schemeClr val="tx2">
-                              <a:lumMod val="40000"/>
-                              <a:lumOff val="60000"/>
-                            </a:schemeClr>
-                          </a:solidFill>
-                        </a:rPr>
-                        <a:t> </a:t>
-                      </a:r>
-                      <a:r>
-                        <a:rPr lang="ko-KR" altLang="en-US" sz="800" dirty="0" err="1" smtClean="0">
-                          <a:solidFill>
-                            <a:schemeClr val="tx2">
-                              <a:lumMod val="40000"/>
-                              <a:lumOff val="60000"/>
-                            </a:schemeClr>
-                          </a:solidFill>
-                        </a:rPr>
-                        <a:t>설계컨셉</a:t>
-                      </a:r>
-                      <a:endParaRPr lang="en-US" altLang="ko-KR" sz="800" dirty="0" smtClean="0">
-                        <a:solidFill>
-                          <a:schemeClr val="tx2">
-                            <a:lumMod val="40000"/>
-                            <a:lumOff val="60000"/>
-                          </a:schemeClr>
-                        </a:solidFill>
-                      </a:endParaRPr>
-                    </a:p>
-                    <a:p>
-                      <a:pPr latinLnBrk="1"/>
-                      <a:endParaRPr lang="en-US" altLang="ko-KR" sz="800" dirty="0" smtClean="0">
-                        <a:solidFill>
-                          <a:schemeClr val="tx2">
-                            <a:lumMod val="40000"/>
-                            <a:lumOff val="60000"/>
-                          </a:schemeClr>
-                        </a:solidFill>
-                      </a:endParaRPr>
-                    </a:p>
-                    <a:p>
-                      <a:pPr latinLnBrk="1"/>
-                      <a:r>
-                        <a:rPr lang="en-US" altLang="ko-KR" sz="800" dirty="0" smtClean="0">
-                          <a:solidFill>
-                            <a:schemeClr val="tx2">
-                              <a:lumMod val="40000"/>
-                              <a:lumOff val="60000"/>
-                            </a:schemeClr>
-                          </a:solidFill>
-                        </a:rPr>
-                        <a:t>Contracts</a:t>
-                      </a:r>
-                    </a:p>
-                  </a:txBody>
-                  <a:tcPr/>
-                </a:tc>
-                <a:tc>
-                  <a:txBody>
-                    <a:bodyPr/>
-                    <a:lstStyle/>
-                    <a:p>
-                      <a:pPr latinLnBrk="1"/>
-                      <a:r>
-                        <a:rPr lang="en-US" altLang="ko-KR" sz="800" dirty="0" smtClean="0">
-                          <a:solidFill>
-                            <a:schemeClr val="tx2">
-                              <a:lumMod val="40000"/>
-                              <a:lumOff val="60000"/>
-                            </a:schemeClr>
-                          </a:solidFill>
-                        </a:rPr>
-                        <a:t>19</a:t>
-                      </a:r>
-                    </a:p>
-                    <a:p>
-                      <a:pPr latinLnBrk="1"/>
-                      <a:endParaRPr lang="en-US" altLang="ko-KR" sz="800" dirty="0" smtClean="0">
-                        <a:solidFill>
-                          <a:schemeClr val="tx2">
-                            <a:lumMod val="40000"/>
-                            <a:lumOff val="60000"/>
-                          </a:schemeClr>
-                        </a:solidFill>
-                      </a:endParaRPr>
-                    </a:p>
-                    <a:p>
-                      <a:pPr latinLnBrk="1"/>
-                      <a:r>
-                        <a:rPr lang="ko-KR" altLang="en-US" sz="800" dirty="0" err="1" smtClean="0">
-                          <a:solidFill>
-                            <a:schemeClr val="tx2">
-                              <a:lumMod val="40000"/>
-                              <a:lumOff val="60000"/>
-                            </a:schemeClr>
-                          </a:solidFill>
-                        </a:rPr>
-                        <a:t>라라벨</a:t>
-                      </a:r>
-                      <a:r>
-                        <a:rPr lang="ko-KR" altLang="en-US" sz="800" dirty="0" smtClean="0">
-                          <a:solidFill>
-                            <a:schemeClr val="tx2">
-                              <a:lumMod val="40000"/>
-                              <a:lumOff val="60000"/>
-                            </a:schemeClr>
-                          </a:solidFill>
-                        </a:rPr>
-                        <a:t> 자습서</a:t>
-                      </a:r>
-                      <a:endParaRPr lang="en-US" altLang="ko-KR" sz="800" dirty="0" smtClean="0">
-                        <a:solidFill>
-                          <a:schemeClr val="tx2">
-                            <a:lumMod val="40000"/>
-                            <a:lumOff val="60000"/>
-                          </a:schemeClr>
-                        </a:solidFill>
-                      </a:endParaRPr>
-                    </a:p>
-                    <a:p>
-                      <a:pPr latinLnBrk="1"/>
-                      <a:r>
-                        <a:rPr lang="ko-KR" altLang="en-US" sz="800" dirty="0" err="1" smtClean="0">
-                          <a:solidFill>
-                            <a:schemeClr val="tx2">
-                              <a:lumMod val="40000"/>
-                              <a:lumOff val="60000"/>
-                            </a:schemeClr>
-                          </a:solidFill>
-                        </a:rPr>
-                        <a:t>블레이드</a:t>
-                      </a:r>
-                      <a:r>
-                        <a:rPr lang="ko-KR" altLang="en-US" sz="800" dirty="0" smtClean="0">
-                          <a:solidFill>
-                            <a:schemeClr val="tx2">
-                              <a:lumMod val="40000"/>
-                              <a:lumOff val="60000"/>
-                            </a:schemeClr>
-                          </a:solidFill>
-                        </a:rPr>
-                        <a:t> 템플릿</a:t>
-                      </a:r>
-                      <a:endParaRPr lang="en-US" altLang="ko-KR" sz="800" dirty="0" smtClean="0">
-                        <a:solidFill>
-                          <a:schemeClr val="tx2">
-                            <a:lumMod val="40000"/>
-                            <a:lumOff val="60000"/>
-                          </a:schemeClr>
-                        </a:solidFill>
-                      </a:endParaRPr>
-                    </a:p>
-                  </a:txBody>
-                  <a:tcPr/>
-                </a:tc>
-              </a:tr>
-              <a:tr h="723345">
-                <a:tc>
-                  <a:txBody>
-                    <a:bodyPr/>
-                    <a:lstStyle/>
-                    <a:p>
-                      <a:pPr latinLnBrk="1"/>
-                      <a:r>
-                        <a:rPr lang="en-US" altLang="ko-KR" sz="800" dirty="0" smtClean="0">
-                          <a:solidFill>
-                            <a:schemeClr val="tx2">
-                              <a:lumMod val="40000"/>
-                              <a:lumOff val="60000"/>
-                            </a:schemeClr>
-                          </a:solidFill>
-                        </a:rPr>
-                        <a:t>20</a:t>
-                      </a:r>
-                    </a:p>
-                    <a:p>
-                      <a:pPr latinLnBrk="1"/>
-                      <a:r>
-                        <a:rPr lang="ko-KR" altLang="en-US" sz="800" dirty="0" smtClean="0">
-                          <a:solidFill>
-                            <a:schemeClr val="tx2">
-                              <a:lumMod val="40000"/>
-                              <a:lumOff val="60000"/>
-                            </a:schemeClr>
-                          </a:solidFill>
-                        </a:rPr>
-                        <a:t>예배</a:t>
-                      </a:r>
-                      <a:endParaRPr lang="en-US" altLang="ko-KR" sz="800" dirty="0" smtClean="0">
-                        <a:solidFill>
-                          <a:schemeClr val="tx2">
-                            <a:lumMod val="40000"/>
-                            <a:lumOff val="60000"/>
-                          </a:schemeClr>
-                        </a:solidFill>
-                      </a:endParaRPr>
-                    </a:p>
-                    <a:p>
-                      <a:pPr latinLnBrk="1"/>
-                      <a:r>
-                        <a:rPr lang="ko-KR" altLang="en-US" sz="800" dirty="0" err="1" smtClean="0">
-                          <a:solidFill>
-                            <a:schemeClr val="tx2">
-                              <a:lumMod val="40000"/>
-                              <a:lumOff val="60000"/>
-                            </a:schemeClr>
-                          </a:solidFill>
-                        </a:rPr>
-                        <a:t>라라벨</a:t>
-                      </a:r>
-                      <a:r>
-                        <a:rPr lang="ko-KR" altLang="en-US" sz="800" dirty="0" smtClean="0">
-                          <a:solidFill>
-                            <a:schemeClr val="tx2">
-                              <a:lumMod val="40000"/>
-                              <a:lumOff val="60000"/>
-                            </a:schemeClr>
-                          </a:solidFill>
-                        </a:rPr>
-                        <a:t> 자습서</a:t>
-                      </a:r>
-                      <a:endParaRPr lang="en-US" altLang="ko-KR" sz="800" dirty="0" smtClean="0">
-                        <a:solidFill>
-                          <a:schemeClr val="tx2">
-                            <a:lumMod val="40000"/>
-                            <a:lumOff val="60000"/>
-                          </a:schemeClr>
-                        </a:solidFill>
-                      </a:endParaRPr>
-                    </a:p>
-                    <a:p>
-                      <a:pPr latinLnBrk="1"/>
-                      <a:r>
-                        <a:rPr lang="ko-KR" altLang="en-US" sz="800" dirty="0" err="1" smtClean="0">
-                          <a:solidFill>
-                            <a:schemeClr val="tx2">
-                              <a:lumMod val="40000"/>
-                              <a:lumOff val="60000"/>
-                            </a:schemeClr>
-                          </a:solidFill>
-                        </a:rPr>
-                        <a:t>블레이드</a:t>
-                      </a:r>
-                      <a:r>
-                        <a:rPr lang="ko-KR" altLang="en-US" sz="800" dirty="0" smtClean="0">
-                          <a:solidFill>
-                            <a:schemeClr val="tx2">
-                              <a:lumMod val="40000"/>
-                              <a:lumOff val="60000"/>
-                            </a:schemeClr>
-                          </a:solidFill>
-                        </a:rPr>
-                        <a:t> 템플릿</a:t>
-                      </a:r>
-                      <a:endParaRPr lang="en-US" altLang="ko-KR" sz="800" dirty="0" smtClean="0">
-                        <a:solidFill>
-                          <a:schemeClr val="tx2">
-                            <a:lumMod val="40000"/>
-                            <a:lumOff val="60000"/>
-                          </a:schemeClr>
-                        </a:solidFill>
-                      </a:endParaRPr>
-                    </a:p>
-                  </a:txBody>
-                  <a:tcPr/>
-                </a:tc>
-                <a:tc>
-                  <a:txBody>
-                    <a:bodyPr/>
-                    <a:lstStyle/>
-                    <a:p>
-                      <a:pPr latinLnBrk="1"/>
-                      <a:r>
-                        <a:rPr lang="en-US" altLang="ko-KR" sz="800" dirty="0" smtClean="0">
-                          <a:solidFill>
-                            <a:schemeClr val="tx2">
-                              <a:lumMod val="40000"/>
-                              <a:lumOff val="60000"/>
-                            </a:schemeClr>
-                          </a:solidFill>
-                        </a:rPr>
-                        <a:t>21</a:t>
-                      </a:r>
-                    </a:p>
-                    <a:p>
-                      <a:pPr latinLnBrk="1"/>
-                      <a:endParaRPr lang="en-US" altLang="ko-KR" sz="800" dirty="0" smtClean="0">
-                        <a:solidFill>
-                          <a:schemeClr val="tx2">
-                            <a:lumMod val="40000"/>
-                            <a:lumOff val="60000"/>
-                          </a:schemeClr>
-                        </a:solidFill>
-                      </a:endParaRPr>
-                    </a:p>
-                    <a:p>
-                      <a:pPr latinLnBrk="1"/>
-                      <a:r>
-                        <a:rPr lang="en-US" altLang="ko-KR" sz="800" dirty="0" err="1" smtClean="0">
-                          <a:solidFill>
-                            <a:schemeClr val="tx2">
-                              <a:lumMod val="40000"/>
-                              <a:lumOff val="60000"/>
-                            </a:schemeClr>
-                          </a:solidFill>
-                        </a:rPr>
-                        <a:t>Laravel</a:t>
-                      </a:r>
-                      <a:r>
-                        <a:rPr lang="en-US" altLang="ko-KR" sz="800" dirty="0" smtClean="0">
-                          <a:solidFill>
-                            <a:schemeClr val="tx2">
-                              <a:lumMod val="40000"/>
-                              <a:lumOff val="60000"/>
-                            </a:schemeClr>
-                          </a:solidFill>
-                        </a:rPr>
-                        <a:t> - </a:t>
-                      </a:r>
-                      <a:r>
-                        <a:rPr lang="ko-KR" altLang="en-US" sz="800" dirty="0" err="1" smtClean="0">
-                          <a:solidFill>
-                            <a:schemeClr val="tx2">
-                              <a:lumMod val="40000"/>
-                              <a:lumOff val="60000"/>
-                            </a:schemeClr>
-                          </a:solidFill>
-                        </a:rPr>
-                        <a:t>라우팅</a:t>
-                      </a:r>
-                      <a:endParaRPr lang="en-US" altLang="ko-KR" sz="800" dirty="0" smtClean="0">
-                        <a:solidFill>
-                          <a:schemeClr val="tx2">
-                            <a:lumMod val="40000"/>
-                            <a:lumOff val="60000"/>
-                          </a:schemeClr>
-                        </a:solidFill>
-                      </a:endParaRPr>
-                    </a:p>
-                  </a:txBody>
-                  <a:tcPr/>
-                </a:tc>
-                <a:tc>
-                  <a:txBody>
-                    <a:bodyPr/>
-                    <a:lstStyle/>
-                    <a:p>
-                      <a:pPr latinLnBrk="1"/>
-                      <a:r>
-                        <a:rPr lang="en-US" altLang="ko-KR" sz="800" dirty="0" smtClean="0">
-                          <a:solidFill>
-                            <a:schemeClr val="tx2">
-                              <a:lumMod val="40000"/>
-                              <a:lumOff val="60000"/>
-                            </a:schemeClr>
-                          </a:solidFill>
-                        </a:rPr>
-                        <a:t>22</a:t>
-                      </a:r>
-                    </a:p>
-                    <a:p>
-                      <a:pPr latinLnBrk="1"/>
-                      <a:endParaRPr lang="en-US" altLang="ko-KR" sz="800" dirty="0" smtClean="0">
-                        <a:solidFill>
-                          <a:schemeClr val="tx2">
-                            <a:lumMod val="40000"/>
-                            <a:lumOff val="60000"/>
-                          </a:schemeClr>
-                        </a:solidFill>
-                      </a:endParaRPr>
-                    </a:p>
-                    <a:p>
-                      <a:pPr latinLnBrk="1"/>
-                      <a:r>
-                        <a:rPr lang="ko-KR" altLang="en-US" sz="800" dirty="0" smtClean="0">
-                          <a:solidFill>
-                            <a:schemeClr val="tx2">
-                              <a:lumMod val="40000"/>
-                              <a:lumOff val="60000"/>
-                            </a:schemeClr>
-                          </a:solidFill>
-                        </a:rPr>
-                        <a:t>국립중앙도서관 방문</a:t>
-                      </a:r>
-                      <a:endParaRPr lang="en-US" altLang="ko-KR" sz="800" dirty="0" smtClean="0">
-                        <a:solidFill>
-                          <a:schemeClr val="tx2">
-                            <a:lumMod val="40000"/>
-                            <a:lumOff val="60000"/>
-                          </a:schemeClr>
-                        </a:solidFill>
-                      </a:endParaRPr>
-                    </a:p>
-                    <a:p>
-                      <a:pPr latinLnBrk="1"/>
-                      <a:r>
-                        <a:rPr lang="en-US" altLang="ko-KR" sz="800" dirty="0" err="1" smtClean="0">
-                          <a:solidFill>
-                            <a:schemeClr val="tx2">
-                              <a:lumMod val="40000"/>
-                              <a:lumOff val="60000"/>
-                            </a:schemeClr>
-                          </a:solidFill>
-                        </a:rPr>
-                        <a:t>Larave</a:t>
-                      </a:r>
-                      <a:r>
-                        <a:rPr lang="en-US" altLang="ko-KR" sz="800" baseline="0" dirty="0" err="1" smtClean="0">
-                          <a:solidFill>
-                            <a:schemeClr val="tx2">
-                              <a:lumMod val="40000"/>
-                              <a:lumOff val="60000"/>
-                            </a:schemeClr>
-                          </a:solidFill>
-                        </a:rPr>
-                        <a:t>l</a:t>
-                      </a:r>
-                      <a:r>
-                        <a:rPr lang="en-US" altLang="ko-KR" sz="800" baseline="0" dirty="0" smtClean="0">
-                          <a:solidFill>
-                            <a:schemeClr val="tx2">
-                              <a:lumMod val="40000"/>
-                              <a:lumOff val="60000"/>
-                            </a:schemeClr>
-                          </a:solidFill>
-                        </a:rPr>
-                        <a:t> - </a:t>
-                      </a:r>
-                      <a:r>
-                        <a:rPr lang="ko-KR" altLang="en-US" sz="800" dirty="0" err="1" smtClean="0">
-                          <a:solidFill>
-                            <a:schemeClr val="tx2">
-                              <a:lumMod val="40000"/>
-                              <a:lumOff val="60000"/>
-                            </a:schemeClr>
-                          </a:solidFill>
-                        </a:rPr>
-                        <a:t>미들웨어</a:t>
-                      </a:r>
-                      <a:endParaRPr lang="en-US" altLang="ko-KR" sz="800" dirty="0" smtClean="0">
-                        <a:solidFill>
-                          <a:schemeClr val="tx2">
-                            <a:lumMod val="40000"/>
-                            <a:lumOff val="60000"/>
-                          </a:schemeClr>
-                        </a:solidFill>
-                      </a:endParaRPr>
-                    </a:p>
-                    <a:p>
-                      <a:pPr latinLnBrk="1"/>
-                      <a:endParaRPr lang="en-US" altLang="ko-KR" sz="800" dirty="0" smtClean="0">
-                        <a:solidFill>
-                          <a:schemeClr val="tx2">
-                            <a:lumMod val="40000"/>
-                            <a:lumOff val="60000"/>
-                          </a:schemeClr>
-                        </a:solidFill>
-                      </a:endParaRPr>
-                    </a:p>
-                  </a:txBody>
-                  <a:tcPr/>
-                </a:tc>
-                <a:tc>
-                  <a:txBody>
-                    <a:bodyPr/>
-                    <a:lstStyle/>
-                    <a:p>
-                      <a:pPr latinLnBrk="1"/>
-                      <a:r>
-                        <a:rPr lang="en-US" altLang="ko-KR" sz="800" dirty="0" smtClean="0">
-                          <a:solidFill>
-                            <a:schemeClr val="tx2">
-                              <a:lumMod val="40000"/>
-                              <a:lumOff val="60000"/>
-                            </a:schemeClr>
-                          </a:solidFill>
-                        </a:rPr>
-                        <a:t>23</a:t>
                       </a:r>
                     </a:p>
                     <a:p>
@@ -7757,40 +6973,7 @@
                             </a:schemeClr>
                           </a:solidFill>
                         </a:rPr>
-                        <a:t>Larave</a:t>
-                      </a:r>
-                      <a:r>
-                        <a:rPr lang="en-US" altLang="ko-KR" sz="800" baseline="0" dirty="0" err="1" smtClean="0">
-                          <a:solidFill>
-                            <a:schemeClr val="tx2">
-                              <a:lumMod val="40000"/>
-                              <a:lumOff val="60000"/>
-                            </a:schemeClr>
-                          </a:solidFill>
-                        </a:rPr>
-                        <a:t>l</a:t>
-                      </a:r>
-                      <a:r>
-                        <a:rPr lang="en-US" altLang="ko-KR" sz="800" baseline="0" dirty="0" smtClean="0">
-                          <a:solidFill>
-                            <a:schemeClr val="tx2">
-                              <a:lumMod val="40000"/>
-                              <a:lumOff val="60000"/>
-                            </a:schemeClr>
-                          </a:solidFill>
-                        </a:rPr>
-                        <a:t> - </a:t>
-                      </a:r>
-                      <a:r>
-                        <a:rPr lang="ko-KR" altLang="en-US" sz="800" dirty="0" err="1" smtClean="0">
-                          <a:solidFill>
-                            <a:schemeClr val="tx2">
-                              <a:lumMod val="40000"/>
-                              <a:lumOff val="60000"/>
-                            </a:schemeClr>
-                          </a:solidFill>
-                        </a:rPr>
-                        <a:t>미들웨어</a:t>
+                        <a:t>Laravel</a:t>
                       </a:r>
                       <a:endParaRPr lang="en-US" altLang="ko-KR" sz="800" dirty="0" smtClean="0">
                         <a:solidFill>
@@ -7802,8 +6985,125 @@
                       </a:endParaRPr>
                     </a:p>
                     <a:p>
-                      <a:pPr latinLnBrk="1"/>
-                      <a:endParaRPr lang="ko-KR" altLang="en-US" sz="800" dirty="0">
+                      <a:pPr marL="0" marR="0" indent="0" algn="l" defTabSz="914400" rtl="0" eaLnBrk="1" fontAlgn="auto" latinLnBrk="1" hangingPunct="1">
+                        <a:lnSpc>
+                          <a:spcPct val="100000"/>
+                        </a:lnSpc>
+                        <a:spcBef>
+                          <a:spcPts val="0"/>
+                        </a:spcBef>
+                        <a:spcAft>
+                          <a:spcPts val="0"/>
+                        </a:spcAft>
+                        <a:buClrTx/>
+                        <a:buSzTx/>
+                        <a:buFontTx/>
+                        <a:buNone/>
+                        <a:tabLst/>
+                        <a:defRPr/>
+                      </a:pPr>
+                      <a:endParaRPr lang="en-US" altLang="ko-KR" sz="800" baseline="0" dirty="0" smtClean="0">
+                        <a:solidFill>
+                          <a:schemeClr val="tx2">
+                            <a:lumMod val="40000"/>
+                            <a:lumOff val="60000"/>
+                          </a:schemeClr>
+                        </a:solidFill>
+                      </a:endParaRPr>
+                    </a:p>
+                    <a:p>
+                      <a:pPr marL="0" marR="0" indent="0" algn="l" defTabSz="914400" rtl="0" eaLnBrk="1" fontAlgn="auto" latinLnBrk="1" hangingPunct="1">
+                        <a:lnSpc>
+                          <a:spcPct val="100000"/>
+                        </a:lnSpc>
+                        <a:spcBef>
+                          <a:spcPts val="0"/>
+                        </a:spcBef>
+                        <a:spcAft>
+                          <a:spcPts val="0"/>
+                        </a:spcAft>
+                        <a:buClrTx/>
+                        <a:buSzTx/>
+                        <a:buFontTx/>
+                        <a:buNone/>
+                        <a:tabLst/>
+                        <a:defRPr/>
+                      </a:pPr>
+                      <a:r>
+                        <a:rPr lang="ko-KR" altLang="en-US" sz="800" baseline="0" dirty="0" err="1" smtClean="0">
+                          <a:solidFill>
+                            <a:schemeClr val="tx2">
+                              <a:lumMod val="40000"/>
+                              <a:lumOff val="60000"/>
+                            </a:schemeClr>
+                          </a:solidFill>
+                        </a:rPr>
+                        <a:t>뷰와</a:t>
+                      </a:r>
+                      <a:r>
+                        <a:rPr lang="ko-KR" altLang="en-US" sz="800" baseline="0" dirty="0" smtClean="0">
+                          <a:solidFill>
+                            <a:schemeClr val="tx2">
+                              <a:lumMod val="40000"/>
+                              <a:lumOff val="60000"/>
+                            </a:schemeClr>
+                          </a:solidFill>
+                        </a:rPr>
+                        <a:t> 데이터 바인딩</a:t>
+                      </a:r>
+                    </a:p>
+                    <a:p>
+                      <a:pPr marL="0" marR="0" indent="0" algn="l" defTabSz="914400" rtl="0" eaLnBrk="1" fontAlgn="auto" latinLnBrk="1" hangingPunct="1">
+                        <a:lnSpc>
+                          <a:spcPct val="100000"/>
+                        </a:lnSpc>
+                        <a:spcBef>
+                          <a:spcPts val="0"/>
+                        </a:spcBef>
+                        <a:spcAft>
+                          <a:spcPts val="0"/>
+                        </a:spcAft>
+                        <a:buClrTx/>
+                        <a:buSzTx/>
+                        <a:buFontTx/>
+                        <a:buNone/>
+                        <a:tabLst/>
+                        <a:defRPr/>
+                      </a:pPr>
+                      <a:r>
+                        <a:rPr lang="en-US" altLang="ko-KR" sz="800" baseline="0" dirty="0" smtClean="0">
+                          <a:solidFill>
+                            <a:schemeClr val="tx2">
+                              <a:lumMod val="40000"/>
+                              <a:lumOff val="60000"/>
+                            </a:schemeClr>
+                          </a:solidFill>
+                        </a:rPr>
+                        <a:t>DB </a:t>
+                      </a:r>
+                      <a:r>
+                        <a:rPr lang="ko-KR" altLang="en-US" sz="800" baseline="0" dirty="0" err="1" smtClean="0">
+                          <a:solidFill>
+                            <a:schemeClr val="tx2">
+                              <a:lumMod val="40000"/>
+                              <a:lumOff val="60000"/>
+                            </a:schemeClr>
+                          </a:solidFill>
+                        </a:rPr>
+                        <a:t>마이그레이션</a:t>
+                      </a:r>
+                      <a:endParaRPr lang="en-US" altLang="ko-KR" sz="800" baseline="0" dirty="0" smtClean="0">
+                        <a:solidFill>
+                          <a:schemeClr val="tx2">
+                            <a:lumMod val="40000"/>
+                            <a:lumOff val="60000"/>
+                          </a:schemeClr>
+                        </a:solidFill>
+                      </a:endParaRPr>
+                    </a:p>
+                    <a:p>
+                      <a:pPr latinLnBrk="1"/>
+                      <a:endParaRPr lang="en-US" altLang="ko-KR" sz="800" dirty="0" smtClean="0">
                         <a:solidFill>
                           <a:schemeClr val="tx2">
                             <a:lumMod val="40000"/>
@@ -7830,7 +7130,7 @@
                             </a:schemeClr>
                           </a:solidFill>
                         </a:rPr>
-                        <a:t>24</a:t>
+                        <a:t>17</a:t>
                       </a:r>
                     </a:p>
                     <a:p>
@@ -7846,7 +7146,73 @@
                     </a:p>
                     <a:p>
                       <a:pPr latinLnBrk="1"/>
-                      <a:endParaRPr lang="ko-KR" altLang="en-US" sz="800" dirty="0">
+                      <a:r>
+                        <a:rPr lang="en-US" altLang="ko-KR" sz="800" dirty="0" err="1" smtClean="0">
+                          <a:solidFill>
+                            <a:schemeClr val="tx2">
+                              <a:lumMod val="40000"/>
+                              <a:lumOff val="60000"/>
+                            </a:schemeClr>
+                          </a:solidFill>
+                        </a:rPr>
+                        <a:t>Laravel</a:t>
+                      </a:r>
+                      <a:endParaRPr lang="en-US" altLang="ko-KR" sz="800" dirty="0" smtClean="0">
+                        <a:solidFill>
+                          <a:schemeClr val="tx2">
+                            <a:lumMod val="40000"/>
+                            <a:lumOff val="60000"/>
+                          </a:schemeClr>
+                        </a:solidFill>
+                      </a:endParaRPr>
+                    </a:p>
+                    <a:p>
+                      <a:pPr latinLnBrk="1"/>
+                      <a:endParaRPr lang="en-US" altLang="ko-KR" sz="800" baseline="0" dirty="0" smtClean="0">
+                        <a:solidFill>
+                          <a:schemeClr val="tx2">
+                            <a:lumMod val="40000"/>
+                            <a:lumOff val="60000"/>
+                          </a:schemeClr>
+                        </a:solidFill>
+                      </a:endParaRPr>
+                    </a:p>
+                    <a:p>
+                      <a:pPr latinLnBrk="1"/>
+                      <a:r>
+                        <a:rPr lang="ko-KR" altLang="en-US" sz="800" baseline="0" dirty="0" err="1" smtClean="0">
+                          <a:solidFill>
+                            <a:schemeClr val="tx2">
+                              <a:lumMod val="40000"/>
+                              <a:lumOff val="60000"/>
+                            </a:schemeClr>
+                          </a:solidFill>
+                        </a:rPr>
+                        <a:t>엘로퀀트</a:t>
+                      </a:r>
+                      <a:r>
+                        <a:rPr lang="ko-KR" altLang="en-US" sz="800" baseline="0" dirty="0" smtClean="0">
+                          <a:solidFill>
+                            <a:schemeClr val="tx2">
+                              <a:lumMod val="40000"/>
+                              <a:lumOff val="60000"/>
+                            </a:schemeClr>
+                          </a:solidFill>
+                        </a:rPr>
+                        <a:t> </a:t>
+                      </a:r>
+                      <a:r>
+                        <a:rPr lang="en-US" altLang="ko-KR" sz="800" baseline="0" dirty="0" smtClean="0">
+                          <a:solidFill>
+                            <a:schemeClr val="tx2">
+                              <a:lumMod val="40000"/>
+                              <a:lumOff val="60000"/>
+                            </a:schemeClr>
+                          </a:solidFill>
+                        </a:rPr>
+                        <a:t>ORM</a:t>
+                      </a:r>
+                      <a:endParaRPr lang="en-US" altLang="ko-KR" sz="800" baseline="0" dirty="0" smtClean="0">
                         <a:solidFill>
                           <a:schemeClr val="tx2">
                             <a:lumMod val="40000"/>
@@ -7873,12 +7239,741 @@
                             </a:schemeClr>
                           </a:solidFill>
                         </a:rPr>
+                        <a:t>18</a:t>
+                      </a:r>
+                    </a:p>
+                    <a:p>
+                      <a:pPr latinLnBrk="1"/>
+                      <a:endParaRPr lang="en-US" altLang="ko-KR" sz="800" dirty="0" smtClean="0">
+                        <a:solidFill>
+                          <a:schemeClr val="tx2">
+                            <a:lumMod val="40000"/>
+                            <a:lumOff val="60000"/>
+                          </a:schemeClr>
+                        </a:solidFill>
+                      </a:endParaRPr>
+                    </a:p>
+                    <a:p>
+                      <a:pPr latinLnBrk="1"/>
+                      <a:r>
+                        <a:rPr lang="en-US" altLang="ko-KR" sz="800" dirty="0" err="1" smtClean="0">
+                          <a:solidFill>
+                            <a:schemeClr val="tx2">
+                              <a:lumMod val="40000"/>
+                              <a:lumOff val="60000"/>
+                            </a:schemeClr>
+                          </a:solidFill>
+                        </a:rPr>
+                        <a:t>Laravel</a:t>
+                      </a:r>
+                      <a:endParaRPr lang="en-US" altLang="ko-KR" sz="800" dirty="0" smtClean="0">
+                        <a:solidFill>
+                          <a:schemeClr val="tx2">
+                            <a:lumMod val="40000"/>
+                            <a:lumOff val="60000"/>
+                          </a:schemeClr>
+                        </a:solidFill>
+                      </a:endParaRPr>
+                    </a:p>
+                    <a:p>
+                      <a:pPr latinLnBrk="1"/>
+                      <a:endParaRPr lang="en-US" altLang="ko-KR" sz="800" dirty="0" smtClean="0">
+                        <a:solidFill>
+                          <a:schemeClr val="tx2">
+                            <a:lumMod val="40000"/>
+                            <a:lumOff val="60000"/>
+                          </a:schemeClr>
+                        </a:solidFill>
+                      </a:endParaRPr>
+                    </a:p>
+                    <a:p>
+                      <a:pPr latinLnBrk="1"/>
+                      <a:r>
+                        <a:rPr lang="ko-KR" altLang="en-US" sz="800" dirty="0" err="1" smtClean="0">
+                          <a:solidFill>
+                            <a:schemeClr val="tx2">
+                              <a:lumMod val="40000"/>
+                              <a:lumOff val="60000"/>
+                            </a:schemeClr>
+                          </a:solidFill>
+                        </a:rPr>
+                        <a:t>입력값</a:t>
+                      </a:r>
+                      <a:r>
+                        <a:rPr lang="ko-KR" altLang="en-US" sz="800" dirty="0" smtClean="0">
+                          <a:solidFill>
+                            <a:schemeClr val="tx2">
+                              <a:lumMod val="40000"/>
+                              <a:lumOff val="60000"/>
+                            </a:schemeClr>
+                          </a:solidFill>
+                        </a:rPr>
+                        <a:t> 유효성 검사</a:t>
+                      </a:r>
+                      <a:endParaRPr lang="en-US" altLang="ko-KR" sz="800" dirty="0" smtClean="0">
+                        <a:solidFill>
+                          <a:schemeClr val="tx2">
+                            <a:lumMod val="40000"/>
+                            <a:lumOff val="60000"/>
+                          </a:schemeClr>
+                        </a:solidFill>
+                      </a:endParaRPr>
+                    </a:p>
+                  </a:txBody>
+                  <a:tcPr/>
+                </a:tc>
+                <a:tc>
+                  <a:txBody>
+                    <a:bodyPr/>
+                    <a:lstStyle/>
+                    <a:p>
+                      <a:pPr latinLnBrk="1"/>
+                      <a:r>
+                        <a:rPr lang="en-US" altLang="ko-KR" sz="800" dirty="0" smtClean="0">
+                          <a:solidFill>
+                            <a:schemeClr val="tx2">
+                              <a:lumMod val="40000"/>
+                              <a:lumOff val="60000"/>
+                            </a:schemeClr>
+                          </a:solidFill>
+                        </a:rPr>
+                        <a:t>19</a:t>
+                      </a:r>
+                    </a:p>
+                    <a:p>
+                      <a:pPr latinLnBrk="1"/>
+                      <a:endParaRPr lang="en-US" altLang="ko-KR" sz="800" dirty="0" smtClean="0">
+                        <a:solidFill>
+                          <a:schemeClr val="tx2">
+                            <a:lumMod val="40000"/>
+                            <a:lumOff val="60000"/>
+                          </a:schemeClr>
+                        </a:solidFill>
+                      </a:endParaRPr>
+                    </a:p>
+                    <a:p>
+                      <a:pPr latinLnBrk="1"/>
+                      <a:r>
+                        <a:rPr lang="en-US" altLang="ko-KR" sz="800" dirty="0" err="1" smtClean="0">
+                          <a:solidFill>
+                            <a:schemeClr val="tx2">
+                              <a:lumMod val="40000"/>
+                              <a:lumOff val="60000"/>
+                            </a:schemeClr>
+                          </a:solidFill>
+                        </a:rPr>
+                        <a:t>Laravel</a:t>
+                      </a:r>
+                      <a:endParaRPr lang="en-US" altLang="ko-KR" sz="800" dirty="0" smtClean="0">
+                        <a:solidFill>
+                          <a:schemeClr val="tx2">
+                            <a:lumMod val="40000"/>
+                            <a:lumOff val="60000"/>
+                          </a:schemeClr>
+                        </a:solidFill>
+                      </a:endParaRPr>
+                    </a:p>
+                    <a:p>
+                      <a:pPr latinLnBrk="1"/>
+                      <a:endParaRPr lang="en-US" altLang="ko-KR" sz="800" dirty="0" smtClean="0">
+                        <a:solidFill>
+                          <a:schemeClr val="tx2">
+                            <a:lumMod val="40000"/>
+                            <a:lumOff val="60000"/>
+                          </a:schemeClr>
+                        </a:solidFill>
+                      </a:endParaRPr>
+                    </a:p>
+                    <a:p>
+                      <a:pPr latinLnBrk="1"/>
+                      <a:r>
+                        <a:rPr lang="ko-KR" altLang="en-US" sz="800" dirty="0" smtClean="0">
+                          <a:solidFill>
+                            <a:schemeClr val="tx2">
+                              <a:lumMod val="40000"/>
+                              <a:lumOff val="60000"/>
+                            </a:schemeClr>
+                          </a:solidFill>
+                        </a:rPr>
+                        <a:t>예외처리</a:t>
+                      </a:r>
+                      <a:r>
+                        <a:rPr lang="en-US" altLang="ko-KR" sz="800" dirty="0" smtClean="0">
+                          <a:solidFill>
+                            <a:schemeClr val="tx2">
+                              <a:lumMod val="40000"/>
+                              <a:lumOff val="60000"/>
+                            </a:schemeClr>
+                          </a:solidFill>
+                        </a:rPr>
+                        <a:t>, </a:t>
+                      </a:r>
+                      <a:r>
+                        <a:rPr lang="ko-KR" altLang="en-US" sz="800" dirty="0" smtClean="0">
+                          <a:solidFill>
+                            <a:schemeClr val="tx2">
+                              <a:lumMod val="40000"/>
+                              <a:lumOff val="60000"/>
+                            </a:schemeClr>
+                          </a:solidFill>
+                        </a:rPr>
+                        <a:t>에러 </a:t>
+                      </a:r>
+                      <a:r>
+                        <a:rPr lang="ko-KR" altLang="en-US" sz="800" dirty="0" err="1" smtClean="0">
+                          <a:solidFill>
+                            <a:schemeClr val="tx2">
+                              <a:lumMod val="40000"/>
+                              <a:lumOff val="60000"/>
+                            </a:schemeClr>
+                          </a:solidFill>
+                        </a:rPr>
+                        <a:t>리포팅</a:t>
+                      </a:r>
+                      <a:r>
+                        <a:rPr lang="en-US" altLang="ko-KR" sz="800" dirty="0" smtClean="0">
+                          <a:solidFill>
+                            <a:schemeClr val="tx2">
+                              <a:lumMod val="40000"/>
+                              <a:lumOff val="60000"/>
+                            </a:schemeClr>
+                          </a:solidFill>
+                        </a:rPr>
+                        <a:t>, </a:t>
+                      </a:r>
+                      <a:r>
+                        <a:rPr lang="ko-KR" altLang="en-US" sz="800" dirty="0" smtClean="0">
+                          <a:solidFill>
+                            <a:schemeClr val="tx2">
+                              <a:lumMod val="40000"/>
+                              <a:lumOff val="60000"/>
+                            </a:schemeClr>
+                          </a:solidFill>
+                        </a:rPr>
+                        <a:t>디버깅</a:t>
+                      </a:r>
+                      <a:endParaRPr lang="en-US" altLang="ko-KR" sz="800" dirty="0" smtClean="0">
+                        <a:solidFill>
+                          <a:schemeClr val="tx2">
+                            <a:lumMod val="40000"/>
+                            <a:lumOff val="60000"/>
+                          </a:schemeClr>
+                        </a:solidFill>
+                      </a:endParaRPr>
+                    </a:p>
+                  </a:txBody>
+                  <a:tcPr/>
+                </a:tc>
+              </a:tr>
+              <a:tr h="723345">
+                <a:tc>
+                  <a:txBody>
+                    <a:bodyPr/>
+                    <a:lstStyle/>
+                    <a:p>
+                      <a:pPr latinLnBrk="1"/>
+                      <a:r>
+                        <a:rPr lang="en-US" altLang="ko-KR" sz="800" dirty="0" smtClean="0">
+                          <a:solidFill>
+                            <a:schemeClr val="tx2">
+                              <a:lumMod val="40000"/>
+                              <a:lumOff val="60000"/>
+                            </a:schemeClr>
+                          </a:solidFill>
+                        </a:rPr>
+                        <a:t>20</a:t>
+                      </a:r>
+                    </a:p>
+                    <a:p>
+                      <a:pPr latinLnBrk="1"/>
+                      <a:endParaRPr lang="en-US" altLang="ko-KR" sz="800" dirty="0" smtClean="0">
+                        <a:solidFill>
+                          <a:schemeClr val="tx2">
+                            <a:lumMod val="40000"/>
+                            <a:lumOff val="60000"/>
+                          </a:schemeClr>
+                        </a:solidFill>
+                      </a:endParaRPr>
+                    </a:p>
+                    <a:p>
+                      <a:pPr latinLnBrk="1"/>
+                      <a:r>
+                        <a:rPr lang="ko-KR" altLang="en-US" sz="800" dirty="0" smtClean="0">
+                          <a:solidFill>
+                            <a:schemeClr val="tx2">
+                              <a:lumMod val="40000"/>
+                              <a:lumOff val="60000"/>
+                            </a:schemeClr>
+                          </a:solidFill>
+                        </a:rPr>
+                        <a:t>예배</a:t>
+                      </a:r>
+                      <a:endParaRPr lang="en-US" altLang="ko-KR" sz="800" dirty="0" smtClean="0">
+                        <a:solidFill>
+                          <a:schemeClr val="tx2">
+                            <a:lumMod val="40000"/>
+                            <a:lumOff val="60000"/>
+                          </a:schemeClr>
+                        </a:solidFill>
+                      </a:endParaRPr>
+                    </a:p>
+                    <a:p>
+                      <a:pPr latinLnBrk="1"/>
+                      <a:r>
+                        <a:rPr lang="ko-KR" altLang="en-US" sz="800" dirty="0" err="1" smtClean="0">
+                          <a:solidFill>
+                            <a:schemeClr val="tx2">
+                              <a:lumMod val="40000"/>
+                              <a:lumOff val="60000"/>
+                            </a:schemeClr>
+                          </a:solidFill>
+                        </a:rPr>
+                        <a:t>라라벨</a:t>
+                      </a:r>
+                      <a:r>
+                        <a:rPr lang="ko-KR" altLang="en-US" sz="800" dirty="0" smtClean="0">
+                          <a:solidFill>
+                            <a:schemeClr val="tx2">
+                              <a:lumMod val="40000"/>
+                              <a:lumOff val="60000"/>
+                            </a:schemeClr>
+                          </a:solidFill>
+                        </a:rPr>
+                        <a:t> 자습서</a:t>
+                      </a:r>
+                      <a:endParaRPr lang="en-US" altLang="ko-KR" sz="800" dirty="0" smtClean="0">
+                        <a:solidFill>
+                          <a:schemeClr val="tx2">
+                            <a:lumMod val="40000"/>
+                            <a:lumOff val="60000"/>
+                          </a:schemeClr>
+                        </a:solidFill>
+                      </a:endParaRPr>
+                    </a:p>
+                    <a:p>
+                      <a:pPr latinLnBrk="1"/>
+                      <a:r>
+                        <a:rPr lang="ko-KR" altLang="en-US" sz="800" dirty="0" err="1" smtClean="0">
+                          <a:solidFill>
+                            <a:schemeClr val="tx2">
+                              <a:lumMod val="40000"/>
+                              <a:lumOff val="60000"/>
+                            </a:schemeClr>
+                          </a:solidFill>
+                        </a:rPr>
+                        <a:t>블레이드</a:t>
+                      </a:r>
+                      <a:r>
+                        <a:rPr lang="ko-KR" altLang="en-US" sz="800" dirty="0" smtClean="0">
+                          <a:solidFill>
+                            <a:schemeClr val="tx2">
+                              <a:lumMod val="40000"/>
+                              <a:lumOff val="60000"/>
+                            </a:schemeClr>
+                          </a:solidFill>
+                        </a:rPr>
+                        <a:t> 템플릿</a:t>
+                      </a:r>
+                      <a:endParaRPr lang="en-US" altLang="ko-KR" sz="800" dirty="0" smtClean="0">
+                        <a:solidFill>
+                          <a:schemeClr val="tx2">
+                            <a:lumMod val="40000"/>
+                            <a:lumOff val="60000"/>
+                          </a:schemeClr>
+                        </a:solidFill>
+                      </a:endParaRPr>
+                    </a:p>
+                  </a:txBody>
+                  <a:tcPr/>
+                </a:tc>
+                <a:tc>
+                  <a:txBody>
+                    <a:bodyPr/>
+                    <a:lstStyle/>
+                    <a:p>
+                      <a:pPr latinLnBrk="1"/>
+                      <a:r>
+                        <a:rPr lang="en-US" altLang="ko-KR" sz="800" dirty="0" smtClean="0">
+                          <a:solidFill>
+                            <a:schemeClr val="tx2">
+                              <a:lumMod val="40000"/>
+                              <a:lumOff val="60000"/>
+                            </a:schemeClr>
+                          </a:solidFill>
+                        </a:rPr>
+                        <a:t>21</a:t>
+                      </a:r>
+                    </a:p>
+                    <a:p>
+                      <a:pPr latinLnBrk="1"/>
+                      <a:endParaRPr lang="en-US" altLang="ko-KR" sz="800" dirty="0" smtClean="0">
+                        <a:solidFill>
+                          <a:schemeClr val="tx2">
+                            <a:lumMod val="40000"/>
+                            <a:lumOff val="60000"/>
+                          </a:schemeClr>
+                        </a:solidFill>
+                      </a:endParaRPr>
+                    </a:p>
+                    <a:p>
+                      <a:pPr latinLnBrk="1"/>
+                      <a:r>
+                        <a:rPr lang="en-US" altLang="ko-KR" sz="800" dirty="0" err="1" smtClean="0">
+                          <a:solidFill>
+                            <a:schemeClr val="tx2">
+                              <a:lumMod val="40000"/>
+                              <a:lumOff val="60000"/>
+                            </a:schemeClr>
+                          </a:solidFill>
+                        </a:rPr>
+                        <a:t>Laravel</a:t>
+                      </a:r>
+                      <a:r>
+                        <a:rPr lang="en-US" altLang="ko-KR" sz="800" dirty="0" smtClean="0">
+                          <a:solidFill>
+                            <a:schemeClr val="tx2">
+                              <a:lumMod val="40000"/>
+                              <a:lumOff val="60000"/>
+                            </a:schemeClr>
+                          </a:solidFill>
+                        </a:rPr>
+                        <a:t> </a:t>
+                      </a:r>
+                      <a:r>
+                        <a:rPr lang="en-US" altLang="ko-KR" sz="800" dirty="0" smtClean="0">
+                          <a:solidFill>
+                            <a:schemeClr val="tx2">
+                              <a:lumMod val="40000"/>
+                              <a:lumOff val="60000"/>
+                            </a:schemeClr>
+                          </a:solidFill>
+                        </a:rPr>
+                        <a:t>Forum</a:t>
+                      </a:r>
+                    </a:p>
+                    <a:p>
+                      <a:pPr latinLnBrk="1"/>
+                      <a:r>
+                        <a:rPr lang="ko-KR" altLang="en-US" sz="800" dirty="0" smtClean="0">
+                          <a:solidFill>
+                            <a:schemeClr val="tx2">
+                              <a:lumMod val="40000"/>
+                              <a:lumOff val="60000"/>
+                            </a:schemeClr>
+                          </a:solidFill>
+                        </a:rPr>
+                        <a:t>프로젝트 시작</a:t>
+                      </a:r>
+                      <a:endParaRPr lang="en-US" altLang="ko-KR" sz="800" dirty="0" smtClean="0">
+                        <a:solidFill>
+                          <a:schemeClr val="tx2">
+                            <a:lumMod val="40000"/>
+                            <a:lumOff val="60000"/>
+                          </a:schemeClr>
+                        </a:solidFill>
+                      </a:endParaRPr>
+                    </a:p>
+                  </a:txBody>
+                  <a:tcPr/>
+                </a:tc>
+                <a:tc>
+                  <a:txBody>
+                    <a:bodyPr/>
+                    <a:lstStyle/>
+                    <a:p>
+                      <a:pPr latinLnBrk="1"/>
+                      <a:r>
+                        <a:rPr lang="en-US" altLang="ko-KR" sz="800" dirty="0" smtClean="0">
+                          <a:solidFill>
+                            <a:schemeClr val="tx2">
+                              <a:lumMod val="40000"/>
+                              <a:lumOff val="60000"/>
+                            </a:schemeClr>
+                          </a:solidFill>
+                        </a:rPr>
+                        <a:t>22</a:t>
+                      </a:r>
+                    </a:p>
+                    <a:p>
+                      <a:pPr latinLnBrk="1"/>
+                      <a:endParaRPr lang="en-US" altLang="ko-KR" sz="800" dirty="0" smtClean="0">
+                        <a:solidFill>
+                          <a:schemeClr val="tx2">
+                            <a:lumMod val="40000"/>
+                            <a:lumOff val="60000"/>
+                          </a:schemeClr>
+                        </a:solidFill>
+                      </a:endParaRPr>
+                    </a:p>
+                    <a:p>
+                      <a:pPr latinLnBrk="1"/>
+                      <a:r>
+                        <a:rPr lang="ko-KR" altLang="en-US" sz="800" dirty="0" smtClean="0">
+                          <a:solidFill>
+                            <a:schemeClr val="tx2">
+                              <a:lumMod val="40000"/>
+                              <a:lumOff val="60000"/>
+                            </a:schemeClr>
+                          </a:solidFill>
+                        </a:rPr>
+                        <a:t>국립중앙도서관 방문</a:t>
+                      </a:r>
+                      <a:endParaRPr lang="en-US" altLang="ko-KR" sz="800" dirty="0" smtClean="0">
+                        <a:solidFill>
+                          <a:schemeClr val="tx2">
+                            <a:lumMod val="40000"/>
+                            <a:lumOff val="60000"/>
+                          </a:schemeClr>
+                        </a:solidFill>
+                      </a:endParaRPr>
+                    </a:p>
+                    <a:p>
+                      <a:pPr latinLnBrk="1"/>
+                      <a:r>
+                        <a:rPr lang="en-US" altLang="ko-KR" sz="800" dirty="0" err="1" smtClean="0">
+                          <a:solidFill>
+                            <a:schemeClr val="tx2">
+                              <a:lumMod val="40000"/>
+                              <a:lumOff val="60000"/>
+                            </a:schemeClr>
+                          </a:solidFill>
+                        </a:rPr>
+                        <a:t>Larave</a:t>
+                      </a:r>
+                      <a:r>
+                        <a:rPr lang="en-US" altLang="ko-KR" sz="800" baseline="0" dirty="0" err="1" smtClean="0">
+                          <a:solidFill>
+                            <a:schemeClr val="tx2">
+                              <a:lumMod val="40000"/>
+                              <a:lumOff val="60000"/>
+                            </a:schemeClr>
+                          </a:solidFill>
+                        </a:rPr>
+                        <a:t>l</a:t>
+                      </a:r>
+                      <a:r>
+                        <a:rPr lang="en-US" altLang="ko-KR" sz="800" baseline="0" dirty="0" smtClean="0">
+                          <a:solidFill>
+                            <a:schemeClr val="tx2">
+                              <a:lumMod val="40000"/>
+                              <a:lumOff val="60000"/>
+                            </a:schemeClr>
+                          </a:solidFill>
+                        </a:rPr>
+                        <a:t> - </a:t>
+                      </a:r>
+                      <a:r>
+                        <a:rPr lang="ko-KR" altLang="en-US" sz="800" dirty="0" err="1" smtClean="0">
+                          <a:solidFill>
+                            <a:schemeClr val="tx2">
+                              <a:lumMod val="40000"/>
+                              <a:lumOff val="60000"/>
+                            </a:schemeClr>
+                          </a:solidFill>
+                        </a:rPr>
+                        <a:t>미들웨어</a:t>
+                      </a:r>
+                      <a:endParaRPr lang="en-US" altLang="ko-KR" sz="800" dirty="0" smtClean="0">
+                        <a:solidFill>
+                          <a:schemeClr val="tx2">
+                            <a:lumMod val="40000"/>
+                            <a:lumOff val="60000"/>
+                          </a:schemeClr>
+                        </a:solidFill>
+                      </a:endParaRPr>
+                    </a:p>
+                    <a:p>
+                      <a:pPr latinLnBrk="1"/>
+                      <a:endParaRPr lang="en-US" altLang="ko-KR" sz="800" dirty="0" smtClean="0">
+                        <a:solidFill>
+                          <a:schemeClr val="tx2">
+                            <a:lumMod val="40000"/>
+                            <a:lumOff val="60000"/>
+                          </a:schemeClr>
+                        </a:solidFill>
+                      </a:endParaRPr>
+                    </a:p>
+                  </a:txBody>
+                  <a:tcPr/>
+                </a:tc>
+                <a:tc>
+                  <a:txBody>
+                    <a:bodyPr/>
+                    <a:lstStyle/>
+                    <a:p>
+                      <a:pPr latinLnBrk="1"/>
+                      <a:r>
+                        <a:rPr lang="en-US" altLang="ko-KR" sz="800" dirty="0" smtClean="0">
+                          <a:solidFill>
+                            <a:schemeClr val="tx2">
+                              <a:lumMod val="40000"/>
+                              <a:lumOff val="60000"/>
+                            </a:schemeClr>
+                          </a:solidFill>
+                        </a:rPr>
+                        <a:t>23</a:t>
+                      </a:r>
+                    </a:p>
+                    <a:p>
+                      <a:pPr latinLnBrk="1"/>
+                      <a:endParaRPr lang="en-US" altLang="ko-KR" sz="800" dirty="0" smtClean="0">
+                        <a:solidFill>
+                          <a:schemeClr val="tx2">
+                            <a:lumMod val="40000"/>
+                            <a:lumOff val="60000"/>
+                          </a:schemeClr>
+                        </a:solidFill>
+                      </a:endParaRPr>
+                    </a:p>
+                    <a:p>
+                      <a:pPr marL="0" marR="0" indent="0" algn="l" defTabSz="914400" rtl="0" eaLnBrk="1" fontAlgn="auto" latinLnBrk="1" hangingPunct="1">
+                        <a:lnSpc>
+                          <a:spcPct val="100000"/>
+                        </a:lnSpc>
+                        <a:spcBef>
+                          <a:spcPts val="0"/>
+                        </a:spcBef>
+                        <a:spcAft>
+                          <a:spcPts val="0"/>
+                        </a:spcAft>
+                        <a:buClrTx/>
+                        <a:buSzTx/>
+                        <a:buFontTx/>
+                        <a:buNone/>
+                        <a:tabLst/>
+                        <a:defRPr/>
+                      </a:pPr>
+                      <a:r>
+                        <a:rPr lang="en-US" altLang="ko-KR" sz="800" dirty="0" err="1" smtClean="0">
+                          <a:solidFill>
+                            <a:schemeClr val="tx2">
+                              <a:lumMod val="40000"/>
+                              <a:lumOff val="60000"/>
+                            </a:schemeClr>
+                          </a:solidFill>
+                        </a:rPr>
+                        <a:t>Larave</a:t>
+                      </a:r>
+                      <a:r>
+                        <a:rPr lang="en-US" altLang="ko-KR" sz="800" baseline="0" dirty="0" err="1" smtClean="0">
+                          <a:solidFill>
+                            <a:schemeClr val="tx2">
+                              <a:lumMod val="40000"/>
+                              <a:lumOff val="60000"/>
+                            </a:schemeClr>
+                          </a:solidFill>
+                        </a:rPr>
+                        <a:t>l</a:t>
+                      </a:r>
+                      <a:r>
+                        <a:rPr lang="en-US" altLang="ko-KR" sz="800" baseline="0" dirty="0" smtClean="0">
+                          <a:solidFill>
+                            <a:schemeClr val="tx2">
+                              <a:lumMod val="40000"/>
+                              <a:lumOff val="60000"/>
+                            </a:schemeClr>
+                          </a:solidFill>
+                        </a:rPr>
+                        <a:t> - </a:t>
+                      </a:r>
+                      <a:r>
+                        <a:rPr lang="ko-KR" altLang="en-US" sz="800" dirty="0" err="1" smtClean="0">
+                          <a:solidFill>
+                            <a:schemeClr val="tx2">
+                              <a:lumMod val="40000"/>
+                              <a:lumOff val="60000"/>
+                            </a:schemeClr>
+                          </a:solidFill>
+                        </a:rPr>
+                        <a:t>미들웨어</a:t>
+                      </a:r>
+                      <a:endParaRPr lang="en-US" altLang="ko-KR" sz="800" dirty="0" smtClean="0">
+                        <a:solidFill>
+                          <a:schemeClr val="tx2">
+                            <a:lumMod val="40000"/>
+                            <a:lumOff val="60000"/>
+                          </a:schemeClr>
+                        </a:solidFill>
+                      </a:endParaRPr>
+                    </a:p>
+                    <a:p>
+                      <a:pPr latinLnBrk="1"/>
+                      <a:endParaRPr lang="ko-KR" altLang="en-US" sz="800" dirty="0">
+                        <a:solidFill>
+                          <a:schemeClr val="tx2">
+                            <a:lumMod val="40000"/>
+                            <a:lumOff val="60000"/>
+                          </a:schemeClr>
+                        </a:solidFill>
+                      </a:endParaRPr>
+                    </a:p>
+                  </a:txBody>
+                  <a:tcPr/>
+                </a:tc>
+                <a:tc>
+                  <a:txBody>
+                    <a:bodyPr/>
+                    <a:lstStyle/>
+                    <a:p>
+                      <a:pPr latinLnBrk="1"/>
+                      <a:r>
+                        <a:rPr lang="en-US" altLang="ko-KR" sz="800" dirty="0" smtClean="0">
+                          <a:solidFill>
+                            <a:schemeClr val="tx2">
+                              <a:lumMod val="40000"/>
+                              <a:lumOff val="60000"/>
+                            </a:schemeClr>
+                          </a:solidFill>
+                        </a:rPr>
+                        <a:t>24</a:t>
+                      </a:r>
+                    </a:p>
+                    <a:p>
+                      <a:pPr latinLnBrk="1"/>
+                      <a:endParaRPr lang="en-US" altLang="ko-KR" sz="800" dirty="0" smtClean="0">
+                        <a:solidFill>
+                          <a:schemeClr val="tx2">
+                            <a:lumMod val="40000"/>
+                            <a:lumOff val="60000"/>
+                          </a:schemeClr>
+                        </a:solidFill>
+                      </a:endParaRPr>
+                    </a:p>
+                    <a:p>
+                      <a:pPr latinLnBrk="1"/>
+                      <a:endParaRPr lang="ko-KR" altLang="en-US" sz="800" dirty="0">
+                        <a:solidFill>
+                          <a:schemeClr val="tx2">
+                            <a:lumMod val="40000"/>
+                            <a:lumOff val="60000"/>
+                          </a:schemeClr>
+                        </a:solidFill>
+                      </a:endParaRPr>
+                    </a:p>
+                  </a:txBody>
+                  <a:tcPr/>
+                </a:tc>
+                <a:tc>
+                  <a:txBody>
+                    <a:bodyPr/>
+                    <a:lstStyle/>
+                    <a:p>
+                      <a:pPr latinLnBrk="1"/>
+                      <a:r>
+                        <a:rPr lang="en-US" altLang="ko-KR" sz="800" dirty="0" smtClean="0">
+                          <a:solidFill>
+                            <a:schemeClr val="tx2">
+                              <a:lumMod val="40000"/>
+                              <a:lumOff val="60000"/>
+                            </a:schemeClr>
+                          </a:solidFill>
+                        </a:rPr>
                         <a:t>25</a:t>
                       </a:r>
                     </a:p>
                     <a:p>
                       <a:pPr latinLnBrk="1"/>
-                      <a:endParaRPr lang="en-US" altLang="ko-KR" sz="800" smtClean="0">
+                      <a:endParaRPr lang="en-US" altLang="ko-KR" sz="800" dirty="0" smtClean="0">
                         <a:solidFill>
                           <a:schemeClr val="tx2">
                             <a:lumMod val="40000"/>
@@ -7957,6 +8052,14 @@
                     <a:lstStyle/>
                     <a:p>
                       <a:pPr algn="ctr" latinLnBrk="1"/>
+                      <a:r>
+                        <a:rPr lang="en-US" altLang="ko-KR" sz="800" baseline="0" dirty="0" smtClean="0">
+                          <a:solidFill>
+                            <a:schemeClr val="tx2"/>
+                          </a:solidFill>
+                        </a:rPr>
+                        <a:t>27 28 29</a:t>
+                      </a:r>
                       <a:endParaRPr lang="en-US" altLang="ko-KR" sz="800" baseline="0" dirty="0" smtClean="0">
                         <a:solidFill>
                           <a:schemeClr val="tx2"/>
@@ -8008,6 +8111,14 @@
                     <a:lstStyle/>
                     <a:p>
                       <a:pPr algn="ctr" latinLnBrk="1"/>
+                      <a:r>
+                        <a:rPr lang="en-US" altLang="ko-KR" sz="800" dirty="0" smtClean="0">
+                          <a:solidFill>
+                            <a:schemeClr val="tx2"/>
+                          </a:solidFill>
+                        </a:rPr>
+                        <a:t>30 31 1</a:t>
+                      </a:r>
                       <a:endParaRPr lang="en-US" altLang="ko-KR" sz="800" dirty="0" smtClean="0">
                         <a:solidFill>
                           <a:schemeClr val="tx2"/>
@@ -8067,6 +8178,14 @@
                     <a:lstStyle/>
                     <a:p>
                       <a:pPr algn="ctr" latinLnBrk="1"/>
+                      <a:r>
+                        <a:rPr lang="en-US" altLang="ko-KR" sz="800" dirty="0" smtClean="0">
+                          <a:solidFill>
+                            <a:schemeClr val="tx2"/>
+                          </a:solidFill>
+                        </a:rPr>
+                        <a:t>2</a:t>
+                      </a:r>
                       <a:endParaRPr lang="en-US" altLang="ko-KR" sz="800" dirty="0" smtClean="0">
                         <a:solidFill>
                           <a:schemeClr val="tx2"/>
@@ -8084,6 +8203,14 @@
                     <a:lstStyle/>
                     <a:p>
                       <a:pPr algn="l" latinLnBrk="1"/>
+                      <a:r>
+                        <a:rPr lang="en-US" altLang="ko-KR" sz="800" dirty="0" smtClean="0">
+                          <a:solidFill>
+                            <a:schemeClr val="tx2"/>
+                          </a:solidFill>
+                        </a:rPr>
+                        <a:t>3</a:t>
+                      </a:r>
                       <a:endParaRPr lang="en-US" altLang="ko-KR" sz="800" dirty="0" smtClean="0">
                         <a:solidFill>
                           <a:schemeClr val="tx2"/>
@@ -8099,6 +8226,14 @@
                     <a:lstStyle/>
                     <a:p>
                       <a:pPr algn="l" latinLnBrk="1"/>
+                      <a:r>
+                        <a:rPr lang="en-US" altLang="ko-KR" sz="800" dirty="0" smtClean="0">
+                          <a:solidFill>
+                            <a:schemeClr val="tx2"/>
+                          </a:solidFill>
+                        </a:rPr>
+                        <a:t>4</a:t>
+                      </a:r>
                       <a:endParaRPr lang="ko-KR" altLang="en-US" sz="800" dirty="0">
                         <a:solidFill>
                           <a:schemeClr val="tx2"/>
@@ -8114,6 +8249,14 @@
                     <a:lstStyle/>
                     <a:p>
                       <a:pPr algn="l" latinLnBrk="1"/>
+                      <a:r>
+                        <a:rPr lang="en-US" altLang="ko-KR" sz="800" dirty="0" smtClean="0">
+                          <a:solidFill>
+                            <a:schemeClr val="tx2"/>
+                          </a:solidFill>
+                        </a:rPr>
+                        <a:t>5</a:t>
+                      </a:r>
                       <a:endParaRPr lang="ko-KR" altLang="en-US" sz="800" dirty="0">
                         <a:solidFill>
                           <a:schemeClr val="tx2"/>
@@ -8129,6 +8272,14 @@
                     <a:lstStyle/>
                     <a:p>
                       <a:pPr algn="l" latinLnBrk="1"/>
+                      <a:r>
+                        <a:rPr lang="en-US" altLang="ko-KR" sz="800" dirty="0" smtClean="0">
+                          <a:solidFill>
+                            <a:schemeClr val="tx2"/>
+                          </a:solidFill>
+                        </a:rPr>
+                        <a:t>6</a:t>
+                      </a:r>
                       <a:endParaRPr lang="ko-KR" altLang="en-US" sz="800" dirty="0">
                         <a:solidFill>
                           <a:schemeClr val="tx2"/>
@@ -8144,6 +8295,14 @@
                     <a:lstStyle/>
                     <a:p>
                       <a:pPr algn="l" latinLnBrk="1"/>
+                      <a:r>
+                        <a:rPr lang="en-US" altLang="ko-KR" sz="800" dirty="0" smtClean="0">
+                          <a:solidFill>
+                            <a:schemeClr val="tx2"/>
+                          </a:solidFill>
+                        </a:rPr>
+                        <a:t>7</a:t>
+                      </a:r>
                       <a:endParaRPr lang="ko-KR" altLang="en-US" sz="800" dirty="0">
                         <a:solidFill>
                           <a:schemeClr val="tx2"/>
@@ -8159,6 +8318,14 @@
                     <a:lstStyle/>
                     <a:p>
                       <a:pPr algn="l" latinLnBrk="1"/>
+                      <a:r>
+                        <a:rPr lang="en-US" altLang="ko-KR" sz="800" dirty="0" smtClean="0">
+                          <a:solidFill>
+                            <a:schemeClr val="tx2"/>
+                          </a:solidFill>
+                        </a:rPr>
+                        <a:t>8</a:t>
+                      </a:r>
                       <a:endParaRPr lang="ko-KR" altLang="en-US" sz="800" dirty="0">
                         <a:solidFill>
                           <a:schemeClr val="tx2"/>
@@ -8174,6 +8341,14 @@
                     <a:lstStyle/>
                     <a:p>
                       <a:pPr algn="l" latinLnBrk="1"/>
+                      <a:r>
+                        <a:rPr lang="en-US" altLang="ko-KR" sz="800" dirty="0" smtClean="0">
+                          <a:solidFill>
+                            <a:schemeClr val="tx2"/>
+                          </a:solidFill>
+                        </a:rPr>
+                        <a:t>9</a:t>
+                      </a:r>
                       <a:endParaRPr lang="ko-KR" altLang="en-US" sz="800" dirty="0">
                         <a:solidFill>
                           <a:schemeClr val="tx2"/>
@@ -8191,6 +8366,14 @@
                     <a:lstStyle/>
                     <a:p>
                       <a:pPr latinLnBrk="1"/>
+                      <a:r>
+                        <a:rPr lang="en-US" altLang="ko-KR" sz="800" dirty="0" smtClean="0">
+                          <a:solidFill>
+                            <a:schemeClr val="tx2"/>
+                          </a:solidFill>
+                        </a:rPr>
+                        <a:t>10</a:t>
+                      </a:r>
                       <a:endParaRPr lang="ko-KR" altLang="en-US" sz="800" dirty="0">
                         <a:solidFill>
                           <a:schemeClr val="tx2"/>
@@ -8206,6 +8389,14 @@
                     <a:lstStyle/>
                     <a:p>
                       <a:pPr latinLnBrk="1"/>
+                      <a:r>
+                        <a:rPr lang="en-US" altLang="ko-KR" sz="800" dirty="0" smtClean="0">
+                          <a:solidFill>
+                            <a:schemeClr val="tx2"/>
+                          </a:solidFill>
+                        </a:rPr>
+                        <a:t>11</a:t>
+                      </a:r>
                       <a:endParaRPr lang="ko-KR" altLang="en-US" sz="800" dirty="0">
                         <a:solidFill>
                           <a:schemeClr val="tx2"/>
@@ -8221,6 +8412,14 @@
                     <a:lstStyle/>
                     <a:p>
                       <a:pPr latinLnBrk="1"/>
+                      <a:r>
+                        <a:rPr lang="en-US" altLang="ko-KR" sz="800" dirty="0" smtClean="0">
+                          <a:solidFill>
+                            <a:schemeClr val="tx2"/>
+                          </a:solidFill>
+                        </a:rPr>
+                        <a:t>12</a:t>
+                      </a:r>
                       <a:endParaRPr lang="ko-KR" altLang="en-US" sz="800" dirty="0">
                         <a:solidFill>
                           <a:schemeClr val="tx2"/>
@@ -8236,6 +8435,14 @@
                     <a:lstStyle/>
                     <a:p>
                       <a:pPr latinLnBrk="1"/>
+                      <a:r>
+                        <a:rPr lang="en-US" altLang="ko-KR" sz="800" dirty="0" smtClean="0">
+                          <a:solidFill>
+                            <a:schemeClr val="tx2"/>
+                          </a:solidFill>
+                        </a:rPr>
+                        <a:t>13</a:t>
+                      </a:r>
                       <a:endParaRPr lang="ko-KR" altLang="en-US" sz="800" dirty="0">
                         <a:solidFill>
                           <a:schemeClr val="tx2"/>
@@ -8251,6 +8458,14 @@
                     <a:lstStyle/>
                     <a:p>
                       <a:pPr latinLnBrk="1"/>
+                      <a:r>
+                        <a:rPr lang="en-US" altLang="ko-KR" sz="800" dirty="0" smtClean="0">
+                          <a:solidFill>
+                            <a:schemeClr val="tx2"/>
+                          </a:solidFill>
+                        </a:rPr>
+                        <a:t>14</a:t>
+                      </a:r>
                       <a:endParaRPr lang="ko-KR" altLang="en-US" sz="800" dirty="0">
                         <a:solidFill>
                           <a:schemeClr val="tx2"/>
@@ -8266,6 +8481,14 @@
                     <a:lstStyle/>
                     <a:p>
                       <a:pPr latinLnBrk="1"/>
+                      <a:r>
+                        <a:rPr lang="en-US" altLang="ko-KR" sz="800" dirty="0" smtClean="0">
+                          <a:solidFill>
+                            <a:schemeClr val="tx2"/>
+                          </a:solidFill>
+                        </a:rPr>
+                        <a:t>15</a:t>
+                      </a:r>
                       <a:endParaRPr lang="ko-KR" altLang="en-US" sz="800" dirty="0">
                         <a:solidFill>
                           <a:schemeClr val="tx2"/>
@@ -8755,6 +8978,214 @@
             <a:ext cx="134193" cy="144016"/>
           </a:xfrm>
           <a:prstGeom prst="ellipse">
+            <a:avLst/>
+          </a:prstGeom>
+        </p:spPr>
+        <p:style>
+          <a:lnRef idx="2">
+            <a:schemeClr val="accent1">
+              <a:shade val="50000"/>
+            </a:schemeClr>
+          </a:lnRef>
+          <a:fillRef idx="1">
+            <a:schemeClr val="accent1"/>
+          </a:fillRef>
+          <a:effectRef idx="0">
+            <a:schemeClr val="accent1"/>
+          </a:effectRef>
+          <a:fontRef idx="minor">
+            <a:schemeClr val="lt1"/>
+          </a:fontRef>
+        </p:style>
+        <p:txBody>
+          <a:bodyPr rtlCol="0" anchor="ctr"/>
+          <a:lstStyle/>
+          <a:p>
+            <a:pPr algn="ctr"/>
+            <a:endParaRPr lang="ko-KR" altLang="en-US"/>
+          </a:p>
+        </p:txBody>
+      </p:sp>
+      <p:sp>
+        <p:nvSpPr>
+          <p:cNvPr id="20" name="순서도: 추출 19"/>
+          <p:cNvSpPr/>
+          <p:nvPr/>
+        </p:nvSpPr>
+        <p:spPr>
+          <a:xfrm>
+            <a:off x="7250015" y="2810485"/>
+            <a:ext cx="144016" cy="108012"/>
+          </a:xfrm>
+          <a:prstGeom prst="flowChartExtract">
+            <a:avLst/>
+          </a:prstGeom>
+        </p:spPr>
+        <p:style>
+          <a:lnRef idx="2">
+            <a:schemeClr val="accent1">
+              <a:shade val="50000"/>
+            </a:schemeClr>
+          </a:lnRef>
+          <a:fillRef idx="1">
+            <a:schemeClr val="accent1"/>
+          </a:fillRef>
+          <a:effectRef idx="0">
+            <a:schemeClr val="accent1"/>
+          </a:effectRef>
+          <a:fontRef idx="minor">
+            <a:schemeClr val="lt1"/>
+          </a:fontRef>
+        </p:style>
+        <p:txBody>
+          <a:bodyPr rtlCol="0" anchor="ctr"/>
+          <a:lstStyle/>
+          <a:p>
+            <a:pPr algn="ctr"/>
+            <a:endParaRPr lang="ko-KR" altLang="en-US"/>
+          </a:p>
+        </p:txBody>
+      </p:sp>
+      <p:sp>
+        <p:nvSpPr>
+          <p:cNvPr id="21" name="&quot;없음&quot; 기호 20"/>
+          <p:cNvSpPr/>
+          <p:nvPr/>
+        </p:nvSpPr>
+        <p:spPr>
+          <a:xfrm>
+            <a:off x="6876256" y="2942946"/>
+            <a:ext cx="216024" cy="216024"/>
+          </a:xfrm>
+          <a:prstGeom prst="noSmoking">
+            <a:avLst/>
+          </a:prstGeom>
+        </p:spPr>
+        <p:style>
+          <a:lnRef idx="2">
+            <a:schemeClr val="accent1">
+              <a:shade val="50000"/>
+            </a:schemeClr>
+          </a:lnRef>
+          <a:fillRef idx="1">
+            <a:schemeClr val="accent1"/>
+          </a:fillRef>
+          <a:effectRef idx="0">
+            <a:schemeClr val="accent1"/>
+          </a:effectRef>
+          <a:fontRef idx="minor">
+            <a:schemeClr val="lt1"/>
+          </a:fontRef>
+        </p:style>
+        <p:txBody>
+          <a:bodyPr rtlCol="0" anchor="ctr"/>
+          <a:lstStyle/>
+          <a:p>
+            <a:pPr algn="ctr"/>
+            <a:endParaRPr lang="ko-KR" altLang="en-US">
+              <a:solidFill>
+                <a:schemeClr val="tx1"/>
+              </a:solidFill>
+            </a:endParaRPr>
+          </a:p>
+        </p:txBody>
+      </p:sp>
+      <p:sp>
+        <p:nvSpPr>
+          <p:cNvPr id="22" name="순서도: 추출 21"/>
+          <p:cNvSpPr/>
+          <p:nvPr/>
+        </p:nvSpPr>
+        <p:spPr>
+          <a:xfrm>
+            <a:off x="2339752" y="512676"/>
+            <a:ext cx="144016" cy="108012"/>
+          </a:xfrm>
+          <a:prstGeom prst="flowChartExtract">
+            <a:avLst/>
+          </a:prstGeom>
+        </p:spPr>
+        <p:style>
+          <a:lnRef idx="2">
+            <a:schemeClr val="accent1">
+              <a:shade val="50000"/>
+            </a:schemeClr>
+          </a:lnRef>
+          <a:fillRef idx="1">
+            <a:schemeClr val="accent1"/>
+          </a:fillRef>
+          <a:effectRef idx="0">
+            <a:schemeClr val="accent1"/>
+          </a:effectRef>
+          <a:fontRef idx="minor">
+            <a:schemeClr val="lt1"/>
+          </a:fontRef>
+        </p:style>
+        <p:txBody>
+          <a:bodyPr rtlCol="0" anchor="ctr"/>
+          <a:lstStyle/>
+          <a:p>
+            <a:pPr algn="ctr"/>
+            <a:endParaRPr lang="ko-KR" altLang="en-US"/>
+          </a:p>
+        </p:txBody>
+      </p:sp>
+      <p:sp>
+        <p:nvSpPr>
+          <p:cNvPr id="23" name="&quot;없음&quot; 기호 22"/>
+          <p:cNvSpPr/>
+          <p:nvPr/>
+        </p:nvSpPr>
+        <p:spPr>
+          <a:xfrm>
+            <a:off x="8388424" y="2854724"/>
+            <a:ext cx="216024" cy="216024"/>
+          </a:xfrm>
+          <a:prstGeom prst="noSmoking">
+            <a:avLst/>
+          </a:prstGeom>
+        </p:spPr>
+        <p:style>
+          <a:lnRef idx="2">
+            <a:schemeClr val="accent1">
+              <a:shade val="50000"/>
+            </a:schemeClr>
+          </a:lnRef>
+          <a:fillRef idx="1">
+            <a:schemeClr val="accent1"/>
+          </a:fillRef>
+          <a:effectRef idx="0">
+            <a:schemeClr val="accent1"/>
+          </a:effectRef>
+          <a:fontRef idx="minor">
+            <a:schemeClr val="lt1"/>
+          </a:fontRef>
+        </p:style>
+        <p:txBody>
+          <a:bodyPr rtlCol="0" anchor="ctr"/>
+          <a:lstStyle/>
+          <a:p>
+            <a:pPr algn="ctr"/>
+            <a:endParaRPr lang="ko-KR" altLang="en-US">
+              <a:solidFill>
+                <a:schemeClr val="tx1"/>
+              </a:solidFill>
+            </a:endParaRPr>
+          </a:p>
+        </p:txBody>
+      </p:sp>
+      <p:sp>
+        <p:nvSpPr>
+          <p:cNvPr id="24" name="순서도: 추출 23"/>
+          <p:cNvSpPr/>
+          <p:nvPr/>
+        </p:nvSpPr>
+        <p:spPr>
+          <a:xfrm>
+            <a:off x="1336750" y="3717032"/>
+            <a:ext cx="144016" cy="108012"/>
+          </a:xfrm>
+          <a:prstGeom prst="flowChartExtract">
             <a:avLst/>
           </a:prstGeom>
         </p:spPr>

--- a/Monthly Plan.pptx
+++ b/Monthly Plan.pptx
@@ -194,7 +194,7 @@
           <a:p>
             <a:fld id="{E1E76E78-0C2A-445E-B35D-3ADF0836B2B3}" type="datetimeFigureOut">
               <a:rPr lang="ko-KR" altLang="en-US" smtClean="0"/>
-              <a:t>2018-05-13</a:t>
+              <a:t>2018-05-14</a:t>
             </a:fld>
             <a:endParaRPr lang="ko-KR" altLang="en-US"/>
           </a:p>
@@ -727,7 +727,7 @@
           <a:p>
             <a:fld id="{48C2848A-6F74-48C5-A4CD-91F929EC3187}" type="datetimeFigureOut">
               <a:rPr lang="ko-KR" altLang="en-US" smtClean="0"/>
-              <a:t>2018-05-13</a:t>
+              <a:t>2018-05-14</a:t>
             </a:fld>
             <a:endParaRPr lang="ko-KR" altLang="en-US"/>
           </a:p>
@@ -897,7 +897,7 @@
           <a:p>
             <a:fld id="{48C2848A-6F74-48C5-A4CD-91F929EC3187}" type="datetimeFigureOut">
               <a:rPr lang="ko-KR" altLang="en-US" smtClean="0"/>
-              <a:t>2018-05-13</a:t>
+              <a:t>2018-05-14</a:t>
             </a:fld>
             <a:endParaRPr lang="ko-KR" altLang="en-US"/>
           </a:p>
@@ -1077,7 +1077,7 @@
           <a:p>
             <a:fld id="{48C2848A-6F74-48C5-A4CD-91F929EC3187}" type="datetimeFigureOut">
               <a:rPr lang="ko-KR" altLang="en-US" smtClean="0"/>
-              <a:t>2018-05-13</a:t>
+              <a:t>2018-05-14</a:t>
             </a:fld>
             <a:endParaRPr lang="ko-KR" altLang="en-US"/>
           </a:p>
@@ -1247,7 +1247,7 @@
           <a:p>
             <a:fld id="{48C2848A-6F74-48C5-A4CD-91F929EC3187}" type="datetimeFigureOut">
               <a:rPr lang="ko-KR" altLang="en-US" smtClean="0"/>
-              <a:t>2018-05-13</a:t>
+              <a:t>2018-05-14</a:t>
             </a:fld>
             <a:endParaRPr lang="ko-KR" altLang="en-US"/>
           </a:p>
@@ -1493,7 +1493,7 @@
           <a:p>
             <a:fld id="{48C2848A-6F74-48C5-A4CD-91F929EC3187}" type="datetimeFigureOut">
               <a:rPr lang="ko-KR" altLang="en-US" smtClean="0"/>
-              <a:t>2018-05-13</a:t>
+              <a:t>2018-05-14</a:t>
             </a:fld>
             <a:endParaRPr lang="ko-KR" altLang="en-US"/>
           </a:p>
@@ -1781,7 +1781,7 @@
           <a:p>
             <a:fld id="{48C2848A-6F74-48C5-A4CD-91F929EC3187}" type="datetimeFigureOut">
               <a:rPr lang="ko-KR" altLang="en-US" smtClean="0"/>
-              <a:t>2018-05-13</a:t>
+              <a:t>2018-05-14</a:t>
             </a:fld>
             <a:endParaRPr lang="ko-KR" altLang="en-US"/>
           </a:p>
@@ -2203,7 +2203,7 @@
           <a:p>
             <a:fld id="{48C2848A-6F74-48C5-A4CD-91F929EC3187}" type="datetimeFigureOut">
               <a:rPr lang="ko-KR" altLang="en-US" smtClean="0"/>
-              <a:t>2018-05-13</a:t>
+              <a:t>2018-05-14</a:t>
             </a:fld>
             <a:endParaRPr lang="ko-KR" altLang="en-US"/>
           </a:p>
@@ -2321,7 +2321,7 @@
           <a:p>
             <a:fld id="{48C2848A-6F74-48C5-A4CD-91F929EC3187}" type="datetimeFigureOut">
               <a:rPr lang="ko-KR" altLang="en-US" smtClean="0"/>
-              <a:t>2018-05-13</a:t>
+              <a:t>2018-05-14</a:t>
             </a:fld>
             <a:endParaRPr lang="ko-KR" altLang="en-US"/>
           </a:p>
@@ -2416,7 +2416,7 @@
           <a:p>
             <a:fld id="{48C2848A-6F74-48C5-A4CD-91F929EC3187}" type="datetimeFigureOut">
               <a:rPr lang="ko-KR" altLang="en-US" smtClean="0"/>
-              <a:t>2018-05-13</a:t>
+              <a:t>2018-05-14</a:t>
             </a:fld>
             <a:endParaRPr lang="ko-KR" altLang="en-US"/>
           </a:p>
@@ -2693,7 +2693,7 @@
           <a:p>
             <a:fld id="{48C2848A-6F74-48C5-A4CD-91F929EC3187}" type="datetimeFigureOut">
               <a:rPr lang="ko-KR" altLang="en-US" smtClean="0"/>
-              <a:t>2018-05-13</a:t>
+              <a:t>2018-05-14</a:t>
             </a:fld>
             <a:endParaRPr lang="ko-KR" altLang="en-US"/>
           </a:p>
@@ -2946,7 +2946,7 @@
           <a:p>
             <a:fld id="{48C2848A-6F74-48C5-A4CD-91F929EC3187}" type="datetimeFigureOut">
               <a:rPr lang="ko-KR" altLang="en-US" smtClean="0"/>
-              <a:t>2018-05-13</a:t>
+              <a:t>2018-05-14</a:t>
             </a:fld>
             <a:endParaRPr lang="ko-KR" altLang="en-US"/>
           </a:p>
@@ -3159,7 +3159,7 @@
           <a:p>
             <a:fld id="{48C2848A-6F74-48C5-A4CD-91F929EC3187}" type="datetimeFigureOut">
               <a:rPr lang="ko-KR" altLang="en-US" smtClean="0"/>
-              <a:t>2018-05-13</a:t>
+              <a:t>2018-05-14</a:t>
             </a:fld>
             <a:endParaRPr lang="ko-KR" altLang="en-US"/>
           </a:p>
@@ -4579,14 +4579,14 @@
             <p:ph idx="1"/>
             <p:extLst>
               <p:ext uri="{D42A27DB-BD31-4B8C-83A1-F6EECF244321}">
-                <p14:modId xmlns:p14="http://schemas.microsoft.com/office/powerpoint/2010/main" val="2742311134"/>
+                <p14:modId xmlns:p14="http://schemas.microsoft.com/office/powerpoint/2010/main" val="1298017741"/>
               </p:ext>
             </p:extLst>
           </p:nvPr>
         </p:nvGraphicFramePr>
         <p:xfrm>
           <a:off x="457200" y="836712"/>
-          <a:ext cx="8229599" cy="5478328"/>
+          <a:ext cx="8229599" cy="5600248"/>
         </p:xfrm>
         <a:graphic>
           <a:graphicData uri="http://schemas.openxmlformats.org/drawingml/2006/table">
@@ -5640,53 +5640,20 @@
                             </a:schemeClr>
                           </a:solidFill>
                         </a:rPr>
-                        <a:t>국립중앙도서관 방문</a:t>
+                        <a:t>국립중앙도서관 </a:t>
+                      </a:r>
+                      <a:r>
+                        <a:rPr lang="ko-KR" altLang="en-US" sz="800" baseline="0" dirty="0" smtClean="0">
+                          <a:solidFill>
+                            <a:schemeClr val="tx2">
+                              <a:lumMod val="40000"/>
+                              <a:lumOff val="60000"/>
+                            </a:schemeClr>
+                          </a:solidFill>
+                        </a:rPr>
+                        <a:t>방문</a:t>
                       </a:r>
                       <a:endParaRPr lang="en-US" altLang="ko-KR" sz="800" baseline="0" dirty="0" smtClean="0">
-                        <a:solidFill>
-                          <a:schemeClr val="tx2">
-                            <a:lumMod val="40000"/>
-                            <a:lumOff val="60000"/>
-                          </a:schemeClr>
-                        </a:solidFill>
-                      </a:endParaRPr>
-                    </a:p>
-                    <a:p>
-                      <a:pPr latinLnBrk="1"/>
-                      <a:r>
-                        <a:rPr lang="en-US" altLang="ko-KR" sz="800" baseline="0" dirty="0" smtClean="0">
-                          <a:solidFill>
-                            <a:schemeClr val="tx2">
-                              <a:lumMod val="40000"/>
-                              <a:lumOff val="60000"/>
-                            </a:schemeClr>
-                          </a:solidFill>
-                        </a:rPr>
-                        <a:t>(</a:t>
-                      </a:r>
-                      <a:r>
-                        <a:rPr lang="ko-KR" altLang="en-US" sz="800" baseline="0" dirty="0" smtClean="0">
-                          <a:solidFill>
-                            <a:schemeClr val="tx2">
-                              <a:lumMod val="40000"/>
-                              <a:lumOff val="60000"/>
-                            </a:schemeClr>
-                          </a:solidFill>
-                        </a:rPr>
-                        <a:t>책 대여</a:t>
-                      </a:r>
-                      <a:r>
-                        <a:rPr lang="en-US" altLang="ko-KR" sz="800" baseline="0" dirty="0" smtClean="0">
-                          <a:solidFill>
-                            <a:schemeClr val="tx2">
-                              <a:lumMod val="40000"/>
-                              <a:lumOff val="60000"/>
-                            </a:schemeClr>
-                          </a:solidFill>
-                        </a:rPr>
-                        <a:t>) </a:t>
-                      </a:r>
-                      <a:endParaRPr lang="ko-KR" altLang="en-US" sz="800" dirty="0">
                         <a:solidFill>
                           <a:schemeClr val="tx2">
                             <a:lumMod val="40000"/>
@@ -6472,6 +6439,39 @@
                         </a:rPr>
                         <a:t>4,5</a:t>
                       </a:r>
+                    </a:p>
+                    <a:p>
+                      <a:pPr latinLnBrk="1"/>
+                      <a:r>
+                        <a:rPr lang="en-US" altLang="ko-KR" sz="800" b="0" i="0" kern="1200" dirty="0" smtClean="0">
+                          <a:solidFill>
+                            <a:schemeClr val="tx2">
+                              <a:lumMod val="40000"/>
+                              <a:lumOff val="60000"/>
+                            </a:schemeClr>
+                          </a:solidFill>
+                          <a:effectLst/>
+                          <a:latin typeface="+mn-lt"/>
+                          <a:ea typeface="+mn-ea"/>
+                          <a:cs typeface="+mn-cs"/>
+                        </a:rPr>
+                        <a:t>+ </a:t>
+                      </a:r>
+                      <a:r>
+                        <a:rPr lang="ko-KR" altLang="en-US" sz="800" b="0" i="0" kern="1200" dirty="0" smtClean="0">
+                          <a:solidFill>
+                            <a:schemeClr val="tx2">
+                              <a:lumMod val="40000"/>
+                              <a:lumOff val="60000"/>
+                            </a:schemeClr>
+                          </a:solidFill>
+                          <a:effectLst/>
+                          <a:latin typeface="+mn-lt"/>
+                          <a:ea typeface="+mn-ea"/>
+                          <a:cs typeface="+mn-cs"/>
+                        </a:rPr>
+                        <a:t>세미나</a:t>
+                      </a:r>
                       <a:endParaRPr lang="en-US" altLang="ko-KR" sz="800" b="0" i="0" kern="1200" dirty="0" smtClean="0">
                         <a:solidFill>
                           <a:schemeClr val="tx2">
@@ -6500,7 +6500,7 @@
                           <a:ea typeface="+mn-ea"/>
                           <a:cs typeface="+mn-cs"/>
                         </a:rPr>
-                        <a:t>+ </a:t>
+                        <a:t>TIPS </a:t>
                       </a:r>
                       <a:r>
                         <a:rPr lang="ko-KR" altLang="en-US" sz="800" b="0" i="0" kern="1200" dirty="0" smtClean="0">
@@ -6515,7 +6515,37 @@
                           <a:ea typeface="+mn-ea"/>
                           <a:cs typeface="+mn-cs"/>
                         </a:rPr>
-                        <a:t>세미나</a:t>
+                        <a:t>타운 지하</a:t>
+                      </a:r>
+                      <a:r>
+                        <a:rPr lang="en-US" altLang="ko-KR" sz="800" b="0" i="0" kern="1200" dirty="0" smtClean="0">
+                          <a:solidFill>
+                            <a:schemeClr val="tx2">
+                              <a:lumMod val="40000"/>
+                              <a:lumOff val="60000"/>
+                            </a:schemeClr>
+                          </a:solidFill>
+                          <a:effectLst/>
+                          <a:latin typeface="+mn-lt"/>
+                          <a:ea typeface="+mn-ea"/>
+                          <a:cs typeface="+mn-cs"/>
+                        </a:rPr>
+                        <a:t>1</a:t>
+                      </a:r>
+                      <a:r>
+                        <a:rPr lang="ko-KR" altLang="en-US" sz="800" b="0" i="0" kern="1200" dirty="0" smtClean="0">
+                          <a:solidFill>
+                            <a:schemeClr val="tx2">
+                              <a:lumMod val="40000"/>
+                              <a:lumOff val="60000"/>
+                            </a:schemeClr>
+                          </a:solidFill>
+                          <a:effectLst/>
+                          <a:latin typeface="+mn-lt"/>
+                          <a:ea typeface="+mn-ea"/>
+                          <a:cs typeface="+mn-cs"/>
+                        </a:rPr>
+                        <a:t>층</a:t>
                       </a:r>
                       <a:endParaRPr lang="en-US" altLang="ko-KR" sz="800" b="0" i="0" kern="1200" dirty="0" smtClean="0">
                         <a:solidFill>
@@ -6533,7 +6563,7 @@
                     <a:p>
                       <a:pPr latinLnBrk="1"/>
                       <a:r>
-                        <a:rPr lang="en-US" altLang="ko-KR" sz="800" b="0" i="0" kern="1200" dirty="0" smtClean="0">
+                        <a:rPr lang="ko-KR" altLang="en-US" sz="800" b="0" i="0" kern="1200" dirty="0" smtClean="0">
                           <a:solidFill>
                             <a:schemeClr val="tx2">
                               <a:lumMod val="40000"/>
@@ -6545,10 +6575,10 @@
                           <a:ea typeface="+mn-ea"/>
                           <a:cs typeface="+mn-cs"/>
                         </a:rPr>
-                        <a:t>TIPS </a:t>
-                      </a:r>
-                      <a:r>
-                        <a:rPr lang="ko-KR" altLang="en-US" sz="800" b="0" i="0" kern="1200" dirty="0" smtClean="0">
+                        <a:t>오후 </a:t>
+                      </a:r>
+                      <a:r>
+                        <a:rPr lang="en-US" altLang="ko-KR" sz="800" b="0" i="0" kern="1200" dirty="0" smtClean="0">
                           <a:solidFill>
                             <a:schemeClr val="tx2">
                               <a:lumMod val="40000"/>
@@ -6560,10 +6590,10 @@
                           <a:ea typeface="+mn-ea"/>
                           <a:cs typeface="+mn-cs"/>
                         </a:rPr>
-                        <a:t>타운 지하</a:t>
-                      </a:r>
-                      <a:r>
-                        <a:rPr lang="en-US" altLang="ko-KR" sz="800" b="0" i="0" kern="1200" dirty="0" smtClean="0">
+                        <a:t>5</a:t>
+                      </a:r>
+                      <a:r>
+                        <a:rPr lang="ko-KR" altLang="en-US" sz="800" b="0" i="0" kern="1200" dirty="0" smtClean="0">
                           <a:solidFill>
                             <a:schemeClr val="tx2">
                               <a:lumMod val="40000"/>
@@ -6575,22 +6605,7 @@
                           <a:ea typeface="+mn-ea"/>
                           <a:cs typeface="+mn-cs"/>
                         </a:rPr>
-                        <a:t>1</a:t>
-                      </a:r>
-                      <a:r>
-                        <a:rPr lang="ko-KR" altLang="en-US" sz="800" b="0" i="0" kern="1200" dirty="0" smtClean="0">
-                          <a:solidFill>
-                            <a:schemeClr val="tx2">
-                              <a:lumMod val="40000"/>
-                              <a:lumOff val="60000"/>
-                            </a:schemeClr>
-                          </a:solidFill>
-                          <a:effectLst/>
-                          <a:latin typeface="+mn-lt"/>
-                          <a:ea typeface="+mn-ea"/>
-                          <a:cs typeface="+mn-cs"/>
-                        </a:rPr>
-                        <a:t>층</a:t>
+                        <a:t>시까지</a:t>
                       </a:r>
                       <a:endParaRPr lang="en-US" altLang="ko-KR" sz="800" b="0" i="0" kern="1200" dirty="0" smtClean="0">
                         <a:solidFill>
@@ -6671,6 +6686,39 @@
                         <a:t>Laravel</a:t>
                       </a:r>
                       <a:r>
+                        <a:rPr lang="ko-KR" altLang="en-US" sz="800" dirty="0" smtClean="0">
+                          <a:solidFill>
+                            <a:schemeClr val="tx2">
+                              <a:lumMod val="40000"/>
+                              <a:lumOff val="60000"/>
+                            </a:schemeClr>
+                          </a:solidFill>
+                        </a:rPr>
+                        <a:t>로 배우는 서버사이드 </a:t>
+                      </a:r>
+                      <a:r>
+                        <a:rPr lang="en-US" altLang="ko-KR" sz="800" dirty="0" smtClean="0">
+                          <a:solidFill>
+                            <a:schemeClr val="tx2">
+                              <a:lumMod val="40000"/>
+                              <a:lumOff val="60000"/>
+                            </a:schemeClr>
+                          </a:solidFill>
+                        </a:rPr>
+                        <a:t>5</a:t>
+                      </a:r>
+                      <a:r>
+                        <a:rPr lang="ko-KR" altLang="en-US" sz="800" dirty="0" smtClean="0">
+                          <a:solidFill>
+                            <a:schemeClr val="tx2">
+                              <a:lumMod val="40000"/>
+                              <a:lumOff val="60000"/>
+                            </a:schemeClr>
+                          </a:solidFill>
+                        </a:rPr>
+                        <a:t>끝</a:t>
+                      </a:r>
+                      <a:r>
                         <a:rPr lang="en-US" altLang="ko-KR" sz="800" dirty="0" smtClean="0">
                           <a:solidFill>
                             <a:schemeClr val="tx2">
@@ -6870,19 +6918,7 @@
                           <a:ea typeface="+mn-ea"/>
                           <a:cs typeface="+mn-cs"/>
                         </a:rPr>
-                        <a:t>복지관 </a:t>
-                      </a:r>
-                      <a:r>
-                        <a:rPr lang="ko-KR" altLang="en-US" sz="800" b="0" i="0" kern="1200" dirty="0" smtClean="0">
-                          <a:solidFill>
-                            <a:schemeClr val="accent1"/>
-                          </a:solidFill>
-                          <a:effectLst/>
-                          <a:latin typeface="+mn-lt"/>
-                          <a:ea typeface="+mn-ea"/>
-                          <a:cs typeface="+mn-cs"/>
-                        </a:rPr>
-                        <a:t>건물</a:t>
+                        <a:t>복지관 건물</a:t>
                       </a:r>
                       <a:r>
                         <a:rPr lang="en-US" altLang="ko-KR" sz="800" b="0" i="0" kern="1200" dirty="0" smtClean="0">
@@ -7212,14 +7248,6 @@
                         </a:rPr>
                         <a:t>ORM</a:t>
                       </a:r>
-                      <a:endParaRPr lang="en-US" altLang="ko-KR" sz="800" baseline="0" dirty="0" smtClean="0">
-                        <a:solidFill>
-                          <a:schemeClr val="tx2">
-                            <a:lumMod val="40000"/>
-                            <a:lumOff val="60000"/>
-                          </a:schemeClr>
-                        </a:solidFill>
-                      </a:endParaRPr>
                     </a:p>
                   </a:txBody>
                   <a:tcPr/>
@@ -7308,7 +7336,18 @@
                             </a:schemeClr>
                           </a:solidFill>
                         </a:rPr>
-                        <a:t> 유효성 검사</a:t>
+                        <a:t> 유효성 </a:t>
+                      </a:r>
+                      <a:r>
+                        <a:rPr lang="ko-KR" altLang="en-US" sz="800" dirty="0" smtClean="0">
+                          <a:solidFill>
+                            <a:schemeClr val="tx2">
+                              <a:lumMod val="40000"/>
+                              <a:lumOff val="60000"/>
+                            </a:schemeClr>
+                          </a:solidFill>
+                        </a:rPr>
+                        <a:t>검사</a:t>
                       </a:r>
                       <a:endParaRPr lang="en-US" altLang="ko-KR" sz="800" dirty="0" smtClean="0">
                         <a:solidFill>
@@ -7517,30 +7556,29 @@
                         </a:solidFill>
                       </a:endParaRPr>
                     </a:p>
-                    <a:p>
-                      <a:pPr latinLnBrk="1"/>
-                      <a:r>
-                        <a:rPr lang="ko-KR" altLang="en-US" sz="800" dirty="0" err="1" smtClean="0">
-                          <a:solidFill>
-                            <a:schemeClr val="tx2">
-                              <a:lumMod val="40000"/>
-                              <a:lumOff val="60000"/>
-                            </a:schemeClr>
-                          </a:solidFill>
-                        </a:rPr>
-                        <a:t>라라벨</a:t>
-                      </a:r>
-                      <a:r>
-                        <a:rPr lang="ko-KR" altLang="en-US" sz="800" dirty="0" smtClean="0">
-                          <a:solidFill>
-                            <a:schemeClr val="tx2">
-                              <a:lumMod val="40000"/>
-                              <a:lumOff val="60000"/>
-                            </a:schemeClr>
-                          </a:solidFill>
-                        </a:rPr>
-                        <a:t> 자습서</a:t>
-                      </a:r>
+                  </a:txBody>
+                  <a:tcPr/>
+                </a:tc>
+                <a:tc>
+                  <a:txBody>
+                    <a:bodyPr/>
+                    <a:lstStyle/>
+                    <a:p>
+                      <a:pPr latinLnBrk="1"/>
+                      <a:r>
+                        <a:rPr lang="en-US" altLang="ko-KR" sz="800" dirty="0" smtClean="0">
+                          <a:solidFill>
+                            <a:schemeClr val="tx2">
+                              <a:lumMod val="40000"/>
+                              <a:lumOff val="60000"/>
+                            </a:schemeClr>
+                          </a:solidFill>
+                        </a:rPr>
+                        <a:t>21</a:t>
+                      </a:r>
+                    </a:p>
+                    <a:p>
+                      <a:pPr latinLnBrk="1"/>
                       <a:endParaRPr lang="en-US" altLang="ko-KR" sz="800" dirty="0" smtClean="0">
                         <a:solidFill>
                           <a:schemeClr val="tx2">
@@ -7553,16 +7591,30 @@
                     <a:p>
                       <a:pPr latinLnBrk="1"/>
                       <a:r>
-                        <a:rPr lang="ko-KR" altLang="en-US" sz="800" dirty="0" err="1" smtClean="0">
-                          <a:solidFill>
-                            <a:schemeClr val="tx2">
-                              <a:lumMod val="40000"/>
-                              <a:lumOff val="60000"/>
-                            </a:schemeClr>
-                          </a:solidFill>
-                        </a:rPr>
-                        <a:t>블레이드</a:t>
-                      </a:r>
+                        <a:rPr lang="en-US" altLang="ko-KR" sz="800" dirty="0" err="1" smtClean="0">
+                          <a:solidFill>
+                            <a:schemeClr val="tx2">
+                              <a:lumMod val="40000"/>
+                              <a:lumOff val="60000"/>
+                            </a:schemeClr>
+                          </a:solidFill>
+                        </a:rPr>
+                        <a:t>Laravel</a:t>
+                      </a:r>
+                      <a:r>
+                        <a:rPr lang="en-US" altLang="ko-KR" sz="800" dirty="0" smtClean="0">
+                          <a:solidFill>
+                            <a:schemeClr val="tx2">
+                              <a:lumMod val="40000"/>
+                              <a:lumOff val="60000"/>
+                            </a:schemeClr>
+                          </a:solidFill>
+                        </a:rPr>
+                        <a:t> Forum</a:t>
+                      </a:r>
+                    </a:p>
+                    <a:p>
+                      <a:pPr latinLnBrk="1"/>
                       <a:r>
                         <a:rPr lang="ko-KR" altLang="en-US" sz="800" dirty="0" smtClean="0">
                           <a:solidFill>
@@ -7572,7 +7624,7 @@
                             </a:schemeClr>
                           </a:solidFill>
                         </a:rPr>
-                        <a:t> 템플릿</a:t>
+                        <a:t>프로젝트 시작</a:t>
                       </a:r>
                       <a:endParaRPr lang="en-US" altLang="ko-KR" sz="800" dirty="0" smtClean="0">
                         <a:solidFill>
@@ -7601,7 +7653,7 @@
                             </a:schemeClr>
                           </a:solidFill>
                         </a:rPr>
-                        <a:t>21</a:t>
+                        <a:t>22</a:t>
                       </a:r>
                     </a:p>
                     <a:p>
@@ -7618,42 +7670,6 @@
                     <a:p>
                       <a:pPr latinLnBrk="1"/>
                       <a:r>
-                        <a:rPr lang="en-US" altLang="ko-KR" sz="800" dirty="0" err="1" smtClean="0">
-                          <a:solidFill>
-                            <a:schemeClr val="tx2">
-                              <a:lumMod val="40000"/>
-                              <a:lumOff val="60000"/>
-                            </a:schemeClr>
-                          </a:solidFill>
-                        </a:rPr>
-                        <a:t>Laravel</a:t>
-                      </a:r>
-                      <a:r>
-                        <a:rPr lang="en-US" altLang="ko-KR" sz="800" dirty="0" smtClean="0">
-                          <a:solidFill>
-                            <a:schemeClr val="tx2">
-                              <a:lumMod val="40000"/>
-                              <a:lumOff val="60000"/>
-                            </a:schemeClr>
-                          </a:solidFill>
-                        </a:rPr>
-                        <a:t> </a:t>
-                      </a:r>
-                      <a:r>
-                        <a:rPr lang="en-US" altLang="ko-KR" sz="800" dirty="0" smtClean="0">
-                          <a:solidFill>
-                            <a:schemeClr val="tx2">
-                              <a:lumMod val="40000"/>
-                              <a:lumOff val="60000"/>
-                            </a:schemeClr>
-                          </a:solidFill>
-                        </a:rPr>
-                        <a:t>Forum</a:t>
-                      </a:r>
-                    </a:p>
-                    <a:p>
-                      <a:pPr latinLnBrk="1"/>
-                      <a:r>
                         <a:rPr lang="ko-KR" altLang="en-US" sz="800" dirty="0" smtClean="0">
                           <a:solidFill>
                             <a:schemeClr val="tx2">
@@ -7662,7 +7678,7 @@
                             </a:schemeClr>
                           </a:solidFill>
                         </a:rPr>
-                        <a:t>프로젝트 시작</a:t>
+                        <a:t>국립중앙도서관 방문</a:t>
                       </a:r>
                       <a:endParaRPr lang="en-US" altLang="ko-KR" sz="800" dirty="0" smtClean="0">
                         <a:solidFill>
@@ -7673,27 +7689,6 @@
                         </a:solidFill>
                       </a:endParaRPr>
                     </a:p>
-                  </a:txBody>
-                  <a:tcPr/>
-                </a:tc>
-                <a:tc>
-                  <a:txBody>
-                    <a:bodyPr/>
-                    <a:lstStyle/>
-                    <a:p>
-                      <a:pPr latinLnBrk="1"/>
-                      <a:r>
-                        <a:rPr lang="en-US" altLang="ko-KR" sz="800" dirty="0" smtClean="0">
-                          <a:solidFill>
-                            <a:schemeClr val="tx2">
-                              <a:lumMod val="40000"/>
-                              <a:lumOff val="60000"/>
-                            </a:schemeClr>
-                          </a:solidFill>
-                        </a:rPr>
-                        <a:t>22</a:t>
-                      </a:r>
-                    </a:p>
                     <a:p>
                       <a:pPr latinLnBrk="1"/>
                       <a:endParaRPr lang="en-US" altLang="ko-KR" sz="800" dirty="0" smtClean="0">
@@ -7705,19 +7700,29 @@
                         </a:solidFill>
                       </a:endParaRPr>
                     </a:p>
-                    <a:p>
-                      <a:pPr latinLnBrk="1"/>
-                      <a:r>
-                        <a:rPr lang="ko-KR" altLang="en-US" sz="800" dirty="0" smtClean="0">
-                          <a:solidFill>
-                            <a:schemeClr val="tx2">
-                              <a:lumMod val="40000"/>
-                              <a:lumOff val="60000"/>
-                            </a:schemeClr>
-                          </a:solidFill>
-                        </a:rPr>
-                        <a:t>국립중앙도서관 방문</a:t>
-                      </a:r>
+                  </a:txBody>
+                  <a:tcPr/>
+                </a:tc>
+                <a:tc>
+                  <a:txBody>
+                    <a:bodyPr/>
+                    <a:lstStyle/>
+                    <a:p>
+                      <a:pPr latinLnBrk="1"/>
+                      <a:r>
+                        <a:rPr lang="en-US" altLang="ko-KR" sz="800" dirty="0" smtClean="0">
+                          <a:solidFill>
+                            <a:schemeClr val="tx2">
+                              <a:lumMod val="40000"/>
+                              <a:lumOff val="60000"/>
+                            </a:schemeClr>
+                          </a:solidFill>
+                        </a:rPr>
+                        <a:t>23</a:t>
+                      </a:r>
+                    </a:p>
+                    <a:p>
+                      <a:pPr latinLnBrk="1"/>
                       <a:endParaRPr lang="en-US" altLang="ko-KR" sz="800" dirty="0" smtClean="0">
                         <a:solidFill>
                           <a:schemeClr val="tx2">
@@ -7729,50 +7734,38 @@
                     </a:p>
                     <a:p>
                       <a:pPr latinLnBrk="1"/>
-                      <a:r>
-                        <a:rPr lang="en-US" altLang="ko-KR" sz="800" dirty="0" err="1" smtClean="0">
-                          <a:solidFill>
-                            <a:schemeClr val="tx2">
-                              <a:lumMod val="40000"/>
-                              <a:lumOff val="60000"/>
-                            </a:schemeClr>
-                          </a:solidFill>
-                        </a:rPr>
-                        <a:t>Larave</a:t>
-                      </a:r>
-                      <a:r>
-                        <a:rPr lang="en-US" altLang="ko-KR" sz="800" baseline="0" dirty="0" err="1" smtClean="0">
-                          <a:solidFill>
-                            <a:schemeClr val="tx2">
-                              <a:lumMod val="40000"/>
-                              <a:lumOff val="60000"/>
-                            </a:schemeClr>
-                          </a:solidFill>
-                        </a:rPr>
-                        <a:t>l</a:t>
-                      </a:r>
-                      <a:r>
-                        <a:rPr lang="en-US" altLang="ko-KR" sz="800" baseline="0" dirty="0" smtClean="0">
-                          <a:solidFill>
-                            <a:schemeClr val="tx2">
-                              <a:lumMod val="40000"/>
-                              <a:lumOff val="60000"/>
-                            </a:schemeClr>
-                          </a:solidFill>
-                        </a:rPr>
-                        <a:t> - </a:t>
-                      </a:r>
-                      <a:r>
-                        <a:rPr lang="ko-KR" altLang="en-US" sz="800" dirty="0" err="1" smtClean="0">
-                          <a:solidFill>
-                            <a:schemeClr val="tx2">
-                              <a:lumMod val="40000"/>
-                              <a:lumOff val="60000"/>
-                            </a:schemeClr>
-                          </a:solidFill>
-                        </a:rPr>
-                        <a:t>미들웨어</a:t>
-                      </a:r>
+                      <a:endParaRPr lang="ko-KR" altLang="en-US" sz="800" dirty="0">
+                        <a:solidFill>
+                          <a:schemeClr val="tx2">
+                            <a:lumMod val="40000"/>
+                            <a:lumOff val="60000"/>
+                          </a:schemeClr>
+                        </a:solidFill>
+                      </a:endParaRPr>
+                    </a:p>
+                  </a:txBody>
+                  <a:tcPr/>
+                </a:tc>
+                <a:tc>
+                  <a:txBody>
+                    <a:bodyPr/>
+                    <a:lstStyle/>
+                    <a:p>
+                      <a:pPr latinLnBrk="1"/>
+                      <a:r>
+                        <a:rPr lang="en-US" altLang="ko-KR" sz="800" dirty="0" smtClean="0">
+                          <a:solidFill>
+                            <a:schemeClr val="tx2">
+                              <a:lumMod val="40000"/>
+                              <a:lumOff val="60000"/>
+                            </a:schemeClr>
+                          </a:solidFill>
+                        </a:rPr>
+                        <a:t>24</a:t>
+                      </a:r>
+                    </a:p>
+                    <a:p>
+                      <a:pPr latinLnBrk="1"/>
                       <a:endParaRPr lang="en-US" altLang="ko-KR" sz="800" dirty="0" smtClean="0">
                         <a:solidFill>
                           <a:schemeClr val="tx2">
@@ -7784,6 +7777,38 @@
                     </a:p>
                     <a:p>
                       <a:pPr latinLnBrk="1"/>
+                      <a:endParaRPr lang="ko-KR" altLang="en-US" sz="800" dirty="0">
+                        <a:solidFill>
+                          <a:schemeClr val="tx2">
+                            <a:lumMod val="40000"/>
+                            <a:lumOff val="60000"/>
+                          </a:schemeClr>
+                        </a:solidFill>
+                      </a:endParaRPr>
+                    </a:p>
+                  </a:txBody>
+                  <a:tcPr/>
+                </a:tc>
+                <a:tc>
+                  <a:txBody>
+                    <a:bodyPr/>
+                    <a:lstStyle/>
+                    <a:p>
+                      <a:pPr latinLnBrk="1"/>
+                      <a:r>
+                        <a:rPr lang="en-US" altLang="ko-KR" sz="800" dirty="0" smtClean="0">
+                          <a:solidFill>
+                            <a:schemeClr val="tx2">
+                              <a:lumMod val="40000"/>
+                              <a:lumOff val="60000"/>
+                            </a:schemeClr>
+                          </a:solidFill>
+                        </a:rPr>
+                        <a:t>25</a:t>
+                      </a:r>
+                    </a:p>
+                    <a:p>
+                      <a:pPr latinLnBrk="1"/>
                       <a:endParaRPr lang="en-US" altLang="ko-KR" sz="800" dirty="0" smtClean="0">
                         <a:solidFill>
                           <a:schemeClr val="tx2">
@@ -7793,27 +7818,6 @@
                         </a:solidFill>
                       </a:endParaRPr>
                     </a:p>
-                  </a:txBody>
-                  <a:tcPr/>
-                </a:tc>
-                <a:tc>
-                  <a:txBody>
-                    <a:bodyPr/>
-                    <a:lstStyle/>
-                    <a:p>
-                      <a:pPr latinLnBrk="1"/>
-                      <a:r>
-                        <a:rPr lang="en-US" altLang="ko-KR" sz="800" dirty="0" smtClean="0">
-                          <a:solidFill>
-                            <a:schemeClr val="tx2">
-                              <a:lumMod val="40000"/>
-                              <a:lumOff val="60000"/>
-                            </a:schemeClr>
-                          </a:solidFill>
-                        </a:rPr>
-                        <a:t>23</a:t>
-                      </a:r>
-                    </a:p>
                     <a:p>
                       <a:pPr latinLnBrk="1"/>
                       <a:endParaRPr lang="en-US" altLang="ko-KR" sz="800" dirty="0" smtClean="0">
@@ -7825,88 +7829,6 @@
                         </a:solidFill>
                       </a:endParaRPr>
                     </a:p>
-                    <a:p>
-                      <a:pPr marL="0" marR="0" indent="0" algn="l" defTabSz="914400" rtl="0" eaLnBrk="1" fontAlgn="auto" latinLnBrk="1" hangingPunct="1">
-                        <a:lnSpc>
-                          <a:spcPct val="100000"/>
-                        </a:lnSpc>
-                        <a:spcBef>
-                          <a:spcPts val="0"/>
-                        </a:spcBef>
-                        <a:spcAft>
-                          <a:spcPts val="0"/>
-                        </a:spcAft>
-                        <a:buClrTx/>
-                        <a:buSzTx/>
-                        <a:buFontTx/>
-                        <a:buNone/>
-                        <a:tabLst/>
-                        <a:defRPr/>
-                      </a:pPr>
-                      <a:r>
-                        <a:rPr lang="en-US" altLang="ko-KR" sz="800" dirty="0" err="1" smtClean="0">
-                          <a:solidFill>
-                            <a:schemeClr val="tx2">
-                              <a:lumMod val="40000"/>
-                              <a:lumOff val="60000"/>
-                            </a:schemeClr>
-                          </a:solidFill>
-                        </a:rPr>
-                        <a:t>Larave</a:t>
-                      </a:r>
-                      <a:r>
-                        <a:rPr lang="en-US" altLang="ko-KR" sz="800" baseline="0" dirty="0" err="1" smtClean="0">
-                          <a:solidFill>
-                            <a:schemeClr val="tx2">
-                              <a:lumMod val="40000"/>
-                              <a:lumOff val="60000"/>
-                            </a:schemeClr>
-                          </a:solidFill>
-                        </a:rPr>
-                        <a:t>l</a:t>
-                      </a:r>
-                      <a:r>
-                        <a:rPr lang="en-US" altLang="ko-KR" sz="800" baseline="0" dirty="0" smtClean="0">
-                          <a:solidFill>
-                            <a:schemeClr val="tx2">
-                              <a:lumMod val="40000"/>
-                              <a:lumOff val="60000"/>
-                            </a:schemeClr>
-                          </a:solidFill>
-                        </a:rPr>
-                        <a:t> - </a:t>
-                      </a:r>
-                      <a:r>
-                        <a:rPr lang="ko-KR" altLang="en-US" sz="800" dirty="0" err="1" smtClean="0">
-                          <a:solidFill>
-                            <a:schemeClr val="tx2">
-                              <a:lumMod val="40000"/>
-                              <a:lumOff val="60000"/>
-                            </a:schemeClr>
-                          </a:solidFill>
-                        </a:rPr>
-                        <a:t>미들웨어</a:t>
-                      </a:r>
-                      <a:endParaRPr lang="en-US" altLang="ko-KR" sz="800" dirty="0" smtClean="0">
-                        <a:solidFill>
-                          <a:schemeClr val="tx2">
-                            <a:lumMod val="40000"/>
-                            <a:lumOff val="60000"/>
-                          </a:schemeClr>
-                        </a:solidFill>
-                      </a:endParaRPr>
-                    </a:p>
-                    <a:p>
-                      <a:pPr latinLnBrk="1"/>
-                      <a:endParaRPr lang="ko-KR" altLang="en-US" sz="800" dirty="0">
-                        <a:solidFill>
-                          <a:schemeClr val="tx2">
-                            <a:lumMod val="40000"/>
-                            <a:lumOff val="60000"/>
-                          </a:schemeClr>
-                        </a:solidFill>
-                      </a:endParaRPr>
-                    </a:p>
                   </a:txBody>
                   <a:tcPr/>
                 </a:tc>
@@ -7925,7 +7847,7 @@
                             </a:schemeClr>
                           </a:solidFill>
                         </a:rPr>
-                        <a:t>24</a:t>
+                        <a:t>26</a:t>
                       </a:r>
                     </a:p>
                     <a:p>
@@ -7936,108 +7858,6 @@
                             <a:lumMod val="40000"/>
                             <a:lumOff val="60000"/>
                           </a:schemeClr>
-                        </a:solidFill>
-                      </a:endParaRPr>
-                    </a:p>
-                    <a:p>
-                      <a:pPr latinLnBrk="1"/>
-                      <a:endParaRPr lang="ko-KR" altLang="en-US" sz="800" dirty="0">
-                        <a:solidFill>
-                          <a:schemeClr val="tx2">
-                            <a:lumMod val="40000"/>
-                            <a:lumOff val="60000"/>
-                          </a:schemeClr>
-                        </a:solidFill>
-                      </a:endParaRPr>
-                    </a:p>
-                  </a:txBody>
-                  <a:tcPr/>
-                </a:tc>
-                <a:tc>
-                  <a:txBody>
-                    <a:bodyPr/>
-                    <a:lstStyle/>
-                    <a:p>
-                      <a:pPr latinLnBrk="1"/>
-                      <a:r>
-                        <a:rPr lang="en-US" altLang="ko-KR" sz="800" dirty="0" smtClean="0">
-                          <a:solidFill>
-                            <a:schemeClr val="tx2">
-                              <a:lumMod val="40000"/>
-                              <a:lumOff val="60000"/>
-                            </a:schemeClr>
-                          </a:solidFill>
-                        </a:rPr>
-                        <a:t>25</a:t>
-                      </a:r>
-                    </a:p>
-                    <a:p>
-                      <a:pPr latinLnBrk="1"/>
-                      <a:endParaRPr lang="en-US" altLang="ko-KR" sz="800" dirty="0" smtClean="0">
-                        <a:solidFill>
-                          <a:schemeClr val="tx2">
-                            <a:lumMod val="40000"/>
-                            <a:lumOff val="60000"/>
-                          </a:schemeClr>
-                        </a:solidFill>
-                      </a:endParaRPr>
-                    </a:p>
-                    <a:p>
-                      <a:pPr latinLnBrk="1"/>
-                      <a:endParaRPr lang="en-US" altLang="ko-KR" sz="800" dirty="0" smtClean="0">
-                        <a:solidFill>
-                          <a:schemeClr val="tx2">
-                            <a:lumMod val="40000"/>
-                            <a:lumOff val="60000"/>
-                          </a:schemeClr>
-                        </a:solidFill>
-                      </a:endParaRPr>
-                    </a:p>
-                  </a:txBody>
-                  <a:tcPr/>
-                </a:tc>
-                <a:tc>
-                  <a:txBody>
-                    <a:bodyPr/>
-                    <a:lstStyle/>
-                    <a:p>
-                      <a:pPr latinLnBrk="1"/>
-                      <a:r>
-                        <a:rPr lang="en-US" altLang="ko-KR" sz="800" dirty="0" smtClean="0">
-                          <a:solidFill>
-                            <a:schemeClr val="tx2">
-                              <a:lumMod val="40000"/>
-                              <a:lumOff val="60000"/>
-                            </a:schemeClr>
-                          </a:solidFill>
-                        </a:rPr>
-                        <a:t>26</a:t>
-                      </a:r>
-                    </a:p>
-                    <a:p>
-                      <a:pPr latinLnBrk="1"/>
-                      <a:endParaRPr lang="en-US" altLang="ko-KR" sz="800" dirty="0" smtClean="0">
-                        <a:solidFill>
-                          <a:schemeClr val="tx2">
-                            <a:lumMod val="40000"/>
-                            <a:lumOff val="60000"/>
-                          </a:schemeClr>
-                        </a:solidFill>
-                      </a:endParaRPr>
-                    </a:p>
-                    <a:p>
-                      <a:pPr latinLnBrk="1"/>
-                      <a:r>
-                        <a:rPr lang="ko-KR" altLang="en-US" sz="800" dirty="0" smtClean="0">
-                          <a:solidFill>
-                            <a:schemeClr val="tx2"/>
-                          </a:solidFill>
-                        </a:rPr>
-                        <a:t>프로젝트 작업시작</a:t>
-                      </a:r>
-                      <a:endParaRPr lang="ko-KR" altLang="en-US" sz="800" dirty="0">
-                        <a:solidFill>
-                          <a:schemeClr val="tx2"/>
                         </a:solidFill>
                       </a:endParaRPr>
                     </a:p>
@@ -8060,11 +7880,6 @@
                         </a:rPr>
                         <a:t>27 28 29</a:t>
                       </a:r>
-                      <a:endParaRPr lang="en-US" altLang="ko-KR" sz="800" baseline="0" dirty="0" smtClean="0">
-                        <a:solidFill>
-                          <a:schemeClr val="tx2"/>
-                        </a:solidFill>
-                      </a:endParaRPr>
                     </a:p>
                   </a:txBody>
                   <a:tcPr/>
@@ -8119,11 +7934,6 @@
                         </a:rPr>
                         <a:t>30 31 1</a:t>
                       </a:r>
-                      <a:endParaRPr lang="en-US" altLang="ko-KR" sz="800" dirty="0" smtClean="0">
-                        <a:solidFill>
-                          <a:schemeClr val="tx2"/>
-                        </a:solidFill>
-                      </a:endParaRPr>
                     </a:p>
                     <a:p>
                       <a:pPr algn="ctr" latinLnBrk="1"/>
@@ -8186,11 +7996,6 @@
                         </a:rPr>
                         <a:t>2</a:t>
                       </a:r>
-                      <a:endParaRPr lang="en-US" altLang="ko-KR" sz="800" dirty="0" smtClean="0">
-                        <a:solidFill>
-                          <a:schemeClr val="tx2"/>
-                        </a:solidFill>
-                      </a:endParaRPr>
                     </a:p>
                   </a:txBody>
                   <a:tcPr/>
@@ -8211,11 +8016,6 @@
                         </a:rPr>
                         <a:t>3</a:t>
                       </a:r>
-                      <a:endParaRPr lang="en-US" altLang="ko-KR" sz="800" dirty="0" smtClean="0">
-                        <a:solidFill>
-                          <a:schemeClr val="tx2"/>
-                        </a:solidFill>
-                      </a:endParaRPr>
                     </a:p>
                   </a:txBody>
                   <a:tcPr/>

--- a/Monthly Plan.pptx
+++ b/Monthly Plan.pptx
@@ -194,7 +194,7 @@
           <a:p>
             <a:fld id="{E1E76E78-0C2A-445E-B35D-3ADF0836B2B3}" type="datetimeFigureOut">
               <a:rPr lang="ko-KR" altLang="en-US" smtClean="0"/>
-              <a:t>2018-05-14</a:t>
+              <a:t>2018-05-15</a:t>
             </a:fld>
             <a:endParaRPr lang="ko-KR" altLang="en-US"/>
           </a:p>
@@ -727,7 +727,7 @@
           <a:p>
             <a:fld id="{48C2848A-6F74-48C5-A4CD-91F929EC3187}" type="datetimeFigureOut">
               <a:rPr lang="ko-KR" altLang="en-US" smtClean="0"/>
-              <a:t>2018-05-14</a:t>
+              <a:t>2018-05-15</a:t>
             </a:fld>
             <a:endParaRPr lang="ko-KR" altLang="en-US"/>
           </a:p>
@@ -897,7 +897,7 @@
           <a:p>
             <a:fld id="{48C2848A-6F74-48C5-A4CD-91F929EC3187}" type="datetimeFigureOut">
               <a:rPr lang="ko-KR" altLang="en-US" smtClean="0"/>
-              <a:t>2018-05-14</a:t>
+              <a:t>2018-05-15</a:t>
             </a:fld>
             <a:endParaRPr lang="ko-KR" altLang="en-US"/>
           </a:p>
@@ -1077,7 +1077,7 @@
           <a:p>
             <a:fld id="{48C2848A-6F74-48C5-A4CD-91F929EC3187}" type="datetimeFigureOut">
               <a:rPr lang="ko-KR" altLang="en-US" smtClean="0"/>
-              <a:t>2018-05-14</a:t>
+              <a:t>2018-05-15</a:t>
             </a:fld>
             <a:endParaRPr lang="ko-KR" altLang="en-US"/>
           </a:p>
@@ -1247,7 +1247,7 @@
           <a:p>
             <a:fld id="{48C2848A-6F74-48C5-A4CD-91F929EC3187}" type="datetimeFigureOut">
               <a:rPr lang="ko-KR" altLang="en-US" smtClean="0"/>
-              <a:t>2018-05-14</a:t>
+              <a:t>2018-05-15</a:t>
             </a:fld>
             <a:endParaRPr lang="ko-KR" altLang="en-US"/>
           </a:p>
@@ -1493,7 +1493,7 @@
           <a:p>
             <a:fld id="{48C2848A-6F74-48C5-A4CD-91F929EC3187}" type="datetimeFigureOut">
               <a:rPr lang="ko-KR" altLang="en-US" smtClean="0"/>
-              <a:t>2018-05-14</a:t>
+              <a:t>2018-05-15</a:t>
             </a:fld>
             <a:endParaRPr lang="ko-KR" altLang="en-US"/>
           </a:p>
@@ -1781,7 +1781,7 @@
           <a:p>
             <a:fld id="{48C2848A-6F74-48C5-A4CD-91F929EC3187}" type="datetimeFigureOut">
               <a:rPr lang="ko-KR" altLang="en-US" smtClean="0"/>
-              <a:t>2018-05-14</a:t>
+              <a:t>2018-05-15</a:t>
             </a:fld>
             <a:endParaRPr lang="ko-KR" altLang="en-US"/>
           </a:p>
@@ -2203,7 +2203,7 @@
           <a:p>
             <a:fld id="{48C2848A-6F74-48C5-A4CD-91F929EC3187}" type="datetimeFigureOut">
               <a:rPr lang="ko-KR" altLang="en-US" smtClean="0"/>
-              <a:t>2018-05-14</a:t>
+              <a:t>2018-05-15</a:t>
             </a:fld>
             <a:endParaRPr lang="ko-KR" altLang="en-US"/>
           </a:p>
@@ -2321,7 +2321,7 @@
           <a:p>
             <a:fld id="{48C2848A-6F74-48C5-A4CD-91F929EC3187}" type="datetimeFigureOut">
               <a:rPr lang="ko-KR" altLang="en-US" smtClean="0"/>
-              <a:t>2018-05-14</a:t>
+              <a:t>2018-05-15</a:t>
             </a:fld>
             <a:endParaRPr lang="ko-KR" altLang="en-US"/>
           </a:p>
@@ -2416,7 +2416,7 @@
           <a:p>
             <a:fld id="{48C2848A-6F74-48C5-A4CD-91F929EC3187}" type="datetimeFigureOut">
               <a:rPr lang="ko-KR" altLang="en-US" smtClean="0"/>
-              <a:t>2018-05-14</a:t>
+              <a:t>2018-05-15</a:t>
             </a:fld>
             <a:endParaRPr lang="ko-KR" altLang="en-US"/>
           </a:p>
@@ -2693,7 +2693,7 @@
           <a:p>
             <a:fld id="{48C2848A-6F74-48C5-A4CD-91F929EC3187}" type="datetimeFigureOut">
               <a:rPr lang="ko-KR" altLang="en-US" smtClean="0"/>
-              <a:t>2018-05-14</a:t>
+              <a:t>2018-05-15</a:t>
             </a:fld>
             <a:endParaRPr lang="ko-KR" altLang="en-US"/>
           </a:p>
@@ -2946,7 +2946,7 @@
           <a:p>
             <a:fld id="{48C2848A-6F74-48C5-A4CD-91F929EC3187}" type="datetimeFigureOut">
               <a:rPr lang="ko-KR" altLang="en-US" smtClean="0"/>
-              <a:t>2018-05-14</a:t>
+              <a:t>2018-05-15</a:t>
             </a:fld>
             <a:endParaRPr lang="ko-KR" altLang="en-US"/>
           </a:p>
@@ -3159,7 +3159,7 @@
           <a:p>
             <a:fld id="{48C2848A-6F74-48C5-A4CD-91F929EC3187}" type="datetimeFigureOut">
               <a:rPr lang="ko-KR" altLang="en-US" smtClean="0"/>
-              <a:t>2018-05-14</a:t>
+              <a:t>2018-05-15</a:t>
             </a:fld>
             <a:endParaRPr lang="ko-KR" altLang="en-US"/>
           </a:p>
@@ -4579,14 +4579,14 @@
             <p:ph idx="1"/>
             <p:extLst>
               <p:ext uri="{D42A27DB-BD31-4B8C-83A1-F6EECF244321}">
-                <p14:modId xmlns:p14="http://schemas.microsoft.com/office/powerpoint/2010/main" val="1298017741"/>
+                <p14:modId xmlns:p14="http://schemas.microsoft.com/office/powerpoint/2010/main" val="491423360"/>
               </p:ext>
             </p:extLst>
           </p:nvPr>
         </p:nvGraphicFramePr>
         <p:xfrm>
           <a:off x="457200" y="836712"/>
-          <a:ext cx="8229599" cy="5600248"/>
+          <a:ext cx="8229599" cy="5699863"/>
         </p:xfrm>
         <a:graphic>
           <a:graphicData uri="http://schemas.openxmlformats.org/drawingml/2006/table">
@@ -5640,18 +5640,7 @@
                             </a:schemeClr>
                           </a:solidFill>
                         </a:rPr>
-                        <a:t>국립중앙도서관 </a:t>
-                      </a:r>
-                      <a:r>
-                        <a:rPr lang="ko-KR" altLang="en-US" sz="800" baseline="0" dirty="0" smtClean="0">
-                          <a:solidFill>
-                            <a:schemeClr val="tx2">
-                              <a:lumMod val="40000"/>
-                              <a:lumOff val="60000"/>
-                            </a:schemeClr>
-                          </a:solidFill>
-                        </a:rPr>
-                        <a:t>방문</a:t>
+                        <a:t>국립중앙도서관 방문</a:t>
                       </a:r>
                       <a:endParaRPr lang="en-US" altLang="ko-KR" sz="800" baseline="0" dirty="0" smtClean="0">
                         <a:solidFill>
@@ -6727,18 +6716,7 @@
                             </a:schemeClr>
                           </a:solidFill>
                         </a:rPr>
-                        <a:t> </a:t>
-                      </a:r>
-                      <a:r>
-                        <a:rPr lang="en-US" altLang="ko-KR" sz="800" dirty="0" smtClean="0">
-                          <a:solidFill>
-                            <a:schemeClr val="tx2">
-                              <a:lumMod val="40000"/>
-                              <a:lumOff val="60000"/>
-                            </a:schemeClr>
-                          </a:solidFill>
-                        </a:rPr>
-                        <a:t>+ </a:t>
+                        <a:t> + </a:t>
                       </a:r>
                       <a:r>
                         <a:rPr lang="en-US" altLang="ko-KR" sz="800" b="1" dirty="0" smtClean="0">
@@ -7048,6 +7026,412 @@
                       </a:endParaRPr>
                     </a:p>
                     <a:p>
+                      <a:pPr latinLnBrk="1"/>
+                      <a:r>
+                        <a:rPr lang="en-US" altLang="ko-KR" sz="800" dirty="0" smtClean="0">
+                          <a:solidFill>
+                            <a:schemeClr val="tx2">
+                              <a:lumMod val="40000"/>
+                              <a:lumOff val="60000"/>
+                            </a:schemeClr>
+                          </a:solidFill>
+                        </a:rPr>
+                        <a:t>Routing</a:t>
+                      </a:r>
+                      <a:r>
+                        <a:rPr lang="en-US" altLang="ko-KR" sz="800" baseline="0" dirty="0" smtClean="0">
+                          <a:solidFill>
+                            <a:schemeClr val="tx2">
+                              <a:lumMod val="40000"/>
+                              <a:lumOff val="60000"/>
+                            </a:schemeClr>
+                          </a:solidFill>
+                        </a:rPr>
+                        <a:t> </a:t>
+                      </a:r>
+                      <a:r>
+                        <a:rPr lang="ko-KR" altLang="en-US" sz="800" baseline="0" dirty="0" smtClean="0">
+                          <a:solidFill>
+                            <a:schemeClr val="tx2">
+                              <a:lumMod val="40000"/>
+                              <a:lumOff val="60000"/>
+                            </a:schemeClr>
+                          </a:solidFill>
+                        </a:rPr>
+                        <a:t>기본기</a:t>
+                      </a:r>
+                      <a:endParaRPr lang="en-US" altLang="ko-KR" sz="800" baseline="0" dirty="0" smtClean="0">
+                        <a:solidFill>
+                          <a:schemeClr val="tx2">
+                            <a:lumMod val="40000"/>
+                            <a:lumOff val="60000"/>
+                          </a:schemeClr>
+                        </a:solidFill>
+                      </a:endParaRPr>
+                    </a:p>
+                    <a:p>
+                      <a:pPr latinLnBrk="1"/>
+                      <a:r>
+                        <a:rPr lang="ko-KR" altLang="en-US" sz="800" baseline="0" dirty="0" err="1" smtClean="0">
+                          <a:solidFill>
+                            <a:schemeClr val="tx2">
+                              <a:lumMod val="40000"/>
+                              <a:lumOff val="60000"/>
+                            </a:schemeClr>
+                          </a:solidFill>
+                        </a:rPr>
+                        <a:t>뷰에</a:t>
+                      </a:r>
+                      <a:r>
+                        <a:rPr lang="ko-KR" altLang="en-US" sz="800" baseline="0" dirty="0" smtClean="0">
+                          <a:solidFill>
+                            <a:schemeClr val="tx2">
+                              <a:lumMod val="40000"/>
+                              <a:lumOff val="60000"/>
+                            </a:schemeClr>
+                          </a:solidFill>
+                        </a:rPr>
+                        <a:t> 데이터 바인딩</a:t>
+                      </a:r>
+                      <a:endParaRPr lang="en-US" altLang="ko-KR" sz="800" baseline="0" dirty="0" smtClean="0">
+                        <a:solidFill>
+                          <a:schemeClr val="tx2">
+                            <a:lumMod val="40000"/>
+                            <a:lumOff val="60000"/>
+                          </a:schemeClr>
+                        </a:solidFill>
+                      </a:endParaRPr>
+                    </a:p>
+                    <a:p>
+                      <a:pPr latinLnBrk="1"/>
+                      <a:r>
+                        <a:rPr lang="ko-KR" altLang="en-US" sz="800" baseline="0" dirty="0" err="1" smtClean="0">
+                          <a:solidFill>
+                            <a:schemeClr val="tx2">
+                              <a:lumMod val="40000"/>
+                              <a:lumOff val="60000"/>
+                            </a:schemeClr>
+                          </a:solidFill>
+                        </a:rPr>
+                        <a:t>엘로퀀트</a:t>
+                      </a:r>
+                      <a:r>
+                        <a:rPr lang="ko-KR" altLang="en-US" sz="800" baseline="0" dirty="0" smtClean="0">
+                          <a:solidFill>
+                            <a:schemeClr val="tx2">
+                              <a:lumMod val="40000"/>
+                              <a:lumOff val="60000"/>
+                            </a:schemeClr>
+                          </a:solidFill>
+                        </a:rPr>
+                        <a:t> </a:t>
+                      </a:r>
+                      <a:r>
+                        <a:rPr lang="en-US" altLang="ko-KR" sz="800" baseline="0" dirty="0" smtClean="0">
+                          <a:solidFill>
+                            <a:schemeClr val="tx2">
+                              <a:lumMod val="40000"/>
+                              <a:lumOff val="60000"/>
+                            </a:schemeClr>
+                          </a:solidFill>
+                        </a:rPr>
+                        <a:t>ORM</a:t>
+                      </a:r>
+                    </a:p>
+                  </a:txBody>
+                  <a:tcPr/>
+                </a:tc>
+                <a:tc>
+                  <a:txBody>
+                    <a:bodyPr/>
+                    <a:lstStyle/>
+                    <a:p>
+                      <a:pPr latinLnBrk="1"/>
+                      <a:r>
+                        <a:rPr lang="en-US" altLang="ko-KR" sz="800" dirty="0" smtClean="0">
+                          <a:solidFill>
+                            <a:schemeClr val="tx2">
+                              <a:lumMod val="40000"/>
+                              <a:lumOff val="60000"/>
+                            </a:schemeClr>
+                          </a:solidFill>
+                        </a:rPr>
+                        <a:t>17</a:t>
+                      </a:r>
+                    </a:p>
+                    <a:p>
+                      <a:pPr latinLnBrk="1"/>
+                      <a:endParaRPr lang="en-US" altLang="ko-KR" sz="800" dirty="0" smtClean="0">
+                        <a:solidFill>
+                          <a:schemeClr val="tx2">
+                            <a:lumMod val="40000"/>
+                            <a:lumOff val="60000"/>
+                          </a:schemeClr>
+                        </a:solidFill>
+                      </a:endParaRPr>
+                    </a:p>
+                    <a:p>
+                      <a:pPr latinLnBrk="1"/>
+                      <a:r>
+                        <a:rPr lang="en-US" altLang="ko-KR" sz="800" dirty="0" err="1" smtClean="0">
+                          <a:solidFill>
+                            <a:schemeClr val="tx2">
+                              <a:lumMod val="40000"/>
+                              <a:lumOff val="60000"/>
+                            </a:schemeClr>
+                          </a:solidFill>
+                        </a:rPr>
+                        <a:t>Laravel</a:t>
+                      </a:r>
+                      <a:endParaRPr lang="en-US" altLang="ko-KR" sz="800" dirty="0" smtClean="0">
+                        <a:solidFill>
+                          <a:schemeClr val="tx2">
+                            <a:lumMod val="40000"/>
+                            <a:lumOff val="60000"/>
+                          </a:schemeClr>
+                        </a:solidFill>
+                      </a:endParaRPr>
+                    </a:p>
+                    <a:p>
+                      <a:pPr latinLnBrk="1"/>
+                      <a:endParaRPr lang="en-US" altLang="ko-KR" sz="800" baseline="0" dirty="0" smtClean="0">
+                        <a:solidFill>
+                          <a:schemeClr val="tx2">
+                            <a:lumMod val="40000"/>
+                            <a:lumOff val="60000"/>
+                          </a:schemeClr>
+                        </a:solidFill>
+                      </a:endParaRPr>
+                    </a:p>
+                    <a:p>
+                      <a:pPr latinLnBrk="1"/>
+                      <a:r>
+                        <a:rPr lang="en-US" altLang="ko-KR" sz="800" dirty="0" smtClean="0">
+                          <a:solidFill>
+                            <a:schemeClr val="tx2">
+                              <a:lumMod val="40000"/>
+                              <a:lumOff val="60000"/>
+                            </a:schemeClr>
+                          </a:solidFill>
+                        </a:rPr>
+                        <a:t>DB </a:t>
+                      </a:r>
+                      <a:r>
+                        <a:rPr lang="ko-KR" altLang="en-US" sz="800" dirty="0" err="1" smtClean="0">
+                          <a:solidFill>
+                            <a:schemeClr val="tx2">
+                              <a:lumMod val="40000"/>
+                              <a:lumOff val="60000"/>
+                            </a:schemeClr>
+                          </a:solidFill>
+                        </a:rPr>
+                        <a:t>마이그레이션</a:t>
+                      </a:r>
+                      <a:endParaRPr lang="en-US" altLang="ko-KR" sz="800" dirty="0" smtClean="0">
+                        <a:solidFill>
+                          <a:schemeClr val="tx2">
+                            <a:lumMod val="40000"/>
+                            <a:lumOff val="60000"/>
+                          </a:schemeClr>
+                        </a:solidFill>
+                      </a:endParaRPr>
+                    </a:p>
+                    <a:p>
+                      <a:pPr latinLnBrk="1"/>
+                      <a:r>
+                        <a:rPr lang="ko-KR" altLang="en-US" sz="800" baseline="0" dirty="0" err="1" smtClean="0">
+                          <a:solidFill>
+                            <a:schemeClr val="tx2">
+                              <a:lumMod val="40000"/>
+                              <a:lumOff val="60000"/>
+                            </a:schemeClr>
+                          </a:solidFill>
+                        </a:rPr>
+                        <a:t>블레이드</a:t>
+                      </a:r>
+                      <a:r>
+                        <a:rPr lang="ko-KR" altLang="en-US" sz="800" baseline="0" dirty="0" smtClean="0">
+                          <a:solidFill>
+                            <a:schemeClr val="tx2">
+                              <a:lumMod val="40000"/>
+                              <a:lumOff val="60000"/>
+                            </a:schemeClr>
+                          </a:solidFill>
+                        </a:rPr>
+                        <a:t> </a:t>
+                      </a:r>
+                      <a:r>
+                        <a:rPr lang="en-US" altLang="ko-KR" sz="800" baseline="0" dirty="0" smtClean="0">
+                          <a:solidFill>
+                            <a:schemeClr val="tx2">
+                              <a:lumMod val="40000"/>
+                              <a:lumOff val="60000"/>
+                            </a:schemeClr>
+                          </a:solidFill>
+                        </a:rPr>
+                        <a:t>101</a:t>
+                      </a:r>
+                    </a:p>
+                    <a:p>
+                      <a:pPr latinLnBrk="1"/>
+                      <a:r>
+                        <a:rPr lang="ko-KR" altLang="en-US" sz="800" baseline="0" dirty="0" err="1" smtClean="0">
+                          <a:solidFill>
+                            <a:schemeClr val="tx2">
+                              <a:lumMod val="40000"/>
+                              <a:lumOff val="60000"/>
+                            </a:schemeClr>
+                          </a:solidFill>
+                        </a:rPr>
+                        <a:t>블레이드</a:t>
+                      </a:r>
+                      <a:r>
+                        <a:rPr lang="ko-KR" altLang="en-US" sz="800" baseline="0" dirty="0" smtClean="0">
+                          <a:solidFill>
+                            <a:schemeClr val="tx2">
+                              <a:lumMod val="40000"/>
+                              <a:lumOff val="60000"/>
+                            </a:schemeClr>
+                          </a:solidFill>
+                        </a:rPr>
+                        <a:t> </a:t>
+                      </a:r>
+                      <a:r>
+                        <a:rPr lang="en-US" altLang="ko-KR" sz="800" baseline="0" dirty="0" smtClean="0">
+                          <a:solidFill>
+                            <a:schemeClr val="tx2">
+                              <a:lumMod val="40000"/>
+                              <a:lumOff val="60000"/>
+                            </a:schemeClr>
+                          </a:solidFill>
+                        </a:rPr>
+                        <a:t>201</a:t>
+                      </a:r>
+                    </a:p>
+                    <a:p>
+                      <a:pPr latinLnBrk="1"/>
+                      <a:r>
+                        <a:rPr lang="ko-KR" altLang="en-US" sz="800" baseline="0" dirty="0" smtClean="0">
+                          <a:solidFill>
+                            <a:schemeClr val="tx2">
+                              <a:lumMod val="40000"/>
+                              <a:lumOff val="60000"/>
+                            </a:schemeClr>
+                          </a:solidFill>
+                        </a:rPr>
+                        <a:t>컨트롤러</a:t>
+                      </a:r>
+                      <a:endParaRPr lang="en-US" altLang="ko-KR" sz="800" baseline="0" dirty="0" smtClean="0">
+                        <a:solidFill>
+                          <a:schemeClr val="tx2">
+                            <a:lumMod val="40000"/>
+                            <a:lumOff val="60000"/>
+                          </a:schemeClr>
+                        </a:solidFill>
+                      </a:endParaRPr>
+                    </a:p>
+                    <a:p>
+                      <a:pPr latinLnBrk="1"/>
+                      <a:endParaRPr lang="en-US" altLang="ko-KR" sz="800" dirty="0" smtClean="0">
+                        <a:solidFill>
+                          <a:schemeClr val="tx2">
+                            <a:lumMod val="40000"/>
+                            <a:lumOff val="60000"/>
+                          </a:schemeClr>
+                        </a:solidFill>
+                      </a:endParaRPr>
+                    </a:p>
+                  </a:txBody>
+                  <a:tcPr/>
+                </a:tc>
+                <a:tc>
+                  <a:txBody>
+                    <a:bodyPr/>
+                    <a:lstStyle/>
+                    <a:p>
+                      <a:pPr latinLnBrk="1"/>
+                      <a:r>
+                        <a:rPr lang="en-US" altLang="ko-KR" sz="800" dirty="0" smtClean="0">
+                          <a:solidFill>
+                            <a:schemeClr val="tx2">
+                              <a:lumMod val="40000"/>
+                              <a:lumOff val="60000"/>
+                            </a:schemeClr>
+                          </a:solidFill>
+                        </a:rPr>
+                        <a:t>18</a:t>
+                      </a:r>
+                    </a:p>
+                    <a:p>
+                      <a:pPr latinLnBrk="1"/>
+                      <a:endParaRPr lang="en-US" altLang="ko-KR" sz="800" dirty="0" smtClean="0">
+                        <a:solidFill>
+                          <a:schemeClr val="tx2">
+                            <a:lumMod val="40000"/>
+                            <a:lumOff val="60000"/>
+                          </a:schemeClr>
+                        </a:solidFill>
+                      </a:endParaRPr>
+                    </a:p>
+                    <a:p>
+                      <a:pPr latinLnBrk="1"/>
+                      <a:r>
+                        <a:rPr lang="en-US" altLang="ko-KR" sz="800" dirty="0" err="1" smtClean="0">
+                          <a:solidFill>
+                            <a:schemeClr val="tx2">
+                              <a:lumMod val="40000"/>
+                              <a:lumOff val="60000"/>
+                            </a:schemeClr>
+                          </a:solidFill>
+                        </a:rPr>
+                        <a:t>Laravel</a:t>
+                      </a:r>
+                      <a:endParaRPr lang="en-US" altLang="ko-KR" sz="800" dirty="0" smtClean="0">
+                        <a:solidFill>
+                          <a:schemeClr val="tx2">
+                            <a:lumMod val="40000"/>
+                            <a:lumOff val="60000"/>
+                          </a:schemeClr>
+                        </a:solidFill>
+                      </a:endParaRPr>
+                    </a:p>
+                    <a:p>
+                      <a:pPr latinLnBrk="1"/>
+                      <a:endParaRPr lang="en-US" altLang="ko-KR" sz="800" dirty="0" smtClean="0">
+                        <a:solidFill>
+                          <a:schemeClr val="tx2">
+                            <a:lumMod val="40000"/>
+                            <a:lumOff val="60000"/>
+                          </a:schemeClr>
+                        </a:solidFill>
+                      </a:endParaRPr>
+                    </a:p>
+                    <a:p>
+                      <a:pPr latinLnBrk="1"/>
+                      <a:r>
+                        <a:rPr lang="ko-KR" altLang="en-US" sz="800" dirty="0" smtClean="0">
+                          <a:solidFill>
+                            <a:schemeClr val="tx2">
+                              <a:lumMod val="40000"/>
+                              <a:lumOff val="60000"/>
+                            </a:schemeClr>
+                          </a:solidFill>
+                        </a:rPr>
+                        <a:t>이름있는 </a:t>
+                      </a:r>
+                      <a:r>
+                        <a:rPr lang="en-US" altLang="ko-KR" sz="800" dirty="0" smtClean="0">
+                          <a:solidFill>
+                            <a:schemeClr val="tx2">
+                              <a:lumMod val="40000"/>
+                              <a:lumOff val="60000"/>
+                            </a:schemeClr>
+                          </a:solidFill>
+                        </a:rPr>
+                        <a:t>Route</a:t>
+                      </a:r>
+                    </a:p>
+                    <a:p>
                       <a:pPr marL="0" marR="0" indent="0" algn="l" defTabSz="914400" rtl="0" eaLnBrk="1" fontAlgn="auto" latinLnBrk="1" hangingPunct="1">
                         <a:lnSpc>
                           <a:spcPct val="100000"/>
@@ -7066,27 +7450,24 @@
                         <a:defRPr/>
                       </a:pPr>
                       <a:r>
-                        <a:rPr lang="ko-KR" altLang="en-US" sz="800" baseline="0" dirty="0" err="1" smtClean="0">
-                          <a:solidFill>
-                            <a:schemeClr val="tx2">
-                              <a:lumMod val="40000"/>
-                              <a:lumOff val="60000"/>
-                            </a:schemeClr>
-                          </a:solidFill>
-                        </a:rPr>
-                        <a:t>뷰와</a:t>
-                      </a:r>
-                      <a:r>
-                        <a:rPr lang="ko-KR" altLang="en-US" sz="800" baseline="0" dirty="0" smtClean="0">
-                          <a:solidFill>
-                            <a:schemeClr val="tx2">
-                              <a:lumMod val="40000"/>
-                              <a:lumOff val="60000"/>
-                            </a:schemeClr>
-                          </a:solidFill>
-                        </a:rPr>
-                        <a:t> 데이터 바인딩</a:t>
-                      </a:r>
+                        <a:rPr lang="ko-KR" altLang="en-US" sz="800" dirty="0" smtClean="0">
+                          <a:solidFill>
+                            <a:schemeClr val="tx2">
+                              <a:lumMod val="40000"/>
+                              <a:lumOff val="60000"/>
+                            </a:schemeClr>
+                          </a:solidFill>
+                        </a:rPr>
+                        <a:t>중첩된 리소스</a:t>
+                      </a:r>
+                      <a:endParaRPr lang="en-US" altLang="ko-KR" sz="800" dirty="0" smtClean="0">
+                        <a:solidFill>
+                          <a:schemeClr val="tx2">
+                            <a:lumMod val="40000"/>
+                            <a:lumOff val="60000"/>
+                          </a:schemeClr>
+                        </a:solidFill>
+                      </a:endParaRPr>
                     </a:p>
                     <a:p>
                       <a:pPr marL="0" marR="0" indent="0" algn="l" defTabSz="914400" rtl="0" eaLnBrk="1" fontAlgn="auto" latinLnBrk="1" hangingPunct="1">
@@ -7107,38 +7488,16 @@
                         <a:defRPr/>
                       </a:pPr>
                       <a:r>
-                        <a:rPr lang="en-US" altLang="ko-KR" sz="800" baseline="0" dirty="0" smtClean="0">
-                          <a:solidFill>
-                            <a:schemeClr val="tx2">
-                              <a:lumMod val="40000"/>
-                              <a:lumOff val="60000"/>
-                            </a:schemeClr>
-                          </a:solidFill>
-                        </a:rPr>
-                        <a:t>DB </a:t>
-                      </a:r>
-                      <a:r>
-                        <a:rPr lang="ko-KR" altLang="en-US" sz="800" baseline="0" dirty="0" err="1" smtClean="0">
-                          <a:solidFill>
-                            <a:schemeClr val="tx2">
-                              <a:lumMod val="40000"/>
-                              <a:lumOff val="60000"/>
-                            </a:schemeClr>
-                          </a:solidFill>
-                        </a:rPr>
-                        <a:t>마이그레이션</a:t>
-                      </a:r>
-                      <a:endParaRPr lang="en-US" altLang="ko-KR" sz="800" baseline="0" dirty="0" smtClean="0">
-                        <a:solidFill>
-                          <a:schemeClr val="tx2">
-                            <a:lumMod val="40000"/>
-                            <a:lumOff val="60000"/>
-                          </a:schemeClr>
-                        </a:solidFill>
-                      </a:endParaRPr>
-                    </a:p>
-                    <a:p>
-                      <a:pPr latinLnBrk="1"/>
+                        <a:rPr lang="ko-KR" altLang="en-US" sz="800" dirty="0" smtClean="0">
+                          <a:solidFill>
+                            <a:schemeClr val="tx2">
+                              <a:lumMod val="40000"/>
+                              <a:lumOff val="60000"/>
+                            </a:schemeClr>
+                          </a:solidFill>
+                        </a:rPr>
+                        <a:t>사용자 인증 기본기</a:t>
+                      </a:r>
                       <a:endParaRPr lang="en-US" altLang="ko-KR" sz="800" dirty="0" smtClean="0">
                         <a:solidFill>
                           <a:schemeClr val="tx2">
@@ -7166,7 +7525,7 @@
                             </a:schemeClr>
                           </a:solidFill>
                         </a:rPr>
-                        <a:t>17</a:t>
+                        <a:t>19</a:t>
                       </a:r>
                     </a:p>
                     <a:p>
@@ -7204,7 +7563,7 @@
                     </a:p>
                     <a:p>
                       <a:pPr latinLnBrk="1"/>
-                      <a:endParaRPr lang="en-US" altLang="ko-KR" sz="800" baseline="0" dirty="0" smtClean="0">
+                      <a:endParaRPr lang="en-US" altLang="ko-KR" sz="800" dirty="0" smtClean="0">
                         <a:solidFill>
                           <a:schemeClr val="tx2">
                             <a:lumMod val="40000"/>
@@ -7216,49 +7575,6 @@
                     <a:p>
                       <a:pPr latinLnBrk="1"/>
                       <a:r>
-                        <a:rPr lang="ko-KR" altLang="en-US" sz="800" baseline="0" dirty="0" err="1" smtClean="0">
-                          <a:solidFill>
-                            <a:schemeClr val="tx2">
-                              <a:lumMod val="40000"/>
-                              <a:lumOff val="60000"/>
-                            </a:schemeClr>
-                          </a:solidFill>
-                        </a:rPr>
-                        <a:t>엘로퀀트</a:t>
-                      </a:r>
-                      <a:r>
-                        <a:rPr lang="ko-KR" altLang="en-US" sz="800" baseline="0" dirty="0" smtClean="0">
-                          <a:solidFill>
-                            <a:schemeClr val="tx2">
-                              <a:lumMod val="40000"/>
-                              <a:lumOff val="60000"/>
-                            </a:schemeClr>
-                          </a:solidFill>
-                        </a:rPr>
-                        <a:t> </a:t>
-                      </a:r>
-                      <a:r>
-                        <a:rPr lang="en-US" altLang="ko-KR" sz="800" baseline="0" dirty="0" smtClean="0">
-                          <a:solidFill>
-                            <a:schemeClr val="tx2">
-                              <a:lumMod val="40000"/>
-                              <a:lumOff val="60000"/>
-                            </a:schemeClr>
-                          </a:solidFill>
-                        </a:rPr>
-                        <a:t>ORM</a:t>
-                      </a:r>
-                    </a:p>
-                  </a:txBody>
-                  <a:tcPr/>
-                </a:tc>
-                <a:tc>
-                  <a:txBody>
-                    <a:bodyPr/>
-                    <a:lstStyle/>
-                    <a:p>
-                      <a:pPr latinLnBrk="1"/>
-                      <a:r>
                         <a:rPr lang="en-US" altLang="ko-KR" sz="800" dirty="0" smtClean="0">
                           <a:solidFill>
                             <a:schemeClr val="tx2">
@@ -7267,11 +7583,30 @@
                             </a:schemeClr>
                           </a:solidFill>
                         </a:rPr>
-                        <a:t>18</a:t>
-                      </a:r>
-                    </a:p>
-                    <a:p>
-                      <a:pPr latinLnBrk="1"/>
+                        <a:t>,</a:t>
+                      </a:r>
+                      <a:r>
+                        <a:rPr lang="ko-KR" altLang="en-US" sz="800" dirty="0" err="1" smtClean="0">
+                          <a:solidFill>
+                            <a:schemeClr val="tx2">
+                              <a:lumMod val="40000"/>
+                              <a:lumOff val="60000"/>
+                            </a:schemeClr>
+                          </a:solidFill>
+                        </a:rPr>
+                        <a:t>라라벨에</a:t>
+                      </a:r>
+                      <a:r>
+                        <a:rPr lang="ko-KR" altLang="en-US" sz="800" dirty="0" smtClean="0">
+                          <a:solidFill>
+                            <a:schemeClr val="tx2">
+                              <a:lumMod val="40000"/>
+                              <a:lumOff val="60000"/>
+                            </a:schemeClr>
+                          </a:solidFill>
+                        </a:rPr>
+                        <a:t> 내장된 사용자 인증</a:t>
+                      </a:r>
                       <a:endParaRPr lang="en-US" altLang="ko-KR" sz="800" dirty="0" smtClean="0">
                         <a:solidFill>
                           <a:schemeClr val="tx2">
@@ -7284,50 +7619,6 @@
                     <a:p>
                       <a:pPr latinLnBrk="1"/>
                       <a:r>
-                        <a:rPr lang="en-US" altLang="ko-KR" sz="800" dirty="0" err="1" smtClean="0">
-                          <a:solidFill>
-                            <a:schemeClr val="tx2">
-                              <a:lumMod val="40000"/>
-                              <a:lumOff val="60000"/>
-                            </a:schemeClr>
-                          </a:solidFill>
-                        </a:rPr>
-                        <a:t>Laravel</a:t>
-                      </a:r>
-                      <a:endParaRPr lang="en-US" altLang="ko-KR" sz="800" dirty="0" smtClean="0">
-                        <a:solidFill>
-                          <a:schemeClr val="tx2">
-                            <a:lumMod val="40000"/>
-                            <a:lumOff val="60000"/>
-                          </a:schemeClr>
-                        </a:solidFill>
-                      </a:endParaRPr>
-                    </a:p>
-                    <a:p>
-                      <a:pPr latinLnBrk="1"/>
-                      <a:endParaRPr lang="en-US" altLang="ko-KR" sz="800" dirty="0" smtClean="0">
-                        <a:solidFill>
-                          <a:schemeClr val="tx2">
-                            <a:lumMod val="40000"/>
-                            <a:lumOff val="60000"/>
-                          </a:schemeClr>
-                        </a:solidFill>
-                      </a:endParaRPr>
-                    </a:p>
-                    <a:p>
-                      <a:pPr latinLnBrk="1"/>
-                      <a:r>
-                        <a:rPr lang="ko-KR" altLang="en-US" sz="800" dirty="0" err="1" smtClean="0">
-                          <a:solidFill>
-                            <a:schemeClr val="tx2">
-                              <a:lumMod val="40000"/>
-                              <a:lumOff val="60000"/>
-                            </a:schemeClr>
-                          </a:solidFill>
-                        </a:rPr>
-                        <a:t>입력값</a:t>
-                      </a:r>
-                      <a:r>
                         <a:rPr lang="ko-KR" altLang="en-US" sz="800" dirty="0" smtClean="0">
                           <a:solidFill>
                             <a:schemeClr val="tx2">
@@ -7336,160 +7627,7 @@
                             </a:schemeClr>
                           </a:solidFill>
                         </a:rPr>
-                        <a:t> 유효성 </a:t>
-                      </a:r>
-                      <a:r>
-                        <a:rPr lang="ko-KR" altLang="en-US" sz="800" dirty="0" smtClean="0">
-                          <a:solidFill>
-                            <a:schemeClr val="tx2">
-                              <a:lumMod val="40000"/>
-                              <a:lumOff val="60000"/>
-                            </a:schemeClr>
-                          </a:solidFill>
-                        </a:rPr>
-                        <a:t>검사</a:t>
-                      </a:r>
-                      <a:endParaRPr lang="en-US" altLang="ko-KR" sz="800" dirty="0" smtClean="0">
-                        <a:solidFill>
-                          <a:schemeClr val="tx2">
-                            <a:lumMod val="40000"/>
-                            <a:lumOff val="60000"/>
-                          </a:schemeClr>
-                        </a:solidFill>
-                      </a:endParaRPr>
-                    </a:p>
-                  </a:txBody>
-                  <a:tcPr/>
-                </a:tc>
-                <a:tc>
-                  <a:txBody>
-                    <a:bodyPr/>
-                    <a:lstStyle/>
-                    <a:p>
-                      <a:pPr latinLnBrk="1"/>
-                      <a:r>
-                        <a:rPr lang="en-US" altLang="ko-KR" sz="800" dirty="0" smtClean="0">
-                          <a:solidFill>
-                            <a:schemeClr val="tx2">
-                              <a:lumMod val="40000"/>
-                              <a:lumOff val="60000"/>
-                            </a:schemeClr>
-                          </a:solidFill>
-                        </a:rPr>
-                        <a:t>19</a:t>
-                      </a:r>
-                    </a:p>
-                    <a:p>
-                      <a:pPr latinLnBrk="1"/>
-                      <a:endParaRPr lang="en-US" altLang="ko-KR" sz="800" dirty="0" smtClean="0">
-                        <a:solidFill>
-                          <a:schemeClr val="tx2">
-                            <a:lumMod val="40000"/>
-                            <a:lumOff val="60000"/>
-                          </a:schemeClr>
-                        </a:solidFill>
-                      </a:endParaRPr>
-                    </a:p>
-                    <a:p>
-                      <a:pPr latinLnBrk="1"/>
-                      <a:r>
-                        <a:rPr lang="en-US" altLang="ko-KR" sz="800" dirty="0" err="1" smtClean="0">
-                          <a:solidFill>
-                            <a:schemeClr val="tx2">
-                              <a:lumMod val="40000"/>
-                              <a:lumOff val="60000"/>
-                            </a:schemeClr>
-                          </a:solidFill>
-                        </a:rPr>
-                        <a:t>Laravel</a:t>
-                      </a:r>
-                      <a:endParaRPr lang="en-US" altLang="ko-KR" sz="800" dirty="0" smtClean="0">
-                        <a:solidFill>
-                          <a:schemeClr val="tx2">
-                            <a:lumMod val="40000"/>
-                            <a:lumOff val="60000"/>
-                          </a:schemeClr>
-                        </a:solidFill>
-                      </a:endParaRPr>
-                    </a:p>
-                    <a:p>
-                      <a:pPr latinLnBrk="1"/>
-                      <a:endParaRPr lang="en-US" altLang="ko-KR" sz="800" dirty="0" smtClean="0">
-                        <a:solidFill>
-                          <a:schemeClr val="tx2">
-                            <a:lumMod val="40000"/>
-                            <a:lumOff val="60000"/>
-                          </a:schemeClr>
-                        </a:solidFill>
-                      </a:endParaRPr>
-                    </a:p>
-                    <a:p>
-                      <a:pPr latinLnBrk="1"/>
-                      <a:r>
-                        <a:rPr lang="ko-KR" altLang="en-US" sz="800" dirty="0" smtClean="0">
-                          <a:solidFill>
-                            <a:schemeClr val="tx2">
-                              <a:lumMod val="40000"/>
-                              <a:lumOff val="60000"/>
-                            </a:schemeClr>
-                          </a:solidFill>
-                        </a:rPr>
-                        <a:t>예외처리</a:t>
-                      </a:r>
-                      <a:r>
-                        <a:rPr lang="en-US" altLang="ko-KR" sz="800" dirty="0" smtClean="0">
-                          <a:solidFill>
-                            <a:schemeClr val="tx2">
-                              <a:lumMod val="40000"/>
-                              <a:lumOff val="60000"/>
-                            </a:schemeClr>
-                          </a:solidFill>
-                        </a:rPr>
-                        <a:t>, </a:t>
-                      </a:r>
-                      <a:r>
-                        <a:rPr lang="ko-KR" altLang="en-US" sz="800" dirty="0" smtClean="0">
-                          <a:solidFill>
-                            <a:schemeClr val="tx2">
-                              <a:lumMod val="40000"/>
-                              <a:lumOff val="60000"/>
-                            </a:schemeClr>
-                          </a:solidFill>
-                        </a:rPr>
-                        <a:t>에러 </a:t>
-                      </a:r>
-                      <a:r>
-                        <a:rPr lang="ko-KR" altLang="en-US" sz="800" dirty="0" err="1" smtClean="0">
-                          <a:solidFill>
-                            <a:schemeClr val="tx2">
-                              <a:lumMod val="40000"/>
-                              <a:lumOff val="60000"/>
-                            </a:schemeClr>
-                          </a:solidFill>
-                        </a:rPr>
-                        <a:t>리포팅</a:t>
-                      </a:r>
-                      <a:r>
-                        <a:rPr lang="en-US" altLang="ko-KR" sz="800" dirty="0" smtClean="0">
-                          <a:solidFill>
-                            <a:schemeClr val="tx2">
-                              <a:lumMod val="40000"/>
-                              <a:lumOff val="60000"/>
-                            </a:schemeClr>
-                          </a:solidFill>
-                        </a:rPr>
-                        <a:t>, </a:t>
-                      </a:r>
-                      <a:r>
-                        <a:rPr lang="ko-KR" altLang="en-US" sz="800" dirty="0" smtClean="0">
-                          <a:solidFill>
-                            <a:schemeClr val="tx2">
-                              <a:lumMod val="40000"/>
-                              <a:lumOff val="60000"/>
-                            </a:schemeClr>
-                          </a:solidFill>
-                        </a:rPr>
-                        <a:t>디버깅</a:t>
+                        <a:t>모델간 관계 맺기</a:t>
                       </a:r>
                       <a:endParaRPr lang="en-US" altLang="ko-KR" sz="800" dirty="0" smtClean="0">
                         <a:solidFill>
@@ -7556,6 +7694,72 @@
                         </a:solidFill>
                       </a:endParaRPr>
                     </a:p>
+                    <a:p>
+                      <a:pPr latinLnBrk="1"/>
+                      <a:r>
+                        <a:rPr lang="ko-KR" altLang="en-US" sz="800" dirty="0" smtClean="0">
+                          <a:solidFill>
+                            <a:schemeClr val="tx2">
+                              <a:lumMod val="40000"/>
+                              <a:lumOff val="60000"/>
+                            </a:schemeClr>
+                          </a:solidFill>
+                        </a:rPr>
+                        <a:t>데이터 심기</a:t>
+                      </a:r>
+                      <a:endParaRPr lang="en-US" altLang="ko-KR" sz="800" dirty="0" smtClean="0">
+                        <a:solidFill>
+                          <a:schemeClr val="tx2">
+                            <a:lumMod val="40000"/>
+                            <a:lumOff val="60000"/>
+                          </a:schemeClr>
+                        </a:solidFill>
+                      </a:endParaRPr>
+                    </a:p>
+                    <a:p>
+                      <a:pPr latinLnBrk="1"/>
+                      <a:r>
+                        <a:rPr lang="en-US" altLang="ko-KR" sz="800" dirty="0" smtClean="0">
+                          <a:solidFill>
+                            <a:schemeClr val="tx2">
+                              <a:lumMod val="40000"/>
+                              <a:lumOff val="60000"/>
+                            </a:schemeClr>
+                          </a:solidFill>
+                        </a:rPr>
+                        <a:t>Eage</a:t>
+                      </a:r>
+                      <a:r>
+                        <a:rPr lang="en-US" altLang="ko-KR" sz="800" baseline="0" dirty="0" smtClean="0">
+                          <a:solidFill>
+                            <a:schemeClr val="tx2">
+                              <a:lumMod val="40000"/>
+                              <a:lumOff val="60000"/>
+                            </a:schemeClr>
+                          </a:solidFill>
+                        </a:rPr>
+                        <a:t>r </a:t>
+                      </a:r>
+                      <a:r>
+                        <a:rPr lang="ko-KR" altLang="en-US" sz="800" baseline="0" dirty="0" smtClean="0">
+                          <a:solidFill>
+                            <a:schemeClr val="tx2">
+                              <a:lumMod val="40000"/>
+                              <a:lumOff val="60000"/>
+                            </a:schemeClr>
+                          </a:solidFill>
+                        </a:rPr>
+                        <a:t>로딩</a:t>
+                      </a:r>
+                      <a:endParaRPr lang="en-US" altLang="ko-KR" sz="800" dirty="0" smtClean="0">
+                        <a:solidFill>
+                          <a:schemeClr val="tx2">
+                            <a:lumMod val="40000"/>
+                            <a:lumOff val="60000"/>
+                          </a:schemeClr>
+                        </a:solidFill>
+                      </a:endParaRPr>
+                    </a:p>
                   </a:txBody>
                   <a:tcPr/>
                 </a:tc>
@@ -7579,6 +7783,50 @@
                     </a:p>
                     <a:p>
                       <a:pPr latinLnBrk="1"/>
+                      <a:r>
+                        <a:rPr lang="ko-KR" altLang="en-US" sz="800" dirty="0" smtClean="0">
+                          <a:solidFill>
+                            <a:schemeClr val="tx2">
+                              <a:lumMod val="40000"/>
+                              <a:lumOff val="60000"/>
+                            </a:schemeClr>
+                          </a:solidFill>
+                        </a:rPr>
+                        <a:t>추가 </a:t>
+                      </a:r>
+                      <a:r>
+                        <a:rPr lang="en-US" altLang="ko-KR" sz="800" dirty="0" smtClean="0">
+                          <a:solidFill>
+                            <a:schemeClr val="tx2">
+                              <a:lumMod val="40000"/>
+                              <a:lumOff val="60000"/>
+                            </a:schemeClr>
+                          </a:solidFill>
+                        </a:rPr>
+                        <a:t>- </a:t>
+                      </a:r>
+                      <a:r>
+                        <a:rPr lang="ko-KR" altLang="en-US" sz="800" dirty="0" err="1" smtClean="0">
+                          <a:solidFill>
+                            <a:schemeClr val="tx2">
+                              <a:lumMod val="40000"/>
+                              <a:lumOff val="60000"/>
+                            </a:schemeClr>
+                          </a:solidFill>
+                        </a:rPr>
+                        <a:t>페이징</a:t>
+                      </a:r>
+                      <a:r>
+                        <a:rPr lang="ko-KR" altLang="en-US" sz="800" dirty="0" smtClean="0">
+                          <a:solidFill>
+                            <a:schemeClr val="tx2">
+                              <a:lumMod val="40000"/>
+                              <a:lumOff val="60000"/>
+                            </a:schemeClr>
+                          </a:solidFill>
+                        </a:rPr>
+                        <a:t> </a:t>
+                      </a:r>
                       <a:endParaRPr lang="en-US" altLang="ko-KR" sz="800" dirty="0" smtClean="0">
                         <a:solidFill>
                           <a:schemeClr val="tx2">
@@ -7591,31 +7839,6 @@
                     <a:p>
                       <a:pPr latinLnBrk="1"/>
                       <a:r>
-                        <a:rPr lang="en-US" altLang="ko-KR" sz="800" dirty="0" err="1" smtClean="0">
-                          <a:solidFill>
-                            <a:schemeClr val="tx2">
-                              <a:lumMod val="40000"/>
-                              <a:lumOff val="60000"/>
-                            </a:schemeClr>
-                          </a:solidFill>
-                        </a:rPr>
-                        <a:t>Laravel</a:t>
-                      </a:r>
-                      <a:r>
-                        <a:rPr lang="en-US" altLang="ko-KR" sz="800" dirty="0" smtClean="0">
-                          <a:solidFill>
-                            <a:schemeClr val="tx2">
-                              <a:lumMod val="40000"/>
-                              <a:lumOff val="60000"/>
-                            </a:schemeClr>
-                          </a:solidFill>
-                        </a:rPr>
-                        <a:t> Forum</a:t>
-                      </a:r>
-                    </a:p>
-                    <a:p>
-                      <a:pPr latinLnBrk="1"/>
-                      <a:r>
                         <a:rPr lang="ko-KR" altLang="en-US" sz="800" dirty="0" smtClean="0">
                           <a:solidFill>
                             <a:schemeClr val="tx2">
@@ -7624,8 +7847,63 @@
                             </a:schemeClr>
                           </a:solidFill>
                         </a:rPr>
-                        <a:t>프로젝트 시작</a:t>
-                      </a:r>
+                        <a:t>메일 보내기</a:t>
+                      </a:r>
+                      <a:endParaRPr lang="en-US" altLang="ko-KR" sz="800" dirty="0" smtClean="0">
+                        <a:solidFill>
+                          <a:schemeClr val="tx2">
+                            <a:lumMod val="40000"/>
+                            <a:lumOff val="60000"/>
+                          </a:schemeClr>
+                        </a:solidFill>
+                      </a:endParaRPr>
+                    </a:p>
+                    <a:p>
+                      <a:pPr latinLnBrk="1"/>
+                      <a:r>
+                        <a:rPr lang="ko-KR" altLang="en-US" sz="800" dirty="0" smtClean="0">
+                          <a:solidFill>
+                            <a:schemeClr val="tx2">
+                              <a:lumMod val="40000"/>
+                              <a:lumOff val="60000"/>
+                            </a:schemeClr>
+                          </a:solidFill>
+                        </a:rPr>
+                        <a:t>입력 값 유효성 검사</a:t>
+                      </a:r>
+                      <a:endParaRPr lang="en-US" altLang="ko-KR" sz="800" dirty="0" smtClean="0">
+                        <a:solidFill>
+                          <a:schemeClr val="tx2">
+                            <a:lumMod val="40000"/>
+                            <a:lumOff val="60000"/>
+                          </a:schemeClr>
+                        </a:solidFill>
+                      </a:endParaRPr>
+                    </a:p>
+                    <a:p>
+                      <a:pPr latinLnBrk="1"/>
+                      <a:r>
+                        <a:rPr lang="ko-KR" altLang="en-US" sz="800" dirty="0" smtClean="0">
+                          <a:solidFill>
+                            <a:schemeClr val="tx2">
+                              <a:lumMod val="40000"/>
+                              <a:lumOff val="60000"/>
+                            </a:schemeClr>
+                          </a:solidFill>
+                        </a:rPr>
+                        <a:t>예외처리</a:t>
+                      </a:r>
+                      <a:endParaRPr lang="en-US" altLang="ko-KR" sz="800" dirty="0" smtClean="0">
+                        <a:solidFill>
+                          <a:schemeClr val="tx2">
+                            <a:lumMod val="40000"/>
+                            <a:lumOff val="60000"/>
+                          </a:schemeClr>
+                        </a:solidFill>
+                      </a:endParaRPr>
+                    </a:p>
+                    <a:p>
+                      <a:pPr latinLnBrk="1"/>
                       <a:endParaRPr lang="en-US" altLang="ko-KR" sz="800" dirty="0" smtClean="0">
                         <a:solidFill>
                           <a:schemeClr val="tx2">
@@ -7678,7 +7956,18 @@
                             </a:schemeClr>
                           </a:solidFill>
                         </a:rPr>
-                        <a:t>국립중앙도서관 방문</a:t>
+                        <a:t>국립중앙도서관 </a:t>
+                      </a:r>
+                      <a:r>
+                        <a:rPr lang="ko-KR" altLang="en-US" sz="800" dirty="0" smtClean="0">
+                          <a:solidFill>
+                            <a:schemeClr val="tx2">
+                              <a:lumMod val="40000"/>
+                              <a:lumOff val="60000"/>
+                            </a:schemeClr>
+                          </a:solidFill>
+                        </a:rPr>
+                        <a:t>방문</a:t>
                       </a:r>
                       <a:endParaRPr lang="en-US" altLang="ko-KR" sz="800" dirty="0" smtClean="0">
                         <a:solidFill>
@@ -7722,7 +8011,45 @@
                       </a:r>
                     </a:p>
                     <a:p>
-                      <a:pPr latinLnBrk="1"/>
+                      <a:pPr marL="0" marR="0" indent="0" algn="l" defTabSz="914400" rtl="0" eaLnBrk="1" fontAlgn="auto" latinLnBrk="1" hangingPunct="1">
+                        <a:lnSpc>
+                          <a:spcPct val="100000"/>
+                        </a:lnSpc>
+                        <a:spcBef>
+                          <a:spcPts val="0"/>
+                        </a:spcBef>
+                        <a:spcAft>
+                          <a:spcPts val="0"/>
+                        </a:spcAft>
+                        <a:buClrTx/>
+                        <a:buSzTx/>
+                        <a:buFontTx/>
+                        <a:buNone/>
+                        <a:tabLst/>
+                        <a:defRPr/>
+                      </a:pPr>
+                      <a:r>
+                        <a:rPr lang="en-US" altLang="ko-KR" sz="800" dirty="0" smtClean="0">
+                          <a:solidFill>
+                            <a:schemeClr val="tx2">
+                              <a:lumMod val="40000"/>
+                              <a:lumOff val="60000"/>
+                            </a:schemeClr>
+                          </a:solidFill>
+                        </a:rPr>
+                        <a:t>Forum </a:t>
+                      </a:r>
+                      <a:r>
+                        <a:rPr lang="ko-KR" altLang="en-US" sz="800" dirty="0" smtClean="0">
+                          <a:solidFill>
+                            <a:schemeClr val="tx2">
+                              <a:lumMod val="40000"/>
+                              <a:lumOff val="60000"/>
+                            </a:schemeClr>
+                          </a:solidFill>
+                        </a:rPr>
+                        <a:t>만들기</a:t>
+                      </a:r>
                       <a:endParaRPr lang="en-US" altLang="ko-KR" sz="800" dirty="0" smtClean="0">
                         <a:solidFill>
                           <a:schemeClr val="tx2">
@@ -7734,7 +8061,96 @@
                     </a:p>
                     <a:p>
                       <a:pPr latinLnBrk="1"/>
-                      <a:endParaRPr lang="ko-KR" altLang="en-US" sz="800" dirty="0">
+                      <a:r>
+                        <a:rPr lang="ko-KR" altLang="en-US" sz="800" dirty="0" smtClean="0">
+                          <a:solidFill>
+                            <a:schemeClr val="tx2">
+                              <a:lumMod val="40000"/>
+                              <a:lumOff val="60000"/>
+                            </a:schemeClr>
+                          </a:solidFill>
+                        </a:rPr>
+                        <a:t>프로젝트 시작</a:t>
+                      </a:r>
+                      <a:endParaRPr lang="en-US" altLang="ko-KR" sz="800" dirty="0" smtClean="0">
+                        <a:solidFill>
+                          <a:schemeClr val="tx2">
+                            <a:lumMod val="40000"/>
+                            <a:lumOff val="60000"/>
+                          </a:schemeClr>
+                        </a:solidFill>
+                      </a:endParaRPr>
+                    </a:p>
+                    <a:p>
+                      <a:pPr latinLnBrk="1"/>
+                      <a:r>
+                        <a:rPr lang="en-US" altLang="ko-KR" sz="800" dirty="0" smtClean="0">
+                          <a:solidFill>
+                            <a:schemeClr val="tx2">
+                              <a:lumMod val="40000"/>
+                              <a:lumOff val="60000"/>
+                            </a:schemeClr>
+                          </a:solidFill>
+                          <a:hlinkClick r:id="rId5"/>
+                        </a:rPr>
+                        <a:t>http://l5.appkr.kr/</a:t>
+                      </a:r>
+                      <a:endParaRPr lang="en-US" altLang="ko-KR" sz="800" dirty="0" smtClean="0">
+                        <a:solidFill>
+                          <a:schemeClr val="tx2">
+                            <a:lumMod val="40000"/>
+                            <a:lumOff val="60000"/>
+                          </a:schemeClr>
+                        </a:solidFill>
+                      </a:endParaRPr>
+                    </a:p>
+                    <a:p>
+                      <a:pPr latinLnBrk="1"/>
+                      <a:r>
+                        <a:rPr lang="en-US" altLang="ko-KR" sz="800" dirty="0" smtClean="0">
+                          <a:solidFill>
+                            <a:schemeClr val="tx2">
+                              <a:lumMod val="40000"/>
+                              <a:lumOff val="60000"/>
+                            </a:schemeClr>
+                          </a:solidFill>
+                        </a:rPr>
+                        <a:t>31</a:t>
+                      </a:r>
+                      <a:r>
+                        <a:rPr lang="ko-KR" altLang="en-US" sz="800" dirty="0" smtClean="0">
+                          <a:solidFill>
+                            <a:schemeClr val="tx2">
+                              <a:lumMod val="40000"/>
+                              <a:lumOff val="60000"/>
+                            </a:schemeClr>
+                          </a:solidFill>
+                        </a:rPr>
+                        <a:t>강</a:t>
+                      </a:r>
+                      <a:r>
+                        <a:rPr lang="en-US" altLang="ko-KR" sz="800" dirty="0" smtClean="0">
+                          <a:solidFill>
+                            <a:schemeClr val="tx2">
+                              <a:lumMod val="40000"/>
+                              <a:lumOff val="60000"/>
+                            </a:schemeClr>
+                          </a:solidFill>
+                        </a:rPr>
+                        <a:t>~43</a:t>
+                      </a:r>
+                      <a:r>
+                        <a:rPr lang="ko-KR" altLang="en-US" sz="800" dirty="0" smtClean="0">
+                          <a:solidFill>
+                            <a:schemeClr val="tx2">
+                              <a:lumMod val="40000"/>
+                              <a:lumOff val="60000"/>
+                            </a:schemeClr>
+                          </a:solidFill>
+                        </a:rPr>
+                        <a:t>강</a:t>
+                      </a:r>
+                      <a:endParaRPr lang="en-US" altLang="ko-KR" sz="800" dirty="0" smtClean="0">
                         <a:solidFill>
                           <a:schemeClr val="tx2">
                             <a:lumMod val="40000"/>
@@ -7849,6 +8265,17 @@
                         </a:rPr>
                         <a:t>26</a:t>
                       </a:r>
+                    </a:p>
+                    <a:p>
+                      <a:pPr latinLnBrk="1"/>
+                      <a:endParaRPr lang="en-US" altLang="ko-KR" sz="800" dirty="0" smtClean="0">
+                        <a:solidFill>
+                          <a:schemeClr val="tx2">
+                            <a:lumMod val="40000"/>
+                            <a:lumOff val="60000"/>
+                          </a:schemeClr>
+                        </a:solidFill>
+                      </a:endParaRPr>
                     </a:p>
                     <a:p>
                       <a:pPr latinLnBrk="1"/>
@@ -8446,8 +8873,8 @@
         </p:nvSpPr>
         <p:spPr>
           <a:xfrm>
-            <a:off x="7191729" y="2076967"/>
-            <a:ext cx="260589" cy="226728"/>
+            <a:off x="7243156" y="2169219"/>
+            <a:ext cx="150876" cy="90370"/>
           </a:xfrm>
           <a:prstGeom prst="flowChartExtract">
             <a:avLst/>
@@ -8526,7 +8953,7 @@
         </p:nvSpPr>
         <p:spPr>
           <a:xfrm>
-            <a:off x="1835696" y="476672"/>
+            <a:off x="1300746" y="404664"/>
             <a:ext cx="216024" cy="216024"/>
           </a:xfrm>
           <a:prstGeom prst="noSmoking">
@@ -8614,8 +9041,8 @@
         </p:nvSpPr>
         <p:spPr>
           <a:xfrm>
-            <a:off x="3779912" y="2800718"/>
-            <a:ext cx="127229" cy="142228"/>
+            <a:off x="3779912" y="2810484"/>
+            <a:ext cx="127229" cy="132461"/>
           </a:xfrm>
           <a:prstGeom prst="ellipse">
             <a:avLst/>
@@ -8694,8 +9121,8 @@
         </p:nvSpPr>
         <p:spPr>
           <a:xfrm>
-            <a:off x="1043608" y="476672"/>
-            <a:ext cx="134193" cy="144016"/>
+            <a:off x="976512" y="404664"/>
+            <a:ext cx="201290" cy="216024"/>
           </a:xfrm>
           <a:prstGeom prst="ellipse">
             <a:avLst/>
@@ -8774,8 +9201,8 @@
         </p:nvSpPr>
         <p:spPr>
           <a:xfrm>
-            <a:off x="6061177" y="2782716"/>
-            <a:ext cx="134193" cy="144016"/>
+            <a:off x="6061177" y="2800718"/>
+            <a:ext cx="115689" cy="126014"/>
           </a:xfrm>
           <a:prstGeom prst="ellipse">
             <a:avLst/>
@@ -8848,58 +9275,14 @@
       </p:sp>
       <p:sp>
         <p:nvSpPr>
-          <p:cNvPr id="21" name="&quot;없음&quot; 기호 20"/>
-          <p:cNvSpPr/>
-          <p:nvPr/>
-        </p:nvSpPr>
-        <p:spPr>
-          <a:xfrm>
-            <a:off x="6876256" y="2942946"/>
-            <a:ext cx="216024" cy="216024"/>
-          </a:xfrm>
-          <a:prstGeom prst="noSmoking">
-            <a:avLst/>
-          </a:prstGeom>
-        </p:spPr>
-        <p:style>
-          <a:lnRef idx="2">
-            <a:schemeClr val="accent1">
-              <a:shade val="50000"/>
-            </a:schemeClr>
-          </a:lnRef>
-          <a:fillRef idx="1">
-            <a:schemeClr val="accent1"/>
-          </a:fillRef>
-          <a:effectRef idx="0">
-            <a:schemeClr val="accent1"/>
-          </a:effectRef>
-          <a:fontRef idx="minor">
-            <a:schemeClr val="lt1"/>
-          </a:fontRef>
-        </p:style>
-        <p:txBody>
-          <a:bodyPr rtlCol="0" anchor="ctr"/>
-          <a:lstStyle/>
-          <a:p>
-            <a:pPr algn="ctr"/>
-            <a:endParaRPr lang="ko-KR" altLang="en-US">
-              <a:solidFill>
-                <a:schemeClr val="tx1"/>
-              </a:solidFill>
-            </a:endParaRPr>
-          </a:p>
-        </p:txBody>
-      </p:sp>
-      <p:sp>
-        <p:nvSpPr>
           <p:cNvPr id="22" name="순서도: 추출 21"/>
           <p:cNvSpPr/>
           <p:nvPr/>
         </p:nvSpPr>
         <p:spPr>
           <a:xfrm>
-            <a:off x="2339752" y="512676"/>
-            <a:ext cx="144016" cy="108012"/>
+            <a:off x="1619672" y="404664"/>
+            <a:ext cx="216024" cy="216024"/>
           </a:xfrm>
           <a:prstGeom prst="flowChartExtract">
             <a:avLst/>
@@ -8986,6 +9369,86 @@
             <a:ext cx="144016" cy="108012"/>
           </a:xfrm>
           <a:prstGeom prst="flowChartExtract">
+            <a:avLst/>
+          </a:prstGeom>
+        </p:spPr>
+        <p:style>
+          <a:lnRef idx="2">
+            <a:schemeClr val="accent1">
+              <a:shade val="50000"/>
+            </a:schemeClr>
+          </a:lnRef>
+          <a:fillRef idx="1">
+            <a:schemeClr val="accent1"/>
+          </a:fillRef>
+          <a:effectRef idx="0">
+            <a:schemeClr val="accent1"/>
+          </a:effectRef>
+          <a:fontRef idx="minor">
+            <a:schemeClr val="lt1"/>
+          </a:fontRef>
+        </p:style>
+        <p:txBody>
+          <a:bodyPr rtlCol="0" anchor="ctr"/>
+          <a:lstStyle/>
+          <a:p>
+            <a:pPr algn="ctr"/>
+            <a:endParaRPr lang="ko-KR" altLang="en-US"/>
+          </a:p>
+        </p:txBody>
+      </p:sp>
+      <p:sp>
+        <p:nvSpPr>
+          <p:cNvPr id="25" name="순서도: 추출 24"/>
+          <p:cNvSpPr/>
+          <p:nvPr/>
+        </p:nvSpPr>
+        <p:spPr>
+          <a:xfrm>
+            <a:off x="2503612" y="3594677"/>
+            <a:ext cx="144016" cy="108012"/>
+          </a:xfrm>
+          <a:prstGeom prst="flowChartExtract">
+            <a:avLst/>
+          </a:prstGeom>
+        </p:spPr>
+        <p:style>
+          <a:lnRef idx="2">
+            <a:schemeClr val="accent1">
+              <a:shade val="50000"/>
+            </a:schemeClr>
+          </a:lnRef>
+          <a:fillRef idx="1">
+            <a:schemeClr val="accent1"/>
+          </a:fillRef>
+          <a:effectRef idx="0">
+            <a:schemeClr val="accent1"/>
+          </a:effectRef>
+          <a:fontRef idx="minor">
+            <a:schemeClr val="lt1"/>
+          </a:fontRef>
+        </p:style>
+        <p:txBody>
+          <a:bodyPr rtlCol="0" anchor="ctr"/>
+          <a:lstStyle/>
+          <a:p>
+            <a:pPr algn="ctr"/>
+            <a:endParaRPr lang="ko-KR" altLang="en-US"/>
+          </a:p>
+        </p:txBody>
+      </p:sp>
+      <p:sp>
+        <p:nvSpPr>
+          <p:cNvPr id="26" name="타원 25"/>
+          <p:cNvSpPr/>
+          <p:nvPr/>
+        </p:nvSpPr>
+        <p:spPr>
+          <a:xfrm>
+            <a:off x="3742860" y="4221088"/>
+            <a:ext cx="134193" cy="144016"/>
+          </a:xfrm>
+          <a:prstGeom prst="ellipse">
             <a:avLst/>
           </a:prstGeom>
         </p:spPr>

--- a/Monthly Plan.pptx
+++ b/Monthly Plan.pptx
@@ -194,7 +194,7 @@
           <a:p>
             <a:fld id="{E1E76E78-0C2A-445E-B35D-3ADF0836B2B3}" type="datetimeFigureOut">
               <a:rPr lang="ko-KR" altLang="en-US" smtClean="0"/>
-              <a:t>2018-05-15</a:t>
+              <a:t>2018-05-16</a:t>
             </a:fld>
             <a:endParaRPr lang="ko-KR" altLang="en-US"/>
           </a:p>
@@ -727,7 +727,7 @@
           <a:p>
             <a:fld id="{48C2848A-6F74-48C5-A4CD-91F929EC3187}" type="datetimeFigureOut">
               <a:rPr lang="ko-KR" altLang="en-US" smtClean="0"/>
-              <a:t>2018-05-15</a:t>
+              <a:t>2018-05-16</a:t>
             </a:fld>
             <a:endParaRPr lang="ko-KR" altLang="en-US"/>
           </a:p>
@@ -897,7 +897,7 @@
           <a:p>
             <a:fld id="{48C2848A-6F74-48C5-A4CD-91F929EC3187}" type="datetimeFigureOut">
               <a:rPr lang="ko-KR" altLang="en-US" smtClean="0"/>
-              <a:t>2018-05-15</a:t>
+              <a:t>2018-05-16</a:t>
             </a:fld>
             <a:endParaRPr lang="ko-KR" altLang="en-US"/>
           </a:p>
@@ -1077,7 +1077,7 @@
           <a:p>
             <a:fld id="{48C2848A-6F74-48C5-A4CD-91F929EC3187}" type="datetimeFigureOut">
               <a:rPr lang="ko-KR" altLang="en-US" smtClean="0"/>
-              <a:t>2018-05-15</a:t>
+              <a:t>2018-05-16</a:t>
             </a:fld>
             <a:endParaRPr lang="ko-KR" altLang="en-US"/>
           </a:p>
@@ -1247,7 +1247,7 @@
           <a:p>
             <a:fld id="{48C2848A-6F74-48C5-A4CD-91F929EC3187}" type="datetimeFigureOut">
               <a:rPr lang="ko-KR" altLang="en-US" smtClean="0"/>
-              <a:t>2018-05-15</a:t>
+              <a:t>2018-05-16</a:t>
             </a:fld>
             <a:endParaRPr lang="ko-KR" altLang="en-US"/>
           </a:p>
@@ -1493,7 +1493,7 @@
           <a:p>
             <a:fld id="{48C2848A-6F74-48C5-A4CD-91F929EC3187}" type="datetimeFigureOut">
               <a:rPr lang="ko-KR" altLang="en-US" smtClean="0"/>
-              <a:t>2018-05-15</a:t>
+              <a:t>2018-05-16</a:t>
             </a:fld>
             <a:endParaRPr lang="ko-KR" altLang="en-US"/>
           </a:p>
@@ -1781,7 +1781,7 @@
           <a:p>
             <a:fld id="{48C2848A-6F74-48C5-A4CD-91F929EC3187}" type="datetimeFigureOut">
               <a:rPr lang="ko-KR" altLang="en-US" smtClean="0"/>
-              <a:t>2018-05-15</a:t>
+              <a:t>2018-05-16</a:t>
             </a:fld>
             <a:endParaRPr lang="ko-KR" altLang="en-US"/>
           </a:p>
@@ -2203,7 +2203,7 @@
           <a:p>
             <a:fld id="{48C2848A-6F74-48C5-A4CD-91F929EC3187}" type="datetimeFigureOut">
               <a:rPr lang="ko-KR" altLang="en-US" smtClean="0"/>
-              <a:t>2018-05-15</a:t>
+              <a:t>2018-05-16</a:t>
             </a:fld>
             <a:endParaRPr lang="ko-KR" altLang="en-US"/>
           </a:p>
@@ -2321,7 +2321,7 @@
           <a:p>
             <a:fld id="{48C2848A-6F74-48C5-A4CD-91F929EC3187}" type="datetimeFigureOut">
               <a:rPr lang="ko-KR" altLang="en-US" smtClean="0"/>
-              <a:t>2018-05-15</a:t>
+              <a:t>2018-05-16</a:t>
             </a:fld>
             <a:endParaRPr lang="ko-KR" altLang="en-US"/>
           </a:p>
@@ -2416,7 +2416,7 @@
           <a:p>
             <a:fld id="{48C2848A-6F74-48C5-A4CD-91F929EC3187}" type="datetimeFigureOut">
               <a:rPr lang="ko-KR" altLang="en-US" smtClean="0"/>
-              <a:t>2018-05-15</a:t>
+              <a:t>2018-05-16</a:t>
             </a:fld>
             <a:endParaRPr lang="ko-KR" altLang="en-US"/>
           </a:p>
@@ -2693,7 +2693,7 @@
           <a:p>
             <a:fld id="{48C2848A-6F74-48C5-A4CD-91F929EC3187}" type="datetimeFigureOut">
               <a:rPr lang="ko-KR" altLang="en-US" smtClean="0"/>
-              <a:t>2018-05-15</a:t>
+              <a:t>2018-05-16</a:t>
             </a:fld>
             <a:endParaRPr lang="ko-KR" altLang="en-US"/>
           </a:p>
@@ -2946,7 +2946,7 @@
           <a:p>
             <a:fld id="{48C2848A-6F74-48C5-A4CD-91F929EC3187}" type="datetimeFigureOut">
               <a:rPr lang="ko-KR" altLang="en-US" smtClean="0"/>
-              <a:t>2018-05-15</a:t>
+              <a:t>2018-05-16</a:t>
             </a:fld>
             <a:endParaRPr lang="ko-KR" altLang="en-US"/>
           </a:p>
@@ -3159,7 +3159,7 @@
           <a:p>
             <a:fld id="{48C2848A-6F74-48C5-A4CD-91F929EC3187}" type="datetimeFigureOut">
               <a:rPr lang="ko-KR" altLang="en-US" smtClean="0"/>
-              <a:t>2018-05-15</a:t>
+              <a:t>2018-05-16</a:t>
             </a:fld>
             <a:endParaRPr lang="ko-KR" altLang="en-US"/>
           </a:p>
@@ -7956,18 +7956,7 @@
                             </a:schemeClr>
                           </a:solidFill>
                         </a:rPr>
-                        <a:t>국립중앙도서관 </a:t>
-                      </a:r>
-                      <a:r>
-                        <a:rPr lang="ko-KR" altLang="en-US" sz="800" dirty="0" smtClean="0">
-                          <a:solidFill>
-                            <a:schemeClr val="tx2">
-                              <a:lumMod val="40000"/>
-                              <a:lumOff val="60000"/>
-                            </a:schemeClr>
-                          </a:solidFill>
-                        </a:rPr>
-                        <a:t>방문</a:t>
+                        <a:t>국립중앙도서관 방문</a:t>
                       </a:r>
                       <a:endParaRPr lang="en-US" altLang="ko-KR" sz="800" dirty="0" smtClean="0">
                         <a:solidFill>
@@ -9446,6 +9435,46 @@
         <p:spPr>
           <a:xfrm>
             <a:off x="3742860" y="4221088"/>
+            <a:ext cx="134193" cy="144016"/>
+          </a:xfrm>
+          <a:prstGeom prst="ellipse">
+            <a:avLst/>
+          </a:prstGeom>
+        </p:spPr>
+        <p:style>
+          <a:lnRef idx="2">
+            <a:schemeClr val="accent1">
+              <a:shade val="50000"/>
+            </a:schemeClr>
+          </a:lnRef>
+          <a:fillRef idx="1">
+            <a:schemeClr val="accent1"/>
+          </a:fillRef>
+          <a:effectRef idx="0">
+            <a:schemeClr val="accent1"/>
+          </a:effectRef>
+          <a:fontRef idx="minor">
+            <a:schemeClr val="lt1"/>
+          </a:fontRef>
+        </p:style>
+        <p:txBody>
+          <a:bodyPr rtlCol="0" anchor="ctr"/>
+          <a:lstStyle/>
+          <a:p>
+            <a:pPr algn="ctr"/>
+            <a:endParaRPr lang="ko-KR" altLang="en-US"/>
+          </a:p>
+        </p:txBody>
+      </p:sp>
+      <p:sp>
+        <p:nvSpPr>
+          <p:cNvPr id="27" name="타원 26"/>
+          <p:cNvSpPr/>
+          <p:nvPr/>
+        </p:nvSpPr>
+        <p:spPr>
+          <a:xfrm>
+            <a:off x="4932040" y="4203551"/>
             <a:ext cx="134193" cy="144016"/>
           </a:xfrm>
           <a:prstGeom prst="ellipse">

--- a/Monthly Plan.pptx
+++ b/Monthly Plan.pptx
@@ -5,12 +5,13 @@
     <p:sldMasterId id="2147483648" r:id="rId1"/>
   </p:sldMasterIdLst>
   <p:notesMasterIdLst>
-    <p:notesMasterId r:id="rId5"/>
+    <p:notesMasterId r:id="rId6"/>
   </p:notesMasterIdLst>
   <p:sldIdLst>
     <p:sldId id="256" r:id="rId2"/>
     <p:sldId id="258" r:id="rId3"/>
     <p:sldId id="257" r:id="rId4"/>
+    <p:sldId id="259" r:id="rId5"/>
   </p:sldIdLst>
   <p:sldSz cx="9144000" cy="6858000" type="screen4x3"/>
   <p:notesSz cx="6858000" cy="9144000"/>
@@ -194,7 +195,7 @@
           <a:p>
             <a:fld id="{E1E76E78-0C2A-445E-B35D-3ADF0836B2B3}" type="datetimeFigureOut">
               <a:rPr lang="ko-KR" altLang="en-US" smtClean="0"/>
-              <a:t>2018-05-16</a:t>
+              <a:t>2018-05-17</a:t>
             </a:fld>
             <a:endParaRPr lang="ko-KR" altLang="en-US"/>
           </a:p>
@@ -546,6 +547,90 @@
 </p:notes>
 </file>
 
+<file path=ppt/notesSlides/notesSlide2.xml><?xml version="1.0" encoding="utf-8"?>
+<p:notes xmlns:a="http://schemas.openxmlformats.org/drawingml/2006/main" xmlns:r="http://schemas.openxmlformats.org/officeDocument/2006/relationships" xmlns:p="http://schemas.openxmlformats.org/presentationml/2006/main">
+  <p:cSld>
+    <p:spTree>
+      <p:nvGrpSpPr>
+        <p:cNvPr id="1" name=""/>
+        <p:cNvGrpSpPr/>
+        <p:nvPr/>
+      </p:nvGrpSpPr>
+      <p:grpSpPr>
+        <a:xfrm>
+          <a:off x="0" y="0"/>
+          <a:ext cx="0" cy="0"/>
+          <a:chOff x="0" y="0"/>
+          <a:chExt cx="0" cy="0"/>
+        </a:xfrm>
+      </p:grpSpPr>
+      <p:sp>
+        <p:nvSpPr>
+          <p:cNvPr id="2" name="슬라이드 이미지 개체 틀 1"/>
+          <p:cNvSpPr>
+            <a:spLocks noGrp="1" noRot="1" noChangeAspect="1"/>
+          </p:cNvSpPr>
+          <p:nvPr>
+            <p:ph type="sldImg"/>
+          </p:nvPr>
+        </p:nvSpPr>
+        <p:spPr/>
+      </p:sp>
+      <p:sp>
+        <p:nvSpPr>
+          <p:cNvPr id="3" name="슬라이드 노트 개체 틀 2"/>
+          <p:cNvSpPr>
+            <a:spLocks noGrp="1"/>
+          </p:cNvSpPr>
+          <p:nvPr>
+            <p:ph type="body" idx="1"/>
+          </p:nvPr>
+        </p:nvSpPr>
+        <p:spPr/>
+        <p:txBody>
+          <a:bodyPr/>
+          <a:lstStyle/>
+          <a:p>
+            <a:endParaRPr lang="ko-KR" altLang="en-US" dirty="0"/>
+          </a:p>
+        </p:txBody>
+      </p:sp>
+      <p:sp>
+        <p:nvSpPr>
+          <p:cNvPr id="4" name="슬라이드 번호 개체 틀 3"/>
+          <p:cNvSpPr>
+            <a:spLocks noGrp="1"/>
+          </p:cNvSpPr>
+          <p:nvPr>
+            <p:ph type="sldNum" sz="quarter" idx="10"/>
+          </p:nvPr>
+        </p:nvSpPr>
+        <p:spPr/>
+        <p:txBody>
+          <a:bodyPr/>
+          <a:lstStyle/>
+          <a:p>
+            <a:fld id="{A9F825AE-3181-449F-B80A-CA492E3D5F0D}" type="slidenum">
+              <a:rPr lang="ko-KR" altLang="en-US" smtClean="0"/>
+              <a:t>4</a:t>
+            </a:fld>
+            <a:endParaRPr lang="ko-KR" altLang="en-US"/>
+          </a:p>
+        </p:txBody>
+      </p:sp>
+    </p:spTree>
+    <p:extLst>
+      <p:ext uri="{BB962C8B-B14F-4D97-AF65-F5344CB8AC3E}">
+        <p14:creationId xmlns:p14="http://schemas.microsoft.com/office/powerpoint/2010/main" val="3330390308"/>
+      </p:ext>
+    </p:extLst>
+  </p:cSld>
+  <p:clrMapOvr>
+    <a:masterClrMapping/>
+  </p:clrMapOvr>
+</p:notes>
+</file>
+
 <file path=ppt/slideLayouts/slideLayout1.xml><?xml version="1.0" encoding="utf-8"?>
 <p:sldLayout xmlns:a="http://schemas.openxmlformats.org/drawingml/2006/main" xmlns:r="http://schemas.openxmlformats.org/officeDocument/2006/relationships" xmlns:p="http://schemas.openxmlformats.org/presentationml/2006/main" type="title" preserve="1">
   <p:cSld name="제목 슬라이드">
@@ -727,7 +812,7 @@
           <a:p>
             <a:fld id="{48C2848A-6F74-48C5-A4CD-91F929EC3187}" type="datetimeFigureOut">
               <a:rPr lang="ko-KR" altLang="en-US" smtClean="0"/>
-              <a:t>2018-05-16</a:t>
+              <a:t>2018-05-17</a:t>
             </a:fld>
             <a:endParaRPr lang="ko-KR" altLang="en-US"/>
           </a:p>
@@ -897,7 +982,7 @@
           <a:p>
             <a:fld id="{48C2848A-6F74-48C5-A4CD-91F929EC3187}" type="datetimeFigureOut">
               <a:rPr lang="ko-KR" altLang="en-US" smtClean="0"/>
-              <a:t>2018-05-16</a:t>
+              <a:t>2018-05-17</a:t>
             </a:fld>
             <a:endParaRPr lang="ko-KR" altLang="en-US"/>
           </a:p>
@@ -1077,7 +1162,7 @@
           <a:p>
             <a:fld id="{48C2848A-6F74-48C5-A4CD-91F929EC3187}" type="datetimeFigureOut">
               <a:rPr lang="ko-KR" altLang="en-US" smtClean="0"/>
-              <a:t>2018-05-16</a:t>
+              <a:t>2018-05-17</a:t>
             </a:fld>
             <a:endParaRPr lang="ko-KR" altLang="en-US"/>
           </a:p>
@@ -1247,7 +1332,7 @@
           <a:p>
             <a:fld id="{48C2848A-6F74-48C5-A4CD-91F929EC3187}" type="datetimeFigureOut">
               <a:rPr lang="ko-KR" altLang="en-US" smtClean="0"/>
-              <a:t>2018-05-16</a:t>
+              <a:t>2018-05-17</a:t>
             </a:fld>
             <a:endParaRPr lang="ko-KR" altLang="en-US"/>
           </a:p>
@@ -1493,7 +1578,7 @@
           <a:p>
             <a:fld id="{48C2848A-6F74-48C5-A4CD-91F929EC3187}" type="datetimeFigureOut">
               <a:rPr lang="ko-KR" altLang="en-US" smtClean="0"/>
-              <a:t>2018-05-16</a:t>
+              <a:t>2018-05-17</a:t>
             </a:fld>
             <a:endParaRPr lang="ko-KR" altLang="en-US"/>
           </a:p>
@@ -1781,7 +1866,7 @@
           <a:p>
             <a:fld id="{48C2848A-6F74-48C5-A4CD-91F929EC3187}" type="datetimeFigureOut">
               <a:rPr lang="ko-KR" altLang="en-US" smtClean="0"/>
-              <a:t>2018-05-16</a:t>
+              <a:t>2018-05-17</a:t>
             </a:fld>
             <a:endParaRPr lang="ko-KR" altLang="en-US"/>
           </a:p>
@@ -2203,7 +2288,7 @@
           <a:p>
             <a:fld id="{48C2848A-6F74-48C5-A4CD-91F929EC3187}" type="datetimeFigureOut">
               <a:rPr lang="ko-KR" altLang="en-US" smtClean="0"/>
-              <a:t>2018-05-16</a:t>
+              <a:t>2018-05-17</a:t>
             </a:fld>
             <a:endParaRPr lang="ko-KR" altLang="en-US"/>
           </a:p>
@@ -2321,7 +2406,7 @@
           <a:p>
             <a:fld id="{48C2848A-6F74-48C5-A4CD-91F929EC3187}" type="datetimeFigureOut">
               <a:rPr lang="ko-KR" altLang="en-US" smtClean="0"/>
-              <a:t>2018-05-16</a:t>
+              <a:t>2018-05-17</a:t>
             </a:fld>
             <a:endParaRPr lang="ko-KR" altLang="en-US"/>
           </a:p>
@@ -2416,7 +2501,7 @@
           <a:p>
             <a:fld id="{48C2848A-6F74-48C5-A4CD-91F929EC3187}" type="datetimeFigureOut">
               <a:rPr lang="ko-KR" altLang="en-US" smtClean="0"/>
-              <a:t>2018-05-16</a:t>
+              <a:t>2018-05-17</a:t>
             </a:fld>
             <a:endParaRPr lang="ko-KR" altLang="en-US"/>
           </a:p>
@@ -2693,7 +2778,7 @@
           <a:p>
             <a:fld id="{48C2848A-6F74-48C5-A4CD-91F929EC3187}" type="datetimeFigureOut">
               <a:rPr lang="ko-KR" altLang="en-US" smtClean="0"/>
-              <a:t>2018-05-16</a:t>
+              <a:t>2018-05-17</a:t>
             </a:fld>
             <a:endParaRPr lang="ko-KR" altLang="en-US"/>
           </a:p>
@@ -2946,7 +3031,7 @@
           <a:p>
             <a:fld id="{48C2848A-6F74-48C5-A4CD-91F929EC3187}" type="datetimeFigureOut">
               <a:rPr lang="ko-KR" altLang="en-US" smtClean="0"/>
-              <a:t>2018-05-16</a:t>
+              <a:t>2018-05-17</a:t>
             </a:fld>
             <a:endParaRPr lang="ko-KR" altLang="en-US"/>
           </a:p>
@@ -3159,7 +3244,7 @@
           <a:p>
             <a:fld id="{48C2848A-6F74-48C5-A4CD-91F929EC3187}" type="datetimeFigureOut">
               <a:rPr lang="ko-KR" altLang="en-US" smtClean="0"/>
-              <a:t>2018-05-16</a:t>
+              <a:t>2018-05-17</a:t>
             </a:fld>
             <a:endParaRPr lang="ko-KR" altLang="en-US"/>
           </a:p>
@@ -4579,14 +4664,14 @@
             <p:ph idx="1"/>
             <p:extLst>
               <p:ext uri="{D42A27DB-BD31-4B8C-83A1-F6EECF244321}">
-                <p14:modId xmlns:p14="http://schemas.microsoft.com/office/powerpoint/2010/main" val="491423360"/>
+                <p14:modId xmlns:p14="http://schemas.microsoft.com/office/powerpoint/2010/main" val="2030745628"/>
               </p:ext>
             </p:extLst>
           </p:nvPr>
         </p:nvGraphicFramePr>
         <p:xfrm>
           <a:off x="457200" y="836712"/>
-          <a:ext cx="8229599" cy="5699863"/>
+          <a:ext cx="8229599" cy="5600248"/>
         </p:xfrm>
         <a:graphic>
           <a:graphicData uri="http://schemas.openxmlformats.org/drawingml/2006/table">
@@ -7161,6 +7246,50 @@
                     </a:p>
                     <a:p>
                       <a:pPr latinLnBrk="1"/>
+                      <a:r>
+                        <a:rPr lang="en-US" altLang="ko-KR" sz="800" dirty="0" err="1" smtClean="0">
+                          <a:solidFill>
+                            <a:schemeClr val="tx2">
+                              <a:lumMod val="40000"/>
+                              <a:lumOff val="60000"/>
+                            </a:schemeClr>
+                          </a:solidFill>
+                        </a:rPr>
+                        <a:t>Laravel</a:t>
+                      </a:r>
+                      <a:endParaRPr lang="en-US" altLang="ko-KR" sz="800" baseline="0" dirty="0" smtClean="0">
+                        <a:solidFill>
+                          <a:schemeClr val="tx2">
+                            <a:lumMod val="40000"/>
+                            <a:lumOff val="60000"/>
+                          </a:schemeClr>
+                        </a:solidFill>
+                      </a:endParaRPr>
+                    </a:p>
+                    <a:p>
+                      <a:pPr latinLnBrk="1"/>
+                      <a:r>
+                        <a:rPr lang="en-US" altLang="ko-KR" sz="800" dirty="0" smtClean="0">
+                          <a:solidFill>
+                            <a:schemeClr val="tx2">
+                              <a:lumMod val="40000"/>
+                              <a:lumOff val="60000"/>
+                            </a:schemeClr>
+                          </a:solidFill>
+                        </a:rPr>
+                        <a:t>DB </a:t>
+                      </a:r>
+                      <a:r>
+                        <a:rPr lang="ko-KR" altLang="en-US" sz="800" dirty="0" err="1" smtClean="0">
+                          <a:solidFill>
+                            <a:schemeClr val="tx2">
+                              <a:lumMod val="40000"/>
+                              <a:lumOff val="60000"/>
+                            </a:schemeClr>
+                          </a:solidFill>
+                        </a:rPr>
+                        <a:t>마이그레이션</a:t>
+                      </a:r>
                       <a:endParaRPr lang="en-US" altLang="ko-KR" sz="800" dirty="0" smtClean="0">
                         <a:solidFill>
                           <a:schemeClr val="tx2">
@@ -7169,267 +7298,6 @@
                           </a:schemeClr>
                         </a:solidFill>
                       </a:endParaRPr>
-                    </a:p>
-                    <a:p>
-                      <a:pPr latinLnBrk="1"/>
-                      <a:r>
-                        <a:rPr lang="en-US" altLang="ko-KR" sz="800" dirty="0" err="1" smtClean="0">
-                          <a:solidFill>
-                            <a:schemeClr val="tx2">
-                              <a:lumMod val="40000"/>
-                              <a:lumOff val="60000"/>
-                            </a:schemeClr>
-                          </a:solidFill>
-                        </a:rPr>
-                        <a:t>Laravel</a:t>
-                      </a:r>
-                      <a:endParaRPr lang="en-US" altLang="ko-KR" sz="800" dirty="0" smtClean="0">
-                        <a:solidFill>
-                          <a:schemeClr val="tx2">
-                            <a:lumMod val="40000"/>
-                            <a:lumOff val="60000"/>
-                          </a:schemeClr>
-                        </a:solidFill>
-                      </a:endParaRPr>
-                    </a:p>
-                    <a:p>
-                      <a:pPr latinLnBrk="1"/>
-                      <a:endParaRPr lang="en-US" altLang="ko-KR" sz="800" baseline="0" dirty="0" smtClean="0">
-                        <a:solidFill>
-                          <a:schemeClr val="tx2">
-                            <a:lumMod val="40000"/>
-                            <a:lumOff val="60000"/>
-                          </a:schemeClr>
-                        </a:solidFill>
-                      </a:endParaRPr>
-                    </a:p>
-                    <a:p>
-                      <a:pPr latinLnBrk="1"/>
-                      <a:r>
-                        <a:rPr lang="en-US" altLang="ko-KR" sz="800" dirty="0" smtClean="0">
-                          <a:solidFill>
-                            <a:schemeClr val="tx2">
-                              <a:lumMod val="40000"/>
-                              <a:lumOff val="60000"/>
-                            </a:schemeClr>
-                          </a:solidFill>
-                        </a:rPr>
-                        <a:t>DB </a:t>
-                      </a:r>
-                      <a:r>
-                        <a:rPr lang="ko-KR" altLang="en-US" sz="800" dirty="0" err="1" smtClean="0">
-                          <a:solidFill>
-                            <a:schemeClr val="tx2">
-                              <a:lumMod val="40000"/>
-                              <a:lumOff val="60000"/>
-                            </a:schemeClr>
-                          </a:solidFill>
-                        </a:rPr>
-                        <a:t>마이그레이션</a:t>
-                      </a:r>
-                      <a:endParaRPr lang="en-US" altLang="ko-KR" sz="800" dirty="0" smtClean="0">
-                        <a:solidFill>
-                          <a:schemeClr val="tx2">
-                            <a:lumMod val="40000"/>
-                            <a:lumOff val="60000"/>
-                          </a:schemeClr>
-                        </a:solidFill>
-                      </a:endParaRPr>
-                    </a:p>
-                    <a:p>
-                      <a:pPr latinLnBrk="1"/>
-                      <a:r>
-                        <a:rPr lang="ko-KR" altLang="en-US" sz="800" baseline="0" dirty="0" err="1" smtClean="0">
-                          <a:solidFill>
-                            <a:schemeClr val="tx2">
-                              <a:lumMod val="40000"/>
-                              <a:lumOff val="60000"/>
-                            </a:schemeClr>
-                          </a:solidFill>
-                        </a:rPr>
-                        <a:t>블레이드</a:t>
-                      </a:r>
-                      <a:r>
-                        <a:rPr lang="ko-KR" altLang="en-US" sz="800" baseline="0" dirty="0" smtClean="0">
-                          <a:solidFill>
-                            <a:schemeClr val="tx2">
-                              <a:lumMod val="40000"/>
-                              <a:lumOff val="60000"/>
-                            </a:schemeClr>
-                          </a:solidFill>
-                        </a:rPr>
-                        <a:t> </a:t>
-                      </a:r>
-                      <a:r>
-                        <a:rPr lang="en-US" altLang="ko-KR" sz="800" baseline="0" dirty="0" smtClean="0">
-                          <a:solidFill>
-                            <a:schemeClr val="tx2">
-                              <a:lumMod val="40000"/>
-                              <a:lumOff val="60000"/>
-                            </a:schemeClr>
-                          </a:solidFill>
-                        </a:rPr>
-                        <a:t>101</a:t>
-                      </a:r>
-                    </a:p>
-                    <a:p>
-                      <a:pPr latinLnBrk="1"/>
-                      <a:r>
-                        <a:rPr lang="ko-KR" altLang="en-US" sz="800" baseline="0" dirty="0" err="1" smtClean="0">
-                          <a:solidFill>
-                            <a:schemeClr val="tx2">
-                              <a:lumMod val="40000"/>
-                              <a:lumOff val="60000"/>
-                            </a:schemeClr>
-                          </a:solidFill>
-                        </a:rPr>
-                        <a:t>블레이드</a:t>
-                      </a:r>
-                      <a:r>
-                        <a:rPr lang="ko-KR" altLang="en-US" sz="800" baseline="0" dirty="0" smtClean="0">
-                          <a:solidFill>
-                            <a:schemeClr val="tx2">
-                              <a:lumMod val="40000"/>
-                              <a:lumOff val="60000"/>
-                            </a:schemeClr>
-                          </a:solidFill>
-                        </a:rPr>
-                        <a:t> </a:t>
-                      </a:r>
-                      <a:r>
-                        <a:rPr lang="en-US" altLang="ko-KR" sz="800" baseline="0" dirty="0" smtClean="0">
-                          <a:solidFill>
-                            <a:schemeClr val="tx2">
-                              <a:lumMod val="40000"/>
-                              <a:lumOff val="60000"/>
-                            </a:schemeClr>
-                          </a:solidFill>
-                        </a:rPr>
-                        <a:t>201</a:t>
-                      </a:r>
-                    </a:p>
-                    <a:p>
-                      <a:pPr latinLnBrk="1"/>
-                      <a:r>
-                        <a:rPr lang="ko-KR" altLang="en-US" sz="800" baseline="0" dirty="0" smtClean="0">
-                          <a:solidFill>
-                            <a:schemeClr val="tx2">
-                              <a:lumMod val="40000"/>
-                              <a:lumOff val="60000"/>
-                            </a:schemeClr>
-                          </a:solidFill>
-                        </a:rPr>
-                        <a:t>컨트롤러</a:t>
-                      </a:r>
-                      <a:endParaRPr lang="en-US" altLang="ko-KR" sz="800" baseline="0" dirty="0" smtClean="0">
-                        <a:solidFill>
-                          <a:schemeClr val="tx2">
-                            <a:lumMod val="40000"/>
-                            <a:lumOff val="60000"/>
-                          </a:schemeClr>
-                        </a:solidFill>
-                      </a:endParaRPr>
-                    </a:p>
-                    <a:p>
-                      <a:pPr latinLnBrk="1"/>
-                      <a:endParaRPr lang="en-US" altLang="ko-KR" sz="800" dirty="0" smtClean="0">
-                        <a:solidFill>
-                          <a:schemeClr val="tx2">
-                            <a:lumMod val="40000"/>
-                            <a:lumOff val="60000"/>
-                          </a:schemeClr>
-                        </a:solidFill>
-                      </a:endParaRPr>
-                    </a:p>
-                  </a:txBody>
-                  <a:tcPr/>
-                </a:tc>
-                <a:tc>
-                  <a:txBody>
-                    <a:bodyPr/>
-                    <a:lstStyle/>
-                    <a:p>
-                      <a:pPr latinLnBrk="1"/>
-                      <a:r>
-                        <a:rPr lang="en-US" altLang="ko-KR" sz="800" dirty="0" smtClean="0">
-                          <a:solidFill>
-                            <a:schemeClr val="tx2">
-                              <a:lumMod val="40000"/>
-                              <a:lumOff val="60000"/>
-                            </a:schemeClr>
-                          </a:solidFill>
-                        </a:rPr>
-                        <a:t>18</a:t>
-                      </a:r>
-                    </a:p>
-                    <a:p>
-                      <a:pPr latinLnBrk="1"/>
-                      <a:endParaRPr lang="en-US" altLang="ko-KR" sz="800" dirty="0" smtClean="0">
-                        <a:solidFill>
-                          <a:schemeClr val="tx2">
-                            <a:lumMod val="40000"/>
-                            <a:lumOff val="60000"/>
-                          </a:schemeClr>
-                        </a:solidFill>
-                      </a:endParaRPr>
-                    </a:p>
-                    <a:p>
-                      <a:pPr latinLnBrk="1"/>
-                      <a:r>
-                        <a:rPr lang="en-US" altLang="ko-KR" sz="800" dirty="0" err="1" smtClean="0">
-                          <a:solidFill>
-                            <a:schemeClr val="tx2">
-                              <a:lumMod val="40000"/>
-                              <a:lumOff val="60000"/>
-                            </a:schemeClr>
-                          </a:solidFill>
-                        </a:rPr>
-                        <a:t>Laravel</a:t>
-                      </a:r>
-                      <a:endParaRPr lang="en-US" altLang="ko-KR" sz="800" dirty="0" smtClean="0">
-                        <a:solidFill>
-                          <a:schemeClr val="tx2">
-                            <a:lumMod val="40000"/>
-                            <a:lumOff val="60000"/>
-                          </a:schemeClr>
-                        </a:solidFill>
-                      </a:endParaRPr>
-                    </a:p>
-                    <a:p>
-                      <a:pPr latinLnBrk="1"/>
-                      <a:endParaRPr lang="en-US" altLang="ko-KR" sz="800" dirty="0" smtClean="0">
-                        <a:solidFill>
-                          <a:schemeClr val="tx2">
-                            <a:lumMod val="40000"/>
-                            <a:lumOff val="60000"/>
-                          </a:schemeClr>
-                        </a:solidFill>
-                      </a:endParaRPr>
-                    </a:p>
-                    <a:p>
-                      <a:pPr latinLnBrk="1"/>
-                      <a:r>
-                        <a:rPr lang="ko-KR" altLang="en-US" sz="800" dirty="0" smtClean="0">
-                          <a:solidFill>
-                            <a:schemeClr val="tx2">
-                              <a:lumMod val="40000"/>
-                              <a:lumOff val="60000"/>
-                            </a:schemeClr>
-                          </a:solidFill>
-                        </a:rPr>
-                        <a:t>이름있는 </a:t>
-                      </a:r>
-                      <a:r>
-                        <a:rPr lang="en-US" altLang="ko-KR" sz="800" dirty="0" smtClean="0">
-                          <a:solidFill>
-                            <a:schemeClr val="tx2">
-                              <a:lumMod val="40000"/>
-                              <a:lumOff val="60000"/>
-                            </a:schemeClr>
-                          </a:solidFill>
-                        </a:rPr>
-                        <a:t>Route</a:t>
-                      </a:r>
                     </a:p>
                     <a:p>
                       <a:pPr marL="0" marR="0" indent="0" algn="l" defTabSz="914400" rtl="0" eaLnBrk="1" fontAlgn="auto" latinLnBrk="1" hangingPunct="1">
@@ -7450,17 +7318,17 @@
                         <a:defRPr/>
                       </a:pPr>
                       <a:r>
-                        <a:rPr lang="ko-KR" altLang="en-US" sz="800" dirty="0" smtClean="0">
-                          <a:solidFill>
-                            <a:schemeClr val="tx2">
-                              <a:lumMod val="40000"/>
-                              <a:lumOff val="60000"/>
-                            </a:schemeClr>
-                          </a:solidFill>
-                        </a:rPr>
-                        <a:t>중첩된 리소스</a:t>
-                      </a:r>
-                      <a:endParaRPr lang="en-US" altLang="ko-KR" sz="800" dirty="0" smtClean="0">
+                        <a:rPr lang="ko-KR" altLang="en-US" sz="800" baseline="0" dirty="0" smtClean="0">
+                          <a:solidFill>
+                            <a:schemeClr val="tx2">
+                              <a:lumMod val="40000"/>
+                              <a:lumOff val="60000"/>
+                            </a:schemeClr>
+                          </a:solidFill>
+                        </a:rPr>
+                        <a:t>컨트롤러</a:t>
+                      </a:r>
+                      <a:endParaRPr lang="en-US" altLang="ko-KR" sz="800" baseline="0" dirty="0" smtClean="0">
                         <a:solidFill>
                           <a:schemeClr val="tx2">
                             <a:lumMod val="40000"/>
@@ -7468,6 +7336,103 @@
                           </a:schemeClr>
                         </a:solidFill>
                       </a:endParaRPr>
+                    </a:p>
+                    <a:p>
+                      <a:pPr latinLnBrk="1"/>
+                      <a:r>
+                        <a:rPr lang="ko-KR" altLang="en-US" sz="800" baseline="0" dirty="0" err="1" smtClean="0">
+                          <a:solidFill>
+                            <a:schemeClr val="tx2">
+                              <a:lumMod val="40000"/>
+                              <a:lumOff val="60000"/>
+                            </a:schemeClr>
+                          </a:solidFill>
+                        </a:rPr>
+                        <a:t>블레이드</a:t>
+                      </a:r>
+                      <a:r>
+                        <a:rPr lang="ko-KR" altLang="en-US" sz="800" baseline="0" dirty="0" smtClean="0">
+                          <a:solidFill>
+                            <a:schemeClr val="tx2">
+                              <a:lumMod val="40000"/>
+                              <a:lumOff val="60000"/>
+                            </a:schemeClr>
+                          </a:solidFill>
+                        </a:rPr>
+                        <a:t> </a:t>
+                      </a:r>
+                      <a:r>
+                        <a:rPr lang="en-US" altLang="ko-KR" sz="800" baseline="0" dirty="0" smtClean="0">
+                          <a:solidFill>
+                            <a:schemeClr val="tx2">
+                              <a:lumMod val="40000"/>
+                              <a:lumOff val="60000"/>
+                            </a:schemeClr>
+                          </a:solidFill>
+                        </a:rPr>
+                        <a:t>101</a:t>
+                      </a:r>
+                    </a:p>
+                    <a:p>
+                      <a:pPr latinLnBrk="1"/>
+                      <a:r>
+                        <a:rPr lang="ko-KR" altLang="en-US" sz="800" baseline="0" dirty="0" err="1" smtClean="0">
+                          <a:solidFill>
+                            <a:schemeClr val="tx2">
+                              <a:lumMod val="40000"/>
+                              <a:lumOff val="60000"/>
+                            </a:schemeClr>
+                          </a:solidFill>
+                        </a:rPr>
+                        <a:t>블레이드</a:t>
+                      </a:r>
+                      <a:r>
+                        <a:rPr lang="ko-KR" altLang="en-US" sz="800" baseline="0" dirty="0" smtClean="0">
+                          <a:solidFill>
+                            <a:schemeClr val="tx2">
+                              <a:lumMod val="40000"/>
+                              <a:lumOff val="60000"/>
+                            </a:schemeClr>
+                          </a:solidFill>
+                        </a:rPr>
+                        <a:t> </a:t>
+                      </a:r>
+                      <a:r>
+                        <a:rPr lang="en-US" altLang="ko-KR" sz="800" baseline="0" dirty="0" smtClean="0">
+                          <a:solidFill>
+                            <a:schemeClr val="tx2">
+                              <a:lumMod val="40000"/>
+                              <a:lumOff val="60000"/>
+                            </a:schemeClr>
+                          </a:solidFill>
+                        </a:rPr>
+                        <a:t>201</a:t>
+                      </a:r>
+                    </a:p>
+                    <a:p>
+                      <a:pPr latinLnBrk="1"/>
+                      <a:r>
+                        <a:rPr lang="ko-KR" altLang="en-US" sz="800" dirty="0" smtClean="0">
+                          <a:solidFill>
+                            <a:schemeClr val="tx2">
+                              <a:lumMod val="40000"/>
+                              <a:lumOff val="60000"/>
+                            </a:schemeClr>
+                          </a:solidFill>
+                        </a:rPr>
+                        <a:t>이름있는 </a:t>
+                      </a:r>
+                      <a:r>
+                        <a:rPr lang="en-US" altLang="ko-KR" sz="800" dirty="0" smtClean="0">
+                          <a:solidFill>
+                            <a:schemeClr val="tx2">
+                              <a:lumMod val="40000"/>
+                              <a:lumOff val="60000"/>
+                            </a:schemeClr>
+                          </a:solidFill>
+                        </a:rPr>
+                        <a:t>Route</a:t>
+                      </a:r>
                     </a:p>
                     <a:p>
                       <a:pPr marL="0" marR="0" indent="0" algn="l" defTabSz="914400" rtl="0" eaLnBrk="1" fontAlgn="auto" latinLnBrk="1" hangingPunct="1">
@@ -7496,7 +7461,7 @@
                             </a:schemeClr>
                           </a:solidFill>
                         </a:rPr>
-                        <a:t>사용자 인증 기본기</a:t>
+                        <a:t>중첩된 리소스</a:t>
                       </a:r>
                       <a:endParaRPr lang="en-US" altLang="ko-KR" sz="800" dirty="0" smtClean="0">
                         <a:solidFill>
@@ -7525,7 +7490,7 @@
                             </a:schemeClr>
                           </a:solidFill>
                         </a:rPr>
-                        <a:t>19</a:t>
+                        <a:t>18</a:t>
                       </a:r>
                     </a:p>
                     <a:p>
@@ -7571,433 +7536,6 @@
                           </a:schemeClr>
                         </a:solidFill>
                       </a:endParaRPr>
-                    </a:p>
-                    <a:p>
-                      <a:pPr latinLnBrk="1"/>
-                      <a:r>
-                        <a:rPr lang="en-US" altLang="ko-KR" sz="800" dirty="0" smtClean="0">
-                          <a:solidFill>
-                            <a:schemeClr val="tx2">
-                              <a:lumMod val="40000"/>
-                              <a:lumOff val="60000"/>
-                            </a:schemeClr>
-                          </a:solidFill>
-                        </a:rPr>
-                        <a:t>,</a:t>
-                      </a:r>
-                      <a:r>
-                        <a:rPr lang="ko-KR" altLang="en-US" sz="800" dirty="0" err="1" smtClean="0">
-                          <a:solidFill>
-                            <a:schemeClr val="tx2">
-                              <a:lumMod val="40000"/>
-                              <a:lumOff val="60000"/>
-                            </a:schemeClr>
-                          </a:solidFill>
-                        </a:rPr>
-                        <a:t>라라벨에</a:t>
-                      </a:r>
-                      <a:r>
-                        <a:rPr lang="ko-KR" altLang="en-US" sz="800" dirty="0" smtClean="0">
-                          <a:solidFill>
-                            <a:schemeClr val="tx2">
-                              <a:lumMod val="40000"/>
-                              <a:lumOff val="60000"/>
-                            </a:schemeClr>
-                          </a:solidFill>
-                        </a:rPr>
-                        <a:t> 내장된 사용자 인증</a:t>
-                      </a:r>
-                      <a:endParaRPr lang="en-US" altLang="ko-KR" sz="800" dirty="0" smtClean="0">
-                        <a:solidFill>
-                          <a:schemeClr val="tx2">
-                            <a:lumMod val="40000"/>
-                            <a:lumOff val="60000"/>
-                          </a:schemeClr>
-                        </a:solidFill>
-                      </a:endParaRPr>
-                    </a:p>
-                    <a:p>
-                      <a:pPr latinLnBrk="1"/>
-                      <a:r>
-                        <a:rPr lang="ko-KR" altLang="en-US" sz="800" dirty="0" smtClean="0">
-                          <a:solidFill>
-                            <a:schemeClr val="tx2">
-                              <a:lumMod val="40000"/>
-                              <a:lumOff val="60000"/>
-                            </a:schemeClr>
-                          </a:solidFill>
-                        </a:rPr>
-                        <a:t>모델간 관계 맺기</a:t>
-                      </a:r>
-                      <a:endParaRPr lang="en-US" altLang="ko-KR" sz="800" dirty="0" smtClean="0">
-                        <a:solidFill>
-                          <a:schemeClr val="tx2">
-                            <a:lumMod val="40000"/>
-                            <a:lumOff val="60000"/>
-                          </a:schemeClr>
-                        </a:solidFill>
-                      </a:endParaRPr>
-                    </a:p>
-                  </a:txBody>
-                  <a:tcPr/>
-                </a:tc>
-              </a:tr>
-              <a:tr h="723345">
-                <a:tc>
-                  <a:txBody>
-                    <a:bodyPr/>
-                    <a:lstStyle/>
-                    <a:p>
-                      <a:pPr latinLnBrk="1"/>
-                      <a:r>
-                        <a:rPr lang="en-US" altLang="ko-KR" sz="800" dirty="0" smtClean="0">
-                          <a:solidFill>
-                            <a:schemeClr val="tx2">
-                              <a:lumMod val="40000"/>
-                              <a:lumOff val="60000"/>
-                            </a:schemeClr>
-                          </a:solidFill>
-                        </a:rPr>
-                        <a:t>20</a:t>
-                      </a:r>
-                    </a:p>
-                    <a:p>
-                      <a:pPr latinLnBrk="1"/>
-                      <a:endParaRPr lang="en-US" altLang="ko-KR" sz="800" dirty="0" smtClean="0">
-                        <a:solidFill>
-                          <a:schemeClr val="tx2">
-                            <a:lumMod val="40000"/>
-                            <a:lumOff val="60000"/>
-                          </a:schemeClr>
-                        </a:solidFill>
-                      </a:endParaRPr>
-                    </a:p>
-                    <a:p>
-                      <a:pPr latinLnBrk="1"/>
-                      <a:r>
-                        <a:rPr lang="ko-KR" altLang="en-US" sz="800" dirty="0" smtClean="0">
-                          <a:solidFill>
-                            <a:schemeClr val="tx2">
-                              <a:lumMod val="40000"/>
-                              <a:lumOff val="60000"/>
-                            </a:schemeClr>
-                          </a:solidFill>
-                        </a:rPr>
-                        <a:t>예배</a:t>
-                      </a:r>
-                      <a:endParaRPr lang="en-US" altLang="ko-KR" sz="800" dirty="0" smtClean="0">
-                        <a:solidFill>
-                          <a:schemeClr val="tx2">
-                            <a:lumMod val="40000"/>
-                            <a:lumOff val="60000"/>
-                          </a:schemeClr>
-                        </a:solidFill>
-                      </a:endParaRPr>
-                    </a:p>
-                    <a:p>
-                      <a:pPr latinLnBrk="1"/>
-                      <a:r>
-                        <a:rPr lang="ko-KR" altLang="en-US" sz="800" dirty="0" smtClean="0">
-                          <a:solidFill>
-                            <a:schemeClr val="tx2">
-                              <a:lumMod val="40000"/>
-                              <a:lumOff val="60000"/>
-                            </a:schemeClr>
-                          </a:solidFill>
-                        </a:rPr>
-                        <a:t>데이터 심기</a:t>
-                      </a:r>
-                      <a:endParaRPr lang="en-US" altLang="ko-KR" sz="800" dirty="0" smtClean="0">
-                        <a:solidFill>
-                          <a:schemeClr val="tx2">
-                            <a:lumMod val="40000"/>
-                            <a:lumOff val="60000"/>
-                          </a:schemeClr>
-                        </a:solidFill>
-                      </a:endParaRPr>
-                    </a:p>
-                    <a:p>
-                      <a:pPr latinLnBrk="1"/>
-                      <a:r>
-                        <a:rPr lang="en-US" altLang="ko-KR" sz="800" dirty="0" smtClean="0">
-                          <a:solidFill>
-                            <a:schemeClr val="tx2">
-                              <a:lumMod val="40000"/>
-                              <a:lumOff val="60000"/>
-                            </a:schemeClr>
-                          </a:solidFill>
-                        </a:rPr>
-                        <a:t>Eage</a:t>
-                      </a:r>
-                      <a:r>
-                        <a:rPr lang="en-US" altLang="ko-KR" sz="800" baseline="0" dirty="0" smtClean="0">
-                          <a:solidFill>
-                            <a:schemeClr val="tx2">
-                              <a:lumMod val="40000"/>
-                              <a:lumOff val="60000"/>
-                            </a:schemeClr>
-                          </a:solidFill>
-                        </a:rPr>
-                        <a:t>r </a:t>
-                      </a:r>
-                      <a:r>
-                        <a:rPr lang="ko-KR" altLang="en-US" sz="800" baseline="0" dirty="0" smtClean="0">
-                          <a:solidFill>
-                            <a:schemeClr val="tx2">
-                              <a:lumMod val="40000"/>
-                              <a:lumOff val="60000"/>
-                            </a:schemeClr>
-                          </a:solidFill>
-                        </a:rPr>
-                        <a:t>로딩</a:t>
-                      </a:r>
-                      <a:endParaRPr lang="en-US" altLang="ko-KR" sz="800" dirty="0" smtClean="0">
-                        <a:solidFill>
-                          <a:schemeClr val="tx2">
-                            <a:lumMod val="40000"/>
-                            <a:lumOff val="60000"/>
-                          </a:schemeClr>
-                        </a:solidFill>
-                      </a:endParaRPr>
-                    </a:p>
-                  </a:txBody>
-                  <a:tcPr/>
-                </a:tc>
-                <a:tc>
-                  <a:txBody>
-                    <a:bodyPr/>
-                    <a:lstStyle/>
-                    <a:p>
-                      <a:pPr latinLnBrk="1"/>
-                      <a:r>
-                        <a:rPr lang="en-US" altLang="ko-KR" sz="800" dirty="0" smtClean="0">
-                          <a:solidFill>
-                            <a:schemeClr val="tx2">
-                              <a:lumMod val="40000"/>
-                              <a:lumOff val="60000"/>
-                            </a:schemeClr>
-                          </a:solidFill>
-                        </a:rPr>
-                        <a:t>21</a:t>
-                      </a:r>
-                    </a:p>
-                    <a:p>
-                      <a:pPr latinLnBrk="1"/>
-                      <a:r>
-                        <a:rPr lang="ko-KR" altLang="en-US" sz="800" dirty="0" smtClean="0">
-                          <a:solidFill>
-                            <a:schemeClr val="tx2">
-                              <a:lumMod val="40000"/>
-                              <a:lumOff val="60000"/>
-                            </a:schemeClr>
-                          </a:solidFill>
-                        </a:rPr>
-                        <a:t>추가 </a:t>
-                      </a:r>
-                      <a:r>
-                        <a:rPr lang="en-US" altLang="ko-KR" sz="800" dirty="0" smtClean="0">
-                          <a:solidFill>
-                            <a:schemeClr val="tx2">
-                              <a:lumMod val="40000"/>
-                              <a:lumOff val="60000"/>
-                            </a:schemeClr>
-                          </a:solidFill>
-                        </a:rPr>
-                        <a:t>- </a:t>
-                      </a:r>
-                      <a:r>
-                        <a:rPr lang="ko-KR" altLang="en-US" sz="800" dirty="0" err="1" smtClean="0">
-                          <a:solidFill>
-                            <a:schemeClr val="tx2">
-                              <a:lumMod val="40000"/>
-                              <a:lumOff val="60000"/>
-                            </a:schemeClr>
-                          </a:solidFill>
-                        </a:rPr>
-                        <a:t>페이징</a:t>
-                      </a:r>
-                      <a:r>
-                        <a:rPr lang="ko-KR" altLang="en-US" sz="800" dirty="0" smtClean="0">
-                          <a:solidFill>
-                            <a:schemeClr val="tx2">
-                              <a:lumMod val="40000"/>
-                              <a:lumOff val="60000"/>
-                            </a:schemeClr>
-                          </a:solidFill>
-                        </a:rPr>
-                        <a:t> </a:t>
-                      </a:r>
-                      <a:endParaRPr lang="en-US" altLang="ko-KR" sz="800" dirty="0" smtClean="0">
-                        <a:solidFill>
-                          <a:schemeClr val="tx2">
-                            <a:lumMod val="40000"/>
-                            <a:lumOff val="60000"/>
-                          </a:schemeClr>
-                        </a:solidFill>
-                      </a:endParaRPr>
-                    </a:p>
-                    <a:p>
-                      <a:pPr latinLnBrk="1"/>
-                      <a:r>
-                        <a:rPr lang="ko-KR" altLang="en-US" sz="800" dirty="0" smtClean="0">
-                          <a:solidFill>
-                            <a:schemeClr val="tx2">
-                              <a:lumMod val="40000"/>
-                              <a:lumOff val="60000"/>
-                            </a:schemeClr>
-                          </a:solidFill>
-                        </a:rPr>
-                        <a:t>메일 보내기</a:t>
-                      </a:r>
-                      <a:endParaRPr lang="en-US" altLang="ko-KR" sz="800" dirty="0" smtClean="0">
-                        <a:solidFill>
-                          <a:schemeClr val="tx2">
-                            <a:lumMod val="40000"/>
-                            <a:lumOff val="60000"/>
-                          </a:schemeClr>
-                        </a:solidFill>
-                      </a:endParaRPr>
-                    </a:p>
-                    <a:p>
-                      <a:pPr latinLnBrk="1"/>
-                      <a:r>
-                        <a:rPr lang="ko-KR" altLang="en-US" sz="800" dirty="0" smtClean="0">
-                          <a:solidFill>
-                            <a:schemeClr val="tx2">
-                              <a:lumMod val="40000"/>
-                              <a:lumOff val="60000"/>
-                            </a:schemeClr>
-                          </a:solidFill>
-                        </a:rPr>
-                        <a:t>입력 값 유효성 검사</a:t>
-                      </a:r>
-                      <a:endParaRPr lang="en-US" altLang="ko-KR" sz="800" dirty="0" smtClean="0">
-                        <a:solidFill>
-                          <a:schemeClr val="tx2">
-                            <a:lumMod val="40000"/>
-                            <a:lumOff val="60000"/>
-                          </a:schemeClr>
-                        </a:solidFill>
-                      </a:endParaRPr>
-                    </a:p>
-                    <a:p>
-                      <a:pPr latinLnBrk="1"/>
-                      <a:r>
-                        <a:rPr lang="ko-KR" altLang="en-US" sz="800" dirty="0" smtClean="0">
-                          <a:solidFill>
-                            <a:schemeClr val="tx2">
-                              <a:lumMod val="40000"/>
-                              <a:lumOff val="60000"/>
-                            </a:schemeClr>
-                          </a:solidFill>
-                        </a:rPr>
-                        <a:t>예외처리</a:t>
-                      </a:r>
-                      <a:endParaRPr lang="en-US" altLang="ko-KR" sz="800" dirty="0" smtClean="0">
-                        <a:solidFill>
-                          <a:schemeClr val="tx2">
-                            <a:lumMod val="40000"/>
-                            <a:lumOff val="60000"/>
-                          </a:schemeClr>
-                        </a:solidFill>
-                      </a:endParaRPr>
-                    </a:p>
-                    <a:p>
-                      <a:pPr latinLnBrk="1"/>
-                      <a:endParaRPr lang="en-US" altLang="ko-KR" sz="800" dirty="0" smtClean="0">
-                        <a:solidFill>
-                          <a:schemeClr val="tx2">
-                            <a:lumMod val="40000"/>
-                            <a:lumOff val="60000"/>
-                          </a:schemeClr>
-                        </a:solidFill>
-                      </a:endParaRPr>
-                    </a:p>
-                  </a:txBody>
-                  <a:tcPr/>
-                </a:tc>
-                <a:tc>
-                  <a:txBody>
-                    <a:bodyPr/>
-                    <a:lstStyle/>
-                    <a:p>
-                      <a:pPr latinLnBrk="1"/>
-                      <a:r>
-                        <a:rPr lang="en-US" altLang="ko-KR" sz="800" dirty="0" smtClean="0">
-                          <a:solidFill>
-                            <a:schemeClr val="tx2">
-                              <a:lumMod val="40000"/>
-                              <a:lumOff val="60000"/>
-                            </a:schemeClr>
-                          </a:solidFill>
-                        </a:rPr>
-                        <a:t>22</a:t>
-                      </a:r>
-                    </a:p>
-                    <a:p>
-                      <a:pPr latinLnBrk="1"/>
-                      <a:endParaRPr lang="en-US" altLang="ko-KR" sz="800" dirty="0" smtClean="0">
-                        <a:solidFill>
-                          <a:schemeClr val="tx2">
-                            <a:lumMod val="40000"/>
-                            <a:lumOff val="60000"/>
-                          </a:schemeClr>
-                        </a:solidFill>
-                      </a:endParaRPr>
-                    </a:p>
-                    <a:p>
-                      <a:pPr latinLnBrk="1"/>
-                      <a:r>
-                        <a:rPr lang="ko-KR" altLang="en-US" sz="800" dirty="0" smtClean="0">
-                          <a:solidFill>
-                            <a:schemeClr val="tx2">
-                              <a:lumMod val="40000"/>
-                              <a:lumOff val="60000"/>
-                            </a:schemeClr>
-                          </a:solidFill>
-                        </a:rPr>
-                        <a:t>국립중앙도서관 방문</a:t>
-                      </a:r>
-                      <a:endParaRPr lang="en-US" altLang="ko-KR" sz="800" dirty="0" smtClean="0">
-                        <a:solidFill>
-                          <a:schemeClr val="tx2">
-                            <a:lumMod val="40000"/>
-                            <a:lumOff val="60000"/>
-                          </a:schemeClr>
-                        </a:solidFill>
-                      </a:endParaRPr>
-                    </a:p>
-                    <a:p>
-                      <a:pPr latinLnBrk="1"/>
-                      <a:endParaRPr lang="en-US" altLang="ko-KR" sz="800" dirty="0" smtClean="0">
-                        <a:solidFill>
-                          <a:schemeClr val="tx2">
-                            <a:lumMod val="40000"/>
-                            <a:lumOff val="60000"/>
-                          </a:schemeClr>
-                        </a:solidFill>
-                      </a:endParaRPr>
-                    </a:p>
-                  </a:txBody>
-                  <a:tcPr/>
-                </a:tc>
-                <a:tc>
-                  <a:txBody>
-                    <a:bodyPr/>
-                    <a:lstStyle/>
-                    <a:p>
-                      <a:pPr latinLnBrk="1"/>
-                      <a:r>
-                        <a:rPr lang="en-US" altLang="ko-KR" sz="800" dirty="0" smtClean="0">
-                          <a:solidFill>
-                            <a:schemeClr val="tx2">
-                              <a:lumMod val="40000"/>
-                              <a:lumOff val="60000"/>
-                            </a:schemeClr>
-                          </a:solidFill>
-                        </a:rPr>
-                        <a:t>23</a:t>
-                      </a:r>
                     </a:p>
                     <a:p>
                       <a:pPr marL="0" marR="0" indent="0" algn="l" defTabSz="914400" rtl="0" eaLnBrk="1" fontAlgn="auto" latinLnBrk="1" hangingPunct="1">
@@ -8018,17 +7556,6 @@
                         <a:defRPr/>
                       </a:pPr>
                       <a:r>
-                        <a:rPr lang="en-US" altLang="ko-KR" sz="800" dirty="0" smtClean="0">
-                          <a:solidFill>
-                            <a:schemeClr val="tx2">
-                              <a:lumMod val="40000"/>
-                              <a:lumOff val="60000"/>
-                            </a:schemeClr>
-                          </a:solidFill>
-                        </a:rPr>
-                        <a:t>Forum </a:t>
-                      </a:r>
-                      <a:r>
                         <a:rPr lang="ko-KR" altLang="en-US" sz="800" dirty="0" smtClean="0">
                           <a:solidFill>
                             <a:schemeClr val="tx2">
@@ -8037,7 +7564,29 @@
                             </a:schemeClr>
                           </a:solidFill>
                         </a:rPr>
-                        <a:t>만들기</a:t>
+                        <a:t>사용자 </a:t>
+                      </a:r>
+                      <a:r>
+                        <a:rPr lang="ko-KR" altLang="en-US" sz="800" dirty="0" smtClean="0">
+                          <a:solidFill>
+                            <a:schemeClr val="tx2">
+                              <a:lumMod val="40000"/>
+                              <a:lumOff val="60000"/>
+                            </a:schemeClr>
+                          </a:solidFill>
+                        </a:rPr>
+                        <a:t>인증 </a:t>
+                      </a:r>
+                      <a:r>
+                        <a:rPr lang="ko-KR" altLang="en-US" sz="800" dirty="0" smtClean="0">
+                          <a:solidFill>
+                            <a:schemeClr val="tx2">
+                              <a:lumMod val="40000"/>
+                              <a:lumOff val="60000"/>
+                            </a:schemeClr>
+                          </a:solidFill>
+                        </a:rPr>
+                        <a:t>기본기</a:t>
                       </a:r>
                       <a:endParaRPr lang="en-US" altLang="ko-KR" sz="800" dirty="0" smtClean="0">
                         <a:solidFill>
@@ -8049,7 +7598,34 @@
                       </a:endParaRPr>
                     </a:p>
                     <a:p>
-                      <a:pPr latinLnBrk="1"/>
+                      <a:pPr marL="0" marR="0" indent="0" algn="l" defTabSz="914400" rtl="0" eaLnBrk="1" fontAlgn="auto" latinLnBrk="1" hangingPunct="1">
+                        <a:lnSpc>
+                          <a:spcPct val="100000"/>
+                        </a:lnSpc>
+                        <a:spcBef>
+                          <a:spcPts val="0"/>
+                        </a:spcBef>
+                        <a:spcAft>
+                          <a:spcPts val="0"/>
+                        </a:spcAft>
+                        <a:buClrTx/>
+                        <a:buSzTx/>
+                        <a:buFontTx/>
+                        <a:buNone/>
+                        <a:tabLst/>
+                        <a:defRPr/>
+                      </a:pPr>
+                      <a:r>
+                        <a:rPr lang="ko-KR" altLang="en-US" sz="800" dirty="0" err="1" smtClean="0">
+                          <a:solidFill>
+                            <a:schemeClr val="tx2">
+                              <a:lumMod val="40000"/>
+                              <a:lumOff val="60000"/>
+                            </a:schemeClr>
+                          </a:solidFill>
+                        </a:rPr>
+                        <a:t>라라벨에</a:t>
+                      </a:r>
                       <a:r>
                         <a:rPr lang="ko-KR" altLang="en-US" sz="800" dirty="0" smtClean="0">
                           <a:solidFill>
@@ -8059,7 +7635,7 @@
                             </a:schemeClr>
                           </a:solidFill>
                         </a:rPr>
-                        <a:t>프로젝트 시작</a:t>
+                        <a:t> 내장된 사용자 인증</a:t>
                       </a:r>
                       <a:endParaRPr lang="en-US" altLang="ko-KR" sz="800" dirty="0" smtClean="0">
                         <a:solidFill>
@@ -8071,18 +7647,33 @@
                       </a:endParaRPr>
                     </a:p>
                     <a:p>
-                      <a:pPr latinLnBrk="1"/>
-                      <a:r>
-                        <a:rPr lang="en-US" altLang="ko-KR" sz="800" dirty="0" smtClean="0">
-                          <a:solidFill>
-                            <a:schemeClr val="tx2">
-                              <a:lumMod val="40000"/>
-                              <a:lumOff val="60000"/>
-                            </a:schemeClr>
-                          </a:solidFill>
-                          <a:hlinkClick r:id="rId5"/>
-                        </a:rPr>
-                        <a:t>http://l5.appkr.kr/</a:t>
+                      <a:pPr marL="0" marR="0" indent="0" algn="l" defTabSz="914400" rtl="0" eaLnBrk="1" fontAlgn="auto" latinLnBrk="1" hangingPunct="1">
+                        <a:lnSpc>
+                          <a:spcPct val="100000"/>
+                        </a:lnSpc>
+                        <a:spcBef>
+                          <a:spcPts val="0"/>
+                        </a:spcBef>
+                        <a:spcAft>
+                          <a:spcPts val="0"/>
+                        </a:spcAft>
+                        <a:buClrTx/>
+                        <a:buSzTx/>
+                        <a:buFontTx/>
+                        <a:buNone/>
+                        <a:tabLst/>
+                        <a:defRPr/>
+                      </a:pPr>
+                      <a:r>
+                        <a:rPr lang="ko-KR" altLang="en-US" sz="800" dirty="0" smtClean="0">
+                          <a:solidFill>
+                            <a:schemeClr val="tx2">
+                              <a:lumMod val="40000"/>
+                              <a:lumOff val="60000"/>
+                            </a:schemeClr>
+                          </a:solidFill>
+                        </a:rPr>
+                        <a:t>모델간 관계 맺기</a:t>
                       </a:r>
                       <a:endParaRPr lang="en-US" altLang="ko-KR" sz="800" dirty="0" smtClean="0">
                         <a:solidFill>
@@ -8094,51 +7685,23 @@
                       </a:endParaRPr>
                     </a:p>
                     <a:p>
-                      <a:pPr latinLnBrk="1"/>
-                      <a:r>
-                        <a:rPr lang="en-US" altLang="ko-KR" sz="800" dirty="0" smtClean="0">
-                          <a:solidFill>
-                            <a:schemeClr val="tx2">
-                              <a:lumMod val="40000"/>
-                              <a:lumOff val="60000"/>
-                            </a:schemeClr>
-                          </a:solidFill>
-                        </a:rPr>
-                        <a:t>31</a:t>
-                      </a:r>
-                      <a:r>
-                        <a:rPr lang="ko-KR" altLang="en-US" sz="800" dirty="0" smtClean="0">
-                          <a:solidFill>
-                            <a:schemeClr val="tx2">
-                              <a:lumMod val="40000"/>
-                              <a:lumOff val="60000"/>
-                            </a:schemeClr>
-                          </a:solidFill>
-                        </a:rPr>
-                        <a:t>강</a:t>
-                      </a:r>
-                      <a:r>
-                        <a:rPr lang="en-US" altLang="ko-KR" sz="800" dirty="0" smtClean="0">
-                          <a:solidFill>
-                            <a:schemeClr val="tx2">
-                              <a:lumMod val="40000"/>
-                              <a:lumOff val="60000"/>
-                            </a:schemeClr>
-                          </a:solidFill>
-                        </a:rPr>
-                        <a:t>~43</a:t>
-                      </a:r>
-                      <a:r>
-                        <a:rPr lang="ko-KR" altLang="en-US" sz="800" dirty="0" smtClean="0">
-                          <a:solidFill>
-                            <a:schemeClr val="tx2">
-                              <a:lumMod val="40000"/>
-                              <a:lumOff val="60000"/>
-                            </a:schemeClr>
-                          </a:solidFill>
-                        </a:rPr>
-                        <a:t>강</a:t>
-                      </a:r>
+                      <a:pPr marL="0" marR="0" indent="0" algn="l" defTabSz="914400" rtl="0" eaLnBrk="1" fontAlgn="auto" latinLnBrk="1" hangingPunct="1">
+                        <a:lnSpc>
+                          <a:spcPct val="100000"/>
+                        </a:lnSpc>
+                        <a:spcBef>
+                          <a:spcPts val="0"/>
+                        </a:spcBef>
+                        <a:spcAft>
+                          <a:spcPts val="0"/>
+                        </a:spcAft>
+                        <a:buClrTx/>
+                        <a:buSzTx/>
+                        <a:buFontTx/>
+                        <a:buNone/>
+                        <a:tabLst/>
+                        <a:defRPr/>
+                      </a:pPr>
                       <a:endParaRPr lang="en-US" altLang="ko-KR" sz="800" dirty="0" smtClean="0">
                         <a:solidFill>
                           <a:schemeClr val="tx2">
@@ -8166,7 +7729,7 @@
                             </a:schemeClr>
                           </a:solidFill>
                         </a:rPr>
-                        <a:t>24</a:t>
+                        <a:t>19</a:t>
                       </a:r>
                     </a:p>
                     <a:p>
@@ -8182,7 +7745,692 @@
                     </a:p>
                     <a:p>
                       <a:pPr latinLnBrk="1"/>
-                      <a:endParaRPr lang="ko-KR" altLang="en-US" sz="800" dirty="0">
+                      <a:r>
+                        <a:rPr lang="en-US" altLang="ko-KR" sz="800" dirty="0" err="1" smtClean="0">
+                          <a:solidFill>
+                            <a:schemeClr val="tx2">
+                              <a:lumMod val="40000"/>
+                              <a:lumOff val="60000"/>
+                            </a:schemeClr>
+                          </a:solidFill>
+                        </a:rPr>
+                        <a:t>Laravel</a:t>
+                      </a:r>
+                      <a:endParaRPr lang="en-US" altLang="ko-KR" sz="800" dirty="0" smtClean="0">
+                        <a:solidFill>
+                          <a:schemeClr val="tx2">
+                            <a:lumMod val="40000"/>
+                            <a:lumOff val="60000"/>
+                          </a:schemeClr>
+                        </a:solidFill>
+                      </a:endParaRPr>
+                    </a:p>
+                    <a:p>
+                      <a:pPr latinLnBrk="1"/>
+                      <a:endParaRPr lang="en-US" altLang="ko-KR" sz="800" dirty="0" smtClean="0">
+                        <a:solidFill>
+                          <a:schemeClr val="tx2">
+                            <a:lumMod val="40000"/>
+                            <a:lumOff val="60000"/>
+                          </a:schemeClr>
+                        </a:solidFill>
+                      </a:endParaRPr>
+                    </a:p>
+                    <a:p>
+                      <a:pPr latinLnBrk="1"/>
+                      <a:r>
+                        <a:rPr lang="ko-KR" altLang="en-US" sz="800" dirty="0" smtClean="0">
+                          <a:solidFill>
+                            <a:schemeClr val="tx2">
+                              <a:lumMod val="40000"/>
+                              <a:lumOff val="60000"/>
+                            </a:schemeClr>
+                          </a:solidFill>
+                        </a:rPr>
+                        <a:t>데이터 심기</a:t>
+                      </a:r>
+                      <a:endParaRPr lang="en-US" altLang="ko-KR" sz="800" dirty="0" smtClean="0">
+                        <a:solidFill>
+                          <a:schemeClr val="tx2">
+                            <a:lumMod val="40000"/>
+                            <a:lumOff val="60000"/>
+                          </a:schemeClr>
+                        </a:solidFill>
+                      </a:endParaRPr>
+                    </a:p>
+                    <a:p>
+                      <a:pPr latinLnBrk="1"/>
+                      <a:r>
+                        <a:rPr lang="en-US" altLang="ko-KR" sz="800" dirty="0" smtClean="0">
+                          <a:solidFill>
+                            <a:schemeClr val="tx2">
+                              <a:lumMod val="40000"/>
+                              <a:lumOff val="60000"/>
+                            </a:schemeClr>
+                          </a:solidFill>
+                        </a:rPr>
+                        <a:t>Eage</a:t>
+                      </a:r>
+                      <a:r>
+                        <a:rPr lang="en-US" altLang="ko-KR" sz="800" baseline="0" dirty="0" smtClean="0">
+                          <a:solidFill>
+                            <a:schemeClr val="tx2">
+                              <a:lumMod val="40000"/>
+                              <a:lumOff val="60000"/>
+                            </a:schemeClr>
+                          </a:solidFill>
+                        </a:rPr>
+                        <a:t>r </a:t>
+                      </a:r>
+                      <a:r>
+                        <a:rPr lang="ko-KR" altLang="en-US" sz="800" baseline="0" dirty="0" smtClean="0">
+                          <a:solidFill>
+                            <a:schemeClr val="tx2">
+                              <a:lumMod val="40000"/>
+                              <a:lumOff val="60000"/>
+                            </a:schemeClr>
+                          </a:solidFill>
+                        </a:rPr>
+                        <a:t>로딩</a:t>
+                      </a:r>
+                      <a:endParaRPr lang="en-US" altLang="ko-KR" sz="800" baseline="0" dirty="0" smtClean="0">
+                        <a:solidFill>
+                          <a:schemeClr val="tx2">
+                            <a:lumMod val="40000"/>
+                            <a:lumOff val="60000"/>
+                          </a:schemeClr>
+                        </a:solidFill>
+                      </a:endParaRPr>
+                    </a:p>
+                    <a:p>
+                      <a:pPr latinLnBrk="1"/>
+                      <a:r>
+                        <a:rPr lang="ko-KR" altLang="en-US" sz="800" dirty="0" smtClean="0">
+                          <a:solidFill>
+                            <a:schemeClr val="tx2">
+                              <a:lumMod val="40000"/>
+                              <a:lumOff val="60000"/>
+                            </a:schemeClr>
+                          </a:solidFill>
+                        </a:rPr>
+                        <a:t>추가 </a:t>
+                      </a:r>
+                      <a:r>
+                        <a:rPr lang="en-US" altLang="ko-KR" sz="800" dirty="0" smtClean="0">
+                          <a:solidFill>
+                            <a:schemeClr val="tx2">
+                              <a:lumMod val="40000"/>
+                              <a:lumOff val="60000"/>
+                            </a:schemeClr>
+                          </a:solidFill>
+                        </a:rPr>
+                        <a:t>- </a:t>
+                      </a:r>
+                      <a:r>
+                        <a:rPr lang="ko-KR" altLang="en-US" sz="800" dirty="0" err="1" smtClean="0">
+                          <a:solidFill>
+                            <a:schemeClr val="tx2">
+                              <a:lumMod val="40000"/>
+                              <a:lumOff val="60000"/>
+                            </a:schemeClr>
+                          </a:solidFill>
+                        </a:rPr>
+                        <a:t>페이징</a:t>
+                      </a:r>
+                      <a:endParaRPr lang="en-US" altLang="ko-KR" sz="800" dirty="0" smtClean="0">
+                        <a:solidFill>
+                          <a:schemeClr val="tx2">
+                            <a:lumMod val="40000"/>
+                            <a:lumOff val="60000"/>
+                          </a:schemeClr>
+                        </a:solidFill>
+                      </a:endParaRPr>
+                    </a:p>
+                  </a:txBody>
+                  <a:tcPr/>
+                </a:tc>
+              </a:tr>
+              <a:tr h="723345">
+                <a:tc>
+                  <a:txBody>
+                    <a:bodyPr/>
+                    <a:lstStyle/>
+                    <a:p>
+                      <a:pPr latinLnBrk="1"/>
+                      <a:r>
+                        <a:rPr lang="en-US" altLang="ko-KR" sz="800" dirty="0" smtClean="0">
+                          <a:solidFill>
+                            <a:schemeClr val="tx2">
+                              <a:lumMod val="40000"/>
+                              <a:lumOff val="60000"/>
+                            </a:schemeClr>
+                          </a:solidFill>
+                        </a:rPr>
+                        <a:t>20</a:t>
+                      </a:r>
+                      <a:endParaRPr lang="en-US" altLang="ko-KR" sz="800" dirty="0" smtClean="0">
+                        <a:solidFill>
+                          <a:schemeClr val="tx2">
+                            <a:lumMod val="40000"/>
+                            <a:lumOff val="60000"/>
+                          </a:schemeClr>
+                        </a:solidFill>
+                      </a:endParaRPr>
+                    </a:p>
+                    <a:p>
+                      <a:pPr latinLnBrk="1"/>
+                      <a:r>
+                        <a:rPr lang="ko-KR" altLang="en-US" sz="800" dirty="0" smtClean="0">
+                          <a:solidFill>
+                            <a:schemeClr val="tx2">
+                              <a:lumMod val="40000"/>
+                              <a:lumOff val="60000"/>
+                            </a:schemeClr>
+                          </a:solidFill>
+                        </a:rPr>
+                        <a:t>예배</a:t>
+                      </a:r>
+                      <a:endParaRPr lang="en-US" altLang="ko-KR" sz="800" dirty="0" smtClean="0">
+                        <a:solidFill>
+                          <a:schemeClr val="tx2">
+                            <a:lumMod val="40000"/>
+                            <a:lumOff val="60000"/>
+                          </a:schemeClr>
+                        </a:solidFill>
+                      </a:endParaRPr>
+                    </a:p>
+                    <a:p>
+                      <a:pPr latinLnBrk="1"/>
+                      <a:r>
+                        <a:rPr lang="ko-KR" altLang="en-US" sz="800" dirty="0" smtClean="0">
+                          <a:solidFill>
+                            <a:schemeClr val="tx2">
+                              <a:lumMod val="40000"/>
+                              <a:lumOff val="60000"/>
+                            </a:schemeClr>
+                          </a:solidFill>
+                        </a:rPr>
+                        <a:t>메일</a:t>
+                      </a:r>
+                      <a:r>
+                        <a:rPr lang="ko-KR" altLang="en-US" sz="800" baseline="0" dirty="0" smtClean="0">
+                          <a:solidFill>
+                            <a:schemeClr val="tx2">
+                              <a:lumMod val="40000"/>
+                              <a:lumOff val="60000"/>
+                            </a:schemeClr>
+                          </a:solidFill>
+                        </a:rPr>
+                        <a:t> 보내기</a:t>
+                      </a:r>
+                      <a:endParaRPr lang="en-US" altLang="ko-KR" sz="800" baseline="0" dirty="0" smtClean="0">
+                        <a:solidFill>
+                          <a:schemeClr val="tx2">
+                            <a:lumMod val="40000"/>
+                            <a:lumOff val="60000"/>
+                          </a:schemeClr>
+                        </a:solidFill>
+                      </a:endParaRPr>
+                    </a:p>
+                    <a:p>
+                      <a:pPr latinLnBrk="1"/>
+                      <a:r>
+                        <a:rPr lang="ko-KR" altLang="en-US" sz="800" baseline="0" dirty="0" smtClean="0">
+                          <a:solidFill>
+                            <a:schemeClr val="tx2">
+                              <a:lumMod val="40000"/>
+                              <a:lumOff val="60000"/>
+                            </a:schemeClr>
+                          </a:solidFill>
+                        </a:rPr>
+                        <a:t>입력 값 유효성 검사</a:t>
+                      </a:r>
+                      <a:endParaRPr lang="en-US" altLang="ko-KR" sz="800" baseline="0" dirty="0" smtClean="0">
+                        <a:solidFill>
+                          <a:schemeClr val="tx2">
+                            <a:lumMod val="40000"/>
+                            <a:lumOff val="60000"/>
+                          </a:schemeClr>
+                        </a:solidFill>
+                      </a:endParaRPr>
+                    </a:p>
+                    <a:p>
+                      <a:pPr latinLnBrk="1"/>
+                      <a:r>
+                        <a:rPr lang="ko-KR" altLang="en-US" sz="800" baseline="0" dirty="0" smtClean="0">
+                          <a:solidFill>
+                            <a:schemeClr val="tx2">
+                              <a:lumMod val="40000"/>
+                              <a:lumOff val="60000"/>
+                            </a:schemeClr>
+                          </a:solidFill>
+                        </a:rPr>
+                        <a:t>예외처리</a:t>
+                      </a:r>
+                      <a:endParaRPr lang="en-US" altLang="ko-KR" sz="800" dirty="0" smtClean="0">
+                        <a:solidFill>
+                          <a:schemeClr val="tx2">
+                            <a:lumMod val="40000"/>
+                            <a:lumOff val="60000"/>
+                          </a:schemeClr>
+                        </a:solidFill>
+                      </a:endParaRPr>
+                    </a:p>
+                  </a:txBody>
+                  <a:tcPr/>
+                </a:tc>
+                <a:tc>
+                  <a:txBody>
+                    <a:bodyPr/>
+                    <a:lstStyle/>
+                    <a:p>
+                      <a:pPr latinLnBrk="1"/>
+                      <a:r>
+                        <a:rPr lang="en-US" altLang="ko-KR" sz="800" dirty="0" smtClean="0">
+                          <a:solidFill>
+                            <a:schemeClr val="tx2">
+                              <a:lumMod val="40000"/>
+                              <a:lumOff val="60000"/>
+                            </a:schemeClr>
+                          </a:solidFill>
+                        </a:rPr>
+                        <a:t>21</a:t>
+                      </a:r>
+                    </a:p>
+                    <a:p>
+                      <a:pPr latinLnBrk="1"/>
+                      <a:endParaRPr lang="en-US" altLang="ko-KR" sz="800" dirty="0" smtClean="0">
+                        <a:solidFill>
+                          <a:schemeClr val="tx2">
+                            <a:lumMod val="40000"/>
+                            <a:lumOff val="60000"/>
+                          </a:schemeClr>
+                        </a:solidFill>
+                      </a:endParaRPr>
+                    </a:p>
+                    <a:p>
+                      <a:pPr latinLnBrk="1"/>
+                      <a:r>
+                        <a:rPr lang="en-US" altLang="ko-KR" sz="800" dirty="0" smtClean="0">
+                          <a:solidFill>
+                            <a:schemeClr val="tx2">
+                              <a:lumMod val="40000"/>
+                              <a:lumOff val="60000"/>
+                            </a:schemeClr>
+                          </a:solidFill>
+                        </a:rPr>
+                        <a:t>Document </a:t>
+                      </a:r>
+                      <a:r>
+                        <a:rPr lang="ko-KR" altLang="en-US" sz="800" dirty="0" smtClean="0">
+                          <a:solidFill>
+                            <a:schemeClr val="tx2">
+                              <a:lumMod val="40000"/>
+                              <a:lumOff val="60000"/>
+                            </a:schemeClr>
+                          </a:solidFill>
+                        </a:rPr>
+                        <a:t>모델</a:t>
+                      </a:r>
+                      <a:endParaRPr lang="en-US" altLang="ko-KR" sz="800" dirty="0" smtClean="0">
+                        <a:solidFill>
+                          <a:schemeClr val="tx2">
+                            <a:lumMod val="40000"/>
+                            <a:lumOff val="60000"/>
+                          </a:schemeClr>
+                        </a:solidFill>
+                      </a:endParaRPr>
+                    </a:p>
+                    <a:p>
+                      <a:pPr latinLnBrk="1"/>
+                      <a:r>
+                        <a:rPr lang="en-US" altLang="ko-KR" sz="800" dirty="0" smtClean="0">
+                          <a:solidFill>
+                            <a:schemeClr val="tx2">
+                              <a:lumMod val="40000"/>
+                              <a:lumOff val="60000"/>
+                            </a:schemeClr>
+                          </a:solidFill>
+                        </a:rPr>
+                        <a:t>Document </a:t>
+                      </a:r>
+                      <a:r>
+                        <a:rPr lang="ko-KR" altLang="en-US" sz="800" dirty="0" smtClean="0">
+                          <a:solidFill>
+                            <a:schemeClr val="tx2">
+                              <a:lumMod val="40000"/>
+                              <a:lumOff val="60000"/>
+                            </a:schemeClr>
+                          </a:solidFill>
+                        </a:rPr>
+                        <a:t>컨트롤러</a:t>
+                      </a:r>
+                      <a:endParaRPr lang="en-US" altLang="ko-KR" sz="800" dirty="0" smtClean="0">
+                        <a:solidFill>
+                          <a:schemeClr val="tx2">
+                            <a:lumMod val="40000"/>
+                            <a:lumOff val="60000"/>
+                          </a:schemeClr>
+                        </a:solidFill>
+                      </a:endParaRPr>
+                    </a:p>
+                    <a:p>
+                      <a:pPr latinLnBrk="1"/>
+                      <a:r>
+                        <a:rPr lang="en-US" altLang="ko-KR" sz="800" dirty="0" smtClean="0">
+                          <a:solidFill>
+                            <a:schemeClr val="tx2">
+                              <a:lumMod val="40000"/>
+                              <a:lumOff val="60000"/>
+                            </a:schemeClr>
+                          </a:solidFill>
+                        </a:rPr>
+                        <a:t>Cache</a:t>
+                      </a:r>
+                      <a:endParaRPr lang="en-US" altLang="ko-KR" sz="800" dirty="0" smtClean="0">
+                        <a:solidFill>
+                          <a:schemeClr val="tx2">
+                            <a:lumMod val="40000"/>
+                            <a:lumOff val="60000"/>
+                          </a:schemeClr>
+                        </a:solidFill>
+                      </a:endParaRPr>
+                    </a:p>
+                  </a:txBody>
+                  <a:tcPr/>
+                </a:tc>
+                <a:tc>
+                  <a:txBody>
+                    <a:bodyPr/>
+                    <a:lstStyle/>
+                    <a:p>
+                      <a:pPr latinLnBrk="1"/>
+                      <a:r>
+                        <a:rPr lang="en-US" altLang="ko-KR" sz="800" dirty="0" smtClean="0">
+                          <a:solidFill>
+                            <a:schemeClr val="tx2">
+                              <a:lumMod val="40000"/>
+                              <a:lumOff val="60000"/>
+                            </a:schemeClr>
+                          </a:solidFill>
+                        </a:rPr>
+                        <a:t>22</a:t>
+                      </a:r>
+                    </a:p>
+                    <a:p>
+                      <a:pPr latinLnBrk="1"/>
+                      <a:endParaRPr lang="en-US" altLang="ko-KR" sz="800" dirty="0" smtClean="0">
+                        <a:solidFill>
+                          <a:schemeClr val="tx2">
+                            <a:lumMod val="40000"/>
+                            <a:lumOff val="60000"/>
+                          </a:schemeClr>
+                        </a:solidFill>
+                      </a:endParaRPr>
+                    </a:p>
+                    <a:p>
+                      <a:pPr latinLnBrk="1"/>
+                      <a:r>
+                        <a:rPr lang="en-US" altLang="ko-KR" sz="800" dirty="0" smtClean="0">
+                          <a:solidFill>
+                            <a:schemeClr val="tx2">
+                              <a:lumMod val="40000"/>
+                              <a:lumOff val="60000"/>
+                            </a:schemeClr>
+                          </a:solidFill>
+                        </a:rPr>
+                        <a:t>Elixir</a:t>
+                      </a:r>
+                      <a:r>
+                        <a:rPr lang="en-US" altLang="ko-KR" sz="800" baseline="0" dirty="0" smtClean="0">
+                          <a:solidFill>
+                            <a:schemeClr val="tx2">
+                              <a:lumMod val="40000"/>
+                              <a:lumOff val="60000"/>
+                            </a:schemeClr>
+                          </a:solidFill>
+                        </a:rPr>
+                        <a:t>, </a:t>
+                      </a:r>
+                      <a:r>
+                        <a:rPr lang="ko-KR" altLang="en-US" sz="800" baseline="0" dirty="0" smtClean="0">
+                          <a:solidFill>
+                            <a:schemeClr val="tx2">
+                              <a:lumMod val="40000"/>
+                              <a:lumOff val="60000"/>
+                            </a:schemeClr>
+                          </a:solidFill>
+                        </a:rPr>
+                        <a:t>만병통치약</a:t>
+                      </a:r>
+                      <a:r>
+                        <a:rPr lang="en-US" altLang="ko-KR" sz="800" baseline="0" dirty="0" smtClean="0">
+                          <a:solidFill>
+                            <a:schemeClr val="tx2">
+                              <a:lumMod val="40000"/>
+                              <a:lumOff val="60000"/>
+                            </a:schemeClr>
+                          </a:solidFill>
+                        </a:rPr>
+                        <a:t>?</a:t>
+                      </a:r>
+                    </a:p>
+                    <a:p>
+                      <a:pPr latinLnBrk="1"/>
+                      <a:r>
+                        <a:rPr lang="en-US" altLang="ko-KR" sz="800" baseline="0" dirty="0" smtClean="0">
+                          <a:solidFill>
+                            <a:schemeClr val="tx2">
+                              <a:lumMod val="40000"/>
+                              <a:lumOff val="60000"/>
+                            </a:schemeClr>
+                          </a:solidFill>
+                        </a:rPr>
+                        <a:t>Debug &amp; Final Touch</a:t>
+                      </a:r>
+                      <a:endParaRPr lang="en-US" altLang="ko-KR" sz="800" dirty="0" smtClean="0">
+                        <a:solidFill>
+                          <a:schemeClr val="tx2">
+                            <a:lumMod val="40000"/>
+                            <a:lumOff val="60000"/>
+                          </a:schemeClr>
+                        </a:solidFill>
+                      </a:endParaRPr>
+                    </a:p>
+                  </a:txBody>
+                  <a:tcPr/>
+                </a:tc>
+                <a:tc>
+                  <a:txBody>
+                    <a:bodyPr/>
+                    <a:lstStyle/>
+                    <a:p>
+                      <a:pPr latinLnBrk="1"/>
+                      <a:r>
+                        <a:rPr lang="en-US" altLang="ko-KR" sz="800" dirty="0" smtClean="0">
+                          <a:solidFill>
+                            <a:schemeClr val="tx2">
+                              <a:lumMod val="40000"/>
+                              <a:lumOff val="60000"/>
+                            </a:schemeClr>
+                          </a:solidFill>
+                        </a:rPr>
+                        <a:t>23</a:t>
+                      </a:r>
+                    </a:p>
+                    <a:p>
+                      <a:pPr marL="0" marR="0" indent="0" algn="l" defTabSz="914400" rtl="0" eaLnBrk="1" fontAlgn="auto" latinLnBrk="1" hangingPunct="1">
+                        <a:lnSpc>
+                          <a:spcPct val="100000"/>
+                        </a:lnSpc>
+                        <a:spcBef>
+                          <a:spcPts val="0"/>
+                        </a:spcBef>
+                        <a:spcAft>
+                          <a:spcPts val="0"/>
+                        </a:spcAft>
+                        <a:buClrTx/>
+                        <a:buSzTx/>
+                        <a:buFontTx/>
+                        <a:buNone/>
+                        <a:tabLst/>
+                        <a:defRPr/>
+                      </a:pPr>
+                      <a:r>
+                        <a:rPr lang="en-US" altLang="ko-KR" sz="800" dirty="0" smtClean="0">
+                          <a:solidFill>
+                            <a:schemeClr val="tx2">
+                              <a:lumMod val="40000"/>
+                              <a:lumOff val="60000"/>
+                            </a:schemeClr>
+                          </a:solidFill>
+                        </a:rPr>
+                        <a:t>Forum </a:t>
+                      </a:r>
+                      <a:r>
+                        <a:rPr lang="ko-KR" altLang="en-US" sz="800" dirty="0" smtClean="0">
+                          <a:solidFill>
+                            <a:schemeClr val="tx2">
+                              <a:lumMod val="40000"/>
+                              <a:lumOff val="60000"/>
+                            </a:schemeClr>
+                          </a:solidFill>
+                        </a:rPr>
+                        <a:t>만들기</a:t>
+                      </a:r>
+                      <a:endParaRPr lang="en-US" altLang="ko-KR" sz="800" dirty="0" smtClean="0">
+                        <a:solidFill>
+                          <a:schemeClr val="tx2">
+                            <a:lumMod val="40000"/>
+                            <a:lumOff val="60000"/>
+                          </a:schemeClr>
+                        </a:solidFill>
+                      </a:endParaRPr>
+                    </a:p>
+                    <a:p>
+                      <a:pPr latinLnBrk="1"/>
+                      <a:r>
+                        <a:rPr lang="ko-KR" altLang="en-US" sz="800" dirty="0" smtClean="0">
+                          <a:solidFill>
+                            <a:schemeClr val="tx2">
+                              <a:lumMod val="40000"/>
+                              <a:lumOff val="60000"/>
+                            </a:schemeClr>
+                          </a:solidFill>
+                        </a:rPr>
+                        <a:t>프로젝트 시작</a:t>
+                      </a:r>
+                      <a:endParaRPr lang="en-US" altLang="ko-KR" sz="800" dirty="0" smtClean="0">
+                        <a:solidFill>
+                          <a:schemeClr val="tx2">
+                            <a:lumMod val="40000"/>
+                            <a:lumOff val="60000"/>
+                          </a:schemeClr>
+                        </a:solidFill>
+                      </a:endParaRPr>
+                    </a:p>
+                    <a:p>
+                      <a:pPr latinLnBrk="1"/>
+                      <a:r>
+                        <a:rPr lang="en-US" altLang="ko-KR" sz="800" dirty="0" smtClean="0">
+                          <a:solidFill>
+                            <a:schemeClr val="tx2">
+                              <a:lumMod val="40000"/>
+                              <a:lumOff val="60000"/>
+                            </a:schemeClr>
+                          </a:solidFill>
+                          <a:hlinkClick r:id="rId5"/>
+                        </a:rPr>
+                        <a:t>http://l5.appkr.kr/</a:t>
+                      </a:r>
+                      <a:endParaRPr lang="en-US" altLang="ko-KR" sz="800" dirty="0" smtClean="0">
+                        <a:solidFill>
+                          <a:schemeClr val="tx2">
+                            <a:lumMod val="40000"/>
+                            <a:lumOff val="60000"/>
+                          </a:schemeClr>
+                        </a:solidFill>
+                      </a:endParaRPr>
+                    </a:p>
+                    <a:p>
+                      <a:pPr latinLnBrk="1"/>
+                      <a:r>
+                        <a:rPr lang="en-US" altLang="ko-KR" sz="800" dirty="0" smtClean="0">
+                          <a:solidFill>
+                            <a:schemeClr val="tx2">
+                              <a:lumMod val="40000"/>
+                              <a:lumOff val="60000"/>
+                            </a:schemeClr>
+                          </a:solidFill>
+                        </a:rPr>
+                        <a:t>31</a:t>
+                      </a:r>
+                      <a:r>
+                        <a:rPr lang="ko-KR" altLang="en-US" sz="800" dirty="0" smtClean="0">
+                          <a:solidFill>
+                            <a:schemeClr val="tx2">
+                              <a:lumMod val="40000"/>
+                              <a:lumOff val="60000"/>
+                            </a:schemeClr>
+                          </a:solidFill>
+                        </a:rPr>
+                        <a:t>강</a:t>
+                      </a:r>
+                      <a:r>
+                        <a:rPr lang="en-US" altLang="ko-KR" sz="800" dirty="0" smtClean="0">
+                          <a:solidFill>
+                            <a:schemeClr val="tx2">
+                              <a:lumMod val="40000"/>
+                              <a:lumOff val="60000"/>
+                            </a:schemeClr>
+                          </a:solidFill>
+                        </a:rPr>
+                        <a:t>~43</a:t>
+                      </a:r>
+                      <a:r>
+                        <a:rPr lang="ko-KR" altLang="en-US" sz="800" dirty="0" smtClean="0">
+                          <a:solidFill>
+                            <a:schemeClr val="tx2">
+                              <a:lumMod val="40000"/>
+                              <a:lumOff val="60000"/>
+                            </a:schemeClr>
+                          </a:solidFill>
+                        </a:rPr>
+                        <a:t>강</a:t>
+                      </a:r>
+                      <a:endParaRPr lang="en-US" altLang="ko-KR" sz="800" dirty="0" smtClean="0">
+                        <a:solidFill>
+                          <a:schemeClr val="tx2">
+                            <a:lumMod val="40000"/>
+                            <a:lumOff val="60000"/>
+                          </a:schemeClr>
+                        </a:solidFill>
+                      </a:endParaRPr>
+                    </a:p>
+                  </a:txBody>
+                  <a:tcPr/>
+                </a:tc>
+                <a:tc>
+                  <a:txBody>
+                    <a:bodyPr/>
+                    <a:lstStyle/>
+                    <a:p>
+                      <a:pPr latinLnBrk="1"/>
+                      <a:r>
+                        <a:rPr lang="en-US" altLang="ko-KR" sz="800" dirty="0" smtClean="0">
+                          <a:solidFill>
+                            <a:schemeClr val="tx2">
+                              <a:lumMod val="40000"/>
+                              <a:lumOff val="60000"/>
+                            </a:schemeClr>
+                          </a:solidFill>
+                        </a:rPr>
+                        <a:t>24</a:t>
+                      </a:r>
+                    </a:p>
+                    <a:p>
+                      <a:pPr latinLnBrk="1"/>
+                      <a:endParaRPr lang="en-US" altLang="ko-KR" sz="800" dirty="0" smtClean="0">
                         <a:solidFill>
                           <a:schemeClr val="tx2">
                             <a:lumMod val="40000"/>
@@ -8720,9 +8968,21 @@
                     <a:lstStyle/>
                     <a:p>
                       <a:pPr latinLnBrk="1"/>
+                      <a:r>
+                        <a:rPr lang="en-US" altLang="ko-KR" sz="800" dirty="0" smtClean="0">
+                          <a:solidFill>
+                            <a:schemeClr val="bg2">
+                              <a:lumMod val="50000"/>
+                            </a:schemeClr>
+                          </a:solidFill>
+                        </a:rPr>
+                        <a:t>16</a:t>
+                      </a:r>
                       <a:endParaRPr lang="ko-KR" altLang="en-US" sz="800" dirty="0">
                         <a:solidFill>
-                          <a:schemeClr val="tx2"/>
+                          <a:schemeClr val="bg2">
+                            <a:lumMod val="50000"/>
+                          </a:schemeClr>
                         </a:solidFill>
                       </a:endParaRPr>
                     </a:p>
@@ -9523,6 +9783,652 @@
       </p:par>
     </p:tnLst>
   </p:timing>
+</p:sld>
+</file>
+
+<file path=ppt/slides/slide4.xml><?xml version="1.0" encoding="utf-8"?>
+<p:sld xmlns:a="http://schemas.openxmlformats.org/drawingml/2006/main" xmlns:r="http://schemas.openxmlformats.org/officeDocument/2006/relationships" xmlns:p="http://schemas.openxmlformats.org/presentationml/2006/main">
+  <p:cSld>
+    <p:spTree>
+      <p:nvGrpSpPr>
+        <p:cNvPr id="1" name=""/>
+        <p:cNvGrpSpPr/>
+        <p:nvPr/>
+      </p:nvGrpSpPr>
+      <p:grpSpPr>
+        <a:xfrm>
+          <a:off x="0" y="0"/>
+          <a:ext cx="0" cy="0"/>
+          <a:chOff x="0" y="0"/>
+          <a:chExt cx="0" cy="0"/>
+        </a:xfrm>
+      </p:grpSpPr>
+      <p:sp>
+        <p:nvSpPr>
+          <p:cNvPr id="2" name="제목 1"/>
+          <p:cNvSpPr>
+            <a:spLocks noGrp="1"/>
+          </p:cNvSpPr>
+          <p:nvPr>
+            <p:ph type="title"/>
+          </p:nvPr>
+        </p:nvSpPr>
+        <p:spPr/>
+        <p:txBody>
+          <a:bodyPr/>
+          <a:lstStyle/>
+          <a:p>
+            <a:endParaRPr lang="ko-KR" altLang="en-US"/>
+          </a:p>
+        </p:txBody>
+      </p:sp>
+      <p:graphicFrame>
+        <p:nvGraphicFramePr>
+          <p:cNvPr id="4" name="내용 개체 틀 3"/>
+          <p:cNvGraphicFramePr>
+            <a:graphicFrameLocks noGrp="1"/>
+          </p:cNvGraphicFramePr>
+          <p:nvPr>
+            <p:ph idx="1"/>
+            <p:extLst>
+              <p:ext uri="{D42A27DB-BD31-4B8C-83A1-F6EECF244321}">
+                <p14:modId xmlns:p14="http://schemas.microsoft.com/office/powerpoint/2010/main" val="726782829"/>
+              </p:ext>
+            </p:extLst>
+          </p:nvPr>
+        </p:nvGraphicFramePr>
+        <p:xfrm>
+          <a:off x="457200" y="1600200"/>
+          <a:ext cx="8229599" cy="1910080"/>
+        </p:xfrm>
+        <a:graphic>
+          <a:graphicData uri="http://schemas.openxmlformats.org/drawingml/2006/table">
+            <a:tbl>
+              <a:tblPr firstRow="1" bandRow="1">
+                <a:tableStyleId>{5C22544A-7EE6-4342-B048-85BDC9FD1C3A}</a:tableStyleId>
+              </a:tblPr>
+              <a:tblGrid>
+                <a:gridCol w="1175657"/>
+                <a:gridCol w="1175657"/>
+                <a:gridCol w="1175657"/>
+                <a:gridCol w="1175657"/>
+                <a:gridCol w="1175657"/>
+                <a:gridCol w="1175657"/>
+                <a:gridCol w="1175657"/>
+              </a:tblGrid>
+              <a:tr h="370840">
+                <a:tc>
+                  <a:txBody>
+                    <a:bodyPr/>
+                    <a:lstStyle/>
+                    <a:p>
+                      <a:pPr algn="ctr" latinLnBrk="1"/>
+                      <a:r>
+                        <a:rPr lang="ko-KR" altLang="en-US" sz="1100" dirty="0" smtClean="0"/>
+                        <a:t>일</a:t>
+                      </a:r>
+                      <a:endParaRPr lang="ko-KR" altLang="en-US" sz="1100" dirty="0"/>
+                    </a:p>
+                  </a:txBody>
+                  <a:tcPr/>
+                </a:tc>
+                <a:tc>
+                  <a:txBody>
+                    <a:bodyPr/>
+                    <a:lstStyle/>
+                    <a:p>
+                      <a:pPr algn="ctr" latinLnBrk="1"/>
+                      <a:r>
+                        <a:rPr lang="ko-KR" altLang="en-US" sz="1100" dirty="0" smtClean="0"/>
+                        <a:t>월</a:t>
+                      </a:r>
+                      <a:endParaRPr lang="ko-KR" altLang="en-US" sz="1100" dirty="0"/>
+                    </a:p>
+                  </a:txBody>
+                  <a:tcPr/>
+                </a:tc>
+                <a:tc>
+                  <a:txBody>
+                    <a:bodyPr/>
+                    <a:lstStyle/>
+                    <a:p>
+                      <a:pPr algn="ctr" latinLnBrk="1"/>
+                      <a:r>
+                        <a:rPr lang="ko-KR" altLang="en-US" sz="1100" dirty="0" smtClean="0"/>
+                        <a:t>화</a:t>
+                      </a:r>
+                      <a:endParaRPr lang="ko-KR" altLang="en-US" sz="1100" dirty="0"/>
+                    </a:p>
+                  </a:txBody>
+                  <a:tcPr/>
+                </a:tc>
+                <a:tc>
+                  <a:txBody>
+                    <a:bodyPr/>
+                    <a:lstStyle/>
+                    <a:p>
+                      <a:pPr algn="ctr" latinLnBrk="1"/>
+                      <a:r>
+                        <a:rPr lang="ko-KR" altLang="en-US" sz="1100" dirty="0" smtClean="0"/>
+                        <a:t>수</a:t>
+                      </a:r>
+                      <a:endParaRPr lang="ko-KR" altLang="en-US" sz="1100" dirty="0"/>
+                    </a:p>
+                  </a:txBody>
+                  <a:tcPr/>
+                </a:tc>
+                <a:tc>
+                  <a:txBody>
+                    <a:bodyPr/>
+                    <a:lstStyle/>
+                    <a:p>
+                      <a:pPr algn="ctr" latinLnBrk="1"/>
+                      <a:r>
+                        <a:rPr lang="ko-KR" altLang="en-US" sz="1100" dirty="0" smtClean="0"/>
+                        <a:t>목</a:t>
+                      </a:r>
+                      <a:endParaRPr lang="ko-KR" altLang="en-US" sz="1100" dirty="0"/>
+                    </a:p>
+                  </a:txBody>
+                  <a:tcPr/>
+                </a:tc>
+                <a:tc>
+                  <a:txBody>
+                    <a:bodyPr/>
+                    <a:lstStyle/>
+                    <a:p>
+                      <a:pPr algn="ctr" latinLnBrk="1"/>
+                      <a:r>
+                        <a:rPr lang="ko-KR" altLang="en-US" sz="1100" dirty="0" smtClean="0"/>
+                        <a:t>금</a:t>
+                      </a:r>
+                      <a:endParaRPr lang="ko-KR" altLang="en-US" sz="1100" dirty="0"/>
+                    </a:p>
+                  </a:txBody>
+                  <a:tcPr/>
+                </a:tc>
+                <a:tc>
+                  <a:txBody>
+                    <a:bodyPr/>
+                    <a:lstStyle/>
+                    <a:p>
+                      <a:pPr algn="ctr" latinLnBrk="1"/>
+                      <a:r>
+                        <a:rPr lang="ko-KR" altLang="en-US" sz="1100" dirty="0" smtClean="0"/>
+                        <a:t>토</a:t>
+                      </a:r>
+                      <a:endParaRPr lang="ko-KR" altLang="en-US" sz="1100" dirty="0"/>
+                    </a:p>
+                  </a:txBody>
+                  <a:tcPr/>
+                </a:tc>
+              </a:tr>
+              <a:tr h="370840">
+                <a:tc>
+                  <a:txBody>
+                    <a:bodyPr/>
+                    <a:lstStyle/>
+                    <a:p>
+                      <a:pPr algn="ctr" latinLnBrk="1"/>
+                      <a:r>
+                        <a:rPr lang="en-US" altLang="ko-KR" sz="1100" dirty="0" smtClean="0"/>
+                        <a:t>17</a:t>
+                      </a:r>
+                      <a:endParaRPr lang="ko-KR" altLang="en-US" sz="1100" dirty="0"/>
+                    </a:p>
+                  </a:txBody>
+                  <a:tcPr/>
+                </a:tc>
+                <a:tc>
+                  <a:txBody>
+                    <a:bodyPr/>
+                    <a:lstStyle/>
+                    <a:p>
+                      <a:pPr algn="ctr" latinLnBrk="1"/>
+                      <a:r>
+                        <a:rPr lang="en-US" altLang="ko-KR" sz="1100" dirty="0" smtClean="0"/>
+                        <a:t>18</a:t>
+                      </a:r>
+                      <a:endParaRPr lang="ko-KR" altLang="en-US" sz="1100" dirty="0"/>
+                    </a:p>
+                  </a:txBody>
+                  <a:tcPr/>
+                </a:tc>
+                <a:tc>
+                  <a:txBody>
+                    <a:bodyPr/>
+                    <a:lstStyle/>
+                    <a:p>
+                      <a:pPr algn="ctr" latinLnBrk="1"/>
+                      <a:r>
+                        <a:rPr lang="en-US" altLang="ko-KR" sz="1100" dirty="0" smtClean="0"/>
+                        <a:t>19</a:t>
+                      </a:r>
+                      <a:endParaRPr lang="ko-KR" altLang="en-US" sz="1100" dirty="0"/>
+                    </a:p>
+                  </a:txBody>
+                  <a:tcPr/>
+                </a:tc>
+                <a:tc>
+                  <a:txBody>
+                    <a:bodyPr/>
+                    <a:lstStyle/>
+                    <a:p>
+                      <a:pPr algn="ctr" latinLnBrk="1"/>
+                      <a:r>
+                        <a:rPr lang="en-US" altLang="ko-KR" sz="1100" dirty="0" smtClean="0"/>
+                        <a:t>20</a:t>
+                      </a:r>
+                      <a:endParaRPr lang="ko-KR" altLang="en-US" sz="1100" dirty="0"/>
+                    </a:p>
+                  </a:txBody>
+                  <a:tcPr/>
+                </a:tc>
+                <a:tc>
+                  <a:txBody>
+                    <a:bodyPr/>
+                    <a:lstStyle/>
+                    <a:p>
+                      <a:pPr algn="ctr" latinLnBrk="1"/>
+                      <a:r>
+                        <a:rPr lang="en-US" altLang="ko-KR" sz="1100" dirty="0" smtClean="0"/>
+                        <a:t>21</a:t>
+                      </a:r>
+                      <a:endParaRPr lang="ko-KR" altLang="en-US" sz="1100" dirty="0"/>
+                    </a:p>
+                  </a:txBody>
+                  <a:tcPr/>
+                </a:tc>
+                <a:tc>
+                  <a:txBody>
+                    <a:bodyPr/>
+                    <a:lstStyle/>
+                    <a:p>
+                      <a:pPr algn="ctr" latinLnBrk="1"/>
+                      <a:r>
+                        <a:rPr lang="en-US" altLang="ko-KR" sz="1100" dirty="0" smtClean="0"/>
+                        <a:t>22</a:t>
+                      </a:r>
+                      <a:endParaRPr lang="ko-KR" altLang="en-US" sz="1100" dirty="0"/>
+                    </a:p>
+                  </a:txBody>
+                  <a:tcPr/>
+                </a:tc>
+                <a:tc>
+                  <a:txBody>
+                    <a:bodyPr/>
+                    <a:lstStyle/>
+                    <a:p>
+                      <a:pPr algn="ctr" latinLnBrk="1"/>
+                      <a:r>
+                        <a:rPr lang="en-US" altLang="ko-KR" sz="1100" dirty="0" smtClean="0"/>
+                        <a:t>23</a:t>
+                      </a:r>
+                      <a:endParaRPr lang="ko-KR" altLang="en-US" sz="1100" dirty="0"/>
+                    </a:p>
+                  </a:txBody>
+                  <a:tcPr/>
+                </a:tc>
+              </a:tr>
+              <a:tr h="370840">
+                <a:tc>
+                  <a:txBody>
+                    <a:bodyPr/>
+                    <a:lstStyle/>
+                    <a:p>
+                      <a:pPr algn="ctr" latinLnBrk="1"/>
+                      <a:endParaRPr lang="ko-KR" altLang="en-US" sz="1100" dirty="0"/>
+                    </a:p>
+                  </a:txBody>
+                  <a:tcPr/>
+                </a:tc>
+                <a:tc>
+                  <a:txBody>
+                    <a:bodyPr/>
+                    <a:lstStyle/>
+                    <a:p>
+                      <a:pPr algn="ctr" latinLnBrk="1"/>
+                      <a:r>
+                        <a:rPr lang="en-US" altLang="ko-KR" sz="1100" dirty="0" smtClean="0"/>
+                        <a:t>ECMA javascript5</a:t>
+                      </a:r>
+                    </a:p>
+                  </a:txBody>
+                  <a:tcPr/>
+                </a:tc>
+                <a:tc>
+                  <a:txBody>
+                    <a:bodyPr/>
+                    <a:lstStyle/>
+                    <a:p>
+                      <a:pPr marL="0" marR="0" indent="0" algn="ctr" defTabSz="914400" rtl="0" eaLnBrk="1" fontAlgn="auto" latinLnBrk="1" hangingPunct="1">
+                        <a:lnSpc>
+                          <a:spcPct val="100000"/>
+                        </a:lnSpc>
+                        <a:spcBef>
+                          <a:spcPts val="0"/>
+                        </a:spcBef>
+                        <a:spcAft>
+                          <a:spcPts val="0"/>
+                        </a:spcAft>
+                        <a:buClrTx/>
+                        <a:buSzTx/>
+                        <a:buFontTx/>
+                        <a:buNone/>
+                        <a:tabLst/>
+                        <a:defRPr/>
+                      </a:pPr>
+                      <a:r>
+                        <a:rPr lang="en-US" altLang="ko-KR" sz="1100" dirty="0" smtClean="0"/>
+                        <a:t>ECMA javascript5</a:t>
+                      </a:r>
+                      <a:endParaRPr lang="en-US" altLang="ko-KR" sz="1100" baseline="0" dirty="0" smtClean="0"/>
+                    </a:p>
+                  </a:txBody>
+                  <a:tcPr/>
+                </a:tc>
+                <a:tc>
+                  <a:txBody>
+                    <a:bodyPr/>
+                    <a:lstStyle/>
+                    <a:p>
+                      <a:pPr marL="0" marR="0" indent="0" algn="ctr" defTabSz="914400" rtl="0" eaLnBrk="1" fontAlgn="auto" latinLnBrk="1" hangingPunct="1">
+                        <a:lnSpc>
+                          <a:spcPct val="100000"/>
+                        </a:lnSpc>
+                        <a:spcBef>
+                          <a:spcPts val="0"/>
+                        </a:spcBef>
+                        <a:spcAft>
+                          <a:spcPts val="0"/>
+                        </a:spcAft>
+                        <a:buClrTx/>
+                        <a:buSzTx/>
+                        <a:buFontTx/>
+                        <a:buNone/>
+                        <a:tabLst/>
+                        <a:defRPr/>
+                      </a:pPr>
+                      <a:r>
+                        <a:rPr lang="en-US" altLang="ko-KR" sz="1100" dirty="0" smtClean="0"/>
+                        <a:t>ECMA javascript5</a:t>
+                      </a:r>
+                    </a:p>
+                  </a:txBody>
+                  <a:tcPr/>
+                </a:tc>
+                <a:tc>
+                  <a:txBody>
+                    <a:bodyPr/>
+                    <a:lstStyle/>
+                    <a:p>
+                      <a:pPr marL="0" marR="0" indent="0" algn="ctr" defTabSz="914400" rtl="0" eaLnBrk="1" fontAlgn="auto" latinLnBrk="1" hangingPunct="1">
+                        <a:lnSpc>
+                          <a:spcPct val="100000"/>
+                        </a:lnSpc>
+                        <a:spcBef>
+                          <a:spcPts val="0"/>
+                        </a:spcBef>
+                        <a:spcAft>
+                          <a:spcPts val="0"/>
+                        </a:spcAft>
+                        <a:buClrTx/>
+                        <a:buSzTx/>
+                        <a:buFontTx/>
+                        <a:buNone/>
+                        <a:tabLst/>
+                        <a:defRPr/>
+                      </a:pPr>
+                      <a:r>
+                        <a:rPr lang="en-US" altLang="ko-KR" sz="1100" dirty="0" smtClean="0"/>
+                        <a:t>ECMA javascript5</a:t>
+                      </a:r>
+                    </a:p>
+                  </a:txBody>
+                  <a:tcPr/>
+                </a:tc>
+                <a:tc>
+                  <a:txBody>
+                    <a:bodyPr/>
+                    <a:lstStyle/>
+                    <a:p>
+                      <a:pPr marL="0" marR="0" indent="0" algn="ctr" defTabSz="914400" rtl="0" eaLnBrk="1" fontAlgn="auto" latinLnBrk="1" hangingPunct="1">
+                        <a:lnSpc>
+                          <a:spcPct val="100000"/>
+                        </a:lnSpc>
+                        <a:spcBef>
+                          <a:spcPts val="0"/>
+                        </a:spcBef>
+                        <a:spcAft>
+                          <a:spcPts val="0"/>
+                        </a:spcAft>
+                        <a:buClrTx/>
+                        <a:buSzTx/>
+                        <a:buFontTx/>
+                        <a:buNone/>
+                        <a:tabLst/>
+                        <a:defRPr/>
+                      </a:pPr>
+                      <a:r>
+                        <a:rPr lang="en-US" altLang="ko-KR" sz="1100" dirty="0" smtClean="0"/>
+                        <a:t>ECMA javascript5</a:t>
+                      </a:r>
+                    </a:p>
+                  </a:txBody>
+                  <a:tcPr/>
+                </a:tc>
+                <a:tc>
+                  <a:txBody>
+                    <a:bodyPr/>
+                    <a:lstStyle/>
+                    <a:p>
+                      <a:pPr algn="ctr" latinLnBrk="1"/>
+                      <a:endParaRPr lang="ko-KR" altLang="en-US" sz="1100" dirty="0"/>
+                    </a:p>
+                  </a:txBody>
+                  <a:tcPr/>
+                </a:tc>
+              </a:tr>
+              <a:tr h="370840">
+                <a:tc>
+                  <a:txBody>
+                    <a:bodyPr/>
+                    <a:lstStyle/>
+                    <a:p>
+                      <a:pPr algn="ctr" latinLnBrk="1"/>
+                      <a:r>
+                        <a:rPr lang="en-US" altLang="ko-KR" sz="1100" dirty="0" smtClean="0"/>
+                        <a:t>24</a:t>
+                      </a:r>
+                      <a:endParaRPr lang="ko-KR" altLang="en-US" sz="1100" dirty="0"/>
+                    </a:p>
+                  </a:txBody>
+                  <a:tcPr/>
+                </a:tc>
+                <a:tc>
+                  <a:txBody>
+                    <a:bodyPr/>
+                    <a:lstStyle/>
+                    <a:p>
+                      <a:pPr algn="ctr" latinLnBrk="1"/>
+                      <a:r>
+                        <a:rPr lang="en-US" altLang="ko-KR" sz="1100" dirty="0" smtClean="0"/>
+                        <a:t>25</a:t>
+                      </a:r>
+                      <a:endParaRPr lang="ko-KR" altLang="en-US" sz="1100" dirty="0"/>
+                    </a:p>
+                  </a:txBody>
+                  <a:tcPr/>
+                </a:tc>
+                <a:tc>
+                  <a:txBody>
+                    <a:bodyPr/>
+                    <a:lstStyle/>
+                    <a:p>
+                      <a:pPr algn="ctr" latinLnBrk="1"/>
+                      <a:r>
+                        <a:rPr lang="en-US" altLang="ko-KR" sz="1100" dirty="0" smtClean="0"/>
+                        <a:t>26</a:t>
+                      </a:r>
+                      <a:endParaRPr lang="ko-KR" altLang="en-US" sz="1100" dirty="0"/>
+                    </a:p>
+                  </a:txBody>
+                  <a:tcPr/>
+                </a:tc>
+                <a:tc>
+                  <a:txBody>
+                    <a:bodyPr/>
+                    <a:lstStyle/>
+                    <a:p>
+                      <a:pPr algn="ctr" latinLnBrk="1"/>
+                      <a:r>
+                        <a:rPr lang="en-US" altLang="ko-KR" sz="1100" dirty="0" smtClean="0"/>
+                        <a:t>27</a:t>
+                      </a:r>
+                      <a:endParaRPr lang="ko-KR" altLang="en-US" sz="1100" dirty="0"/>
+                    </a:p>
+                  </a:txBody>
+                  <a:tcPr/>
+                </a:tc>
+                <a:tc>
+                  <a:txBody>
+                    <a:bodyPr/>
+                    <a:lstStyle/>
+                    <a:p>
+                      <a:pPr algn="ctr" latinLnBrk="1"/>
+                      <a:r>
+                        <a:rPr lang="en-US" altLang="ko-KR" sz="1100" dirty="0" smtClean="0"/>
+                        <a:t>28</a:t>
+                      </a:r>
+                      <a:endParaRPr lang="ko-KR" altLang="en-US" sz="1100" dirty="0"/>
+                    </a:p>
+                  </a:txBody>
+                  <a:tcPr/>
+                </a:tc>
+                <a:tc>
+                  <a:txBody>
+                    <a:bodyPr/>
+                    <a:lstStyle/>
+                    <a:p>
+                      <a:pPr algn="ctr" latinLnBrk="1"/>
+                      <a:r>
+                        <a:rPr lang="en-US" altLang="ko-KR" sz="1100" dirty="0" smtClean="0"/>
+                        <a:t>29</a:t>
+                      </a:r>
+                      <a:endParaRPr lang="ko-KR" altLang="en-US" sz="1100" dirty="0"/>
+                    </a:p>
+                  </a:txBody>
+                  <a:tcPr/>
+                </a:tc>
+                <a:tc>
+                  <a:txBody>
+                    <a:bodyPr/>
+                    <a:lstStyle/>
+                    <a:p>
+                      <a:pPr algn="ctr" latinLnBrk="1"/>
+                      <a:r>
+                        <a:rPr lang="en-US" altLang="ko-KR" sz="1100" dirty="0" smtClean="0"/>
+                        <a:t>30</a:t>
+                      </a:r>
+                      <a:endParaRPr lang="ko-KR" altLang="en-US" sz="1100" dirty="0"/>
+                    </a:p>
+                  </a:txBody>
+                  <a:tcPr/>
+                </a:tc>
+              </a:tr>
+              <a:tr h="370840">
+                <a:tc>
+                  <a:txBody>
+                    <a:bodyPr/>
+                    <a:lstStyle/>
+                    <a:p>
+                      <a:pPr algn="ctr" latinLnBrk="1"/>
+                      <a:endParaRPr lang="ko-KR" altLang="en-US" sz="1100" dirty="0"/>
+                    </a:p>
+                  </a:txBody>
+                  <a:tcPr/>
+                </a:tc>
+                <a:tc>
+                  <a:txBody>
+                    <a:bodyPr/>
+                    <a:lstStyle/>
+                    <a:p>
+                      <a:pPr algn="ctr" latinLnBrk="1"/>
+                      <a:endParaRPr lang="ko-KR" altLang="en-US" sz="1100" dirty="0"/>
+                    </a:p>
+                  </a:txBody>
+                  <a:tcPr/>
+                </a:tc>
+                <a:tc>
+                  <a:txBody>
+                    <a:bodyPr/>
+                    <a:lstStyle/>
+                    <a:p>
+                      <a:pPr algn="ctr" latinLnBrk="1"/>
+                      <a:endParaRPr lang="ko-KR" altLang="en-US" sz="1100" dirty="0"/>
+                    </a:p>
+                  </a:txBody>
+                  <a:tcPr/>
+                </a:tc>
+                <a:tc>
+                  <a:txBody>
+                    <a:bodyPr/>
+                    <a:lstStyle/>
+                    <a:p>
+                      <a:pPr algn="ctr" latinLnBrk="1"/>
+                      <a:endParaRPr lang="ko-KR" altLang="en-US" sz="1100" dirty="0"/>
+                    </a:p>
+                  </a:txBody>
+                  <a:tcPr/>
+                </a:tc>
+                <a:tc>
+                  <a:txBody>
+                    <a:bodyPr/>
+                    <a:lstStyle/>
+                    <a:p>
+                      <a:pPr algn="ctr" latinLnBrk="1"/>
+                      <a:endParaRPr lang="ko-KR" altLang="en-US" sz="1100" dirty="0"/>
+                    </a:p>
+                  </a:txBody>
+                  <a:tcPr/>
+                </a:tc>
+                <a:tc>
+                  <a:txBody>
+                    <a:bodyPr/>
+                    <a:lstStyle/>
+                    <a:p>
+                      <a:pPr algn="ctr" latinLnBrk="1"/>
+                      <a:endParaRPr lang="ko-KR" altLang="en-US" sz="1100" dirty="0"/>
+                    </a:p>
+                  </a:txBody>
+                  <a:tcPr/>
+                </a:tc>
+                <a:tc>
+                  <a:txBody>
+                    <a:bodyPr/>
+                    <a:lstStyle/>
+                    <a:p>
+                      <a:pPr algn="ctr" latinLnBrk="1"/>
+                      <a:endParaRPr lang="ko-KR" altLang="en-US" sz="1100" dirty="0"/>
+                    </a:p>
+                  </a:txBody>
+                  <a:tcPr/>
+                </a:tc>
+              </a:tr>
+            </a:tbl>
+          </a:graphicData>
+        </a:graphic>
+      </p:graphicFrame>
+    </p:spTree>
+    <p:extLst>
+      <p:ext uri="{BB962C8B-B14F-4D97-AF65-F5344CB8AC3E}">
+        <p14:creationId xmlns:p14="http://schemas.microsoft.com/office/powerpoint/2010/main" val="2601775146"/>
+      </p:ext>
+    </p:extLst>
+  </p:cSld>
+  <p:clrMapOvr>
+    <a:masterClrMapping/>
+  </p:clrMapOvr>
 </p:sld>
 </file>
 

--- a/Monthly Plan.pptx
+++ b/Monthly Plan.pptx
@@ -4664,14 +4664,14 @@
             <p:ph idx="1"/>
             <p:extLst>
               <p:ext uri="{D42A27DB-BD31-4B8C-83A1-F6EECF244321}">
-                <p14:modId xmlns:p14="http://schemas.microsoft.com/office/powerpoint/2010/main" val="2030745628"/>
+                <p14:modId xmlns:p14="http://schemas.microsoft.com/office/powerpoint/2010/main" val="403703553"/>
               </p:ext>
             </p:extLst>
           </p:nvPr>
         </p:nvGraphicFramePr>
         <p:xfrm>
           <a:off x="457200" y="836712"/>
-          <a:ext cx="8229599" cy="5600248"/>
+          <a:ext cx="8229599" cy="5699863"/>
         </p:xfrm>
         <a:graphic>
           <a:graphicData uri="http://schemas.openxmlformats.org/drawingml/2006/table">
@@ -7246,6 +7246,17 @@
                     </a:p>
                     <a:p>
                       <a:pPr latinLnBrk="1"/>
+                      <a:endParaRPr lang="en-US" altLang="ko-KR" sz="800" dirty="0" smtClean="0">
+                        <a:solidFill>
+                          <a:schemeClr val="tx2">
+                            <a:lumMod val="40000"/>
+                            <a:lumOff val="60000"/>
+                          </a:schemeClr>
+                        </a:solidFill>
+                      </a:endParaRPr>
+                    </a:p>
+                    <a:p>
+                      <a:pPr latinLnBrk="1"/>
                       <a:r>
                         <a:rPr lang="en-US" altLang="ko-KR" sz="800" dirty="0" err="1" smtClean="0">
                           <a:solidFill>
@@ -7408,9 +7419,126 @@
                         </a:rPr>
                         <a:t>201</a:t>
                       </a:r>
-                    </a:p>
-                    <a:p>
-                      <a:pPr latinLnBrk="1"/>
+                      <a:endParaRPr lang="en-US" altLang="ko-KR" sz="800" baseline="0" dirty="0" smtClean="0">
+                        <a:solidFill>
+                          <a:schemeClr val="tx2">
+                            <a:lumMod val="40000"/>
+                            <a:lumOff val="60000"/>
+                          </a:schemeClr>
+                        </a:solidFill>
+                      </a:endParaRPr>
+                    </a:p>
+                  </a:txBody>
+                  <a:tcPr/>
+                </a:tc>
+                <a:tc>
+                  <a:txBody>
+                    <a:bodyPr/>
+                    <a:lstStyle/>
+                    <a:p>
+                      <a:pPr latinLnBrk="1"/>
+                      <a:r>
+                        <a:rPr lang="en-US" altLang="ko-KR" sz="800" dirty="0" smtClean="0">
+                          <a:solidFill>
+                            <a:schemeClr val="tx2">
+                              <a:lumMod val="40000"/>
+                              <a:lumOff val="60000"/>
+                            </a:schemeClr>
+                          </a:solidFill>
+                        </a:rPr>
+                        <a:t>18</a:t>
+                      </a:r>
+                    </a:p>
+                    <a:p>
+                      <a:pPr latinLnBrk="1"/>
+                      <a:endParaRPr lang="en-US" altLang="ko-KR" sz="800" dirty="0" smtClean="0">
+                        <a:solidFill>
+                          <a:schemeClr val="tx2">
+                            <a:lumMod val="40000"/>
+                            <a:lumOff val="60000"/>
+                          </a:schemeClr>
+                        </a:solidFill>
+                      </a:endParaRPr>
+                    </a:p>
+                    <a:p>
+                      <a:pPr latinLnBrk="1"/>
+                      <a:r>
+                        <a:rPr lang="en-US" altLang="ko-KR" sz="800" dirty="0" err="1" smtClean="0">
+                          <a:solidFill>
+                            <a:schemeClr val="tx2">
+                              <a:lumMod val="40000"/>
+                              <a:lumOff val="60000"/>
+                            </a:schemeClr>
+                          </a:solidFill>
+                        </a:rPr>
+                        <a:t>Laravel</a:t>
+                      </a:r>
+                      <a:endParaRPr lang="en-US" altLang="ko-KR" sz="800" dirty="0" smtClean="0">
+                        <a:solidFill>
+                          <a:schemeClr val="tx2">
+                            <a:lumMod val="40000"/>
+                            <a:lumOff val="60000"/>
+                          </a:schemeClr>
+                        </a:solidFill>
+                      </a:endParaRPr>
+                    </a:p>
+                    <a:p>
+                      <a:pPr latinLnBrk="1"/>
+                      <a:endParaRPr lang="en-US" altLang="ko-KR" sz="800" dirty="0" smtClean="0">
+                        <a:solidFill>
+                          <a:schemeClr val="tx2">
+                            <a:lumMod val="40000"/>
+                            <a:lumOff val="60000"/>
+                          </a:schemeClr>
+                        </a:solidFill>
+                      </a:endParaRPr>
+                    </a:p>
+                    <a:p>
+                      <a:pPr latinLnBrk="1"/>
+                      <a:r>
+                        <a:rPr lang="en-US" altLang="ko-KR" sz="800" dirty="0" err="1" smtClean="0">
+                          <a:solidFill>
+                            <a:schemeClr val="tx2">
+                              <a:lumMod val="40000"/>
+                              <a:lumOff val="60000"/>
+                            </a:schemeClr>
+                          </a:solidFill>
+                        </a:rPr>
+                        <a:t>RESTful</a:t>
+                      </a:r>
+                      <a:r>
+                        <a:rPr lang="en-US" altLang="ko-KR" sz="800" baseline="0" dirty="0" smtClean="0">
+                          <a:solidFill>
+                            <a:schemeClr val="tx2">
+                              <a:lumMod val="40000"/>
+                              <a:lumOff val="60000"/>
+                            </a:schemeClr>
+                          </a:solidFill>
+                        </a:rPr>
+                        <a:t> </a:t>
+                      </a:r>
+                      <a:r>
+                        <a:rPr lang="ko-KR" altLang="en-US" sz="800" baseline="0" dirty="0" smtClean="0">
+                          <a:solidFill>
+                            <a:schemeClr val="tx2">
+                              <a:lumMod val="40000"/>
+                              <a:lumOff val="60000"/>
+                            </a:schemeClr>
+                          </a:solidFill>
+                        </a:rPr>
+                        <a:t>리소스 컨트롤러</a:t>
+                      </a:r>
+                      <a:r>
+                        <a:rPr lang="en-US" altLang="ko-KR" sz="800" baseline="0" dirty="0" smtClean="0">
+                          <a:solidFill>
+                            <a:schemeClr val="tx2">
+                              <a:lumMod val="40000"/>
+                              <a:lumOff val="60000"/>
+                            </a:schemeClr>
+                          </a:solidFill>
+                        </a:rPr>
+                        <a:t>, </a:t>
+                      </a:r>
                       <a:r>
                         <a:rPr lang="ko-KR" altLang="en-US" sz="800" dirty="0" smtClean="0">
                           <a:solidFill>
@@ -7420,7 +7548,7 @@
                             </a:schemeClr>
                           </a:solidFill>
                         </a:rPr>
-                        <a:t>이름있는 </a:t>
+                        <a:t>이름있는</a:t>
                       </a:r>
                       <a:r>
                         <a:rPr lang="en-US" altLang="ko-KR" sz="800" dirty="0" smtClean="0">
@@ -7462,218 +7590,6 @@
                           </a:solidFill>
                         </a:rPr>
                         <a:t>중첩된 리소스</a:t>
-                      </a:r>
-                      <a:endParaRPr lang="en-US" altLang="ko-KR" sz="800" dirty="0" smtClean="0">
-                        <a:solidFill>
-                          <a:schemeClr val="tx2">
-                            <a:lumMod val="40000"/>
-                            <a:lumOff val="60000"/>
-                          </a:schemeClr>
-                        </a:solidFill>
-                      </a:endParaRPr>
-                    </a:p>
-                  </a:txBody>
-                  <a:tcPr/>
-                </a:tc>
-                <a:tc>
-                  <a:txBody>
-                    <a:bodyPr/>
-                    <a:lstStyle/>
-                    <a:p>
-                      <a:pPr latinLnBrk="1"/>
-                      <a:r>
-                        <a:rPr lang="en-US" altLang="ko-KR" sz="800" dirty="0" smtClean="0">
-                          <a:solidFill>
-                            <a:schemeClr val="tx2">
-                              <a:lumMod val="40000"/>
-                              <a:lumOff val="60000"/>
-                            </a:schemeClr>
-                          </a:solidFill>
-                        </a:rPr>
-                        <a:t>18</a:t>
-                      </a:r>
-                    </a:p>
-                    <a:p>
-                      <a:pPr latinLnBrk="1"/>
-                      <a:endParaRPr lang="en-US" altLang="ko-KR" sz="800" dirty="0" smtClean="0">
-                        <a:solidFill>
-                          <a:schemeClr val="tx2">
-                            <a:lumMod val="40000"/>
-                            <a:lumOff val="60000"/>
-                          </a:schemeClr>
-                        </a:solidFill>
-                      </a:endParaRPr>
-                    </a:p>
-                    <a:p>
-                      <a:pPr latinLnBrk="1"/>
-                      <a:r>
-                        <a:rPr lang="en-US" altLang="ko-KR" sz="800" dirty="0" err="1" smtClean="0">
-                          <a:solidFill>
-                            <a:schemeClr val="tx2">
-                              <a:lumMod val="40000"/>
-                              <a:lumOff val="60000"/>
-                            </a:schemeClr>
-                          </a:solidFill>
-                        </a:rPr>
-                        <a:t>Laravel</a:t>
-                      </a:r>
-                      <a:endParaRPr lang="en-US" altLang="ko-KR" sz="800" dirty="0" smtClean="0">
-                        <a:solidFill>
-                          <a:schemeClr val="tx2">
-                            <a:lumMod val="40000"/>
-                            <a:lumOff val="60000"/>
-                          </a:schemeClr>
-                        </a:solidFill>
-                      </a:endParaRPr>
-                    </a:p>
-                    <a:p>
-                      <a:pPr latinLnBrk="1"/>
-                      <a:endParaRPr lang="en-US" altLang="ko-KR" sz="800" dirty="0" smtClean="0">
-                        <a:solidFill>
-                          <a:schemeClr val="tx2">
-                            <a:lumMod val="40000"/>
-                            <a:lumOff val="60000"/>
-                          </a:schemeClr>
-                        </a:solidFill>
-                      </a:endParaRPr>
-                    </a:p>
-                    <a:p>
-                      <a:pPr marL="0" marR="0" indent="0" algn="l" defTabSz="914400" rtl="0" eaLnBrk="1" fontAlgn="auto" latinLnBrk="1" hangingPunct="1">
-                        <a:lnSpc>
-                          <a:spcPct val="100000"/>
-                        </a:lnSpc>
-                        <a:spcBef>
-                          <a:spcPts val="0"/>
-                        </a:spcBef>
-                        <a:spcAft>
-                          <a:spcPts val="0"/>
-                        </a:spcAft>
-                        <a:buClrTx/>
-                        <a:buSzTx/>
-                        <a:buFontTx/>
-                        <a:buNone/>
-                        <a:tabLst/>
-                        <a:defRPr/>
-                      </a:pPr>
-                      <a:r>
-                        <a:rPr lang="ko-KR" altLang="en-US" sz="800" dirty="0" smtClean="0">
-                          <a:solidFill>
-                            <a:schemeClr val="tx2">
-                              <a:lumMod val="40000"/>
-                              <a:lumOff val="60000"/>
-                            </a:schemeClr>
-                          </a:solidFill>
-                        </a:rPr>
-                        <a:t>사용자 </a:t>
-                      </a:r>
-                      <a:r>
-                        <a:rPr lang="ko-KR" altLang="en-US" sz="800" dirty="0" smtClean="0">
-                          <a:solidFill>
-                            <a:schemeClr val="tx2">
-                              <a:lumMod val="40000"/>
-                              <a:lumOff val="60000"/>
-                            </a:schemeClr>
-                          </a:solidFill>
-                        </a:rPr>
-                        <a:t>인증 </a:t>
-                      </a:r>
-                      <a:r>
-                        <a:rPr lang="ko-KR" altLang="en-US" sz="800" dirty="0" smtClean="0">
-                          <a:solidFill>
-                            <a:schemeClr val="tx2">
-                              <a:lumMod val="40000"/>
-                              <a:lumOff val="60000"/>
-                            </a:schemeClr>
-                          </a:solidFill>
-                        </a:rPr>
-                        <a:t>기본기</a:t>
-                      </a:r>
-                      <a:endParaRPr lang="en-US" altLang="ko-KR" sz="800" dirty="0" smtClean="0">
-                        <a:solidFill>
-                          <a:schemeClr val="tx2">
-                            <a:lumMod val="40000"/>
-                            <a:lumOff val="60000"/>
-                          </a:schemeClr>
-                        </a:solidFill>
-                      </a:endParaRPr>
-                    </a:p>
-                    <a:p>
-                      <a:pPr marL="0" marR="0" indent="0" algn="l" defTabSz="914400" rtl="0" eaLnBrk="1" fontAlgn="auto" latinLnBrk="1" hangingPunct="1">
-                        <a:lnSpc>
-                          <a:spcPct val="100000"/>
-                        </a:lnSpc>
-                        <a:spcBef>
-                          <a:spcPts val="0"/>
-                        </a:spcBef>
-                        <a:spcAft>
-                          <a:spcPts val="0"/>
-                        </a:spcAft>
-                        <a:buClrTx/>
-                        <a:buSzTx/>
-                        <a:buFontTx/>
-                        <a:buNone/>
-                        <a:tabLst/>
-                        <a:defRPr/>
-                      </a:pPr>
-                      <a:r>
-                        <a:rPr lang="ko-KR" altLang="en-US" sz="800" dirty="0" err="1" smtClean="0">
-                          <a:solidFill>
-                            <a:schemeClr val="tx2">
-                              <a:lumMod val="40000"/>
-                              <a:lumOff val="60000"/>
-                            </a:schemeClr>
-                          </a:solidFill>
-                        </a:rPr>
-                        <a:t>라라벨에</a:t>
-                      </a:r>
-                      <a:r>
-                        <a:rPr lang="ko-KR" altLang="en-US" sz="800" dirty="0" smtClean="0">
-                          <a:solidFill>
-                            <a:schemeClr val="tx2">
-                              <a:lumMod val="40000"/>
-                              <a:lumOff val="60000"/>
-                            </a:schemeClr>
-                          </a:solidFill>
-                        </a:rPr>
-                        <a:t> 내장된 사용자 인증</a:t>
-                      </a:r>
-                      <a:endParaRPr lang="en-US" altLang="ko-KR" sz="800" dirty="0" smtClean="0">
-                        <a:solidFill>
-                          <a:schemeClr val="tx2">
-                            <a:lumMod val="40000"/>
-                            <a:lumOff val="60000"/>
-                          </a:schemeClr>
-                        </a:solidFill>
-                      </a:endParaRPr>
-                    </a:p>
-                    <a:p>
-                      <a:pPr marL="0" marR="0" indent="0" algn="l" defTabSz="914400" rtl="0" eaLnBrk="1" fontAlgn="auto" latinLnBrk="1" hangingPunct="1">
-                        <a:lnSpc>
-                          <a:spcPct val="100000"/>
-                        </a:lnSpc>
-                        <a:spcBef>
-                          <a:spcPts val="0"/>
-                        </a:spcBef>
-                        <a:spcAft>
-                          <a:spcPts val="0"/>
-                        </a:spcAft>
-                        <a:buClrTx/>
-                        <a:buSzTx/>
-                        <a:buFontTx/>
-                        <a:buNone/>
-                        <a:tabLst/>
-                        <a:defRPr/>
-                      </a:pPr>
-                      <a:r>
-                        <a:rPr lang="ko-KR" altLang="en-US" sz="800" dirty="0" smtClean="0">
-                          <a:solidFill>
-                            <a:schemeClr val="tx2">
-                              <a:lumMod val="40000"/>
-                              <a:lumOff val="60000"/>
-                            </a:schemeClr>
-                          </a:solidFill>
-                        </a:rPr>
-                        <a:t>모델간 관계 맺기</a:t>
                       </a:r>
                       <a:endParaRPr lang="en-US" altLang="ko-KR" sz="800" dirty="0" smtClean="0">
                         <a:solidFill>
@@ -7766,499 +7682,6 @@
                       </a:endParaRPr>
                     </a:p>
                     <a:p>
-                      <a:pPr latinLnBrk="1"/>
-                      <a:endParaRPr lang="en-US" altLang="ko-KR" sz="800" dirty="0" smtClean="0">
-                        <a:solidFill>
-                          <a:schemeClr val="tx2">
-                            <a:lumMod val="40000"/>
-                            <a:lumOff val="60000"/>
-                          </a:schemeClr>
-                        </a:solidFill>
-                      </a:endParaRPr>
-                    </a:p>
-                    <a:p>
-                      <a:pPr latinLnBrk="1"/>
-                      <a:r>
-                        <a:rPr lang="ko-KR" altLang="en-US" sz="800" dirty="0" smtClean="0">
-                          <a:solidFill>
-                            <a:schemeClr val="tx2">
-                              <a:lumMod val="40000"/>
-                              <a:lumOff val="60000"/>
-                            </a:schemeClr>
-                          </a:solidFill>
-                        </a:rPr>
-                        <a:t>데이터 심기</a:t>
-                      </a:r>
-                      <a:endParaRPr lang="en-US" altLang="ko-KR" sz="800" dirty="0" smtClean="0">
-                        <a:solidFill>
-                          <a:schemeClr val="tx2">
-                            <a:lumMod val="40000"/>
-                            <a:lumOff val="60000"/>
-                          </a:schemeClr>
-                        </a:solidFill>
-                      </a:endParaRPr>
-                    </a:p>
-                    <a:p>
-                      <a:pPr latinLnBrk="1"/>
-                      <a:r>
-                        <a:rPr lang="en-US" altLang="ko-KR" sz="800" dirty="0" smtClean="0">
-                          <a:solidFill>
-                            <a:schemeClr val="tx2">
-                              <a:lumMod val="40000"/>
-                              <a:lumOff val="60000"/>
-                            </a:schemeClr>
-                          </a:solidFill>
-                        </a:rPr>
-                        <a:t>Eage</a:t>
-                      </a:r>
-                      <a:r>
-                        <a:rPr lang="en-US" altLang="ko-KR" sz="800" baseline="0" dirty="0" smtClean="0">
-                          <a:solidFill>
-                            <a:schemeClr val="tx2">
-                              <a:lumMod val="40000"/>
-                              <a:lumOff val="60000"/>
-                            </a:schemeClr>
-                          </a:solidFill>
-                        </a:rPr>
-                        <a:t>r </a:t>
-                      </a:r>
-                      <a:r>
-                        <a:rPr lang="ko-KR" altLang="en-US" sz="800" baseline="0" dirty="0" smtClean="0">
-                          <a:solidFill>
-                            <a:schemeClr val="tx2">
-                              <a:lumMod val="40000"/>
-                              <a:lumOff val="60000"/>
-                            </a:schemeClr>
-                          </a:solidFill>
-                        </a:rPr>
-                        <a:t>로딩</a:t>
-                      </a:r>
-                      <a:endParaRPr lang="en-US" altLang="ko-KR" sz="800" baseline="0" dirty="0" smtClean="0">
-                        <a:solidFill>
-                          <a:schemeClr val="tx2">
-                            <a:lumMod val="40000"/>
-                            <a:lumOff val="60000"/>
-                          </a:schemeClr>
-                        </a:solidFill>
-                      </a:endParaRPr>
-                    </a:p>
-                    <a:p>
-                      <a:pPr latinLnBrk="1"/>
-                      <a:r>
-                        <a:rPr lang="ko-KR" altLang="en-US" sz="800" dirty="0" smtClean="0">
-                          <a:solidFill>
-                            <a:schemeClr val="tx2">
-                              <a:lumMod val="40000"/>
-                              <a:lumOff val="60000"/>
-                            </a:schemeClr>
-                          </a:solidFill>
-                        </a:rPr>
-                        <a:t>추가 </a:t>
-                      </a:r>
-                      <a:r>
-                        <a:rPr lang="en-US" altLang="ko-KR" sz="800" dirty="0" smtClean="0">
-                          <a:solidFill>
-                            <a:schemeClr val="tx2">
-                              <a:lumMod val="40000"/>
-                              <a:lumOff val="60000"/>
-                            </a:schemeClr>
-                          </a:solidFill>
-                        </a:rPr>
-                        <a:t>- </a:t>
-                      </a:r>
-                      <a:r>
-                        <a:rPr lang="ko-KR" altLang="en-US" sz="800" dirty="0" err="1" smtClean="0">
-                          <a:solidFill>
-                            <a:schemeClr val="tx2">
-                              <a:lumMod val="40000"/>
-                              <a:lumOff val="60000"/>
-                            </a:schemeClr>
-                          </a:solidFill>
-                        </a:rPr>
-                        <a:t>페이징</a:t>
-                      </a:r>
-                      <a:endParaRPr lang="en-US" altLang="ko-KR" sz="800" dirty="0" smtClean="0">
-                        <a:solidFill>
-                          <a:schemeClr val="tx2">
-                            <a:lumMod val="40000"/>
-                            <a:lumOff val="60000"/>
-                          </a:schemeClr>
-                        </a:solidFill>
-                      </a:endParaRPr>
-                    </a:p>
-                  </a:txBody>
-                  <a:tcPr/>
-                </a:tc>
-              </a:tr>
-              <a:tr h="723345">
-                <a:tc>
-                  <a:txBody>
-                    <a:bodyPr/>
-                    <a:lstStyle/>
-                    <a:p>
-                      <a:pPr latinLnBrk="1"/>
-                      <a:r>
-                        <a:rPr lang="en-US" altLang="ko-KR" sz="800" dirty="0" smtClean="0">
-                          <a:solidFill>
-                            <a:schemeClr val="tx2">
-                              <a:lumMod val="40000"/>
-                              <a:lumOff val="60000"/>
-                            </a:schemeClr>
-                          </a:solidFill>
-                        </a:rPr>
-                        <a:t>20</a:t>
-                      </a:r>
-                      <a:endParaRPr lang="en-US" altLang="ko-KR" sz="800" dirty="0" smtClean="0">
-                        <a:solidFill>
-                          <a:schemeClr val="tx2">
-                            <a:lumMod val="40000"/>
-                            <a:lumOff val="60000"/>
-                          </a:schemeClr>
-                        </a:solidFill>
-                      </a:endParaRPr>
-                    </a:p>
-                    <a:p>
-                      <a:pPr latinLnBrk="1"/>
-                      <a:r>
-                        <a:rPr lang="ko-KR" altLang="en-US" sz="800" dirty="0" smtClean="0">
-                          <a:solidFill>
-                            <a:schemeClr val="tx2">
-                              <a:lumMod val="40000"/>
-                              <a:lumOff val="60000"/>
-                            </a:schemeClr>
-                          </a:solidFill>
-                        </a:rPr>
-                        <a:t>예배</a:t>
-                      </a:r>
-                      <a:endParaRPr lang="en-US" altLang="ko-KR" sz="800" dirty="0" smtClean="0">
-                        <a:solidFill>
-                          <a:schemeClr val="tx2">
-                            <a:lumMod val="40000"/>
-                            <a:lumOff val="60000"/>
-                          </a:schemeClr>
-                        </a:solidFill>
-                      </a:endParaRPr>
-                    </a:p>
-                    <a:p>
-                      <a:pPr latinLnBrk="1"/>
-                      <a:r>
-                        <a:rPr lang="ko-KR" altLang="en-US" sz="800" dirty="0" smtClean="0">
-                          <a:solidFill>
-                            <a:schemeClr val="tx2">
-                              <a:lumMod val="40000"/>
-                              <a:lumOff val="60000"/>
-                            </a:schemeClr>
-                          </a:solidFill>
-                        </a:rPr>
-                        <a:t>메일</a:t>
-                      </a:r>
-                      <a:r>
-                        <a:rPr lang="ko-KR" altLang="en-US" sz="800" baseline="0" dirty="0" smtClean="0">
-                          <a:solidFill>
-                            <a:schemeClr val="tx2">
-                              <a:lumMod val="40000"/>
-                              <a:lumOff val="60000"/>
-                            </a:schemeClr>
-                          </a:solidFill>
-                        </a:rPr>
-                        <a:t> 보내기</a:t>
-                      </a:r>
-                      <a:endParaRPr lang="en-US" altLang="ko-KR" sz="800" baseline="0" dirty="0" smtClean="0">
-                        <a:solidFill>
-                          <a:schemeClr val="tx2">
-                            <a:lumMod val="40000"/>
-                            <a:lumOff val="60000"/>
-                          </a:schemeClr>
-                        </a:solidFill>
-                      </a:endParaRPr>
-                    </a:p>
-                    <a:p>
-                      <a:pPr latinLnBrk="1"/>
-                      <a:r>
-                        <a:rPr lang="ko-KR" altLang="en-US" sz="800" baseline="0" dirty="0" smtClean="0">
-                          <a:solidFill>
-                            <a:schemeClr val="tx2">
-                              <a:lumMod val="40000"/>
-                              <a:lumOff val="60000"/>
-                            </a:schemeClr>
-                          </a:solidFill>
-                        </a:rPr>
-                        <a:t>입력 값 유효성 검사</a:t>
-                      </a:r>
-                      <a:endParaRPr lang="en-US" altLang="ko-KR" sz="800" baseline="0" dirty="0" smtClean="0">
-                        <a:solidFill>
-                          <a:schemeClr val="tx2">
-                            <a:lumMod val="40000"/>
-                            <a:lumOff val="60000"/>
-                          </a:schemeClr>
-                        </a:solidFill>
-                      </a:endParaRPr>
-                    </a:p>
-                    <a:p>
-                      <a:pPr latinLnBrk="1"/>
-                      <a:r>
-                        <a:rPr lang="ko-KR" altLang="en-US" sz="800" baseline="0" dirty="0" smtClean="0">
-                          <a:solidFill>
-                            <a:schemeClr val="tx2">
-                              <a:lumMod val="40000"/>
-                              <a:lumOff val="60000"/>
-                            </a:schemeClr>
-                          </a:solidFill>
-                        </a:rPr>
-                        <a:t>예외처리</a:t>
-                      </a:r>
-                      <a:endParaRPr lang="en-US" altLang="ko-KR" sz="800" dirty="0" smtClean="0">
-                        <a:solidFill>
-                          <a:schemeClr val="tx2">
-                            <a:lumMod val="40000"/>
-                            <a:lumOff val="60000"/>
-                          </a:schemeClr>
-                        </a:solidFill>
-                      </a:endParaRPr>
-                    </a:p>
-                  </a:txBody>
-                  <a:tcPr/>
-                </a:tc>
-                <a:tc>
-                  <a:txBody>
-                    <a:bodyPr/>
-                    <a:lstStyle/>
-                    <a:p>
-                      <a:pPr latinLnBrk="1"/>
-                      <a:r>
-                        <a:rPr lang="en-US" altLang="ko-KR" sz="800" dirty="0" smtClean="0">
-                          <a:solidFill>
-                            <a:schemeClr val="tx2">
-                              <a:lumMod val="40000"/>
-                              <a:lumOff val="60000"/>
-                            </a:schemeClr>
-                          </a:solidFill>
-                        </a:rPr>
-                        <a:t>21</a:t>
-                      </a:r>
-                    </a:p>
-                    <a:p>
-                      <a:pPr latinLnBrk="1"/>
-                      <a:endParaRPr lang="en-US" altLang="ko-KR" sz="800" dirty="0" smtClean="0">
-                        <a:solidFill>
-                          <a:schemeClr val="tx2">
-                            <a:lumMod val="40000"/>
-                            <a:lumOff val="60000"/>
-                          </a:schemeClr>
-                        </a:solidFill>
-                      </a:endParaRPr>
-                    </a:p>
-                    <a:p>
-                      <a:pPr latinLnBrk="1"/>
-                      <a:r>
-                        <a:rPr lang="en-US" altLang="ko-KR" sz="800" dirty="0" smtClean="0">
-                          <a:solidFill>
-                            <a:schemeClr val="tx2">
-                              <a:lumMod val="40000"/>
-                              <a:lumOff val="60000"/>
-                            </a:schemeClr>
-                          </a:solidFill>
-                        </a:rPr>
-                        <a:t>Document </a:t>
-                      </a:r>
-                      <a:r>
-                        <a:rPr lang="ko-KR" altLang="en-US" sz="800" dirty="0" smtClean="0">
-                          <a:solidFill>
-                            <a:schemeClr val="tx2">
-                              <a:lumMod val="40000"/>
-                              <a:lumOff val="60000"/>
-                            </a:schemeClr>
-                          </a:solidFill>
-                        </a:rPr>
-                        <a:t>모델</a:t>
-                      </a:r>
-                      <a:endParaRPr lang="en-US" altLang="ko-KR" sz="800" dirty="0" smtClean="0">
-                        <a:solidFill>
-                          <a:schemeClr val="tx2">
-                            <a:lumMod val="40000"/>
-                            <a:lumOff val="60000"/>
-                          </a:schemeClr>
-                        </a:solidFill>
-                      </a:endParaRPr>
-                    </a:p>
-                    <a:p>
-                      <a:pPr latinLnBrk="1"/>
-                      <a:r>
-                        <a:rPr lang="en-US" altLang="ko-KR" sz="800" dirty="0" smtClean="0">
-                          <a:solidFill>
-                            <a:schemeClr val="tx2">
-                              <a:lumMod val="40000"/>
-                              <a:lumOff val="60000"/>
-                            </a:schemeClr>
-                          </a:solidFill>
-                        </a:rPr>
-                        <a:t>Document </a:t>
-                      </a:r>
-                      <a:r>
-                        <a:rPr lang="ko-KR" altLang="en-US" sz="800" dirty="0" smtClean="0">
-                          <a:solidFill>
-                            <a:schemeClr val="tx2">
-                              <a:lumMod val="40000"/>
-                              <a:lumOff val="60000"/>
-                            </a:schemeClr>
-                          </a:solidFill>
-                        </a:rPr>
-                        <a:t>컨트롤러</a:t>
-                      </a:r>
-                      <a:endParaRPr lang="en-US" altLang="ko-KR" sz="800" dirty="0" smtClean="0">
-                        <a:solidFill>
-                          <a:schemeClr val="tx2">
-                            <a:lumMod val="40000"/>
-                            <a:lumOff val="60000"/>
-                          </a:schemeClr>
-                        </a:solidFill>
-                      </a:endParaRPr>
-                    </a:p>
-                    <a:p>
-                      <a:pPr latinLnBrk="1"/>
-                      <a:r>
-                        <a:rPr lang="en-US" altLang="ko-KR" sz="800" dirty="0" smtClean="0">
-                          <a:solidFill>
-                            <a:schemeClr val="tx2">
-                              <a:lumMod val="40000"/>
-                              <a:lumOff val="60000"/>
-                            </a:schemeClr>
-                          </a:solidFill>
-                        </a:rPr>
-                        <a:t>Cache</a:t>
-                      </a:r>
-                      <a:endParaRPr lang="en-US" altLang="ko-KR" sz="800" dirty="0" smtClean="0">
-                        <a:solidFill>
-                          <a:schemeClr val="tx2">
-                            <a:lumMod val="40000"/>
-                            <a:lumOff val="60000"/>
-                          </a:schemeClr>
-                        </a:solidFill>
-                      </a:endParaRPr>
-                    </a:p>
-                  </a:txBody>
-                  <a:tcPr/>
-                </a:tc>
-                <a:tc>
-                  <a:txBody>
-                    <a:bodyPr/>
-                    <a:lstStyle/>
-                    <a:p>
-                      <a:pPr latinLnBrk="1"/>
-                      <a:r>
-                        <a:rPr lang="en-US" altLang="ko-KR" sz="800" dirty="0" smtClean="0">
-                          <a:solidFill>
-                            <a:schemeClr val="tx2">
-                              <a:lumMod val="40000"/>
-                              <a:lumOff val="60000"/>
-                            </a:schemeClr>
-                          </a:solidFill>
-                        </a:rPr>
-                        <a:t>22</a:t>
-                      </a:r>
-                    </a:p>
-                    <a:p>
-                      <a:pPr latinLnBrk="1"/>
-                      <a:endParaRPr lang="en-US" altLang="ko-KR" sz="800" dirty="0" smtClean="0">
-                        <a:solidFill>
-                          <a:schemeClr val="tx2">
-                            <a:lumMod val="40000"/>
-                            <a:lumOff val="60000"/>
-                          </a:schemeClr>
-                        </a:solidFill>
-                      </a:endParaRPr>
-                    </a:p>
-                    <a:p>
-                      <a:pPr latinLnBrk="1"/>
-                      <a:r>
-                        <a:rPr lang="en-US" altLang="ko-KR" sz="800" dirty="0" smtClean="0">
-                          <a:solidFill>
-                            <a:schemeClr val="tx2">
-                              <a:lumMod val="40000"/>
-                              <a:lumOff val="60000"/>
-                            </a:schemeClr>
-                          </a:solidFill>
-                        </a:rPr>
-                        <a:t>Elixir</a:t>
-                      </a:r>
-                      <a:r>
-                        <a:rPr lang="en-US" altLang="ko-KR" sz="800" baseline="0" dirty="0" smtClean="0">
-                          <a:solidFill>
-                            <a:schemeClr val="tx2">
-                              <a:lumMod val="40000"/>
-                              <a:lumOff val="60000"/>
-                            </a:schemeClr>
-                          </a:solidFill>
-                        </a:rPr>
-                        <a:t>, </a:t>
-                      </a:r>
-                      <a:r>
-                        <a:rPr lang="ko-KR" altLang="en-US" sz="800" baseline="0" dirty="0" smtClean="0">
-                          <a:solidFill>
-                            <a:schemeClr val="tx2">
-                              <a:lumMod val="40000"/>
-                              <a:lumOff val="60000"/>
-                            </a:schemeClr>
-                          </a:solidFill>
-                        </a:rPr>
-                        <a:t>만병통치약</a:t>
-                      </a:r>
-                      <a:r>
-                        <a:rPr lang="en-US" altLang="ko-KR" sz="800" baseline="0" dirty="0" smtClean="0">
-                          <a:solidFill>
-                            <a:schemeClr val="tx2">
-                              <a:lumMod val="40000"/>
-                              <a:lumOff val="60000"/>
-                            </a:schemeClr>
-                          </a:solidFill>
-                        </a:rPr>
-                        <a:t>?</a:t>
-                      </a:r>
-                    </a:p>
-                    <a:p>
-                      <a:pPr latinLnBrk="1"/>
-                      <a:r>
-                        <a:rPr lang="en-US" altLang="ko-KR" sz="800" baseline="0" dirty="0" smtClean="0">
-                          <a:solidFill>
-                            <a:schemeClr val="tx2">
-                              <a:lumMod val="40000"/>
-                              <a:lumOff val="60000"/>
-                            </a:schemeClr>
-                          </a:solidFill>
-                        </a:rPr>
-                        <a:t>Debug &amp; Final Touch</a:t>
-                      </a:r>
-                      <a:endParaRPr lang="en-US" altLang="ko-KR" sz="800" dirty="0" smtClean="0">
-                        <a:solidFill>
-                          <a:schemeClr val="tx2">
-                            <a:lumMod val="40000"/>
-                            <a:lumOff val="60000"/>
-                          </a:schemeClr>
-                        </a:solidFill>
-                      </a:endParaRPr>
-                    </a:p>
-                  </a:txBody>
-                  <a:tcPr/>
-                </a:tc>
-                <a:tc>
-                  <a:txBody>
-                    <a:bodyPr/>
-                    <a:lstStyle/>
-                    <a:p>
-                      <a:pPr latinLnBrk="1"/>
-                      <a:r>
-                        <a:rPr lang="en-US" altLang="ko-KR" sz="800" dirty="0" smtClean="0">
-                          <a:solidFill>
-                            <a:schemeClr val="tx2">
-                              <a:lumMod val="40000"/>
-                              <a:lumOff val="60000"/>
-                            </a:schemeClr>
-                          </a:solidFill>
-                        </a:rPr>
-                        <a:t>23</a:t>
-                      </a:r>
-                    </a:p>
-                    <a:p>
                       <a:pPr marL="0" marR="0" indent="0" algn="l" defTabSz="914400" rtl="0" eaLnBrk="1" fontAlgn="auto" latinLnBrk="1" hangingPunct="1">
                         <a:lnSpc>
                           <a:spcPct val="100000"/>
@@ -8277,17 +7700,6 @@
                         <a:defRPr/>
                       </a:pPr>
                       <a:r>
-                        <a:rPr lang="en-US" altLang="ko-KR" sz="800" dirty="0" smtClean="0">
-                          <a:solidFill>
-                            <a:schemeClr val="tx2">
-                              <a:lumMod val="40000"/>
-                              <a:lumOff val="60000"/>
-                            </a:schemeClr>
-                          </a:solidFill>
-                        </a:rPr>
-                        <a:t>Forum </a:t>
-                      </a:r>
-                      <a:r>
                         <a:rPr lang="ko-KR" altLang="en-US" sz="800" dirty="0" smtClean="0">
                           <a:solidFill>
                             <a:schemeClr val="tx2">
@@ -8296,7 +7708,7 @@
                             </a:schemeClr>
                           </a:solidFill>
                         </a:rPr>
-                        <a:t>만들기</a:t>
+                        <a:t>사용자 인증 기본기</a:t>
                       </a:r>
                       <a:endParaRPr lang="en-US" altLang="ko-KR" sz="800" dirty="0" smtClean="0">
                         <a:solidFill>
@@ -8308,7 +7720,34 @@
                       </a:endParaRPr>
                     </a:p>
                     <a:p>
-                      <a:pPr latinLnBrk="1"/>
+                      <a:pPr marL="0" marR="0" indent="0" algn="l" defTabSz="914400" rtl="0" eaLnBrk="1" fontAlgn="auto" latinLnBrk="1" hangingPunct="1">
+                        <a:lnSpc>
+                          <a:spcPct val="100000"/>
+                        </a:lnSpc>
+                        <a:spcBef>
+                          <a:spcPts val="0"/>
+                        </a:spcBef>
+                        <a:spcAft>
+                          <a:spcPts val="0"/>
+                        </a:spcAft>
+                        <a:buClrTx/>
+                        <a:buSzTx/>
+                        <a:buFontTx/>
+                        <a:buNone/>
+                        <a:tabLst/>
+                        <a:defRPr/>
+                      </a:pPr>
+                      <a:r>
+                        <a:rPr lang="ko-KR" altLang="en-US" sz="800" dirty="0" err="1" smtClean="0">
+                          <a:solidFill>
+                            <a:schemeClr val="tx2">
+                              <a:lumMod val="40000"/>
+                              <a:lumOff val="60000"/>
+                            </a:schemeClr>
+                          </a:solidFill>
+                        </a:rPr>
+                        <a:t>라라벨에</a:t>
+                      </a:r>
                       <a:r>
                         <a:rPr lang="ko-KR" altLang="en-US" sz="800" dirty="0" smtClean="0">
                           <a:solidFill>
@@ -8318,7 +7757,7 @@
                             </a:schemeClr>
                           </a:solidFill>
                         </a:rPr>
-                        <a:t>프로젝트 시작</a:t>
+                        <a:t> 내장된 사용자 인증</a:t>
                       </a:r>
                       <a:endParaRPr lang="en-US" altLang="ko-KR" sz="800" dirty="0" smtClean="0">
                         <a:solidFill>
@@ -8330,18 +7769,33 @@
                       </a:endParaRPr>
                     </a:p>
                     <a:p>
-                      <a:pPr latinLnBrk="1"/>
-                      <a:r>
-                        <a:rPr lang="en-US" altLang="ko-KR" sz="800" dirty="0" smtClean="0">
-                          <a:solidFill>
-                            <a:schemeClr val="tx2">
-                              <a:lumMod val="40000"/>
-                              <a:lumOff val="60000"/>
-                            </a:schemeClr>
-                          </a:solidFill>
-                          <a:hlinkClick r:id="rId5"/>
-                        </a:rPr>
-                        <a:t>http://l5.appkr.kr/</a:t>
+                      <a:pPr marL="0" marR="0" indent="0" algn="l" defTabSz="914400" rtl="0" eaLnBrk="1" fontAlgn="auto" latinLnBrk="1" hangingPunct="1">
+                        <a:lnSpc>
+                          <a:spcPct val="100000"/>
+                        </a:lnSpc>
+                        <a:spcBef>
+                          <a:spcPts val="0"/>
+                        </a:spcBef>
+                        <a:spcAft>
+                          <a:spcPts val="0"/>
+                        </a:spcAft>
+                        <a:buClrTx/>
+                        <a:buSzTx/>
+                        <a:buFontTx/>
+                        <a:buNone/>
+                        <a:tabLst/>
+                        <a:defRPr/>
+                      </a:pPr>
+                      <a:r>
+                        <a:rPr lang="ko-KR" altLang="en-US" sz="800" dirty="0" smtClean="0">
+                          <a:solidFill>
+                            <a:schemeClr val="tx2">
+                              <a:lumMod val="40000"/>
+                              <a:lumOff val="60000"/>
+                            </a:schemeClr>
+                          </a:solidFill>
+                        </a:rPr>
+                        <a:t>모델간 관계 맺기</a:t>
                       </a:r>
                       <a:endParaRPr lang="en-US" altLang="ko-KR" sz="800" dirty="0" smtClean="0">
                         <a:solidFill>
@@ -8352,6 +7806,15 @@
                         </a:solidFill>
                       </a:endParaRPr>
                     </a:p>
+                  </a:txBody>
+                  <a:tcPr/>
+                </a:tc>
+              </a:tr>
+              <a:tr h="723345">
+                <a:tc>
+                  <a:txBody>
+                    <a:bodyPr/>
+                    <a:lstStyle/>
                     <a:p>
                       <a:pPr latinLnBrk="1"/>
                       <a:r>
@@ -8363,8 +7826,11 @@
                             </a:schemeClr>
                           </a:solidFill>
                         </a:rPr>
-                        <a:t>31</a:t>
-                      </a:r>
+                        <a:t>20</a:t>
+                      </a:r>
+                    </a:p>
+                    <a:p>
+                      <a:pPr latinLnBrk="1"/>
                       <a:r>
                         <a:rPr lang="ko-KR" altLang="en-US" sz="800" dirty="0" smtClean="0">
                           <a:solidFill>
@@ -8374,29 +7840,7 @@
                             </a:schemeClr>
                           </a:solidFill>
                         </a:rPr>
-                        <a:t>강</a:t>
-                      </a:r>
-                      <a:r>
-                        <a:rPr lang="en-US" altLang="ko-KR" sz="800" dirty="0" smtClean="0">
-                          <a:solidFill>
-                            <a:schemeClr val="tx2">
-                              <a:lumMod val="40000"/>
-                              <a:lumOff val="60000"/>
-                            </a:schemeClr>
-                          </a:solidFill>
-                        </a:rPr>
-                        <a:t>~43</a:t>
-                      </a:r>
-                      <a:r>
-                        <a:rPr lang="ko-KR" altLang="en-US" sz="800" dirty="0" smtClean="0">
-                          <a:solidFill>
-                            <a:schemeClr val="tx2">
-                              <a:lumMod val="40000"/>
-                              <a:lumOff val="60000"/>
-                            </a:schemeClr>
-                          </a:solidFill>
-                        </a:rPr>
-                        <a:t>강</a:t>
+                        <a:t>예배</a:t>
                       </a:r>
                       <a:endParaRPr lang="en-US" altLang="ko-KR" sz="800" dirty="0" smtClean="0">
                         <a:solidFill>
@@ -8407,6 +7851,165 @@
                         </a:solidFill>
                       </a:endParaRPr>
                     </a:p>
+                    <a:p>
+                      <a:pPr latinLnBrk="1"/>
+                      <a:r>
+                        <a:rPr lang="ko-KR" altLang="en-US" sz="800" dirty="0" smtClean="0">
+                          <a:solidFill>
+                            <a:schemeClr val="tx2">
+                              <a:lumMod val="40000"/>
+                              <a:lumOff val="60000"/>
+                            </a:schemeClr>
+                          </a:solidFill>
+                        </a:rPr>
+                        <a:t>데이터 심기</a:t>
+                      </a:r>
+                      <a:endParaRPr lang="en-US" altLang="ko-KR" sz="800" dirty="0" smtClean="0">
+                        <a:solidFill>
+                          <a:schemeClr val="tx2">
+                            <a:lumMod val="40000"/>
+                            <a:lumOff val="60000"/>
+                          </a:schemeClr>
+                        </a:solidFill>
+                      </a:endParaRPr>
+                    </a:p>
+                    <a:p>
+                      <a:pPr latinLnBrk="1"/>
+                      <a:r>
+                        <a:rPr lang="en-US" altLang="ko-KR" sz="800" dirty="0" smtClean="0">
+                          <a:solidFill>
+                            <a:schemeClr val="tx2">
+                              <a:lumMod val="40000"/>
+                              <a:lumOff val="60000"/>
+                            </a:schemeClr>
+                          </a:solidFill>
+                        </a:rPr>
+                        <a:t>Eage</a:t>
+                      </a:r>
+                      <a:r>
+                        <a:rPr lang="en-US" altLang="ko-KR" sz="800" baseline="0" dirty="0" smtClean="0">
+                          <a:solidFill>
+                            <a:schemeClr val="tx2">
+                              <a:lumMod val="40000"/>
+                              <a:lumOff val="60000"/>
+                            </a:schemeClr>
+                          </a:solidFill>
+                        </a:rPr>
+                        <a:t>r </a:t>
+                      </a:r>
+                      <a:r>
+                        <a:rPr lang="ko-KR" altLang="en-US" sz="800" baseline="0" dirty="0" smtClean="0">
+                          <a:solidFill>
+                            <a:schemeClr val="tx2">
+                              <a:lumMod val="40000"/>
+                              <a:lumOff val="60000"/>
+                            </a:schemeClr>
+                          </a:solidFill>
+                        </a:rPr>
+                        <a:t>로딩</a:t>
+                      </a:r>
+                      <a:endParaRPr lang="en-US" altLang="ko-KR" sz="800" baseline="0" dirty="0" smtClean="0">
+                        <a:solidFill>
+                          <a:schemeClr val="tx2">
+                            <a:lumMod val="40000"/>
+                            <a:lumOff val="60000"/>
+                          </a:schemeClr>
+                        </a:solidFill>
+                      </a:endParaRPr>
+                    </a:p>
+                    <a:p>
+                      <a:pPr latinLnBrk="1"/>
+                      <a:r>
+                        <a:rPr lang="ko-KR" altLang="en-US" sz="800" dirty="0" smtClean="0">
+                          <a:solidFill>
+                            <a:schemeClr val="tx2">
+                              <a:lumMod val="40000"/>
+                              <a:lumOff val="60000"/>
+                            </a:schemeClr>
+                          </a:solidFill>
+                        </a:rPr>
+                        <a:t>추가 </a:t>
+                      </a:r>
+                      <a:r>
+                        <a:rPr lang="en-US" altLang="ko-KR" sz="800" dirty="0" smtClean="0">
+                          <a:solidFill>
+                            <a:schemeClr val="tx2">
+                              <a:lumMod val="40000"/>
+                              <a:lumOff val="60000"/>
+                            </a:schemeClr>
+                          </a:solidFill>
+                        </a:rPr>
+                        <a:t>– </a:t>
+                      </a:r>
+                      <a:r>
+                        <a:rPr lang="ko-KR" altLang="en-US" sz="800" dirty="0" err="1" smtClean="0">
+                          <a:solidFill>
+                            <a:schemeClr val="tx2">
+                              <a:lumMod val="40000"/>
+                              <a:lumOff val="60000"/>
+                            </a:schemeClr>
+                          </a:solidFill>
+                        </a:rPr>
+                        <a:t>페이징</a:t>
+                      </a:r>
+                      <a:endParaRPr lang="en-US" altLang="ko-KR" sz="800" dirty="0" smtClean="0">
+                        <a:solidFill>
+                          <a:schemeClr val="tx2">
+                            <a:lumMod val="40000"/>
+                            <a:lumOff val="60000"/>
+                          </a:schemeClr>
+                        </a:solidFill>
+                      </a:endParaRPr>
+                    </a:p>
+                    <a:p>
+                      <a:pPr marL="0" marR="0" indent="0" algn="l" defTabSz="914400" rtl="0" eaLnBrk="1" fontAlgn="auto" latinLnBrk="1" hangingPunct="1">
+                        <a:lnSpc>
+                          <a:spcPct val="100000"/>
+                        </a:lnSpc>
+                        <a:spcBef>
+                          <a:spcPts val="0"/>
+                        </a:spcBef>
+                        <a:spcAft>
+                          <a:spcPts val="0"/>
+                        </a:spcAft>
+                        <a:buClrTx/>
+                        <a:buSzTx/>
+                        <a:buFontTx/>
+                        <a:buNone/>
+                        <a:tabLst/>
+                        <a:defRPr/>
+                      </a:pPr>
+                      <a:r>
+                        <a:rPr lang="ko-KR" altLang="en-US" sz="800" dirty="0" smtClean="0">
+                          <a:solidFill>
+                            <a:schemeClr val="tx2">
+                              <a:lumMod val="40000"/>
+                              <a:lumOff val="60000"/>
+                            </a:schemeClr>
+                          </a:solidFill>
+                        </a:rPr>
+                        <a:t>메일</a:t>
+                      </a:r>
+                      <a:r>
+                        <a:rPr lang="ko-KR" altLang="en-US" sz="800" baseline="0" dirty="0" smtClean="0">
+                          <a:solidFill>
+                            <a:schemeClr val="tx2">
+                              <a:lumMod val="40000"/>
+                              <a:lumOff val="60000"/>
+                            </a:schemeClr>
+                          </a:solidFill>
+                        </a:rPr>
+                        <a:t> 보내기</a:t>
+                      </a:r>
+                      <a:endParaRPr lang="en-US" altLang="ko-KR" sz="800" baseline="0" dirty="0" smtClean="0">
+                        <a:solidFill>
+                          <a:schemeClr val="tx2">
+                            <a:lumMod val="40000"/>
+                            <a:lumOff val="60000"/>
+                          </a:schemeClr>
+                        </a:solidFill>
+                      </a:endParaRPr>
+                    </a:p>
                   </a:txBody>
                   <a:tcPr/>
                 </a:tc>
@@ -8425,8 +8028,492 @@
                             </a:schemeClr>
                           </a:solidFill>
                         </a:rPr>
+                        <a:t>21</a:t>
+                      </a:r>
+                    </a:p>
+                    <a:p>
+                      <a:pPr latinLnBrk="1"/>
+                      <a:r>
+                        <a:rPr lang="ko-KR" altLang="en-US" sz="800" baseline="0" dirty="0" smtClean="0">
+                          <a:solidFill>
+                            <a:schemeClr val="tx2">
+                              <a:lumMod val="40000"/>
+                              <a:lumOff val="60000"/>
+                            </a:schemeClr>
+                          </a:solidFill>
+                        </a:rPr>
+                        <a:t>이벤트</a:t>
+                      </a:r>
+                      <a:endParaRPr lang="en-US" altLang="ko-KR" sz="800" dirty="0" smtClean="0">
+                        <a:solidFill>
+                          <a:schemeClr val="tx2">
+                            <a:lumMod val="40000"/>
+                            <a:lumOff val="60000"/>
+                          </a:schemeClr>
+                        </a:solidFill>
+                      </a:endParaRPr>
+                    </a:p>
+                    <a:p>
+                      <a:pPr latinLnBrk="1"/>
+                      <a:r>
+                        <a:rPr lang="ko-KR" altLang="en-US" sz="800" baseline="0" dirty="0" smtClean="0">
+                          <a:solidFill>
+                            <a:schemeClr val="tx2">
+                              <a:lumMod val="40000"/>
+                              <a:lumOff val="60000"/>
+                            </a:schemeClr>
+                          </a:solidFill>
+                        </a:rPr>
+                        <a:t>입력 값 유효성 검사</a:t>
+                      </a:r>
+                      <a:endParaRPr lang="en-US" altLang="ko-KR" sz="800" baseline="0" dirty="0" smtClean="0">
+                        <a:solidFill>
+                          <a:schemeClr val="tx2">
+                            <a:lumMod val="40000"/>
+                            <a:lumOff val="60000"/>
+                          </a:schemeClr>
+                        </a:solidFill>
+                      </a:endParaRPr>
+                    </a:p>
+                    <a:p>
+                      <a:pPr latinLnBrk="1"/>
+                      <a:r>
+                        <a:rPr lang="ko-KR" altLang="en-US" sz="800" baseline="0" dirty="0" smtClean="0">
+                          <a:solidFill>
+                            <a:schemeClr val="tx2">
+                              <a:lumMod val="40000"/>
+                              <a:lumOff val="60000"/>
+                            </a:schemeClr>
+                          </a:solidFill>
+                        </a:rPr>
+                        <a:t>예외처리</a:t>
+                      </a:r>
+                      <a:endParaRPr lang="en-US" altLang="ko-KR" sz="800" dirty="0" smtClean="0">
+                        <a:solidFill>
+                          <a:schemeClr val="tx2">
+                            <a:lumMod val="40000"/>
+                            <a:lumOff val="60000"/>
+                          </a:schemeClr>
+                        </a:solidFill>
+                      </a:endParaRPr>
+                    </a:p>
+                    <a:p>
+                      <a:pPr latinLnBrk="1"/>
+                      <a:r>
+                        <a:rPr lang="en-US" altLang="ko-KR" sz="800" dirty="0" smtClean="0">
+                          <a:solidFill>
+                            <a:schemeClr val="tx2">
+                              <a:lumMod val="40000"/>
+                              <a:lumOff val="60000"/>
+                            </a:schemeClr>
+                          </a:solidFill>
+                        </a:rPr>
+                        <a:t>Document </a:t>
+                      </a:r>
+                      <a:r>
+                        <a:rPr lang="ko-KR" altLang="en-US" sz="800" dirty="0" smtClean="0">
+                          <a:solidFill>
+                            <a:schemeClr val="tx2">
+                              <a:lumMod val="40000"/>
+                              <a:lumOff val="60000"/>
+                            </a:schemeClr>
+                          </a:solidFill>
+                        </a:rPr>
+                        <a:t>모델</a:t>
+                      </a:r>
+                      <a:endParaRPr lang="en-US" altLang="ko-KR" sz="800" dirty="0" smtClean="0">
+                        <a:solidFill>
+                          <a:schemeClr val="tx2">
+                            <a:lumMod val="40000"/>
+                            <a:lumOff val="60000"/>
+                          </a:schemeClr>
+                        </a:solidFill>
+                      </a:endParaRPr>
+                    </a:p>
+                    <a:p>
+                      <a:pPr latinLnBrk="1"/>
+                      <a:r>
+                        <a:rPr lang="en-US" altLang="ko-KR" sz="800" dirty="0" smtClean="0">
+                          <a:solidFill>
+                            <a:schemeClr val="tx2">
+                              <a:lumMod val="40000"/>
+                              <a:lumOff val="60000"/>
+                            </a:schemeClr>
+                          </a:solidFill>
+                        </a:rPr>
+                        <a:t>Document </a:t>
+                      </a:r>
+                      <a:r>
+                        <a:rPr lang="ko-KR" altLang="en-US" sz="800" dirty="0" smtClean="0">
+                          <a:solidFill>
+                            <a:schemeClr val="tx2">
+                              <a:lumMod val="40000"/>
+                              <a:lumOff val="60000"/>
+                            </a:schemeClr>
+                          </a:solidFill>
+                        </a:rPr>
+                        <a:t>컨트롤러</a:t>
+                      </a:r>
+                      <a:endParaRPr lang="en-US" altLang="ko-KR" sz="800" dirty="0" smtClean="0">
+                        <a:solidFill>
+                          <a:schemeClr val="tx2">
+                            <a:lumMod val="40000"/>
+                            <a:lumOff val="60000"/>
+                          </a:schemeClr>
+                        </a:solidFill>
+                      </a:endParaRPr>
+                    </a:p>
+                  </a:txBody>
+                  <a:tcPr/>
+                </a:tc>
+                <a:tc>
+                  <a:txBody>
+                    <a:bodyPr/>
+                    <a:lstStyle/>
+                    <a:p>
+                      <a:pPr latinLnBrk="1"/>
+                      <a:r>
+                        <a:rPr lang="en-US" altLang="ko-KR" sz="800" dirty="0" smtClean="0">
+                          <a:solidFill>
+                            <a:schemeClr val="tx2">
+                              <a:lumMod val="40000"/>
+                              <a:lumOff val="60000"/>
+                            </a:schemeClr>
+                          </a:solidFill>
+                        </a:rPr>
+                        <a:t>22</a:t>
+                      </a:r>
+                    </a:p>
+                    <a:p>
+                      <a:pPr marL="0" marR="0" indent="0" algn="l" defTabSz="914400" rtl="0" eaLnBrk="1" fontAlgn="auto" latinLnBrk="1" hangingPunct="1">
+                        <a:lnSpc>
+                          <a:spcPct val="100000"/>
+                        </a:lnSpc>
+                        <a:spcBef>
+                          <a:spcPts val="0"/>
+                        </a:spcBef>
+                        <a:spcAft>
+                          <a:spcPts val="0"/>
+                        </a:spcAft>
+                        <a:buClrTx/>
+                        <a:buSzTx/>
+                        <a:buFontTx/>
+                        <a:buNone/>
+                        <a:tabLst/>
+                        <a:defRPr/>
+                      </a:pPr>
+                      <a:r>
+                        <a:rPr lang="en-US" altLang="ko-KR" sz="800" dirty="0" smtClean="0">
+                          <a:solidFill>
+                            <a:schemeClr val="tx2">
+                              <a:lumMod val="40000"/>
+                              <a:lumOff val="60000"/>
+                            </a:schemeClr>
+                          </a:solidFill>
+                        </a:rPr>
+                        <a:t>Cache</a:t>
+                      </a:r>
+                      <a:endParaRPr lang="en-US" altLang="ko-KR" sz="800" dirty="0" smtClean="0">
+                        <a:solidFill>
+                          <a:schemeClr val="tx2">
+                            <a:lumMod val="40000"/>
+                            <a:lumOff val="60000"/>
+                          </a:schemeClr>
+                        </a:solidFill>
+                      </a:endParaRPr>
+                    </a:p>
+                    <a:p>
+                      <a:pPr latinLnBrk="1"/>
+                      <a:r>
+                        <a:rPr lang="en-US" altLang="ko-KR" sz="800" dirty="0" smtClean="0">
+                          <a:solidFill>
+                            <a:schemeClr val="tx2">
+                              <a:lumMod val="40000"/>
+                              <a:lumOff val="60000"/>
+                            </a:schemeClr>
+                          </a:solidFill>
+                        </a:rPr>
+                        <a:t>Elixir</a:t>
+                      </a:r>
+                      <a:r>
+                        <a:rPr lang="en-US" altLang="ko-KR" sz="800" baseline="0" dirty="0" smtClean="0">
+                          <a:solidFill>
+                            <a:schemeClr val="tx2">
+                              <a:lumMod val="40000"/>
+                              <a:lumOff val="60000"/>
+                            </a:schemeClr>
+                          </a:solidFill>
+                        </a:rPr>
+                        <a:t>, </a:t>
+                      </a:r>
+                      <a:r>
+                        <a:rPr lang="ko-KR" altLang="en-US" sz="800" baseline="0" dirty="0" smtClean="0">
+                          <a:solidFill>
+                            <a:schemeClr val="tx2">
+                              <a:lumMod val="40000"/>
+                              <a:lumOff val="60000"/>
+                            </a:schemeClr>
+                          </a:solidFill>
+                        </a:rPr>
+                        <a:t>만병통치약</a:t>
+                      </a:r>
+                      <a:r>
+                        <a:rPr lang="en-US" altLang="ko-KR" sz="800" baseline="0" dirty="0" smtClean="0">
+                          <a:solidFill>
+                            <a:schemeClr val="tx2">
+                              <a:lumMod val="40000"/>
+                              <a:lumOff val="60000"/>
+                            </a:schemeClr>
+                          </a:solidFill>
+                        </a:rPr>
+                        <a:t>?</a:t>
+                      </a:r>
+                    </a:p>
+                    <a:p>
+                      <a:pPr latinLnBrk="1"/>
+                      <a:r>
+                        <a:rPr lang="en-US" altLang="ko-KR" sz="800" baseline="0" dirty="0" smtClean="0">
+                          <a:solidFill>
+                            <a:schemeClr val="tx2">
+                              <a:lumMod val="40000"/>
+                              <a:lumOff val="60000"/>
+                            </a:schemeClr>
+                          </a:solidFill>
+                        </a:rPr>
+                        <a:t>Debug &amp; Final Touch</a:t>
+                      </a:r>
+                      <a:endParaRPr lang="en-US" altLang="ko-KR" sz="800" dirty="0" smtClean="0">
+                        <a:solidFill>
+                          <a:schemeClr val="tx2">
+                            <a:lumMod val="40000"/>
+                            <a:lumOff val="60000"/>
+                          </a:schemeClr>
+                        </a:solidFill>
+                      </a:endParaRPr>
+                    </a:p>
+                  </a:txBody>
+                  <a:tcPr/>
+                </a:tc>
+                <a:tc>
+                  <a:txBody>
+                    <a:bodyPr/>
+                    <a:lstStyle/>
+                    <a:p>
+                      <a:pPr latinLnBrk="1"/>
+                      <a:r>
+                        <a:rPr lang="en-US" altLang="ko-KR" sz="800" dirty="0" smtClean="0">
+                          <a:solidFill>
+                            <a:schemeClr val="tx2">
+                              <a:lumMod val="40000"/>
+                              <a:lumOff val="60000"/>
+                            </a:schemeClr>
+                          </a:solidFill>
+                        </a:rPr>
+                        <a:t>23</a:t>
+                      </a:r>
+                    </a:p>
+                    <a:p>
+                      <a:pPr latinLnBrk="1"/>
+                      <a:endParaRPr lang="en-US" altLang="ko-KR" sz="800" dirty="0" smtClean="0">
+                        <a:solidFill>
+                          <a:schemeClr val="tx2">
+                            <a:lumMod val="40000"/>
+                            <a:lumOff val="60000"/>
+                          </a:schemeClr>
+                        </a:solidFill>
+                      </a:endParaRPr>
+                    </a:p>
+                    <a:p>
+                      <a:pPr latinLnBrk="1"/>
+                      <a:r>
+                        <a:rPr lang="en-US" altLang="ko-KR" sz="800" dirty="0" smtClean="0">
+                          <a:solidFill>
+                            <a:schemeClr val="tx2">
+                              <a:lumMod val="40000"/>
+                              <a:lumOff val="60000"/>
+                            </a:schemeClr>
+                          </a:solidFill>
+                        </a:rPr>
+                        <a:t>null</a:t>
+                      </a:r>
+                      <a:endParaRPr lang="en-US" altLang="ko-KR" sz="800" dirty="0" smtClean="0">
+                        <a:solidFill>
+                          <a:schemeClr val="tx2">
+                            <a:lumMod val="40000"/>
+                            <a:lumOff val="60000"/>
+                          </a:schemeClr>
+                        </a:solidFill>
+                      </a:endParaRPr>
+                    </a:p>
+                  </a:txBody>
+                  <a:tcPr/>
+                </a:tc>
+                <a:tc>
+                  <a:txBody>
+                    <a:bodyPr/>
+                    <a:lstStyle/>
+                    <a:p>
+                      <a:pPr latinLnBrk="1"/>
+                      <a:r>
+                        <a:rPr lang="en-US" altLang="ko-KR" sz="800" dirty="0" smtClean="0">
+                          <a:solidFill>
+                            <a:schemeClr val="tx2">
+                              <a:lumMod val="40000"/>
+                              <a:lumOff val="60000"/>
+                            </a:schemeClr>
+                          </a:solidFill>
+                        </a:rPr>
                         <a:t>24</a:t>
                       </a:r>
+                    </a:p>
+                    <a:p>
+                      <a:pPr marL="0" marR="0" indent="0" algn="l" defTabSz="914400" rtl="0" eaLnBrk="1" fontAlgn="auto" latinLnBrk="1" hangingPunct="1">
+                        <a:lnSpc>
+                          <a:spcPct val="100000"/>
+                        </a:lnSpc>
+                        <a:spcBef>
+                          <a:spcPts val="0"/>
+                        </a:spcBef>
+                        <a:spcAft>
+                          <a:spcPts val="0"/>
+                        </a:spcAft>
+                        <a:buClrTx/>
+                        <a:buSzTx/>
+                        <a:buFontTx/>
+                        <a:buNone/>
+                        <a:tabLst/>
+                        <a:defRPr/>
+                      </a:pPr>
+                      <a:r>
+                        <a:rPr lang="en-US" altLang="ko-KR" sz="800" dirty="0" smtClean="0">
+                          <a:solidFill>
+                            <a:schemeClr val="tx2">
+                              <a:lumMod val="40000"/>
+                              <a:lumOff val="60000"/>
+                            </a:schemeClr>
+                          </a:solidFill>
+                        </a:rPr>
+                        <a:t>Forum </a:t>
+                      </a:r>
+                      <a:r>
+                        <a:rPr lang="ko-KR" altLang="en-US" sz="800" dirty="0" smtClean="0">
+                          <a:solidFill>
+                            <a:schemeClr val="tx2">
+                              <a:lumMod val="40000"/>
+                              <a:lumOff val="60000"/>
+                            </a:schemeClr>
+                          </a:solidFill>
+                        </a:rPr>
+                        <a:t>만들기</a:t>
+                      </a:r>
+                      <a:endParaRPr lang="en-US" altLang="ko-KR" sz="800" dirty="0" smtClean="0">
+                        <a:solidFill>
+                          <a:schemeClr val="tx2">
+                            <a:lumMod val="40000"/>
+                            <a:lumOff val="60000"/>
+                          </a:schemeClr>
+                        </a:solidFill>
+                      </a:endParaRPr>
+                    </a:p>
+                    <a:p>
+                      <a:pPr latinLnBrk="1"/>
+                      <a:r>
+                        <a:rPr lang="ko-KR" altLang="en-US" sz="800" dirty="0" smtClean="0">
+                          <a:solidFill>
+                            <a:schemeClr val="tx2">
+                              <a:lumMod val="40000"/>
+                              <a:lumOff val="60000"/>
+                            </a:schemeClr>
+                          </a:solidFill>
+                        </a:rPr>
+                        <a:t>프로젝트 시작</a:t>
+                      </a:r>
+                      <a:endParaRPr lang="en-US" altLang="ko-KR" sz="800" dirty="0" smtClean="0">
+                        <a:solidFill>
+                          <a:schemeClr val="tx2">
+                            <a:lumMod val="40000"/>
+                            <a:lumOff val="60000"/>
+                          </a:schemeClr>
+                        </a:solidFill>
+                      </a:endParaRPr>
+                    </a:p>
+                    <a:p>
+                      <a:pPr latinLnBrk="1"/>
+                      <a:r>
+                        <a:rPr lang="en-US" altLang="ko-KR" sz="800" dirty="0" smtClean="0">
+                          <a:solidFill>
+                            <a:schemeClr val="tx2">
+                              <a:lumMod val="40000"/>
+                              <a:lumOff val="60000"/>
+                            </a:schemeClr>
+                          </a:solidFill>
+                          <a:hlinkClick r:id="rId5"/>
+                        </a:rPr>
+                        <a:t>http://l5.appkr.kr/</a:t>
+                      </a:r>
+                      <a:endParaRPr lang="en-US" altLang="ko-KR" sz="800" dirty="0" smtClean="0">
+                        <a:solidFill>
+                          <a:schemeClr val="tx2">
+                            <a:lumMod val="40000"/>
+                            <a:lumOff val="60000"/>
+                          </a:schemeClr>
+                        </a:solidFill>
+                      </a:endParaRPr>
+                    </a:p>
+                    <a:p>
+                      <a:pPr latinLnBrk="1"/>
+                      <a:r>
+                        <a:rPr lang="en-US" altLang="ko-KR" sz="800" dirty="0" smtClean="0">
+                          <a:solidFill>
+                            <a:schemeClr val="tx2">
+                              <a:lumMod val="40000"/>
+                              <a:lumOff val="60000"/>
+                            </a:schemeClr>
+                          </a:solidFill>
+                        </a:rPr>
+                        <a:t>31</a:t>
+                      </a:r>
+                      <a:r>
+                        <a:rPr lang="ko-KR" altLang="en-US" sz="800" dirty="0" smtClean="0">
+                          <a:solidFill>
+                            <a:schemeClr val="tx2">
+                              <a:lumMod val="40000"/>
+                              <a:lumOff val="60000"/>
+                            </a:schemeClr>
+                          </a:solidFill>
+                        </a:rPr>
+                        <a:t>강</a:t>
+                      </a:r>
+                      <a:r>
+                        <a:rPr lang="en-US" altLang="ko-KR" sz="800" dirty="0" smtClean="0">
+                          <a:solidFill>
+                            <a:schemeClr val="tx2">
+                              <a:lumMod val="40000"/>
+                              <a:lumOff val="60000"/>
+                            </a:schemeClr>
+                          </a:solidFill>
+                        </a:rPr>
+                        <a:t>~43</a:t>
+                      </a:r>
+                      <a:r>
+                        <a:rPr lang="ko-KR" altLang="en-US" sz="800" dirty="0" smtClean="0">
+                          <a:solidFill>
+                            <a:schemeClr val="tx2">
+                              <a:lumMod val="40000"/>
+                              <a:lumOff val="60000"/>
+                            </a:schemeClr>
+                          </a:solidFill>
+                        </a:rPr>
+                        <a:t>강</a:t>
+                      </a:r>
+                      <a:endParaRPr lang="en-US" altLang="ko-KR" sz="800" dirty="0" smtClean="0">
+                        <a:solidFill>
+                          <a:schemeClr val="tx2">
+                            <a:lumMod val="40000"/>
+                            <a:lumOff val="60000"/>
+                          </a:schemeClr>
+                        </a:solidFill>
+                      </a:endParaRPr>
                     </a:p>
                     <a:p>
                       <a:pPr latinLnBrk="1"/>
@@ -8767,7 +8854,18 @@
                         </a:rPr>
                         <a:t>7</a:t>
                       </a:r>
-                      <a:endParaRPr lang="ko-KR" altLang="en-US" sz="800" dirty="0">
+                    </a:p>
+                    <a:p>
+                      <a:pPr algn="l" latinLnBrk="1"/>
+                      <a:r>
+                        <a:rPr lang="ko-KR" altLang="en-US" sz="800" dirty="0" smtClean="0">
+                          <a:solidFill>
+                            <a:schemeClr val="tx2"/>
+                          </a:solidFill>
+                        </a:rPr>
+                        <a:t>마감일</a:t>
+                      </a:r>
+                      <a:endParaRPr lang="en-US" altLang="ko-KR" sz="800" dirty="0" smtClean="0">
                         <a:solidFill>
                           <a:schemeClr val="tx2"/>
                         </a:solidFill>
@@ -9608,46 +9706,6 @@
       </p:sp>
       <p:sp>
         <p:nvSpPr>
-          <p:cNvPr id="24" name="순서도: 추출 23"/>
-          <p:cNvSpPr/>
-          <p:nvPr/>
-        </p:nvSpPr>
-        <p:spPr>
-          <a:xfrm>
-            <a:off x="1336750" y="3717032"/>
-            <a:ext cx="144016" cy="108012"/>
-          </a:xfrm>
-          <a:prstGeom prst="flowChartExtract">
-            <a:avLst/>
-          </a:prstGeom>
-        </p:spPr>
-        <p:style>
-          <a:lnRef idx="2">
-            <a:schemeClr val="accent1">
-              <a:shade val="50000"/>
-            </a:schemeClr>
-          </a:lnRef>
-          <a:fillRef idx="1">
-            <a:schemeClr val="accent1"/>
-          </a:fillRef>
-          <a:effectRef idx="0">
-            <a:schemeClr val="accent1"/>
-          </a:effectRef>
-          <a:fontRef idx="minor">
-            <a:schemeClr val="lt1"/>
-          </a:fontRef>
-        </p:style>
-        <p:txBody>
-          <a:bodyPr rtlCol="0" anchor="ctr"/>
-          <a:lstStyle/>
-          <a:p>
-            <a:pPr algn="ctr"/>
-            <a:endParaRPr lang="ko-KR" altLang="en-US"/>
-          </a:p>
-        </p:txBody>
-      </p:sp>
-      <p:sp>
-        <p:nvSpPr>
           <p:cNvPr id="25" name="순서도: 추출 24"/>
           <p:cNvSpPr/>
           <p:nvPr/>
@@ -9763,6 +9821,90 @@
           <a:p>
             <a:pPr algn="ctr"/>
             <a:endParaRPr lang="ko-KR" altLang="en-US"/>
+          </a:p>
+        </p:txBody>
+      </p:sp>
+      <p:sp>
+        <p:nvSpPr>
+          <p:cNvPr id="29" name="타원 28"/>
+          <p:cNvSpPr/>
+          <p:nvPr/>
+        </p:nvSpPr>
+        <p:spPr>
+          <a:xfrm>
+            <a:off x="6062863" y="4203551"/>
+            <a:ext cx="134193" cy="144016"/>
+          </a:xfrm>
+          <a:prstGeom prst="ellipse">
+            <a:avLst/>
+          </a:prstGeom>
+        </p:spPr>
+        <p:style>
+          <a:lnRef idx="2">
+            <a:schemeClr val="accent1">
+              <a:shade val="50000"/>
+            </a:schemeClr>
+          </a:lnRef>
+          <a:fillRef idx="1">
+            <a:schemeClr val="accent1"/>
+          </a:fillRef>
+          <a:effectRef idx="0">
+            <a:schemeClr val="accent1"/>
+          </a:effectRef>
+          <a:fontRef idx="minor">
+            <a:schemeClr val="lt1"/>
+          </a:fontRef>
+        </p:style>
+        <p:txBody>
+          <a:bodyPr rtlCol="0" anchor="ctr"/>
+          <a:lstStyle/>
+          <a:p>
+            <a:pPr algn="ctr"/>
+            <a:endParaRPr lang="ko-KR" altLang="en-US"/>
+          </a:p>
+        </p:txBody>
+      </p:sp>
+      <p:sp>
+        <p:nvSpPr>
+          <p:cNvPr id="30" name="&quot;없음&quot; 기호 29"/>
+          <p:cNvSpPr/>
+          <p:nvPr/>
+        </p:nvSpPr>
+        <p:spPr>
+          <a:xfrm>
+            <a:off x="1249809" y="3540671"/>
+            <a:ext cx="216024" cy="216024"/>
+          </a:xfrm>
+          <a:prstGeom prst="noSmoking">
+            <a:avLst/>
+          </a:prstGeom>
+        </p:spPr>
+        <p:style>
+          <a:lnRef idx="2">
+            <a:schemeClr val="accent1">
+              <a:shade val="50000"/>
+            </a:schemeClr>
+          </a:lnRef>
+          <a:fillRef idx="1">
+            <a:schemeClr val="accent1"/>
+          </a:fillRef>
+          <a:effectRef idx="0">
+            <a:schemeClr val="accent1"/>
+          </a:effectRef>
+          <a:fontRef idx="minor">
+            <a:schemeClr val="lt1"/>
+          </a:fontRef>
+        </p:style>
+        <p:txBody>
+          <a:bodyPr rtlCol="0" anchor="ctr"/>
+          <a:lstStyle/>
+          <a:p>
+            <a:pPr algn="ctr"/>
+            <a:endParaRPr lang="ko-KR" altLang="en-US">
+              <a:solidFill>
+                <a:schemeClr val="tx1"/>
+              </a:solidFill>
+            </a:endParaRPr>
           </a:p>
         </p:txBody>
       </p:sp>

--- a/Monthly Plan.pptx
+++ b/Monthly Plan.pptx
@@ -195,7 +195,7 @@
           <a:p>
             <a:fld id="{E1E76E78-0C2A-445E-B35D-3ADF0836B2B3}" type="datetimeFigureOut">
               <a:rPr lang="ko-KR" altLang="en-US" smtClean="0"/>
-              <a:t>2018-05-17</a:t>
+              <a:t>2018-05-18</a:t>
             </a:fld>
             <a:endParaRPr lang="ko-KR" altLang="en-US"/>
           </a:p>
@@ -812,7 +812,7 @@
           <a:p>
             <a:fld id="{48C2848A-6F74-48C5-A4CD-91F929EC3187}" type="datetimeFigureOut">
               <a:rPr lang="ko-KR" altLang="en-US" smtClean="0"/>
-              <a:t>2018-05-17</a:t>
+              <a:t>2018-05-18</a:t>
             </a:fld>
             <a:endParaRPr lang="ko-KR" altLang="en-US"/>
           </a:p>
@@ -982,7 +982,7 @@
           <a:p>
             <a:fld id="{48C2848A-6F74-48C5-A4CD-91F929EC3187}" type="datetimeFigureOut">
               <a:rPr lang="ko-KR" altLang="en-US" smtClean="0"/>
-              <a:t>2018-05-17</a:t>
+              <a:t>2018-05-18</a:t>
             </a:fld>
             <a:endParaRPr lang="ko-KR" altLang="en-US"/>
           </a:p>
@@ -1162,7 +1162,7 @@
           <a:p>
             <a:fld id="{48C2848A-6F74-48C5-A4CD-91F929EC3187}" type="datetimeFigureOut">
               <a:rPr lang="ko-KR" altLang="en-US" smtClean="0"/>
-              <a:t>2018-05-17</a:t>
+              <a:t>2018-05-18</a:t>
             </a:fld>
             <a:endParaRPr lang="ko-KR" altLang="en-US"/>
           </a:p>
@@ -1332,7 +1332,7 @@
           <a:p>
             <a:fld id="{48C2848A-6F74-48C5-A4CD-91F929EC3187}" type="datetimeFigureOut">
               <a:rPr lang="ko-KR" altLang="en-US" smtClean="0"/>
-              <a:t>2018-05-17</a:t>
+              <a:t>2018-05-18</a:t>
             </a:fld>
             <a:endParaRPr lang="ko-KR" altLang="en-US"/>
           </a:p>
@@ -1578,7 +1578,7 @@
           <a:p>
             <a:fld id="{48C2848A-6F74-48C5-A4CD-91F929EC3187}" type="datetimeFigureOut">
               <a:rPr lang="ko-KR" altLang="en-US" smtClean="0"/>
-              <a:t>2018-05-17</a:t>
+              <a:t>2018-05-18</a:t>
             </a:fld>
             <a:endParaRPr lang="ko-KR" altLang="en-US"/>
           </a:p>
@@ -1866,7 +1866,7 @@
           <a:p>
             <a:fld id="{48C2848A-6F74-48C5-A4CD-91F929EC3187}" type="datetimeFigureOut">
               <a:rPr lang="ko-KR" altLang="en-US" smtClean="0"/>
-              <a:t>2018-05-17</a:t>
+              <a:t>2018-05-18</a:t>
             </a:fld>
             <a:endParaRPr lang="ko-KR" altLang="en-US"/>
           </a:p>
@@ -2288,7 +2288,7 @@
           <a:p>
             <a:fld id="{48C2848A-6F74-48C5-A4CD-91F929EC3187}" type="datetimeFigureOut">
               <a:rPr lang="ko-KR" altLang="en-US" smtClean="0"/>
-              <a:t>2018-05-17</a:t>
+              <a:t>2018-05-18</a:t>
             </a:fld>
             <a:endParaRPr lang="ko-KR" altLang="en-US"/>
           </a:p>
@@ -2406,7 +2406,7 @@
           <a:p>
             <a:fld id="{48C2848A-6F74-48C5-A4CD-91F929EC3187}" type="datetimeFigureOut">
               <a:rPr lang="ko-KR" altLang="en-US" smtClean="0"/>
-              <a:t>2018-05-17</a:t>
+              <a:t>2018-05-18</a:t>
             </a:fld>
             <a:endParaRPr lang="ko-KR" altLang="en-US"/>
           </a:p>
@@ -2501,7 +2501,7 @@
           <a:p>
             <a:fld id="{48C2848A-6F74-48C5-A4CD-91F929EC3187}" type="datetimeFigureOut">
               <a:rPr lang="ko-KR" altLang="en-US" smtClean="0"/>
-              <a:t>2018-05-17</a:t>
+              <a:t>2018-05-18</a:t>
             </a:fld>
             <a:endParaRPr lang="ko-KR" altLang="en-US"/>
           </a:p>
@@ -2778,7 +2778,7 @@
           <a:p>
             <a:fld id="{48C2848A-6F74-48C5-A4CD-91F929EC3187}" type="datetimeFigureOut">
               <a:rPr lang="ko-KR" altLang="en-US" smtClean="0"/>
-              <a:t>2018-05-17</a:t>
+              <a:t>2018-05-18</a:t>
             </a:fld>
             <a:endParaRPr lang="ko-KR" altLang="en-US"/>
           </a:p>
@@ -3031,7 +3031,7 @@
           <a:p>
             <a:fld id="{48C2848A-6F74-48C5-A4CD-91F929EC3187}" type="datetimeFigureOut">
               <a:rPr lang="ko-KR" altLang="en-US" smtClean="0"/>
-              <a:t>2018-05-17</a:t>
+              <a:t>2018-05-18</a:t>
             </a:fld>
             <a:endParaRPr lang="ko-KR" altLang="en-US"/>
           </a:p>
@@ -3244,7 +3244,7 @@
           <a:p>
             <a:fld id="{48C2848A-6F74-48C5-A4CD-91F929EC3187}" type="datetimeFigureOut">
               <a:rPr lang="ko-KR" altLang="en-US" smtClean="0"/>
-              <a:t>2018-05-17</a:t>
+              <a:t>2018-05-18</a:t>
             </a:fld>
             <a:endParaRPr lang="ko-KR" altLang="en-US"/>
           </a:p>
@@ -7419,14 +7419,6 @@
                         </a:rPr>
                         <a:t>201</a:t>
                       </a:r>
-                      <a:endParaRPr lang="en-US" altLang="ko-KR" sz="800" baseline="0" dirty="0" smtClean="0">
-                        <a:solidFill>
-                          <a:schemeClr val="tx2">
-                            <a:lumMod val="40000"/>
-                            <a:lumOff val="60000"/>
-                          </a:schemeClr>
-                        </a:solidFill>
-                      </a:endParaRPr>
                     </a:p>
                   </a:txBody>
                   <a:tcPr/>
@@ -8213,6 +8205,67 @@
                         </a:rPr>
                         <a:t>Cache</a:t>
                       </a:r>
+                    </a:p>
+                    <a:p>
+                      <a:pPr latinLnBrk="1"/>
+                      <a:r>
+                        <a:rPr lang="en-US" altLang="ko-KR" sz="800" dirty="0" smtClean="0">
+                          <a:solidFill>
+                            <a:schemeClr val="tx2">
+                              <a:lumMod val="40000"/>
+                              <a:lumOff val="60000"/>
+                            </a:schemeClr>
+                          </a:solidFill>
+                        </a:rPr>
+                        <a:t>Elixir</a:t>
+                      </a:r>
+                      <a:r>
+                        <a:rPr lang="en-US" altLang="ko-KR" sz="800" baseline="0" dirty="0" smtClean="0">
+                          <a:solidFill>
+                            <a:schemeClr val="tx2">
+                              <a:lumMod val="40000"/>
+                              <a:lumOff val="60000"/>
+                            </a:schemeClr>
+                          </a:solidFill>
+                        </a:rPr>
+                        <a:t>, </a:t>
+                      </a:r>
+                      <a:r>
+                        <a:rPr lang="ko-KR" altLang="en-US" sz="800" baseline="0" dirty="0" smtClean="0">
+                          <a:solidFill>
+                            <a:schemeClr val="tx2">
+                              <a:lumMod val="40000"/>
+                              <a:lumOff val="60000"/>
+                            </a:schemeClr>
+                          </a:solidFill>
+                        </a:rPr>
+                        <a:t>만병통치약</a:t>
+                      </a:r>
+                      <a:r>
+                        <a:rPr lang="en-US" altLang="ko-KR" sz="800" baseline="0" dirty="0" smtClean="0">
+                          <a:solidFill>
+                            <a:schemeClr val="tx2">
+                              <a:lumMod val="40000"/>
+                              <a:lumOff val="60000"/>
+                            </a:schemeClr>
+                          </a:solidFill>
+                        </a:rPr>
+                        <a:t>?</a:t>
+                      </a:r>
+                    </a:p>
+                    <a:p>
+                      <a:pPr latinLnBrk="1"/>
+                      <a:r>
+                        <a:rPr lang="en-US" altLang="ko-KR" sz="800" baseline="0" dirty="0" smtClean="0">
+                          <a:solidFill>
+                            <a:schemeClr val="tx2">
+                              <a:lumMod val="40000"/>
+                              <a:lumOff val="60000"/>
+                            </a:schemeClr>
+                          </a:solidFill>
+                        </a:rPr>
+                        <a:t>Debug &amp; Final Touch</a:t>
+                      </a:r>
                       <a:endParaRPr lang="en-US" altLang="ko-KR" sz="800" dirty="0" smtClean="0">
                         <a:solidFill>
                           <a:schemeClr val="tx2">
@@ -8222,6 +8275,13 @@
                         </a:solidFill>
                       </a:endParaRPr>
                     </a:p>
+                  </a:txBody>
+                  <a:tcPr/>
+                </a:tc>
+                <a:tc>
+                  <a:txBody>
+                    <a:bodyPr/>
+                    <a:lstStyle/>
                     <a:p>
                       <a:pPr latinLnBrk="1"/>
                       <a:r>
@@ -8233,55 +8293,11 @@
                             </a:schemeClr>
                           </a:solidFill>
                         </a:rPr>
-                        <a:t>Elixir</a:t>
-                      </a:r>
-                      <a:r>
-                        <a:rPr lang="en-US" altLang="ko-KR" sz="800" baseline="0" dirty="0" smtClean="0">
-                          <a:solidFill>
-                            <a:schemeClr val="tx2">
-                              <a:lumMod val="40000"/>
-                              <a:lumOff val="60000"/>
-                            </a:schemeClr>
-                          </a:solidFill>
-                        </a:rPr>
-                        <a:t>, </a:t>
-                      </a:r>
-                      <a:r>
-                        <a:rPr lang="ko-KR" altLang="en-US" sz="800" baseline="0" dirty="0" smtClean="0">
-                          <a:solidFill>
-                            <a:schemeClr val="tx2">
-                              <a:lumMod val="40000"/>
-                              <a:lumOff val="60000"/>
-                            </a:schemeClr>
-                          </a:solidFill>
-                        </a:rPr>
-                        <a:t>만병통치약</a:t>
-                      </a:r>
-                      <a:r>
-                        <a:rPr lang="en-US" altLang="ko-KR" sz="800" baseline="0" dirty="0" smtClean="0">
-                          <a:solidFill>
-                            <a:schemeClr val="tx2">
-                              <a:lumMod val="40000"/>
-                              <a:lumOff val="60000"/>
-                            </a:schemeClr>
-                          </a:solidFill>
-                        </a:rPr>
-                        <a:t>?</a:t>
-                      </a:r>
-                    </a:p>
-                    <a:p>
-                      <a:pPr latinLnBrk="1"/>
-                      <a:r>
-                        <a:rPr lang="en-US" altLang="ko-KR" sz="800" baseline="0" dirty="0" smtClean="0">
-                          <a:solidFill>
-                            <a:schemeClr val="tx2">
-                              <a:lumMod val="40000"/>
-                              <a:lumOff val="60000"/>
-                            </a:schemeClr>
-                          </a:solidFill>
-                        </a:rPr>
-                        <a:t>Debug &amp; Final Touch</a:t>
-                      </a:r>
+                        <a:t>23</a:t>
+                      </a:r>
+                    </a:p>
+                    <a:p>
+                      <a:pPr latinLnBrk="1"/>
                       <a:endParaRPr lang="en-US" altLang="ko-KR" sz="800" dirty="0" smtClean="0">
                         <a:solidFill>
                           <a:schemeClr val="tx2">
@@ -8291,13 +8307,6 @@
                         </a:solidFill>
                       </a:endParaRPr>
                     </a:p>
-                  </a:txBody>
-                  <a:tcPr/>
-                </a:tc>
-                <a:tc>
-                  <a:txBody>
-                    <a:bodyPr/>
-                    <a:lstStyle/>
                     <a:p>
                       <a:pPr latinLnBrk="1"/>
                       <a:r>
@@ -8309,41 +8318,8 @@
                             </a:schemeClr>
                           </a:solidFill>
                         </a:rPr>
-                        <a:t>23</a:t>
-                      </a:r>
-                    </a:p>
-                    <a:p>
-                      <a:pPr latinLnBrk="1"/>
-                      <a:endParaRPr lang="en-US" altLang="ko-KR" sz="800" dirty="0" smtClean="0">
-                        <a:solidFill>
-                          <a:schemeClr val="tx2">
-                            <a:lumMod val="40000"/>
-                            <a:lumOff val="60000"/>
-                          </a:schemeClr>
-                        </a:solidFill>
-                      </a:endParaRPr>
-                    </a:p>
-                    <a:p>
-                      <a:pPr latinLnBrk="1"/>
-                      <a:r>
-                        <a:rPr lang="en-US" altLang="ko-KR" sz="800" dirty="0" smtClean="0">
-                          <a:solidFill>
-                            <a:schemeClr val="tx2">
-                              <a:lumMod val="40000"/>
-                              <a:lumOff val="60000"/>
-                            </a:schemeClr>
-                          </a:solidFill>
-                        </a:rPr>
                         <a:t>null</a:t>
                       </a:r>
-                      <a:endParaRPr lang="en-US" altLang="ko-KR" sz="800" dirty="0" smtClean="0">
-                        <a:solidFill>
-                          <a:schemeClr val="tx2">
-                            <a:lumMod val="40000"/>
-                            <a:lumOff val="60000"/>
-                          </a:schemeClr>
-                        </a:solidFill>
-                      </a:endParaRPr>
                     </a:p>
                   </a:txBody>
                   <a:tcPr/>
@@ -9905,6 +9881,46 @@
                 <a:schemeClr val="tx1"/>
               </a:solidFill>
             </a:endParaRPr>
+          </a:p>
+        </p:txBody>
+      </p:sp>
+      <p:sp>
+        <p:nvSpPr>
+          <p:cNvPr id="24" name="타원 23"/>
+          <p:cNvSpPr/>
+          <p:nvPr/>
+        </p:nvSpPr>
+        <p:spPr>
+          <a:xfrm>
+            <a:off x="7274748" y="4203551"/>
+            <a:ext cx="134193" cy="144016"/>
+          </a:xfrm>
+          <a:prstGeom prst="ellipse">
+            <a:avLst/>
+          </a:prstGeom>
+        </p:spPr>
+        <p:style>
+          <a:lnRef idx="2">
+            <a:schemeClr val="accent1">
+              <a:shade val="50000"/>
+            </a:schemeClr>
+          </a:lnRef>
+          <a:fillRef idx="1">
+            <a:schemeClr val="accent1"/>
+          </a:fillRef>
+          <a:effectRef idx="0">
+            <a:schemeClr val="accent1"/>
+          </a:effectRef>
+          <a:fontRef idx="minor">
+            <a:schemeClr val="lt1"/>
+          </a:fontRef>
+        </p:style>
+        <p:txBody>
+          <a:bodyPr rtlCol="0" anchor="ctr"/>
+          <a:lstStyle/>
+          <a:p>
+            <a:pPr algn="ctr"/>
+            <a:endParaRPr lang="ko-KR" altLang="en-US"/>
           </a:p>
         </p:txBody>
       </p:sp>

--- a/Monthly Plan.pptx
+++ b/Monthly Plan.pptx
@@ -195,7 +195,7 @@
           <a:p>
             <a:fld id="{E1E76E78-0C2A-445E-B35D-3ADF0836B2B3}" type="datetimeFigureOut">
               <a:rPr lang="ko-KR" altLang="en-US" smtClean="0"/>
-              <a:t>2018-05-18</a:t>
+              <a:t>2018-05-22</a:t>
             </a:fld>
             <a:endParaRPr lang="ko-KR" altLang="en-US"/>
           </a:p>
@@ -812,7 +812,7 @@
           <a:p>
             <a:fld id="{48C2848A-6F74-48C5-A4CD-91F929EC3187}" type="datetimeFigureOut">
               <a:rPr lang="ko-KR" altLang="en-US" smtClean="0"/>
-              <a:t>2018-05-18</a:t>
+              <a:t>2018-05-22</a:t>
             </a:fld>
             <a:endParaRPr lang="ko-KR" altLang="en-US"/>
           </a:p>
@@ -982,7 +982,7 @@
           <a:p>
             <a:fld id="{48C2848A-6F74-48C5-A4CD-91F929EC3187}" type="datetimeFigureOut">
               <a:rPr lang="ko-KR" altLang="en-US" smtClean="0"/>
-              <a:t>2018-05-18</a:t>
+              <a:t>2018-05-22</a:t>
             </a:fld>
             <a:endParaRPr lang="ko-KR" altLang="en-US"/>
           </a:p>
@@ -1162,7 +1162,7 @@
           <a:p>
             <a:fld id="{48C2848A-6F74-48C5-A4CD-91F929EC3187}" type="datetimeFigureOut">
               <a:rPr lang="ko-KR" altLang="en-US" smtClean="0"/>
-              <a:t>2018-05-18</a:t>
+              <a:t>2018-05-22</a:t>
             </a:fld>
             <a:endParaRPr lang="ko-KR" altLang="en-US"/>
           </a:p>
@@ -1332,7 +1332,7 @@
           <a:p>
             <a:fld id="{48C2848A-6F74-48C5-A4CD-91F929EC3187}" type="datetimeFigureOut">
               <a:rPr lang="ko-KR" altLang="en-US" smtClean="0"/>
-              <a:t>2018-05-18</a:t>
+              <a:t>2018-05-22</a:t>
             </a:fld>
             <a:endParaRPr lang="ko-KR" altLang="en-US"/>
           </a:p>
@@ -1578,7 +1578,7 @@
           <a:p>
             <a:fld id="{48C2848A-6F74-48C5-A4CD-91F929EC3187}" type="datetimeFigureOut">
               <a:rPr lang="ko-KR" altLang="en-US" smtClean="0"/>
-              <a:t>2018-05-18</a:t>
+              <a:t>2018-05-22</a:t>
             </a:fld>
             <a:endParaRPr lang="ko-KR" altLang="en-US"/>
           </a:p>
@@ -1866,7 +1866,7 @@
           <a:p>
             <a:fld id="{48C2848A-6F74-48C5-A4CD-91F929EC3187}" type="datetimeFigureOut">
               <a:rPr lang="ko-KR" altLang="en-US" smtClean="0"/>
-              <a:t>2018-05-18</a:t>
+              <a:t>2018-05-22</a:t>
             </a:fld>
             <a:endParaRPr lang="ko-KR" altLang="en-US"/>
           </a:p>
@@ -2288,7 +2288,7 @@
           <a:p>
             <a:fld id="{48C2848A-6F74-48C5-A4CD-91F929EC3187}" type="datetimeFigureOut">
               <a:rPr lang="ko-KR" altLang="en-US" smtClean="0"/>
-              <a:t>2018-05-18</a:t>
+              <a:t>2018-05-22</a:t>
             </a:fld>
             <a:endParaRPr lang="ko-KR" altLang="en-US"/>
           </a:p>
@@ -2406,7 +2406,7 @@
           <a:p>
             <a:fld id="{48C2848A-6F74-48C5-A4CD-91F929EC3187}" type="datetimeFigureOut">
               <a:rPr lang="ko-KR" altLang="en-US" smtClean="0"/>
-              <a:t>2018-05-18</a:t>
+              <a:t>2018-05-22</a:t>
             </a:fld>
             <a:endParaRPr lang="ko-KR" altLang="en-US"/>
           </a:p>
@@ -2501,7 +2501,7 @@
           <a:p>
             <a:fld id="{48C2848A-6F74-48C5-A4CD-91F929EC3187}" type="datetimeFigureOut">
               <a:rPr lang="ko-KR" altLang="en-US" smtClean="0"/>
-              <a:t>2018-05-18</a:t>
+              <a:t>2018-05-22</a:t>
             </a:fld>
             <a:endParaRPr lang="ko-KR" altLang="en-US"/>
           </a:p>
@@ -2778,7 +2778,7 @@
           <a:p>
             <a:fld id="{48C2848A-6F74-48C5-A4CD-91F929EC3187}" type="datetimeFigureOut">
               <a:rPr lang="ko-KR" altLang="en-US" smtClean="0"/>
-              <a:t>2018-05-18</a:t>
+              <a:t>2018-05-22</a:t>
             </a:fld>
             <a:endParaRPr lang="ko-KR" altLang="en-US"/>
           </a:p>
@@ -3031,7 +3031,7 @@
           <a:p>
             <a:fld id="{48C2848A-6F74-48C5-A4CD-91F929EC3187}" type="datetimeFigureOut">
               <a:rPr lang="ko-KR" altLang="en-US" smtClean="0"/>
-              <a:t>2018-05-18</a:t>
+              <a:t>2018-05-22</a:t>
             </a:fld>
             <a:endParaRPr lang="ko-KR" altLang="en-US"/>
           </a:p>
@@ -3244,7 +3244,7 @@
           <a:p>
             <a:fld id="{48C2848A-6F74-48C5-A4CD-91F929EC3187}" type="datetimeFigureOut">
               <a:rPr lang="ko-KR" altLang="en-US" smtClean="0"/>
-              <a:t>2018-05-18</a:t>
+              <a:t>2018-05-22</a:t>
             </a:fld>
             <a:endParaRPr lang="ko-KR" altLang="en-US"/>
           </a:p>
@@ -4664,7 +4664,7 @@
             <p:ph idx="1"/>
             <p:extLst>
               <p:ext uri="{D42A27DB-BD31-4B8C-83A1-F6EECF244321}">
-                <p14:modId xmlns:p14="http://schemas.microsoft.com/office/powerpoint/2010/main" val="403703553"/>
+                <p14:modId xmlns:p14="http://schemas.microsoft.com/office/powerpoint/2010/main" val="2860714258"/>
               </p:ext>
             </p:extLst>
           </p:nvPr>
@@ -8177,6 +8177,235 @@
                       </a:r>
                     </a:p>
                     <a:p>
+                      <a:pPr latinLnBrk="1"/>
+                      <a:endParaRPr lang="en-US" altLang="ko-KR" sz="800" dirty="0" smtClean="0">
+                        <a:solidFill>
+                          <a:schemeClr val="tx2">
+                            <a:lumMod val="40000"/>
+                            <a:lumOff val="60000"/>
+                          </a:schemeClr>
+                        </a:solidFill>
+                      </a:endParaRPr>
+                    </a:p>
+                    <a:p>
+                      <a:pPr latinLnBrk="1"/>
+                      <a:endParaRPr lang="en-US" altLang="ko-KR" sz="800" dirty="0" smtClean="0">
+                        <a:solidFill>
+                          <a:schemeClr val="tx2">
+                            <a:lumMod val="40000"/>
+                            <a:lumOff val="60000"/>
+                          </a:schemeClr>
+                        </a:solidFill>
+                      </a:endParaRPr>
+                    </a:p>
+                  </a:txBody>
+                  <a:tcPr/>
+                </a:tc>
+                <a:tc>
+                  <a:txBody>
+                    <a:bodyPr/>
+                    <a:lstStyle/>
+                    <a:p>
+                      <a:pPr latinLnBrk="1"/>
+                      <a:r>
+                        <a:rPr lang="en-US" altLang="ko-KR" sz="800" dirty="0" smtClean="0">
+                          <a:solidFill>
+                            <a:schemeClr val="tx2">
+                              <a:lumMod val="40000"/>
+                              <a:lumOff val="60000"/>
+                            </a:schemeClr>
+                          </a:solidFill>
+                        </a:rPr>
+                        <a:t>23</a:t>
+                      </a:r>
+                    </a:p>
+                    <a:p>
+                      <a:pPr latinLnBrk="1"/>
+                      <a:endParaRPr lang="en-US" altLang="ko-KR" sz="800" dirty="0" smtClean="0">
+                        <a:solidFill>
+                          <a:schemeClr val="tx2">
+                            <a:lumMod val="40000"/>
+                            <a:lumOff val="60000"/>
+                          </a:schemeClr>
+                        </a:solidFill>
+                      </a:endParaRPr>
+                    </a:p>
+                    <a:p>
+                      <a:pPr latinLnBrk="1"/>
+                      <a:r>
+                        <a:rPr lang="ko-KR" altLang="en-US" sz="800" baseline="0" dirty="0" smtClean="0">
+                          <a:solidFill>
+                            <a:schemeClr val="tx2">
+                              <a:lumMod val="40000"/>
+                              <a:lumOff val="60000"/>
+                            </a:schemeClr>
+                          </a:solidFill>
+                        </a:rPr>
+                        <a:t>이벤트</a:t>
+                      </a:r>
+                      <a:endParaRPr lang="en-US" altLang="ko-KR" sz="800" dirty="0" smtClean="0">
+                        <a:solidFill>
+                          <a:schemeClr val="tx2">
+                            <a:lumMod val="40000"/>
+                            <a:lumOff val="60000"/>
+                          </a:schemeClr>
+                        </a:solidFill>
+                      </a:endParaRPr>
+                    </a:p>
+                    <a:p>
+                      <a:pPr latinLnBrk="1"/>
+                      <a:r>
+                        <a:rPr lang="ko-KR" altLang="en-US" sz="800" baseline="0" dirty="0" smtClean="0">
+                          <a:solidFill>
+                            <a:schemeClr val="tx2">
+                              <a:lumMod val="40000"/>
+                              <a:lumOff val="60000"/>
+                            </a:schemeClr>
+                          </a:solidFill>
+                        </a:rPr>
+                        <a:t>입력 값 유효성 검사</a:t>
+                      </a:r>
+                      <a:endParaRPr lang="en-US" altLang="ko-KR" sz="800" baseline="0" dirty="0" smtClean="0">
+                        <a:solidFill>
+                          <a:schemeClr val="tx2">
+                            <a:lumMod val="40000"/>
+                            <a:lumOff val="60000"/>
+                          </a:schemeClr>
+                        </a:solidFill>
+                      </a:endParaRPr>
+                    </a:p>
+                    <a:p>
+                      <a:pPr latinLnBrk="1"/>
+                      <a:r>
+                        <a:rPr lang="ko-KR" altLang="en-US" sz="800" baseline="0" dirty="0" smtClean="0">
+                          <a:solidFill>
+                            <a:schemeClr val="tx2">
+                              <a:lumMod val="40000"/>
+                              <a:lumOff val="60000"/>
+                            </a:schemeClr>
+                          </a:solidFill>
+                        </a:rPr>
+                        <a:t>예외처리</a:t>
+                      </a:r>
+                      <a:endParaRPr lang="en-US" altLang="ko-KR" sz="800" dirty="0" smtClean="0">
+                        <a:solidFill>
+                          <a:schemeClr val="tx2">
+                            <a:lumMod val="40000"/>
+                            <a:lumOff val="60000"/>
+                          </a:schemeClr>
+                        </a:solidFill>
+                      </a:endParaRPr>
+                    </a:p>
+                    <a:p>
+                      <a:pPr latinLnBrk="1"/>
+                      <a:endParaRPr lang="en-US" altLang="ko-KR" sz="800" dirty="0" smtClean="0">
+                        <a:solidFill>
+                          <a:schemeClr val="tx2">
+                            <a:lumMod val="40000"/>
+                            <a:lumOff val="60000"/>
+                          </a:schemeClr>
+                        </a:solidFill>
+                      </a:endParaRPr>
+                    </a:p>
+                  </a:txBody>
+                  <a:tcPr/>
+                </a:tc>
+                <a:tc>
+                  <a:txBody>
+                    <a:bodyPr/>
+                    <a:lstStyle/>
+                    <a:p>
+                      <a:pPr latinLnBrk="1"/>
+                      <a:r>
+                        <a:rPr lang="en-US" altLang="ko-KR" sz="800" dirty="0" smtClean="0">
+                          <a:solidFill>
+                            <a:schemeClr val="tx2">
+                              <a:lumMod val="40000"/>
+                              <a:lumOff val="60000"/>
+                            </a:schemeClr>
+                          </a:solidFill>
+                        </a:rPr>
+                        <a:t>24</a:t>
+                      </a:r>
+                    </a:p>
+                    <a:p>
+                      <a:pPr latinLnBrk="1"/>
+                      <a:endParaRPr lang="en-US" altLang="ko-KR" sz="800" dirty="0" smtClean="0">
+                        <a:solidFill>
+                          <a:schemeClr val="tx2">
+                            <a:lumMod val="40000"/>
+                            <a:lumOff val="60000"/>
+                          </a:schemeClr>
+                        </a:solidFill>
+                      </a:endParaRPr>
+                    </a:p>
+                    <a:p>
+                      <a:pPr latinLnBrk="1"/>
+                      <a:r>
+                        <a:rPr lang="en-US" altLang="ko-KR" sz="800" dirty="0" smtClean="0">
+                          <a:solidFill>
+                            <a:schemeClr val="tx2">
+                              <a:lumMod val="40000"/>
+                              <a:lumOff val="60000"/>
+                            </a:schemeClr>
+                          </a:solidFill>
+                        </a:rPr>
+                        <a:t>Document </a:t>
+                      </a:r>
+                      <a:r>
+                        <a:rPr lang="ko-KR" altLang="en-US" sz="800" dirty="0" smtClean="0">
+                          <a:solidFill>
+                            <a:schemeClr val="tx2">
+                              <a:lumMod val="40000"/>
+                              <a:lumOff val="60000"/>
+                            </a:schemeClr>
+                          </a:solidFill>
+                        </a:rPr>
+                        <a:t>모델</a:t>
+                      </a:r>
+                      <a:endParaRPr lang="en-US" altLang="ko-KR" sz="800" dirty="0" smtClean="0">
+                        <a:solidFill>
+                          <a:schemeClr val="tx2">
+                            <a:lumMod val="40000"/>
+                            <a:lumOff val="60000"/>
+                          </a:schemeClr>
+                        </a:solidFill>
+                      </a:endParaRPr>
+                    </a:p>
+                    <a:p>
+                      <a:pPr latinLnBrk="1"/>
+                      <a:r>
+                        <a:rPr lang="en-US" altLang="ko-KR" sz="800" dirty="0" smtClean="0">
+                          <a:solidFill>
+                            <a:schemeClr val="tx2">
+                              <a:lumMod val="40000"/>
+                              <a:lumOff val="60000"/>
+                            </a:schemeClr>
+                          </a:solidFill>
+                        </a:rPr>
+                        <a:t>Document </a:t>
+                      </a:r>
+                      <a:r>
+                        <a:rPr lang="ko-KR" altLang="en-US" sz="800" dirty="0" smtClean="0">
+                          <a:solidFill>
+                            <a:schemeClr val="tx2">
+                              <a:lumMod val="40000"/>
+                              <a:lumOff val="60000"/>
+                            </a:schemeClr>
+                          </a:solidFill>
+                        </a:rPr>
+                        <a:t>컨트롤러</a:t>
+                      </a:r>
+                      <a:endParaRPr lang="en-US" altLang="ko-KR" sz="800" dirty="0" smtClean="0">
+                        <a:solidFill>
+                          <a:schemeClr val="tx2">
+                            <a:lumMod val="40000"/>
+                            <a:lumOff val="60000"/>
+                          </a:schemeClr>
+                        </a:solidFill>
+                      </a:endParaRPr>
+                    </a:p>
+                    <a:p>
                       <a:pPr marL="0" marR="0" indent="0" algn="l" defTabSz="914400" rtl="0" eaLnBrk="1" fontAlgn="auto" latinLnBrk="1" hangingPunct="1">
                         <a:lnSpc>
                           <a:spcPct val="100000"/>
@@ -8195,6 +8424,27 @@
                         <a:defRPr/>
                       </a:pPr>
                       <a:r>
+                        <a:rPr lang="en-US" altLang="ko-KR" sz="800" smtClean="0">
+                          <a:solidFill>
+                            <a:schemeClr val="tx2">
+                              <a:lumMod val="40000"/>
+                              <a:lumOff val="60000"/>
+                            </a:schemeClr>
+                          </a:solidFill>
+                        </a:rPr>
+                        <a:t>Cache</a:t>
+                      </a:r>
+                    </a:p>
+                  </a:txBody>
+                  <a:tcPr/>
+                </a:tc>
+                <a:tc>
+                  <a:txBody>
+                    <a:bodyPr/>
+                    <a:lstStyle/>
+                    <a:p>
+                      <a:pPr latinLnBrk="1"/>
+                      <a:r>
                         <a:rPr lang="en-US" altLang="ko-KR" sz="800" dirty="0" smtClean="0">
                           <a:solidFill>
                             <a:schemeClr val="tx2">
@@ -8203,69 +8453,11 @@
                             </a:schemeClr>
                           </a:solidFill>
                         </a:rPr>
-                        <a:t>Cache</a:t>
-                      </a:r>
-                    </a:p>
-                    <a:p>
-                      <a:pPr latinLnBrk="1"/>
-                      <a:r>
-                        <a:rPr lang="en-US" altLang="ko-KR" sz="800" dirty="0" smtClean="0">
-                          <a:solidFill>
-                            <a:schemeClr val="tx2">
-                              <a:lumMod val="40000"/>
-                              <a:lumOff val="60000"/>
-                            </a:schemeClr>
-                          </a:solidFill>
-                        </a:rPr>
-                        <a:t>Elixir</a:t>
-                      </a:r>
-                      <a:r>
-                        <a:rPr lang="en-US" altLang="ko-KR" sz="800" baseline="0" dirty="0" smtClean="0">
-                          <a:solidFill>
-                            <a:schemeClr val="tx2">
-                              <a:lumMod val="40000"/>
-                              <a:lumOff val="60000"/>
-                            </a:schemeClr>
-                          </a:solidFill>
-                        </a:rPr>
-                        <a:t>, </a:t>
-                      </a:r>
-                      <a:r>
-                        <a:rPr lang="ko-KR" altLang="en-US" sz="800" baseline="0" dirty="0" smtClean="0">
-                          <a:solidFill>
-                            <a:schemeClr val="tx2">
-                              <a:lumMod val="40000"/>
-                              <a:lumOff val="60000"/>
-                            </a:schemeClr>
-                          </a:solidFill>
-                        </a:rPr>
-                        <a:t>만병통치약</a:t>
-                      </a:r>
-                      <a:r>
-                        <a:rPr lang="en-US" altLang="ko-KR" sz="800" baseline="0" dirty="0" smtClean="0">
-                          <a:solidFill>
-                            <a:schemeClr val="tx2">
-                              <a:lumMod val="40000"/>
-                              <a:lumOff val="60000"/>
-                            </a:schemeClr>
-                          </a:solidFill>
-                        </a:rPr>
-                        <a:t>?</a:t>
-                      </a:r>
-                    </a:p>
-                    <a:p>
-                      <a:pPr latinLnBrk="1"/>
-                      <a:r>
-                        <a:rPr lang="en-US" altLang="ko-KR" sz="800" baseline="0" dirty="0" smtClean="0">
-                          <a:solidFill>
-                            <a:schemeClr val="tx2">
-                              <a:lumMod val="40000"/>
-                              <a:lumOff val="60000"/>
-                            </a:schemeClr>
-                          </a:solidFill>
-                        </a:rPr>
-                        <a:t>Debug &amp; Final Touch</a:t>
-                      </a:r>
+                        <a:t>25</a:t>
+                      </a:r>
+                    </a:p>
+                    <a:p>
+                      <a:pPr latinLnBrk="1"/>
                       <a:endParaRPr lang="en-US" altLang="ko-KR" sz="800" dirty="0" smtClean="0">
                         <a:solidFill>
                           <a:schemeClr val="tx2">
@@ -8275,13 +8467,6 @@
                         </a:solidFill>
                       </a:endParaRPr>
                     </a:p>
-                  </a:txBody>
-                  <a:tcPr/>
-                </a:tc>
-                <a:tc>
-                  <a:txBody>
-                    <a:bodyPr/>
-                    <a:lstStyle/>
                     <a:p>
                       <a:pPr latinLnBrk="1"/>
                       <a:r>
@@ -8293,11 +8478,55 @@
                             </a:schemeClr>
                           </a:solidFill>
                         </a:rPr>
-                        <a:t>23</a:t>
-                      </a:r>
-                    </a:p>
-                    <a:p>
-                      <a:pPr latinLnBrk="1"/>
+                        <a:t>Elixir</a:t>
+                      </a:r>
+                      <a:r>
+                        <a:rPr lang="en-US" altLang="ko-KR" sz="800" baseline="0" dirty="0" smtClean="0">
+                          <a:solidFill>
+                            <a:schemeClr val="tx2">
+                              <a:lumMod val="40000"/>
+                              <a:lumOff val="60000"/>
+                            </a:schemeClr>
+                          </a:solidFill>
+                        </a:rPr>
+                        <a:t>, </a:t>
+                      </a:r>
+                      <a:r>
+                        <a:rPr lang="ko-KR" altLang="en-US" sz="800" baseline="0" dirty="0" smtClean="0">
+                          <a:solidFill>
+                            <a:schemeClr val="tx2">
+                              <a:lumMod val="40000"/>
+                              <a:lumOff val="60000"/>
+                            </a:schemeClr>
+                          </a:solidFill>
+                        </a:rPr>
+                        <a:t>만병통치약</a:t>
+                      </a:r>
+                      <a:r>
+                        <a:rPr lang="en-US" altLang="ko-KR" sz="800" baseline="0" dirty="0" smtClean="0">
+                          <a:solidFill>
+                            <a:schemeClr val="tx2">
+                              <a:lumMod val="40000"/>
+                              <a:lumOff val="60000"/>
+                            </a:schemeClr>
+                          </a:solidFill>
+                        </a:rPr>
+                        <a:t>?</a:t>
+                      </a:r>
+                    </a:p>
+                    <a:p>
+                      <a:pPr latinLnBrk="1"/>
+                      <a:r>
+                        <a:rPr lang="en-US" altLang="ko-KR" sz="800" baseline="0" dirty="0" smtClean="0">
+                          <a:solidFill>
+                            <a:schemeClr val="tx2">
+                              <a:lumMod val="40000"/>
+                              <a:lumOff val="60000"/>
+                            </a:schemeClr>
+                          </a:solidFill>
+                        </a:rPr>
+                        <a:t>Debug &amp; Final Touch</a:t>
+                      </a:r>
                       <a:endParaRPr lang="en-US" altLang="ko-KR" sz="800" dirty="0" smtClean="0">
                         <a:solidFill>
                           <a:schemeClr val="tx2">
@@ -8309,17 +8538,14 @@
                     </a:p>
                     <a:p>
                       <a:pPr latinLnBrk="1"/>
-                      <a:r>
-                        <a:rPr lang="en-US" altLang="ko-KR" sz="800" dirty="0" smtClean="0">
-                          <a:solidFill>
-                            <a:schemeClr val="tx2">
-                              <a:lumMod val="40000"/>
-                              <a:lumOff val="60000"/>
-                            </a:schemeClr>
-                          </a:solidFill>
-                        </a:rPr>
-                        <a:t>null</a:t>
-                      </a:r>
+                      <a:endParaRPr lang="en-US" altLang="ko-KR" sz="800" dirty="0" smtClean="0">
+                        <a:solidFill>
+                          <a:schemeClr val="tx2">
+                            <a:lumMod val="40000"/>
+                            <a:lumOff val="60000"/>
+                          </a:schemeClr>
+                        </a:solidFill>
+                      </a:endParaRPr>
                     </a:p>
                   </a:txBody>
                   <a:tcPr/>
@@ -8339,7 +8565,7 @@
                             </a:schemeClr>
                           </a:solidFill>
                         </a:rPr>
-                        <a:t>24</a:t>
+                        <a:t>26</a:t>
                       </a:r>
                     </a:p>
                     <a:p>
@@ -8482,92 +8708,6 @@
                         </a:rPr>
                         <a:t>강</a:t>
                       </a:r>
-                      <a:endParaRPr lang="en-US" altLang="ko-KR" sz="800" dirty="0" smtClean="0">
-                        <a:solidFill>
-                          <a:schemeClr val="tx2">
-                            <a:lumMod val="40000"/>
-                            <a:lumOff val="60000"/>
-                          </a:schemeClr>
-                        </a:solidFill>
-                      </a:endParaRPr>
-                    </a:p>
-                    <a:p>
-                      <a:pPr latinLnBrk="1"/>
-                      <a:endParaRPr lang="en-US" altLang="ko-KR" sz="800" dirty="0" smtClean="0">
-                        <a:solidFill>
-                          <a:schemeClr val="tx2">
-                            <a:lumMod val="40000"/>
-                            <a:lumOff val="60000"/>
-                          </a:schemeClr>
-                        </a:solidFill>
-                      </a:endParaRPr>
-                    </a:p>
-                  </a:txBody>
-                  <a:tcPr/>
-                </a:tc>
-                <a:tc>
-                  <a:txBody>
-                    <a:bodyPr/>
-                    <a:lstStyle/>
-                    <a:p>
-                      <a:pPr latinLnBrk="1"/>
-                      <a:r>
-                        <a:rPr lang="en-US" altLang="ko-KR" sz="800" dirty="0" smtClean="0">
-                          <a:solidFill>
-                            <a:schemeClr val="tx2">
-                              <a:lumMod val="40000"/>
-                              <a:lumOff val="60000"/>
-                            </a:schemeClr>
-                          </a:solidFill>
-                        </a:rPr>
-                        <a:t>25</a:t>
-                      </a:r>
-                    </a:p>
-                    <a:p>
-                      <a:pPr latinLnBrk="1"/>
-                      <a:endParaRPr lang="en-US" altLang="ko-KR" sz="800" dirty="0" smtClean="0">
-                        <a:solidFill>
-                          <a:schemeClr val="tx2">
-                            <a:lumMod val="40000"/>
-                            <a:lumOff val="60000"/>
-                          </a:schemeClr>
-                        </a:solidFill>
-                      </a:endParaRPr>
-                    </a:p>
-                    <a:p>
-                      <a:pPr latinLnBrk="1"/>
-                      <a:endParaRPr lang="en-US" altLang="ko-KR" sz="800" dirty="0" smtClean="0">
-                        <a:solidFill>
-                          <a:schemeClr val="tx2">
-                            <a:lumMod val="40000"/>
-                            <a:lumOff val="60000"/>
-                          </a:schemeClr>
-                        </a:solidFill>
-                      </a:endParaRPr>
-                    </a:p>
-                  </a:txBody>
-                  <a:tcPr/>
-                </a:tc>
-                <a:tc>
-                  <a:txBody>
-                    <a:bodyPr/>
-                    <a:lstStyle/>
-                    <a:p>
-                      <a:pPr latinLnBrk="1"/>
-                      <a:r>
-                        <a:rPr lang="en-US" altLang="ko-KR" sz="800" dirty="0" smtClean="0">
-                          <a:solidFill>
-                            <a:schemeClr val="tx2">
-                              <a:lumMod val="40000"/>
-                              <a:lumOff val="60000"/>
-                            </a:schemeClr>
-                          </a:solidFill>
-                        </a:rPr>
-                        <a:t>26</a:t>
-                      </a:r>
-                    </a:p>
-                    <a:p>
-                      <a:pPr latinLnBrk="1"/>
                       <a:endParaRPr lang="en-US" altLang="ko-KR" sz="800" dirty="0" smtClean="0">
                         <a:solidFill>
                           <a:schemeClr val="tx2">
@@ -9921,6 +10061,138 @@
           <a:p>
             <a:pPr algn="ctr"/>
             <a:endParaRPr lang="ko-KR" altLang="en-US"/>
+          </a:p>
+        </p:txBody>
+      </p:sp>
+      <p:sp>
+        <p:nvSpPr>
+          <p:cNvPr id="28" name="&quot;없음&quot; 기호 27"/>
+          <p:cNvSpPr/>
+          <p:nvPr/>
+        </p:nvSpPr>
+        <p:spPr>
+          <a:xfrm>
+            <a:off x="8388424" y="4108266"/>
+            <a:ext cx="216024" cy="216024"/>
+          </a:xfrm>
+          <a:prstGeom prst="noSmoking">
+            <a:avLst/>
+          </a:prstGeom>
+        </p:spPr>
+        <p:style>
+          <a:lnRef idx="2">
+            <a:schemeClr val="accent1">
+              <a:shade val="50000"/>
+            </a:schemeClr>
+          </a:lnRef>
+          <a:fillRef idx="1">
+            <a:schemeClr val="accent1"/>
+          </a:fillRef>
+          <a:effectRef idx="0">
+            <a:schemeClr val="accent1"/>
+          </a:effectRef>
+          <a:fontRef idx="minor">
+            <a:schemeClr val="lt1"/>
+          </a:fontRef>
+        </p:style>
+        <p:txBody>
+          <a:bodyPr rtlCol="0" anchor="ctr"/>
+          <a:lstStyle/>
+          <a:p>
+            <a:pPr algn="ctr"/>
+            <a:endParaRPr lang="ko-KR" altLang="en-US">
+              <a:solidFill>
+                <a:schemeClr val="tx1"/>
+              </a:solidFill>
+            </a:endParaRPr>
+          </a:p>
+        </p:txBody>
+      </p:sp>
+      <p:sp>
+        <p:nvSpPr>
+          <p:cNvPr id="31" name="&quot;없음&quot; 기호 30"/>
+          <p:cNvSpPr/>
+          <p:nvPr/>
+        </p:nvSpPr>
+        <p:spPr>
+          <a:xfrm>
+            <a:off x="1288182" y="4941168"/>
+            <a:ext cx="216024" cy="216024"/>
+          </a:xfrm>
+          <a:prstGeom prst="noSmoking">
+            <a:avLst/>
+          </a:prstGeom>
+        </p:spPr>
+        <p:style>
+          <a:lnRef idx="2">
+            <a:schemeClr val="accent1">
+              <a:shade val="50000"/>
+            </a:schemeClr>
+          </a:lnRef>
+          <a:fillRef idx="1">
+            <a:schemeClr val="accent1"/>
+          </a:fillRef>
+          <a:effectRef idx="0">
+            <a:schemeClr val="accent1"/>
+          </a:effectRef>
+          <a:fontRef idx="minor">
+            <a:schemeClr val="lt1"/>
+          </a:fontRef>
+        </p:style>
+        <p:txBody>
+          <a:bodyPr rtlCol="0" anchor="ctr"/>
+          <a:lstStyle/>
+          <a:p>
+            <a:pPr algn="ctr"/>
+            <a:endParaRPr lang="ko-KR" altLang="en-US">
+              <a:solidFill>
+                <a:schemeClr val="tx1"/>
+              </a:solidFill>
+            </a:endParaRPr>
+          </a:p>
+        </p:txBody>
+      </p:sp>
+      <p:sp>
+        <p:nvSpPr>
+          <p:cNvPr id="32" name="&quot;없음&quot; 기호 31"/>
+          <p:cNvSpPr/>
+          <p:nvPr/>
+        </p:nvSpPr>
+        <p:spPr>
+          <a:xfrm>
+            <a:off x="2539616" y="4859486"/>
+            <a:ext cx="216024" cy="216024"/>
+          </a:xfrm>
+          <a:prstGeom prst="noSmoking">
+            <a:avLst/>
+          </a:prstGeom>
+        </p:spPr>
+        <p:style>
+          <a:lnRef idx="2">
+            <a:schemeClr val="accent1">
+              <a:shade val="50000"/>
+            </a:schemeClr>
+          </a:lnRef>
+          <a:fillRef idx="1">
+            <a:schemeClr val="accent1"/>
+          </a:fillRef>
+          <a:effectRef idx="0">
+            <a:schemeClr val="accent1"/>
+          </a:effectRef>
+          <a:fontRef idx="minor">
+            <a:schemeClr val="lt1"/>
+          </a:fontRef>
+        </p:style>
+        <p:txBody>
+          <a:bodyPr rtlCol="0" anchor="ctr"/>
+          <a:lstStyle/>
+          <a:p>
+            <a:pPr algn="ctr"/>
+            <a:endParaRPr lang="ko-KR" altLang="en-US">
+              <a:solidFill>
+                <a:schemeClr val="tx1"/>
+              </a:solidFill>
+            </a:endParaRPr>
           </a:p>
         </p:txBody>
       </p:sp>

--- a/Monthly Plan.pptx
+++ b/Monthly Plan.pptx
@@ -195,7 +195,7 @@
           <a:p>
             <a:fld id="{E1E76E78-0C2A-445E-B35D-3ADF0836B2B3}" type="datetimeFigureOut">
               <a:rPr lang="ko-KR" altLang="en-US" smtClean="0"/>
-              <a:t>2018-05-22</a:t>
+              <a:t>2018-05-24</a:t>
             </a:fld>
             <a:endParaRPr lang="ko-KR" altLang="en-US"/>
           </a:p>
@@ -812,7 +812,7 @@
           <a:p>
             <a:fld id="{48C2848A-6F74-48C5-A4CD-91F929EC3187}" type="datetimeFigureOut">
               <a:rPr lang="ko-KR" altLang="en-US" smtClean="0"/>
-              <a:t>2018-05-22</a:t>
+              <a:t>2018-05-24</a:t>
             </a:fld>
             <a:endParaRPr lang="ko-KR" altLang="en-US"/>
           </a:p>
@@ -982,7 +982,7 @@
           <a:p>
             <a:fld id="{48C2848A-6F74-48C5-A4CD-91F929EC3187}" type="datetimeFigureOut">
               <a:rPr lang="ko-KR" altLang="en-US" smtClean="0"/>
-              <a:t>2018-05-22</a:t>
+              <a:t>2018-05-24</a:t>
             </a:fld>
             <a:endParaRPr lang="ko-KR" altLang="en-US"/>
           </a:p>
@@ -1162,7 +1162,7 @@
           <a:p>
             <a:fld id="{48C2848A-6F74-48C5-A4CD-91F929EC3187}" type="datetimeFigureOut">
               <a:rPr lang="ko-KR" altLang="en-US" smtClean="0"/>
-              <a:t>2018-05-22</a:t>
+              <a:t>2018-05-24</a:t>
             </a:fld>
             <a:endParaRPr lang="ko-KR" altLang="en-US"/>
           </a:p>
@@ -1332,7 +1332,7 @@
           <a:p>
             <a:fld id="{48C2848A-6F74-48C5-A4CD-91F929EC3187}" type="datetimeFigureOut">
               <a:rPr lang="ko-KR" altLang="en-US" smtClean="0"/>
-              <a:t>2018-05-22</a:t>
+              <a:t>2018-05-24</a:t>
             </a:fld>
             <a:endParaRPr lang="ko-KR" altLang="en-US"/>
           </a:p>
@@ -1578,7 +1578,7 @@
           <a:p>
             <a:fld id="{48C2848A-6F74-48C5-A4CD-91F929EC3187}" type="datetimeFigureOut">
               <a:rPr lang="ko-KR" altLang="en-US" smtClean="0"/>
-              <a:t>2018-05-22</a:t>
+              <a:t>2018-05-24</a:t>
             </a:fld>
             <a:endParaRPr lang="ko-KR" altLang="en-US"/>
           </a:p>
@@ -1866,7 +1866,7 @@
           <a:p>
             <a:fld id="{48C2848A-6F74-48C5-A4CD-91F929EC3187}" type="datetimeFigureOut">
               <a:rPr lang="ko-KR" altLang="en-US" smtClean="0"/>
-              <a:t>2018-05-22</a:t>
+              <a:t>2018-05-24</a:t>
             </a:fld>
             <a:endParaRPr lang="ko-KR" altLang="en-US"/>
           </a:p>
@@ -2288,7 +2288,7 @@
           <a:p>
             <a:fld id="{48C2848A-6F74-48C5-A4CD-91F929EC3187}" type="datetimeFigureOut">
               <a:rPr lang="ko-KR" altLang="en-US" smtClean="0"/>
-              <a:t>2018-05-22</a:t>
+              <a:t>2018-05-24</a:t>
             </a:fld>
             <a:endParaRPr lang="ko-KR" altLang="en-US"/>
           </a:p>
@@ -2406,7 +2406,7 @@
           <a:p>
             <a:fld id="{48C2848A-6F74-48C5-A4CD-91F929EC3187}" type="datetimeFigureOut">
               <a:rPr lang="ko-KR" altLang="en-US" smtClean="0"/>
-              <a:t>2018-05-22</a:t>
+              <a:t>2018-05-24</a:t>
             </a:fld>
             <a:endParaRPr lang="ko-KR" altLang="en-US"/>
           </a:p>
@@ -2501,7 +2501,7 @@
           <a:p>
             <a:fld id="{48C2848A-6F74-48C5-A4CD-91F929EC3187}" type="datetimeFigureOut">
               <a:rPr lang="ko-KR" altLang="en-US" smtClean="0"/>
-              <a:t>2018-05-22</a:t>
+              <a:t>2018-05-24</a:t>
             </a:fld>
             <a:endParaRPr lang="ko-KR" altLang="en-US"/>
           </a:p>
@@ -2778,7 +2778,7 @@
           <a:p>
             <a:fld id="{48C2848A-6F74-48C5-A4CD-91F929EC3187}" type="datetimeFigureOut">
               <a:rPr lang="ko-KR" altLang="en-US" smtClean="0"/>
-              <a:t>2018-05-22</a:t>
+              <a:t>2018-05-24</a:t>
             </a:fld>
             <a:endParaRPr lang="ko-KR" altLang="en-US"/>
           </a:p>
@@ -3031,7 +3031,7 @@
           <a:p>
             <a:fld id="{48C2848A-6F74-48C5-A4CD-91F929EC3187}" type="datetimeFigureOut">
               <a:rPr lang="ko-KR" altLang="en-US" smtClean="0"/>
-              <a:t>2018-05-22</a:t>
+              <a:t>2018-05-24</a:t>
             </a:fld>
             <a:endParaRPr lang="ko-KR" altLang="en-US"/>
           </a:p>
@@ -3244,7 +3244,7 @@
           <a:p>
             <a:fld id="{48C2848A-6F74-48C5-A4CD-91F929EC3187}" type="datetimeFigureOut">
               <a:rPr lang="ko-KR" altLang="en-US" smtClean="0"/>
-              <a:t>2018-05-22</a:t>
+              <a:t>2018-05-24</a:t>
             </a:fld>
             <a:endParaRPr lang="ko-KR" altLang="en-US"/>
           </a:p>
@@ -4664,7 +4664,7 @@
             <p:ph idx="1"/>
             <p:extLst>
               <p:ext uri="{D42A27DB-BD31-4B8C-83A1-F6EECF244321}">
-                <p14:modId xmlns:p14="http://schemas.microsoft.com/office/powerpoint/2010/main" val="2860714258"/>
+                <p14:modId xmlns:p14="http://schemas.microsoft.com/office/powerpoint/2010/main" val="2256046755"/>
               </p:ext>
             </p:extLst>
           </p:nvPr>
@@ -8424,7 +8424,7 @@
                         <a:defRPr/>
                       </a:pPr>
                       <a:r>
-                        <a:rPr lang="en-US" altLang="ko-KR" sz="800" smtClean="0">
+                        <a:rPr lang="en-US" altLang="ko-KR" sz="800" dirty="0" smtClean="0">
                           <a:solidFill>
                             <a:schemeClr val="tx2">
                               <a:lumMod val="40000"/>
@@ -9004,6 +9004,9 @@
                         </a:rPr>
                         <a:t>8</a:t>
                       </a:r>
+                    </a:p>
+                    <a:p>
+                      <a:pPr algn="l" latinLnBrk="1"/>
                       <a:endParaRPr lang="ko-KR" altLang="en-US" sz="800" dirty="0">
                         <a:solidFill>
                           <a:schemeClr val="tx2"/>
@@ -10193,6 +10196,126 @@
                 <a:schemeClr val="tx1"/>
               </a:solidFill>
             </a:endParaRPr>
+          </a:p>
+        </p:txBody>
+      </p:sp>
+      <p:sp>
+        <p:nvSpPr>
+          <p:cNvPr id="33" name="타원 32"/>
+          <p:cNvSpPr/>
+          <p:nvPr/>
+        </p:nvSpPr>
+        <p:spPr>
+          <a:xfrm>
+            <a:off x="3725496" y="4931494"/>
+            <a:ext cx="134193" cy="144016"/>
+          </a:xfrm>
+          <a:prstGeom prst="ellipse">
+            <a:avLst/>
+          </a:prstGeom>
+        </p:spPr>
+        <p:style>
+          <a:lnRef idx="2">
+            <a:schemeClr val="accent1">
+              <a:shade val="50000"/>
+            </a:schemeClr>
+          </a:lnRef>
+          <a:fillRef idx="1">
+            <a:schemeClr val="accent1"/>
+          </a:fillRef>
+          <a:effectRef idx="0">
+            <a:schemeClr val="accent1"/>
+          </a:effectRef>
+          <a:fontRef idx="minor">
+            <a:schemeClr val="lt1"/>
+          </a:fontRef>
+        </p:style>
+        <p:txBody>
+          <a:bodyPr rtlCol="0" anchor="ctr"/>
+          <a:lstStyle/>
+          <a:p>
+            <a:pPr algn="ctr"/>
+            <a:endParaRPr lang="ko-KR" altLang="en-US"/>
+          </a:p>
+        </p:txBody>
+      </p:sp>
+      <p:sp>
+        <p:nvSpPr>
+          <p:cNvPr id="36" name="타원 35"/>
+          <p:cNvSpPr/>
+          <p:nvPr/>
+        </p:nvSpPr>
+        <p:spPr>
+          <a:xfrm>
+            <a:off x="6062863" y="4931494"/>
+            <a:ext cx="134193" cy="144016"/>
+          </a:xfrm>
+          <a:prstGeom prst="ellipse">
+            <a:avLst/>
+          </a:prstGeom>
+        </p:spPr>
+        <p:style>
+          <a:lnRef idx="2">
+            <a:schemeClr val="accent1">
+              <a:shade val="50000"/>
+            </a:schemeClr>
+          </a:lnRef>
+          <a:fillRef idx="1">
+            <a:schemeClr val="accent1"/>
+          </a:fillRef>
+          <a:effectRef idx="0">
+            <a:schemeClr val="accent1"/>
+          </a:effectRef>
+          <a:fontRef idx="minor">
+            <a:schemeClr val="lt1"/>
+          </a:fontRef>
+        </p:style>
+        <p:txBody>
+          <a:bodyPr rtlCol="0" anchor="ctr"/>
+          <a:lstStyle/>
+          <a:p>
+            <a:pPr algn="ctr"/>
+            <a:endParaRPr lang="ko-KR" altLang="en-US"/>
+          </a:p>
+        </p:txBody>
+      </p:sp>
+      <p:sp>
+        <p:nvSpPr>
+          <p:cNvPr id="37" name="타원 36"/>
+          <p:cNvSpPr/>
+          <p:nvPr/>
+        </p:nvSpPr>
+        <p:spPr>
+          <a:xfrm>
+            <a:off x="4950247" y="4956807"/>
+            <a:ext cx="134193" cy="144016"/>
+          </a:xfrm>
+          <a:prstGeom prst="ellipse">
+            <a:avLst/>
+          </a:prstGeom>
+        </p:spPr>
+        <p:style>
+          <a:lnRef idx="2">
+            <a:schemeClr val="accent1">
+              <a:shade val="50000"/>
+            </a:schemeClr>
+          </a:lnRef>
+          <a:fillRef idx="1">
+            <a:schemeClr val="accent1"/>
+          </a:fillRef>
+          <a:effectRef idx="0">
+            <a:schemeClr val="accent1"/>
+          </a:effectRef>
+          <a:fontRef idx="minor">
+            <a:schemeClr val="lt1"/>
+          </a:fontRef>
+        </p:style>
+        <p:txBody>
+          <a:bodyPr rtlCol="0" anchor="ctr"/>
+          <a:lstStyle/>
+          <a:p>
+            <a:pPr algn="ctr"/>
+            <a:endParaRPr lang="ko-KR" altLang="en-US"/>
           </a:p>
         </p:txBody>
       </p:sp>

--- a/Monthly Plan.pptx
+++ b/Monthly Plan.pptx
@@ -195,7 +195,7 @@
           <a:p>
             <a:fld id="{E1E76E78-0C2A-445E-B35D-3ADF0836B2B3}" type="datetimeFigureOut">
               <a:rPr lang="ko-KR" altLang="en-US" smtClean="0"/>
-              <a:t>2018-05-24</a:t>
+              <a:t>2018-05-28</a:t>
             </a:fld>
             <a:endParaRPr lang="ko-KR" altLang="en-US"/>
           </a:p>
@@ -812,7 +812,7 @@
           <a:p>
             <a:fld id="{48C2848A-6F74-48C5-A4CD-91F929EC3187}" type="datetimeFigureOut">
               <a:rPr lang="ko-KR" altLang="en-US" smtClean="0"/>
-              <a:t>2018-05-24</a:t>
+              <a:t>2018-05-28</a:t>
             </a:fld>
             <a:endParaRPr lang="ko-KR" altLang="en-US"/>
           </a:p>
@@ -982,7 +982,7 @@
           <a:p>
             <a:fld id="{48C2848A-6F74-48C5-A4CD-91F929EC3187}" type="datetimeFigureOut">
               <a:rPr lang="ko-KR" altLang="en-US" smtClean="0"/>
-              <a:t>2018-05-24</a:t>
+              <a:t>2018-05-28</a:t>
             </a:fld>
             <a:endParaRPr lang="ko-KR" altLang="en-US"/>
           </a:p>
@@ -1162,7 +1162,7 @@
           <a:p>
             <a:fld id="{48C2848A-6F74-48C5-A4CD-91F929EC3187}" type="datetimeFigureOut">
               <a:rPr lang="ko-KR" altLang="en-US" smtClean="0"/>
-              <a:t>2018-05-24</a:t>
+              <a:t>2018-05-28</a:t>
             </a:fld>
             <a:endParaRPr lang="ko-KR" altLang="en-US"/>
           </a:p>
@@ -1332,7 +1332,7 @@
           <a:p>
             <a:fld id="{48C2848A-6F74-48C5-A4CD-91F929EC3187}" type="datetimeFigureOut">
               <a:rPr lang="ko-KR" altLang="en-US" smtClean="0"/>
-              <a:t>2018-05-24</a:t>
+              <a:t>2018-05-28</a:t>
             </a:fld>
             <a:endParaRPr lang="ko-KR" altLang="en-US"/>
           </a:p>
@@ -1578,7 +1578,7 @@
           <a:p>
             <a:fld id="{48C2848A-6F74-48C5-A4CD-91F929EC3187}" type="datetimeFigureOut">
               <a:rPr lang="ko-KR" altLang="en-US" smtClean="0"/>
-              <a:t>2018-05-24</a:t>
+              <a:t>2018-05-28</a:t>
             </a:fld>
             <a:endParaRPr lang="ko-KR" altLang="en-US"/>
           </a:p>
@@ -1866,7 +1866,7 @@
           <a:p>
             <a:fld id="{48C2848A-6F74-48C5-A4CD-91F929EC3187}" type="datetimeFigureOut">
               <a:rPr lang="ko-KR" altLang="en-US" smtClean="0"/>
-              <a:t>2018-05-24</a:t>
+              <a:t>2018-05-28</a:t>
             </a:fld>
             <a:endParaRPr lang="ko-KR" altLang="en-US"/>
           </a:p>
@@ -2288,7 +2288,7 @@
           <a:p>
             <a:fld id="{48C2848A-6F74-48C5-A4CD-91F929EC3187}" type="datetimeFigureOut">
               <a:rPr lang="ko-KR" altLang="en-US" smtClean="0"/>
-              <a:t>2018-05-24</a:t>
+              <a:t>2018-05-28</a:t>
             </a:fld>
             <a:endParaRPr lang="ko-KR" altLang="en-US"/>
           </a:p>
@@ -2406,7 +2406,7 @@
           <a:p>
             <a:fld id="{48C2848A-6F74-48C5-A4CD-91F929EC3187}" type="datetimeFigureOut">
               <a:rPr lang="ko-KR" altLang="en-US" smtClean="0"/>
-              <a:t>2018-05-24</a:t>
+              <a:t>2018-05-28</a:t>
             </a:fld>
             <a:endParaRPr lang="ko-KR" altLang="en-US"/>
           </a:p>
@@ -2501,7 +2501,7 @@
           <a:p>
             <a:fld id="{48C2848A-6F74-48C5-A4CD-91F929EC3187}" type="datetimeFigureOut">
               <a:rPr lang="ko-KR" altLang="en-US" smtClean="0"/>
-              <a:t>2018-05-24</a:t>
+              <a:t>2018-05-28</a:t>
             </a:fld>
             <a:endParaRPr lang="ko-KR" altLang="en-US"/>
           </a:p>
@@ -2778,7 +2778,7 @@
           <a:p>
             <a:fld id="{48C2848A-6F74-48C5-A4CD-91F929EC3187}" type="datetimeFigureOut">
               <a:rPr lang="ko-KR" altLang="en-US" smtClean="0"/>
-              <a:t>2018-05-24</a:t>
+              <a:t>2018-05-28</a:t>
             </a:fld>
             <a:endParaRPr lang="ko-KR" altLang="en-US"/>
           </a:p>
@@ -3031,7 +3031,7 @@
           <a:p>
             <a:fld id="{48C2848A-6F74-48C5-A4CD-91F929EC3187}" type="datetimeFigureOut">
               <a:rPr lang="ko-KR" altLang="en-US" smtClean="0"/>
-              <a:t>2018-05-24</a:t>
+              <a:t>2018-05-28</a:t>
             </a:fld>
             <a:endParaRPr lang="ko-KR" altLang="en-US"/>
           </a:p>
@@ -3244,7 +3244,7 @@
           <a:p>
             <a:fld id="{48C2848A-6F74-48C5-A4CD-91F929EC3187}" type="datetimeFigureOut">
               <a:rPr lang="ko-KR" altLang="en-US" smtClean="0"/>
-              <a:t>2018-05-24</a:t>
+              <a:t>2018-05-28</a:t>
             </a:fld>
             <a:endParaRPr lang="ko-KR" altLang="en-US"/>
           </a:p>
@@ -4664,14 +4664,14 @@
             <p:ph idx="1"/>
             <p:extLst>
               <p:ext uri="{D42A27DB-BD31-4B8C-83A1-F6EECF244321}">
-                <p14:modId xmlns:p14="http://schemas.microsoft.com/office/powerpoint/2010/main" val="2256046755"/>
+                <p14:modId xmlns:p14="http://schemas.microsoft.com/office/powerpoint/2010/main" val="594470676"/>
               </p:ext>
             </p:extLst>
           </p:nvPr>
         </p:nvGraphicFramePr>
         <p:xfrm>
           <a:off x="457200" y="836712"/>
-          <a:ext cx="8229599" cy="5699863"/>
+          <a:ext cx="8229599" cy="5726792"/>
         </p:xfrm>
         <a:graphic>
           <a:graphicData uri="http://schemas.openxmlformats.org/drawingml/2006/table">
@@ -8745,8 +8745,56 @@
                             <a:schemeClr val="tx2"/>
                           </a:solidFill>
                         </a:rPr>
-                        <a:t>27 28 29</a:t>
-                      </a:r>
+                        <a:t>27 28 </a:t>
+                      </a:r>
+                      <a:r>
+                        <a:rPr lang="en-US" altLang="ko-KR" sz="800" baseline="0" dirty="0" smtClean="0">
+                          <a:solidFill>
+                            <a:schemeClr val="tx2"/>
+                          </a:solidFill>
+                        </a:rPr>
+                        <a:t>29</a:t>
+                      </a:r>
+                    </a:p>
+                    <a:p>
+                      <a:pPr algn="ctr" latinLnBrk="1"/>
+                      <a:r>
+                        <a:rPr lang="ko-KR" altLang="en-US" sz="800" baseline="0" dirty="0" err="1" smtClean="0">
+                          <a:solidFill>
+                            <a:schemeClr val="tx2"/>
+                          </a:solidFill>
+                        </a:rPr>
+                        <a:t>마이그레이션과</a:t>
+                      </a:r>
+                      <a:r>
+                        <a:rPr lang="ko-KR" altLang="en-US" sz="800" baseline="0" dirty="0" smtClean="0">
+                          <a:solidFill>
+                            <a:schemeClr val="tx2"/>
+                          </a:solidFill>
+                        </a:rPr>
+                        <a:t> 모델 </a:t>
+                      </a:r>
+                      <a:r>
+                        <a:rPr lang="en-US" altLang="ko-KR" sz="800" baseline="0" dirty="0" smtClean="0">
+                          <a:solidFill>
+                            <a:schemeClr val="tx2"/>
+                          </a:solidFill>
+                        </a:rPr>
+                        <a:t>+ Article </a:t>
+                      </a:r>
+                      <a:r>
+                        <a:rPr lang="ko-KR" altLang="en-US" sz="800" baseline="0" dirty="0" smtClean="0">
+                          <a:solidFill>
+                            <a:schemeClr val="tx2"/>
+                          </a:solidFill>
+                        </a:rPr>
+                        <a:t>기능 구현 목표로</a:t>
+                      </a:r>
+                      <a:endParaRPr lang="en-US" altLang="ko-KR" sz="800" baseline="0" dirty="0" smtClean="0">
+                        <a:solidFill>
+                          <a:schemeClr val="tx2"/>
+                        </a:solidFill>
+                      </a:endParaRPr>
                     </a:p>
                   </a:txBody>
                   <a:tcPr/>
@@ -8799,8 +8847,56 @@
                             <a:schemeClr val="tx2"/>
                           </a:solidFill>
                         </a:rPr>
-                        <a:t>30 31 1</a:t>
-                      </a:r>
+                        <a:t>30 31 </a:t>
+                      </a:r>
+                      <a:r>
+                        <a:rPr lang="en-US" altLang="ko-KR" sz="800" dirty="0" smtClean="0">
+                          <a:solidFill>
+                            <a:schemeClr val="tx2"/>
+                          </a:solidFill>
+                        </a:rPr>
+                        <a:t>1</a:t>
+                      </a:r>
+                    </a:p>
+                    <a:p>
+                      <a:pPr algn="ctr" latinLnBrk="1"/>
+                      <a:r>
+                        <a:rPr lang="en-US" altLang="ko-KR" sz="800" dirty="0" smtClean="0">
+                          <a:solidFill>
+                            <a:schemeClr val="tx2"/>
+                          </a:solidFill>
+                        </a:rPr>
+                        <a:t>Tag</a:t>
+                      </a:r>
+                      <a:r>
+                        <a:rPr lang="en-US" altLang="ko-KR" sz="800" baseline="0" dirty="0" smtClean="0">
+                          <a:solidFill>
+                            <a:schemeClr val="tx2"/>
+                          </a:solidFill>
+                        </a:rPr>
+                        <a:t> </a:t>
+                      </a:r>
+                      <a:r>
+                        <a:rPr lang="ko-KR" altLang="en-US" sz="800" baseline="0" dirty="0" smtClean="0">
+                          <a:solidFill>
+                            <a:schemeClr val="tx2"/>
+                          </a:solidFill>
+                        </a:rPr>
+                        <a:t>기능 구현 </a:t>
+                      </a:r>
+                      <a:r>
+                        <a:rPr lang="en-US" altLang="ko-KR" sz="800" baseline="0" dirty="0" smtClean="0">
+                          <a:solidFill>
+                            <a:schemeClr val="tx2"/>
+                          </a:solidFill>
+                        </a:rPr>
+                        <a:t>+ </a:t>
+                      </a:r>
+                      <a:endParaRPr lang="en-US" altLang="ko-KR" sz="800" dirty="0" smtClean="0">
+                        <a:solidFill>
+                          <a:schemeClr val="tx2"/>
+                        </a:solidFill>
+                      </a:endParaRPr>
                     </a:p>
                     <a:p>
                       <a:pPr algn="ctr" latinLnBrk="1"/>
@@ -10291,6 +10387,86 @@
             <a:ext cx="134193" cy="144016"/>
           </a:xfrm>
           <a:prstGeom prst="ellipse">
+            <a:avLst/>
+          </a:prstGeom>
+        </p:spPr>
+        <p:style>
+          <a:lnRef idx="2">
+            <a:schemeClr val="accent1">
+              <a:shade val="50000"/>
+            </a:schemeClr>
+          </a:lnRef>
+          <a:fillRef idx="1">
+            <a:schemeClr val="accent1"/>
+          </a:fillRef>
+          <a:effectRef idx="0">
+            <a:schemeClr val="accent1"/>
+          </a:effectRef>
+          <a:fontRef idx="minor">
+            <a:schemeClr val="lt1"/>
+          </a:fontRef>
+        </p:style>
+        <p:txBody>
+          <a:bodyPr rtlCol="0" anchor="ctr"/>
+          <a:lstStyle/>
+          <a:p>
+            <a:pPr algn="ctr"/>
+            <a:endParaRPr lang="ko-KR" altLang="en-US"/>
+          </a:p>
+        </p:txBody>
+      </p:sp>
+      <p:sp>
+        <p:nvSpPr>
+          <p:cNvPr id="34" name="순서도: 추출 33"/>
+          <p:cNvSpPr/>
+          <p:nvPr/>
+        </p:nvSpPr>
+        <p:spPr>
+          <a:xfrm>
+            <a:off x="7230940" y="4920803"/>
+            <a:ext cx="216024" cy="216024"/>
+          </a:xfrm>
+          <a:prstGeom prst="flowChartExtract">
+            <a:avLst/>
+          </a:prstGeom>
+        </p:spPr>
+        <p:style>
+          <a:lnRef idx="2">
+            <a:schemeClr val="accent1">
+              <a:shade val="50000"/>
+            </a:schemeClr>
+          </a:lnRef>
+          <a:fillRef idx="1">
+            <a:schemeClr val="accent1"/>
+          </a:fillRef>
+          <a:effectRef idx="0">
+            <a:schemeClr val="accent1"/>
+          </a:effectRef>
+          <a:fontRef idx="minor">
+            <a:schemeClr val="lt1"/>
+          </a:fontRef>
+        </p:style>
+        <p:txBody>
+          <a:bodyPr rtlCol="0" anchor="ctr"/>
+          <a:lstStyle/>
+          <a:p>
+            <a:pPr algn="ctr"/>
+            <a:endParaRPr lang="ko-KR" altLang="en-US"/>
+          </a:p>
+        </p:txBody>
+      </p:sp>
+      <p:sp>
+        <p:nvSpPr>
+          <p:cNvPr id="35" name="순서도: 추출 34"/>
+          <p:cNvSpPr/>
+          <p:nvPr/>
+        </p:nvSpPr>
+        <p:spPr>
+          <a:xfrm>
+            <a:off x="8388424" y="4902299"/>
+            <a:ext cx="216024" cy="216024"/>
+          </a:xfrm>
+          <a:prstGeom prst="flowChartExtract">
             <a:avLst/>
           </a:prstGeom>
         </p:spPr>

--- a/Monthly Plan.pptx
+++ b/Monthly Plan.pptx
@@ -4664,7 +4664,7 @@
             <p:ph idx="1"/>
             <p:extLst>
               <p:ext uri="{D42A27DB-BD31-4B8C-83A1-F6EECF244321}">
-                <p14:modId xmlns:p14="http://schemas.microsoft.com/office/powerpoint/2010/main" val="594470676"/>
+                <p14:modId xmlns:p14="http://schemas.microsoft.com/office/powerpoint/2010/main" val="1801597399"/>
               </p:ext>
             </p:extLst>
           </p:nvPr>
@@ -8745,15 +8745,7 @@
                             <a:schemeClr val="tx2"/>
                           </a:solidFill>
                         </a:rPr>
-                        <a:t>27 28 </a:t>
-                      </a:r>
-                      <a:r>
-                        <a:rPr lang="en-US" altLang="ko-KR" sz="800" baseline="0" dirty="0" smtClean="0">
-                          <a:solidFill>
-                            <a:schemeClr val="tx2"/>
-                          </a:solidFill>
-                        </a:rPr>
-                        <a:t>29</a:t>
+                        <a:t>27 28 29</a:t>
                       </a:r>
                     </a:p>
                     <a:p>
@@ -8847,26 +8839,34 @@
                             <a:schemeClr val="tx2"/>
                           </a:solidFill>
                         </a:rPr>
-                        <a:t>30 31 </a:t>
-                      </a:r>
+                        <a:t>30 31 1</a:t>
+                      </a:r>
+                    </a:p>
+                    <a:p>
+                      <a:pPr algn="ctr" latinLnBrk="1"/>
                       <a:r>
                         <a:rPr lang="en-US" altLang="ko-KR" sz="800" dirty="0" smtClean="0">
                           <a:solidFill>
                             <a:schemeClr val="tx2"/>
                           </a:solidFill>
                         </a:rPr>
-                        <a:t>1</a:t>
-                      </a:r>
-                    </a:p>
-                    <a:p>
-                      <a:pPr algn="ctr" latinLnBrk="1"/>
-                      <a:r>
-                        <a:rPr lang="en-US" altLang="ko-KR" sz="800" dirty="0" smtClean="0">
+                        <a:t>Tag</a:t>
+                      </a:r>
+                      <a:r>
+                        <a:rPr lang="en-US" altLang="ko-KR" sz="800" baseline="0" dirty="0" smtClean="0">
                           <a:solidFill>
                             <a:schemeClr val="tx2"/>
                           </a:solidFill>
                         </a:rPr>
-                        <a:t>Tag</a:t>
+                        <a:t> </a:t>
+                      </a:r>
+                      <a:r>
+                        <a:rPr lang="ko-KR" altLang="en-US" sz="800" baseline="0" dirty="0" smtClean="0">
+                          <a:solidFill>
+                            <a:schemeClr val="tx2"/>
+                          </a:solidFill>
+                        </a:rPr>
+                        <a:t>기능 구현 </a:t>
                       </a:r>
                       <a:r>
                         <a:rPr lang="en-US" altLang="ko-KR" sz="800" baseline="0" dirty="0" smtClean="0">
@@ -8874,7 +8874,15 @@
                             <a:schemeClr val="tx2"/>
                           </a:solidFill>
                         </a:rPr>
-                        <a:t> </a:t>
+                        <a:t>+ </a:t>
+                      </a:r>
+                      <a:r>
+                        <a:rPr lang="en-US" altLang="ko-KR" sz="800" baseline="0" dirty="0" smtClean="0">
+                          <a:solidFill>
+                            <a:schemeClr val="tx2"/>
+                          </a:solidFill>
+                        </a:rPr>
+                        <a:t>Attachment </a:t>
                       </a:r>
                       <a:r>
                         <a:rPr lang="ko-KR" altLang="en-US" sz="800" baseline="0" dirty="0" smtClean="0">
@@ -8882,15 +8890,7 @@
                             <a:schemeClr val="tx2"/>
                           </a:solidFill>
                         </a:rPr>
-                        <a:t>기능 구현 </a:t>
-                      </a:r>
-                      <a:r>
-                        <a:rPr lang="en-US" altLang="ko-KR" sz="800" baseline="0" dirty="0" smtClean="0">
-                          <a:solidFill>
-                            <a:schemeClr val="tx2"/>
-                          </a:solidFill>
-                        </a:rPr>
-                        <a:t>+ </a:t>
+                        <a:t>기능 구현</a:t>
                       </a:r>
                       <a:endParaRPr lang="en-US" altLang="ko-KR" sz="800" dirty="0" smtClean="0">
                         <a:solidFill>
@@ -8959,6 +8959,30 @@
                         </a:rPr>
                         <a:t>2</a:t>
                       </a:r>
+                    </a:p>
+                    <a:p>
+                      <a:pPr algn="ctr" latinLnBrk="1"/>
+                      <a:r>
+                        <a:rPr lang="ko-KR" altLang="en-US" sz="800" dirty="0" smtClean="0">
+                          <a:solidFill>
+                            <a:schemeClr val="tx2"/>
+                          </a:solidFill>
+                        </a:rPr>
+                        <a:t>인증 </a:t>
+                      </a:r>
+                      <a:r>
+                        <a:rPr lang="ko-KR" altLang="en-US" sz="800" dirty="0" err="1" smtClean="0">
+                          <a:solidFill>
+                            <a:schemeClr val="tx2"/>
+                          </a:solidFill>
+                        </a:rPr>
+                        <a:t>리팩토링</a:t>
+                      </a:r>
+                      <a:endParaRPr lang="en-US" altLang="ko-KR" sz="800" dirty="0" smtClean="0">
+                        <a:solidFill>
+                          <a:schemeClr val="tx2"/>
+                        </a:solidFill>
+                      </a:endParaRPr>
                     </a:p>
                   </a:txBody>
                   <a:tcPr/>
@@ -8979,6 +9003,38 @@
                         </a:rPr>
                         <a:t>3</a:t>
                       </a:r>
+                    </a:p>
+                    <a:p>
+                      <a:pPr algn="l" latinLnBrk="1"/>
+                      <a:r>
+                        <a:rPr lang="en-US" altLang="ko-KR" sz="800" dirty="0" smtClean="0">
+                          <a:solidFill>
+                            <a:schemeClr val="tx2"/>
+                          </a:solidFill>
+                        </a:rPr>
+                        <a:t>Comment</a:t>
+                      </a:r>
+                      <a:r>
+                        <a:rPr lang="en-US" altLang="ko-KR" sz="800" baseline="0" dirty="0" smtClean="0">
+                          <a:solidFill>
+                            <a:schemeClr val="tx2"/>
+                          </a:solidFill>
+                        </a:rPr>
+                        <a:t> </a:t>
+                      </a:r>
+                      <a:r>
+                        <a:rPr lang="ko-KR" altLang="en-US" sz="800" baseline="0" dirty="0" smtClean="0">
+                          <a:solidFill>
+                            <a:schemeClr val="tx2"/>
+                          </a:solidFill>
+                        </a:rPr>
+                        <a:t>기능 구현</a:t>
+                      </a:r>
+                      <a:endParaRPr lang="en-US" altLang="ko-KR" sz="800" dirty="0" smtClean="0">
+                        <a:solidFill>
+                          <a:schemeClr val="tx2"/>
+                        </a:solidFill>
+                      </a:endParaRPr>
                     </a:p>
                   </a:txBody>
                   <a:tcPr/>

--- a/Monthly Plan.pptx
+++ b/Monthly Plan.pptx
@@ -195,7 +195,7 @@
           <a:p>
             <a:fld id="{E1E76E78-0C2A-445E-B35D-3ADF0836B2B3}" type="datetimeFigureOut">
               <a:rPr lang="ko-KR" altLang="en-US" smtClean="0"/>
-              <a:t>2018-05-28</a:t>
+              <a:t>2018-05-29</a:t>
             </a:fld>
             <a:endParaRPr lang="ko-KR" altLang="en-US"/>
           </a:p>
@@ -812,7 +812,7 @@
           <a:p>
             <a:fld id="{48C2848A-6F74-48C5-A4CD-91F929EC3187}" type="datetimeFigureOut">
               <a:rPr lang="ko-KR" altLang="en-US" smtClean="0"/>
-              <a:t>2018-05-28</a:t>
+              <a:t>2018-05-29</a:t>
             </a:fld>
             <a:endParaRPr lang="ko-KR" altLang="en-US"/>
           </a:p>
@@ -982,7 +982,7 @@
           <a:p>
             <a:fld id="{48C2848A-6F74-48C5-A4CD-91F929EC3187}" type="datetimeFigureOut">
               <a:rPr lang="ko-KR" altLang="en-US" smtClean="0"/>
-              <a:t>2018-05-28</a:t>
+              <a:t>2018-05-29</a:t>
             </a:fld>
             <a:endParaRPr lang="ko-KR" altLang="en-US"/>
           </a:p>
@@ -1162,7 +1162,7 @@
           <a:p>
             <a:fld id="{48C2848A-6F74-48C5-A4CD-91F929EC3187}" type="datetimeFigureOut">
               <a:rPr lang="ko-KR" altLang="en-US" smtClean="0"/>
-              <a:t>2018-05-28</a:t>
+              <a:t>2018-05-29</a:t>
             </a:fld>
             <a:endParaRPr lang="ko-KR" altLang="en-US"/>
           </a:p>
@@ -1332,7 +1332,7 @@
           <a:p>
             <a:fld id="{48C2848A-6F74-48C5-A4CD-91F929EC3187}" type="datetimeFigureOut">
               <a:rPr lang="ko-KR" altLang="en-US" smtClean="0"/>
-              <a:t>2018-05-28</a:t>
+              <a:t>2018-05-29</a:t>
             </a:fld>
             <a:endParaRPr lang="ko-KR" altLang="en-US"/>
           </a:p>
@@ -1578,7 +1578,7 @@
           <a:p>
             <a:fld id="{48C2848A-6F74-48C5-A4CD-91F929EC3187}" type="datetimeFigureOut">
               <a:rPr lang="ko-KR" altLang="en-US" smtClean="0"/>
-              <a:t>2018-05-28</a:t>
+              <a:t>2018-05-29</a:t>
             </a:fld>
             <a:endParaRPr lang="ko-KR" altLang="en-US"/>
           </a:p>
@@ -1866,7 +1866,7 @@
           <a:p>
             <a:fld id="{48C2848A-6F74-48C5-A4CD-91F929EC3187}" type="datetimeFigureOut">
               <a:rPr lang="ko-KR" altLang="en-US" smtClean="0"/>
-              <a:t>2018-05-28</a:t>
+              <a:t>2018-05-29</a:t>
             </a:fld>
             <a:endParaRPr lang="ko-KR" altLang="en-US"/>
           </a:p>
@@ -2288,7 +2288,7 @@
           <a:p>
             <a:fld id="{48C2848A-6F74-48C5-A4CD-91F929EC3187}" type="datetimeFigureOut">
               <a:rPr lang="ko-KR" altLang="en-US" smtClean="0"/>
-              <a:t>2018-05-28</a:t>
+              <a:t>2018-05-29</a:t>
             </a:fld>
             <a:endParaRPr lang="ko-KR" altLang="en-US"/>
           </a:p>
@@ -2406,7 +2406,7 @@
           <a:p>
             <a:fld id="{48C2848A-6F74-48C5-A4CD-91F929EC3187}" type="datetimeFigureOut">
               <a:rPr lang="ko-KR" altLang="en-US" smtClean="0"/>
-              <a:t>2018-05-28</a:t>
+              <a:t>2018-05-29</a:t>
             </a:fld>
             <a:endParaRPr lang="ko-KR" altLang="en-US"/>
           </a:p>
@@ -2501,7 +2501,7 @@
           <a:p>
             <a:fld id="{48C2848A-6F74-48C5-A4CD-91F929EC3187}" type="datetimeFigureOut">
               <a:rPr lang="ko-KR" altLang="en-US" smtClean="0"/>
-              <a:t>2018-05-28</a:t>
+              <a:t>2018-05-29</a:t>
             </a:fld>
             <a:endParaRPr lang="ko-KR" altLang="en-US"/>
           </a:p>
@@ -2778,7 +2778,7 @@
           <a:p>
             <a:fld id="{48C2848A-6F74-48C5-A4CD-91F929EC3187}" type="datetimeFigureOut">
               <a:rPr lang="ko-KR" altLang="en-US" smtClean="0"/>
-              <a:t>2018-05-28</a:t>
+              <a:t>2018-05-29</a:t>
             </a:fld>
             <a:endParaRPr lang="ko-KR" altLang="en-US"/>
           </a:p>
@@ -3031,7 +3031,7 @@
           <a:p>
             <a:fld id="{48C2848A-6F74-48C5-A4CD-91F929EC3187}" type="datetimeFigureOut">
               <a:rPr lang="ko-KR" altLang="en-US" smtClean="0"/>
-              <a:t>2018-05-28</a:t>
+              <a:t>2018-05-29</a:t>
             </a:fld>
             <a:endParaRPr lang="ko-KR" altLang="en-US"/>
           </a:p>
@@ -3244,7 +3244,7 @@
           <a:p>
             <a:fld id="{48C2848A-6F74-48C5-A4CD-91F929EC3187}" type="datetimeFigureOut">
               <a:rPr lang="ko-KR" altLang="en-US" smtClean="0"/>
-              <a:t>2018-05-28</a:t>
+              <a:t>2018-05-29</a:t>
             </a:fld>
             <a:endParaRPr lang="ko-KR" altLang="en-US"/>
           </a:p>
@@ -4664,14 +4664,14 @@
             <p:ph idx="1"/>
             <p:extLst>
               <p:ext uri="{D42A27DB-BD31-4B8C-83A1-F6EECF244321}">
-                <p14:modId xmlns:p14="http://schemas.microsoft.com/office/powerpoint/2010/main" val="1801597399"/>
+                <p14:modId xmlns:p14="http://schemas.microsoft.com/office/powerpoint/2010/main" val="2982294517"/>
               </p:ext>
             </p:extLst>
           </p:nvPr>
         </p:nvGraphicFramePr>
         <p:xfrm>
           <a:off x="457200" y="836712"/>
-          <a:ext cx="8229599" cy="5726792"/>
+          <a:ext cx="8229599" cy="5751944"/>
         </p:xfrm>
         <a:graphic>
           <a:graphicData uri="http://schemas.openxmlformats.org/drawingml/2006/table">
@@ -8764,23 +8764,15 @@
                             <a:schemeClr val="tx2"/>
                           </a:solidFill>
                         </a:rPr>
-                        <a:t> 모델 </a:t>
-                      </a:r>
-                      <a:r>
-                        <a:rPr lang="en-US" altLang="ko-KR" sz="800" baseline="0" dirty="0" smtClean="0">
+                        <a:t> </a:t>
+                      </a:r>
+                      <a:r>
+                        <a:rPr lang="ko-KR" altLang="en-US" sz="800" baseline="0" dirty="0" smtClean="0">
                           <a:solidFill>
                             <a:schemeClr val="tx2"/>
                           </a:solidFill>
                         </a:rPr>
-                        <a:t>+ Article </a:t>
-                      </a:r>
-                      <a:r>
-                        <a:rPr lang="ko-KR" altLang="en-US" sz="800" baseline="0" dirty="0" smtClean="0">
-                          <a:solidFill>
-                            <a:schemeClr val="tx2"/>
-                          </a:solidFill>
-                        </a:rPr>
-                        <a:t>기능 구현 목표로</a:t>
+                        <a:t>모델정복</a:t>
                       </a:r>
                       <a:endParaRPr lang="en-US" altLang="ko-KR" sz="800" baseline="0" dirty="0" smtClean="0">
                         <a:solidFill>
@@ -8850,42 +8842,10 @@
                             <a:schemeClr val="tx2"/>
                           </a:solidFill>
                         </a:rPr>
-                        <a:t>Tag</a:t>
-                      </a:r>
-                      <a:r>
-                        <a:rPr lang="en-US" altLang="ko-KR" sz="800" baseline="0" dirty="0" smtClean="0">
-                          <a:solidFill>
-                            <a:schemeClr val="tx2"/>
-                          </a:solidFill>
-                        </a:rPr>
-                        <a:t> </a:t>
-                      </a:r>
-                      <a:r>
-                        <a:rPr lang="ko-KR" altLang="en-US" sz="800" baseline="0" dirty="0" smtClean="0">
-                          <a:solidFill>
-                            <a:schemeClr val="tx2"/>
-                          </a:solidFill>
-                        </a:rPr>
-                        <a:t>기능 구현 </a:t>
-                      </a:r>
-                      <a:r>
-                        <a:rPr lang="en-US" altLang="ko-KR" sz="800" baseline="0" dirty="0" smtClean="0">
-                          <a:solidFill>
-                            <a:schemeClr val="tx2"/>
-                          </a:solidFill>
-                        </a:rPr>
-                        <a:t>+ </a:t>
-                      </a:r>
-                      <a:r>
-                        <a:rPr lang="en-US" altLang="ko-KR" sz="800" baseline="0" dirty="0" smtClean="0">
-                          <a:solidFill>
-                            <a:schemeClr val="tx2"/>
-                          </a:solidFill>
-                        </a:rPr>
-                        <a:t>Attachment </a:t>
-                      </a:r>
-                      <a:r>
-                        <a:rPr lang="ko-KR" altLang="en-US" sz="800" baseline="0" dirty="0" smtClean="0">
+                        <a:t>Article + tag </a:t>
+                      </a:r>
+                      <a:r>
+                        <a:rPr lang="ko-KR" altLang="en-US" sz="800" dirty="0" smtClean="0">
                           <a:solidFill>
                             <a:schemeClr val="tx2"/>
                           </a:solidFill>
@@ -8963,20 +8923,20 @@
                     <a:p>
                       <a:pPr algn="ctr" latinLnBrk="1"/>
                       <a:r>
+                        <a:rPr lang="en-US" altLang="ko-KR" sz="800" dirty="0" smtClean="0">
+                          <a:solidFill>
+                            <a:schemeClr val="tx2"/>
+                          </a:solidFill>
+                        </a:rPr>
+                        <a:t>Attachment </a:t>
+                      </a:r>
+                      <a:r>
                         <a:rPr lang="ko-KR" altLang="en-US" sz="800" dirty="0" smtClean="0">
                           <a:solidFill>
                             <a:schemeClr val="tx2"/>
                           </a:solidFill>
                         </a:rPr>
-                        <a:t>인증 </a:t>
-                      </a:r>
-                      <a:r>
-                        <a:rPr lang="ko-KR" altLang="en-US" sz="800" dirty="0" err="1" smtClean="0">
-                          <a:solidFill>
-                            <a:schemeClr val="tx2"/>
-                          </a:solidFill>
-                        </a:rPr>
-                        <a:t>리팩토링</a:t>
+                        <a:t>구현</a:t>
                       </a:r>
                       <a:endParaRPr lang="en-US" altLang="ko-KR" sz="800" dirty="0" smtClean="0">
                         <a:solidFill>
@@ -9007,28 +8967,12 @@
                     <a:p>
                       <a:pPr algn="l" latinLnBrk="1"/>
                       <a:r>
-                        <a:rPr lang="en-US" altLang="ko-KR" sz="800" dirty="0" smtClean="0">
+                        <a:rPr lang="ko-KR" altLang="en-US" sz="800" dirty="0" err="1" smtClean="0">
                           <a:solidFill>
                             <a:schemeClr val="tx2"/>
                           </a:solidFill>
                         </a:rPr>
-                        <a:t>Comment</a:t>
-                      </a:r>
-                      <a:r>
-                        <a:rPr lang="en-US" altLang="ko-KR" sz="800" baseline="0" dirty="0" smtClean="0">
-                          <a:solidFill>
-                            <a:schemeClr val="tx2"/>
-                          </a:solidFill>
-                        </a:rPr>
-                        <a:t> </a:t>
-                      </a:r>
-                      <a:r>
-                        <a:rPr lang="ko-KR" altLang="en-US" sz="800" baseline="0" dirty="0" smtClean="0">
-                          <a:solidFill>
-                            <a:schemeClr val="tx2"/>
-                          </a:solidFill>
-                        </a:rPr>
-                        <a:t>기능 구현</a:t>
+                        <a:t>리팩토링</a:t>
                       </a:r>
                       <a:endParaRPr lang="en-US" altLang="ko-KR" sz="800" dirty="0" smtClean="0">
                         <a:solidFill>
@@ -9053,6 +8997,33 @@
                         </a:rPr>
                         <a:t>4</a:t>
                       </a:r>
+                    </a:p>
+                    <a:p>
+                      <a:pPr algn="l" latinLnBrk="1"/>
+                      <a:r>
+                        <a:rPr lang="ko-KR" altLang="en-US" sz="800" dirty="0" err="1" smtClean="0">
+                          <a:solidFill>
+                            <a:schemeClr val="tx2"/>
+                          </a:solidFill>
+                        </a:rPr>
+                        <a:t>리팩토링</a:t>
+                      </a:r>
+                      <a:r>
+                        <a:rPr lang="ko-KR" altLang="en-US" sz="800" dirty="0" smtClean="0">
+                          <a:solidFill>
+                            <a:schemeClr val="tx2"/>
+                          </a:solidFill>
+                        </a:rPr>
+                        <a:t> </a:t>
+                      </a:r>
+                      <a:r>
+                        <a:rPr lang="en-US" altLang="ko-KR" sz="800" dirty="0" smtClean="0">
+                          <a:solidFill>
+                            <a:schemeClr val="tx2"/>
+                          </a:solidFill>
+                        </a:rPr>
+                        <a:t>+ comment</a:t>
+                      </a:r>
                       <a:endParaRPr lang="ko-KR" altLang="en-US" sz="800" dirty="0">
                         <a:solidFill>
                           <a:schemeClr val="tx2"/>
@@ -9076,6 +9047,25 @@
                         </a:rPr>
                         <a:t>5</a:t>
                       </a:r>
+                    </a:p>
+                    <a:p>
+                      <a:pPr algn="l" latinLnBrk="1"/>
+                      <a:r>
+                        <a:rPr lang="en-US" altLang="ko-KR" sz="800" dirty="0" smtClean="0">
+                          <a:solidFill>
+                            <a:schemeClr val="tx2"/>
+                          </a:solidFill>
+                        </a:rPr>
+                        <a:t>Comment</a:t>
+                      </a:r>
+                      <a:r>
+                        <a:rPr lang="ko-KR" altLang="en-US" sz="800" dirty="0" smtClean="0">
+                          <a:solidFill>
+                            <a:schemeClr val="tx2"/>
+                          </a:solidFill>
+                        </a:rPr>
+                        <a:t>기능 구현</a:t>
+                      </a:r>
                       <a:endParaRPr lang="ko-KR" altLang="en-US" sz="800" dirty="0">
                         <a:solidFill>
                           <a:schemeClr val="tx2"/>
@@ -9099,6 +9089,17 @@
                         </a:rPr>
                         <a:t>6</a:t>
                       </a:r>
+                    </a:p>
+                    <a:p>
+                      <a:pPr algn="l" latinLnBrk="1"/>
+                      <a:r>
+                        <a:rPr lang="ko-KR" altLang="en-US" sz="800" dirty="0" smtClean="0">
+                          <a:solidFill>
+                            <a:schemeClr val="tx2"/>
+                          </a:solidFill>
+                        </a:rPr>
+                        <a:t>서버사이드개선</a:t>
+                      </a:r>
                       <a:endParaRPr lang="ko-KR" altLang="en-US" sz="800" dirty="0">
                         <a:solidFill>
                           <a:schemeClr val="tx2"/>
@@ -9131,7 +9132,23 @@
                             <a:schemeClr val="tx2"/>
                           </a:solidFill>
                         </a:rPr>
-                        <a:t>마감일</a:t>
+                        <a:t>변경사항 알림</a:t>
+                      </a:r>
+                      <a:endParaRPr lang="en-US" altLang="ko-KR" sz="800" dirty="0" smtClean="0">
+                        <a:solidFill>
+                          <a:schemeClr val="tx2"/>
+                        </a:solidFill>
+                      </a:endParaRPr>
+                    </a:p>
+                    <a:p>
+                      <a:pPr algn="l" latinLnBrk="1"/>
+                      <a:r>
+                        <a:rPr lang="ko-KR" altLang="en-US" sz="800" dirty="0" smtClean="0">
+                          <a:solidFill>
+                            <a:schemeClr val="tx2"/>
+                          </a:solidFill>
+                        </a:rPr>
+                        <a:t>양복점</a:t>
                       </a:r>
                       <a:endParaRPr lang="en-US" altLang="ko-KR" sz="800" dirty="0" smtClean="0">
                         <a:solidFill>
@@ -9159,6 +9176,30 @@
                     </a:p>
                     <a:p>
                       <a:pPr algn="l" latinLnBrk="1"/>
+                      <a:r>
+                        <a:rPr lang="ko-KR" altLang="en-US" sz="800" dirty="0" err="1" smtClean="0">
+                          <a:solidFill>
+                            <a:schemeClr val="tx2"/>
+                          </a:solidFill>
+                        </a:rPr>
+                        <a:t>프론트앤드작업기본</a:t>
+                      </a:r>
+                      <a:endParaRPr lang="en-US" altLang="ko-KR" sz="800" dirty="0" smtClean="0">
+                        <a:solidFill>
+                          <a:schemeClr val="tx2"/>
+                        </a:solidFill>
+                      </a:endParaRPr>
+                    </a:p>
+                    <a:p>
+                      <a:pPr algn="l" latinLnBrk="1"/>
+                      <a:r>
+                        <a:rPr lang="ko-KR" altLang="en-US" sz="800" dirty="0" smtClean="0">
+                          <a:solidFill>
+                            <a:schemeClr val="tx2"/>
+                          </a:solidFill>
+                        </a:rPr>
+                        <a:t>사진촬영</a:t>
+                      </a:r>
                       <a:endParaRPr lang="ko-KR" altLang="en-US" sz="800" dirty="0">
                         <a:solidFill>
                           <a:schemeClr val="tx2"/>
@@ -9182,7 +9223,50 @@
                         </a:rPr>
                         <a:t>9</a:t>
                       </a:r>
-                      <a:endParaRPr lang="ko-KR" altLang="en-US" sz="800" dirty="0">
+                    </a:p>
+                    <a:p>
+                      <a:pPr algn="l" latinLnBrk="1"/>
+                      <a:r>
+                        <a:rPr lang="ko-KR" altLang="en-US" sz="800" dirty="0" smtClean="0">
+                          <a:solidFill>
+                            <a:schemeClr val="tx2"/>
+                          </a:solidFill>
+                        </a:rPr>
+                        <a:t>이력서 작성</a:t>
+                      </a:r>
+                      <a:endParaRPr lang="en-US" altLang="ko-KR" sz="800" dirty="0" smtClean="0">
+                        <a:solidFill>
+                          <a:schemeClr val="tx2"/>
+                        </a:solidFill>
+                      </a:endParaRPr>
+                    </a:p>
+                    <a:p>
+                      <a:pPr algn="l" latinLnBrk="1"/>
+                      <a:r>
+                        <a:rPr lang="en-US" altLang="ko-KR" sz="800" dirty="0" smtClean="0">
+                          <a:solidFill>
+                            <a:schemeClr val="tx2"/>
+                          </a:solidFill>
+                        </a:rPr>
+                        <a:t>+</a:t>
+                      </a:r>
+                      <a:r>
+                        <a:rPr lang="en-US" altLang="ko-KR" sz="800" dirty="0" err="1" smtClean="0">
+                          <a:solidFill>
+                            <a:schemeClr val="tx2"/>
+                          </a:solidFill>
+                        </a:rPr>
+                        <a:t>ppt</a:t>
+                      </a:r>
+                      <a:r>
+                        <a:rPr lang="ko-KR" altLang="en-US" sz="800" dirty="0" smtClean="0">
+                          <a:solidFill>
+                            <a:schemeClr val="tx2"/>
+                          </a:solidFill>
+                        </a:rPr>
+                        <a:t>작업</a:t>
+                      </a:r>
+                      <a:endParaRPr lang="en-US" altLang="ko-KR" sz="800" dirty="0" smtClean="0">
                         <a:solidFill>
                           <a:schemeClr val="tx2"/>
                         </a:solidFill>
@@ -9207,6 +9291,49 @@
                         </a:rPr>
                         <a:t>10</a:t>
                       </a:r>
+                    </a:p>
+                    <a:p>
+                      <a:pPr latinLnBrk="1"/>
+                      <a:r>
+                        <a:rPr lang="ko-KR" altLang="en-US" sz="800" dirty="0" smtClean="0">
+                          <a:solidFill>
+                            <a:schemeClr val="tx2"/>
+                          </a:solidFill>
+                        </a:rPr>
+                        <a:t>이력서 </a:t>
+                      </a:r>
+                      <a:r>
+                        <a:rPr lang="en-US" altLang="ko-KR" sz="800" dirty="0" smtClean="0">
+                          <a:solidFill>
+                            <a:schemeClr val="tx2"/>
+                          </a:solidFill>
+                        </a:rPr>
+                        <a:t>+ </a:t>
+                      </a:r>
+                      <a:r>
+                        <a:rPr lang="en-US" altLang="ko-KR" sz="800" dirty="0" err="1" smtClean="0">
+                          <a:solidFill>
+                            <a:schemeClr val="tx2"/>
+                          </a:solidFill>
+                        </a:rPr>
+                        <a:t>Ppt</a:t>
+                      </a:r>
+                      <a:r>
+                        <a:rPr lang="en-US" altLang="ko-KR" sz="800" dirty="0" smtClean="0">
+                          <a:solidFill>
+                            <a:schemeClr val="tx2"/>
+                          </a:solidFill>
+                        </a:rPr>
+                        <a:t> </a:t>
+                      </a:r>
+                      <a:r>
+                        <a:rPr lang="ko-KR" altLang="en-US" sz="800" dirty="0" smtClean="0">
+                          <a:solidFill>
+                            <a:schemeClr val="tx2"/>
+                          </a:solidFill>
+                        </a:rPr>
+                        <a:t>제출</a:t>
+                      </a:r>
                       <a:endParaRPr lang="ko-KR" altLang="en-US" sz="800" dirty="0">
                         <a:solidFill>
                           <a:schemeClr val="tx2"/>
@@ -9230,6 +9357,17 @@
                         </a:rPr>
                         <a:t>11</a:t>
                       </a:r>
+                    </a:p>
+                    <a:p>
+                      <a:pPr latinLnBrk="1"/>
+                      <a:r>
+                        <a:rPr lang="ko-KR" altLang="en-US" sz="800" dirty="0" err="1" smtClean="0">
+                          <a:solidFill>
+                            <a:schemeClr val="tx2"/>
+                          </a:solidFill>
+                        </a:rPr>
+                        <a:t>프론트앤드작업</a:t>
+                      </a:r>
                       <a:endParaRPr lang="ko-KR" altLang="en-US" sz="800" dirty="0">
                         <a:solidFill>
                           <a:schemeClr val="tx2"/>
@@ -9253,6 +9391,17 @@
                         </a:rPr>
                         <a:t>12</a:t>
                       </a:r>
+                    </a:p>
+                    <a:p>
+                      <a:pPr latinLnBrk="1"/>
+                      <a:r>
+                        <a:rPr lang="ko-KR" altLang="en-US" sz="800" dirty="0" err="1" smtClean="0">
+                          <a:solidFill>
+                            <a:schemeClr val="tx2"/>
+                          </a:solidFill>
+                        </a:rPr>
+                        <a:t>프론트앤드작업</a:t>
+                      </a:r>
                       <a:endParaRPr lang="ko-KR" altLang="en-US" sz="800" dirty="0">
                         <a:solidFill>
                           <a:schemeClr val="tx2"/>
@@ -9276,7 +9425,34 @@
                         </a:rPr>
                         <a:t>13</a:t>
                       </a:r>
-                      <a:endParaRPr lang="ko-KR" altLang="en-US" sz="800" dirty="0">
+                    </a:p>
+                    <a:p>
+                      <a:pPr latinLnBrk="1"/>
+                      <a:r>
+                        <a:rPr lang="en-US" altLang="ko-KR" sz="800" dirty="0" err="1" smtClean="0">
+                          <a:solidFill>
+                            <a:schemeClr val="tx2"/>
+                          </a:solidFill>
+                        </a:rPr>
+                        <a:t>Ppt</a:t>
+                      </a:r>
+                      <a:r>
+                        <a:rPr lang="en-US" altLang="ko-KR" sz="800" baseline="0" dirty="0" smtClean="0">
+                          <a:solidFill>
+                            <a:schemeClr val="tx2"/>
+                          </a:solidFill>
+                        </a:rPr>
+                        <a:t> + </a:t>
+                      </a:r>
+                      <a:r>
+                        <a:rPr lang="ko-KR" altLang="en-US" sz="800" baseline="0" dirty="0" smtClean="0">
+                          <a:solidFill>
+                            <a:schemeClr val="tx2"/>
+                          </a:solidFill>
+                        </a:rPr>
+                        <a:t>마무리</a:t>
+                      </a:r>
+                      <a:endParaRPr lang="en-US" altLang="ko-KR" sz="800" dirty="0" smtClean="0">
                         <a:solidFill>
                           <a:schemeClr val="tx2"/>
                         </a:solidFill>
@@ -9346,6 +9522,19 @@
                           </a:solidFill>
                         </a:rPr>
                         <a:t>16</a:t>
+                      </a:r>
+                    </a:p>
+                    <a:p>
+                      <a:pPr latinLnBrk="1"/>
+                      <a:r>
+                        <a:rPr lang="ko-KR" altLang="en-US" sz="800" dirty="0" smtClean="0">
+                          <a:solidFill>
+                            <a:schemeClr val="bg2">
+                              <a:lumMod val="50000"/>
+                            </a:schemeClr>
+                          </a:solidFill>
+                        </a:rPr>
+                        <a:t>주말 휴식</a:t>
                       </a:r>
                       <a:endParaRPr lang="ko-KR" altLang="en-US" sz="800" dirty="0">
                         <a:solidFill>

--- a/Monthly Plan.pptx
+++ b/Monthly Plan.pptx
@@ -195,7 +195,7 @@
           <a:p>
             <a:fld id="{E1E76E78-0C2A-445E-B35D-3ADF0836B2B3}" type="datetimeFigureOut">
               <a:rPr lang="ko-KR" altLang="en-US" smtClean="0"/>
-              <a:t>2018-05-29</a:t>
+              <a:t>2018-05-31</a:t>
             </a:fld>
             <a:endParaRPr lang="ko-KR" altLang="en-US"/>
           </a:p>
@@ -812,7 +812,7 @@
           <a:p>
             <a:fld id="{48C2848A-6F74-48C5-A4CD-91F929EC3187}" type="datetimeFigureOut">
               <a:rPr lang="ko-KR" altLang="en-US" smtClean="0"/>
-              <a:t>2018-05-29</a:t>
+              <a:t>2018-05-31</a:t>
             </a:fld>
             <a:endParaRPr lang="ko-KR" altLang="en-US"/>
           </a:p>
@@ -982,7 +982,7 @@
           <a:p>
             <a:fld id="{48C2848A-6F74-48C5-A4CD-91F929EC3187}" type="datetimeFigureOut">
               <a:rPr lang="ko-KR" altLang="en-US" smtClean="0"/>
-              <a:t>2018-05-29</a:t>
+              <a:t>2018-05-31</a:t>
             </a:fld>
             <a:endParaRPr lang="ko-KR" altLang="en-US"/>
           </a:p>
@@ -1162,7 +1162,7 @@
           <a:p>
             <a:fld id="{48C2848A-6F74-48C5-A4CD-91F929EC3187}" type="datetimeFigureOut">
               <a:rPr lang="ko-KR" altLang="en-US" smtClean="0"/>
-              <a:t>2018-05-29</a:t>
+              <a:t>2018-05-31</a:t>
             </a:fld>
             <a:endParaRPr lang="ko-KR" altLang="en-US"/>
           </a:p>
@@ -1332,7 +1332,7 @@
           <a:p>
             <a:fld id="{48C2848A-6F74-48C5-A4CD-91F929EC3187}" type="datetimeFigureOut">
               <a:rPr lang="ko-KR" altLang="en-US" smtClean="0"/>
-              <a:t>2018-05-29</a:t>
+              <a:t>2018-05-31</a:t>
             </a:fld>
             <a:endParaRPr lang="ko-KR" altLang="en-US"/>
           </a:p>
@@ -1578,7 +1578,7 @@
           <a:p>
             <a:fld id="{48C2848A-6F74-48C5-A4CD-91F929EC3187}" type="datetimeFigureOut">
               <a:rPr lang="ko-KR" altLang="en-US" smtClean="0"/>
-              <a:t>2018-05-29</a:t>
+              <a:t>2018-05-31</a:t>
             </a:fld>
             <a:endParaRPr lang="ko-KR" altLang="en-US"/>
           </a:p>
@@ -1866,7 +1866,7 @@
           <a:p>
             <a:fld id="{48C2848A-6F74-48C5-A4CD-91F929EC3187}" type="datetimeFigureOut">
               <a:rPr lang="ko-KR" altLang="en-US" smtClean="0"/>
-              <a:t>2018-05-29</a:t>
+              <a:t>2018-05-31</a:t>
             </a:fld>
             <a:endParaRPr lang="ko-KR" altLang="en-US"/>
           </a:p>
@@ -2288,7 +2288,7 @@
           <a:p>
             <a:fld id="{48C2848A-6F74-48C5-A4CD-91F929EC3187}" type="datetimeFigureOut">
               <a:rPr lang="ko-KR" altLang="en-US" smtClean="0"/>
-              <a:t>2018-05-29</a:t>
+              <a:t>2018-05-31</a:t>
             </a:fld>
             <a:endParaRPr lang="ko-KR" altLang="en-US"/>
           </a:p>
@@ -2406,7 +2406,7 @@
           <a:p>
             <a:fld id="{48C2848A-6F74-48C5-A4CD-91F929EC3187}" type="datetimeFigureOut">
               <a:rPr lang="ko-KR" altLang="en-US" smtClean="0"/>
-              <a:t>2018-05-29</a:t>
+              <a:t>2018-05-31</a:t>
             </a:fld>
             <a:endParaRPr lang="ko-KR" altLang="en-US"/>
           </a:p>
@@ -2501,7 +2501,7 @@
           <a:p>
             <a:fld id="{48C2848A-6F74-48C5-A4CD-91F929EC3187}" type="datetimeFigureOut">
               <a:rPr lang="ko-KR" altLang="en-US" smtClean="0"/>
-              <a:t>2018-05-29</a:t>
+              <a:t>2018-05-31</a:t>
             </a:fld>
             <a:endParaRPr lang="ko-KR" altLang="en-US"/>
           </a:p>
@@ -2778,7 +2778,7 @@
           <a:p>
             <a:fld id="{48C2848A-6F74-48C5-A4CD-91F929EC3187}" type="datetimeFigureOut">
               <a:rPr lang="ko-KR" altLang="en-US" smtClean="0"/>
-              <a:t>2018-05-29</a:t>
+              <a:t>2018-05-31</a:t>
             </a:fld>
             <a:endParaRPr lang="ko-KR" altLang="en-US"/>
           </a:p>
@@ -3031,7 +3031,7 @@
           <a:p>
             <a:fld id="{48C2848A-6F74-48C5-A4CD-91F929EC3187}" type="datetimeFigureOut">
               <a:rPr lang="ko-KR" altLang="en-US" smtClean="0"/>
-              <a:t>2018-05-29</a:t>
+              <a:t>2018-05-31</a:t>
             </a:fld>
             <a:endParaRPr lang="ko-KR" altLang="en-US"/>
           </a:p>
@@ -3244,7 +3244,7 @@
           <a:p>
             <a:fld id="{48C2848A-6F74-48C5-A4CD-91F929EC3187}" type="datetimeFigureOut">
               <a:rPr lang="ko-KR" altLang="en-US" smtClean="0"/>
-              <a:t>2018-05-29</a:t>
+              <a:t>2018-05-31</a:t>
             </a:fld>
             <a:endParaRPr lang="ko-KR" altLang="en-US"/>
           </a:p>
@@ -4664,14 +4664,14 @@
             <p:ph idx="1"/>
             <p:extLst>
               <p:ext uri="{D42A27DB-BD31-4B8C-83A1-F6EECF244321}">
-                <p14:modId xmlns:p14="http://schemas.microsoft.com/office/powerpoint/2010/main" val="2982294517"/>
+                <p14:modId xmlns:p14="http://schemas.microsoft.com/office/powerpoint/2010/main" val="2533807802"/>
               </p:ext>
             </p:extLst>
           </p:nvPr>
         </p:nvGraphicFramePr>
         <p:xfrm>
           <a:off x="457200" y="836712"/>
-          <a:ext cx="8229599" cy="5751944"/>
+          <a:ext cx="8229599" cy="5750167"/>
         </p:xfrm>
         <a:graphic>
           <a:graphicData uri="http://schemas.openxmlformats.org/drawingml/2006/table">
@@ -8772,7 +8772,7 @@
                             <a:schemeClr val="tx2"/>
                           </a:solidFill>
                         </a:rPr>
-                        <a:t>모델정복</a:t>
+                        <a:t>모델학습</a:t>
                       </a:r>
                       <a:endParaRPr lang="en-US" altLang="ko-KR" sz="800" baseline="0" dirty="0" smtClean="0">
                         <a:solidFill>
@@ -8842,7 +8842,7 @@
                             <a:schemeClr val="tx2"/>
                           </a:solidFill>
                         </a:rPr>
-                        <a:t>Article + tag </a:t>
+                        <a:t>Article</a:t>
                       </a:r>
                       <a:r>
                         <a:rPr lang="ko-KR" altLang="en-US" sz="800" dirty="0" smtClean="0">
@@ -8850,16 +8850,40 @@
                             <a:schemeClr val="tx2"/>
                           </a:solidFill>
                         </a:rPr>
-                        <a:t>기능 구현</a:t>
-                      </a:r>
-                      <a:endParaRPr lang="en-US" altLang="ko-KR" sz="800" dirty="0" smtClean="0">
-                        <a:solidFill>
-                          <a:schemeClr val="tx2"/>
-                        </a:solidFill>
-                      </a:endParaRPr>
-                    </a:p>
-                    <a:p>
-                      <a:pPr algn="ctr" latinLnBrk="1"/>
+                        <a:t>구현</a:t>
+                      </a:r>
+                      <a:r>
+                        <a:rPr lang="en-US" altLang="ko-KR" sz="800" dirty="0" smtClean="0">
+                          <a:solidFill>
+                            <a:schemeClr val="tx2"/>
+                          </a:solidFill>
+                        </a:rPr>
+                        <a:t>(Markdown</a:t>
+                      </a:r>
+                      <a:r>
+                        <a:rPr lang="en-US" altLang="ko-KR" sz="800" baseline="0" dirty="0" smtClean="0">
+                          <a:solidFill>
+                            <a:schemeClr val="tx2"/>
+                          </a:solidFill>
+                        </a:rPr>
+                        <a:t> + font-awesome </a:t>
+                      </a:r>
+                      <a:r>
+                        <a:rPr lang="en-US" altLang="ko-KR" sz="800" baseline="0" dirty="0" err="1" smtClean="0">
+                          <a:solidFill>
+                            <a:schemeClr val="tx2"/>
+                          </a:solidFill>
+                        </a:rPr>
+                        <a:t>Laravel</a:t>
+                      </a:r>
+                      <a:r>
+                        <a:rPr lang="en-US" altLang="ko-KR" sz="800" baseline="0" dirty="0" smtClean="0">
+                          <a:solidFill>
+                            <a:schemeClr val="tx2"/>
+                          </a:solidFill>
+                        </a:rPr>
+                        <a:t> Mix)</a:t>
+                      </a:r>
                       <a:endParaRPr lang="en-US" altLang="ko-KR" sz="800" dirty="0" smtClean="0">
                         <a:solidFill>
                           <a:schemeClr val="tx2"/>
@@ -8928,7 +8952,7 @@
                             <a:schemeClr val="tx2"/>
                           </a:solidFill>
                         </a:rPr>
-                        <a:t>Attachment </a:t>
+                        <a:t>Tag</a:t>
                       </a:r>
                       <a:r>
                         <a:rPr lang="ko-KR" altLang="en-US" sz="800" dirty="0" smtClean="0">
@@ -8967,12 +8991,20 @@
                     <a:p>
                       <a:pPr algn="l" latinLnBrk="1"/>
                       <a:r>
-                        <a:rPr lang="ko-KR" altLang="en-US" sz="800" dirty="0" err="1" smtClean="0">
+                        <a:rPr lang="en-US" altLang="ko-KR" sz="800" dirty="0" smtClean="0">
                           <a:solidFill>
                             <a:schemeClr val="tx2"/>
                           </a:solidFill>
                         </a:rPr>
-                        <a:t>리팩토링</a:t>
+                        <a:t>Tag</a:t>
+                      </a:r>
+                      <a:r>
+                        <a:rPr lang="ko-KR" altLang="en-US" sz="800" dirty="0" smtClean="0">
+                          <a:solidFill>
+                            <a:schemeClr val="tx2"/>
+                          </a:solidFill>
+                        </a:rPr>
+                        <a:t>구현</a:t>
                       </a:r>
                       <a:endParaRPr lang="en-US" altLang="ko-KR" sz="800" dirty="0" smtClean="0">
                         <a:solidFill>
@@ -9014,7 +9046,7 @@
                             <a:schemeClr val="tx2"/>
                           </a:solidFill>
                         </a:rPr>
-                        <a:t> </a:t>
+                        <a:t> 참고 </a:t>
                       </a:r>
                       <a:r>
                         <a:rPr lang="en-US" altLang="ko-KR" sz="800" dirty="0" smtClean="0">
@@ -9022,7 +9054,15 @@
                             <a:schemeClr val="tx2"/>
                           </a:solidFill>
                         </a:rPr>
-                        <a:t>+ comment</a:t>
+                        <a:t>+ </a:t>
+                      </a:r>
+                      <a:r>
+                        <a:rPr lang="en-US" altLang="ko-KR" sz="800" dirty="0" smtClean="0">
+                          <a:solidFill>
+                            <a:schemeClr val="tx2"/>
+                          </a:solidFill>
+                        </a:rPr>
+                        <a:t>Comment</a:t>
                       </a:r>
                       <a:endParaRPr lang="ko-KR" altLang="en-US" sz="800" dirty="0">
                         <a:solidFill>
@@ -9333,6 +9373,22 @@
                           </a:solidFill>
                         </a:rPr>
                         <a:t>제출</a:t>
+                      </a:r>
+                      <a:endParaRPr lang="en-US" altLang="ko-KR" sz="800" dirty="0" smtClean="0">
+                        <a:solidFill>
+                          <a:schemeClr val="tx2"/>
+                        </a:solidFill>
+                      </a:endParaRPr>
+                    </a:p>
+                    <a:p>
+                      <a:pPr latinLnBrk="1"/>
+                      <a:r>
+                        <a:rPr lang="ko-KR" altLang="en-US" sz="800" smtClean="0">
+                          <a:solidFill>
+                            <a:schemeClr val="tx2"/>
+                          </a:solidFill>
+                        </a:rPr>
+                        <a:t>마감일</a:t>
                       </a:r>
                       <a:endParaRPr lang="ko-KR" altLang="en-US" sz="800" dirty="0">
                         <a:solidFill>
@@ -10588,7 +10644,7 @@
         </p:nvSpPr>
         <p:spPr>
           <a:xfrm>
-            <a:off x="6062863" y="4931494"/>
+            <a:off x="6042673" y="4956807"/>
             <a:ext cx="134193" cy="144016"/>
           </a:xfrm>
           <a:prstGeom prst="ellipse">
@@ -10668,8 +10724,8 @@
         </p:nvSpPr>
         <p:spPr>
           <a:xfrm>
-            <a:off x="7230940" y="4920803"/>
-            <a:ext cx="216024" cy="216024"/>
+            <a:off x="7230940" y="4956807"/>
+            <a:ext cx="178001" cy="144016"/>
           </a:xfrm>
           <a:prstGeom prst="flowChartExtract">
             <a:avLst/>
@@ -10708,10 +10764,50 @@
         </p:nvSpPr>
         <p:spPr>
           <a:xfrm>
-            <a:off x="8388424" y="4902299"/>
-            <a:ext cx="216024" cy="216024"/>
+            <a:off x="8388560" y="4927613"/>
+            <a:ext cx="215888" cy="173210"/>
           </a:xfrm>
           <a:prstGeom prst="flowChartExtract">
+            <a:avLst/>
+          </a:prstGeom>
+        </p:spPr>
+        <p:style>
+          <a:lnRef idx="2">
+            <a:schemeClr val="accent1">
+              <a:shade val="50000"/>
+            </a:schemeClr>
+          </a:lnRef>
+          <a:fillRef idx="1">
+            <a:schemeClr val="accent1"/>
+          </a:fillRef>
+          <a:effectRef idx="0">
+            <a:schemeClr val="accent1"/>
+          </a:effectRef>
+          <a:fontRef idx="minor">
+            <a:schemeClr val="lt1"/>
+          </a:fontRef>
+        </p:style>
+        <p:txBody>
+          <a:bodyPr rtlCol="0" anchor="ctr"/>
+          <a:lstStyle/>
+          <a:p>
+            <a:pPr algn="ctr"/>
+            <a:endParaRPr lang="ko-KR" altLang="en-US"/>
+          </a:p>
+        </p:txBody>
+      </p:sp>
+      <p:sp>
+        <p:nvSpPr>
+          <p:cNvPr id="38" name="타원 37"/>
+          <p:cNvSpPr/>
+          <p:nvPr/>
+        </p:nvSpPr>
+        <p:spPr>
+          <a:xfrm>
+            <a:off x="3728977" y="5373216"/>
+            <a:ext cx="127229" cy="132461"/>
+          </a:xfrm>
+          <a:prstGeom prst="ellipse">
             <a:avLst/>
           </a:prstGeom>
         </p:spPr>

--- a/Monthly Plan.pptx
+++ b/Monthly Plan.pptx
@@ -195,7 +195,7 @@
           <a:p>
             <a:fld id="{E1E76E78-0C2A-445E-B35D-3ADF0836B2B3}" type="datetimeFigureOut">
               <a:rPr lang="ko-KR" altLang="en-US" smtClean="0"/>
-              <a:t>2018-05-31</a:t>
+              <a:t>2018-06-12</a:t>
             </a:fld>
             <a:endParaRPr lang="ko-KR" altLang="en-US"/>
           </a:p>
@@ -547,90 +547,6 @@
 </p:notes>
 </file>
 
-<file path=ppt/notesSlides/notesSlide2.xml><?xml version="1.0" encoding="utf-8"?>
-<p:notes xmlns:a="http://schemas.openxmlformats.org/drawingml/2006/main" xmlns:r="http://schemas.openxmlformats.org/officeDocument/2006/relationships" xmlns:p="http://schemas.openxmlformats.org/presentationml/2006/main">
-  <p:cSld>
-    <p:spTree>
-      <p:nvGrpSpPr>
-        <p:cNvPr id="1" name=""/>
-        <p:cNvGrpSpPr/>
-        <p:nvPr/>
-      </p:nvGrpSpPr>
-      <p:grpSpPr>
-        <a:xfrm>
-          <a:off x="0" y="0"/>
-          <a:ext cx="0" cy="0"/>
-          <a:chOff x="0" y="0"/>
-          <a:chExt cx="0" cy="0"/>
-        </a:xfrm>
-      </p:grpSpPr>
-      <p:sp>
-        <p:nvSpPr>
-          <p:cNvPr id="2" name="슬라이드 이미지 개체 틀 1"/>
-          <p:cNvSpPr>
-            <a:spLocks noGrp="1" noRot="1" noChangeAspect="1"/>
-          </p:cNvSpPr>
-          <p:nvPr>
-            <p:ph type="sldImg"/>
-          </p:nvPr>
-        </p:nvSpPr>
-        <p:spPr/>
-      </p:sp>
-      <p:sp>
-        <p:nvSpPr>
-          <p:cNvPr id="3" name="슬라이드 노트 개체 틀 2"/>
-          <p:cNvSpPr>
-            <a:spLocks noGrp="1"/>
-          </p:cNvSpPr>
-          <p:nvPr>
-            <p:ph type="body" idx="1"/>
-          </p:nvPr>
-        </p:nvSpPr>
-        <p:spPr/>
-        <p:txBody>
-          <a:bodyPr/>
-          <a:lstStyle/>
-          <a:p>
-            <a:endParaRPr lang="ko-KR" altLang="en-US" dirty="0"/>
-          </a:p>
-        </p:txBody>
-      </p:sp>
-      <p:sp>
-        <p:nvSpPr>
-          <p:cNvPr id="4" name="슬라이드 번호 개체 틀 3"/>
-          <p:cNvSpPr>
-            <a:spLocks noGrp="1"/>
-          </p:cNvSpPr>
-          <p:nvPr>
-            <p:ph type="sldNum" sz="quarter" idx="10"/>
-          </p:nvPr>
-        </p:nvSpPr>
-        <p:spPr/>
-        <p:txBody>
-          <a:bodyPr/>
-          <a:lstStyle/>
-          <a:p>
-            <a:fld id="{A9F825AE-3181-449F-B80A-CA492E3D5F0D}" type="slidenum">
-              <a:rPr lang="ko-KR" altLang="en-US" smtClean="0"/>
-              <a:t>4</a:t>
-            </a:fld>
-            <a:endParaRPr lang="ko-KR" altLang="en-US"/>
-          </a:p>
-        </p:txBody>
-      </p:sp>
-    </p:spTree>
-    <p:extLst>
-      <p:ext uri="{BB962C8B-B14F-4D97-AF65-F5344CB8AC3E}">
-        <p14:creationId xmlns:p14="http://schemas.microsoft.com/office/powerpoint/2010/main" val="3330390308"/>
-      </p:ext>
-    </p:extLst>
-  </p:cSld>
-  <p:clrMapOvr>
-    <a:masterClrMapping/>
-  </p:clrMapOvr>
-</p:notes>
-</file>
-
 <file path=ppt/slideLayouts/slideLayout1.xml><?xml version="1.0" encoding="utf-8"?>
 <p:sldLayout xmlns:a="http://schemas.openxmlformats.org/drawingml/2006/main" xmlns:r="http://schemas.openxmlformats.org/officeDocument/2006/relationships" xmlns:p="http://schemas.openxmlformats.org/presentationml/2006/main" type="title" preserve="1">
   <p:cSld name="제목 슬라이드">
@@ -812,7 +728,7 @@
           <a:p>
             <a:fld id="{48C2848A-6F74-48C5-A4CD-91F929EC3187}" type="datetimeFigureOut">
               <a:rPr lang="ko-KR" altLang="en-US" smtClean="0"/>
-              <a:t>2018-05-31</a:t>
+              <a:t>2018-06-12</a:t>
             </a:fld>
             <a:endParaRPr lang="ko-KR" altLang="en-US"/>
           </a:p>
@@ -982,7 +898,7 @@
           <a:p>
             <a:fld id="{48C2848A-6F74-48C5-A4CD-91F929EC3187}" type="datetimeFigureOut">
               <a:rPr lang="ko-KR" altLang="en-US" smtClean="0"/>
-              <a:t>2018-05-31</a:t>
+              <a:t>2018-06-12</a:t>
             </a:fld>
             <a:endParaRPr lang="ko-KR" altLang="en-US"/>
           </a:p>
@@ -1162,7 +1078,7 @@
           <a:p>
             <a:fld id="{48C2848A-6F74-48C5-A4CD-91F929EC3187}" type="datetimeFigureOut">
               <a:rPr lang="ko-KR" altLang="en-US" smtClean="0"/>
-              <a:t>2018-05-31</a:t>
+              <a:t>2018-06-12</a:t>
             </a:fld>
             <a:endParaRPr lang="ko-KR" altLang="en-US"/>
           </a:p>
@@ -1332,7 +1248,7 @@
           <a:p>
             <a:fld id="{48C2848A-6F74-48C5-A4CD-91F929EC3187}" type="datetimeFigureOut">
               <a:rPr lang="ko-KR" altLang="en-US" smtClean="0"/>
-              <a:t>2018-05-31</a:t>
+              <a:t>2018-06-12</a:t>
             </a:fld>
             <a:endParaRPr lang="ko-KR" altLang="en-US"/>
           </a:p>
@@ -1578,7 +1494,7 @@
           <a:p>
             <a:fld id="{48C2848A-6F74-48C5-A4CD-91F929EC3187}" type="datetimeFigureOut">
               <a:rPr lang="ko-KR" altLang="en-US" smtClean="0"/>
-              <a:t>2018-05-31</a:t>
+              <a:t>2018-06-12</a:t>
             </a:fld>
             <a:endParaRPr lang="ko-KR" altLang="en-US"/>
           </a:p>
@@ -1866,7 +1782,7 @@
           <a:p>
             <a:fld id="{48C2848A-6F74-48C5-A4CD-91F929EC3187}" type="datetimeFigureOut">
               <a:rPr lang="ko-KR" altLang="en-US" smtClean="0"/>
-              <a:t>2018-05-31</a:t>
+              <a:t>2018-06-12</a:t>
             </a:fld>
             <a:endParaRPr lang="ko-KR" altLang="en-US"/>
           </a:p>
@@ -2288,7 +2204,7 @@
           <a:p>
             <a:fld id="{48C2848A-6F74-48C5-A4CD-91F929EC3187}" type="datetimeFigureOut">
               <a:rPr lang="ko-KR" altLang="en-US" smtClean="0"/>
-              <a:t>2018-05-31</a:t>
+              <a:t>2018-06-12</a:t>
             </a:fld>
             <a:endParaRPr lang="ko-KR" altLang="en-US"/>
           </a:p>
@@ -2406,7 +2322,7 @@
           <a:p>
             <a:fld id="{48C2848A-6F74-48C5-A4CD-91F929EC3187}" type="datetimeFigureOut">
               <a:rPr lang="ko-KR" altLang="en-US" smtClean="0"/>
-              <a:t>2018-05-31</a:t>
+              <a:t>2018-06-12</a:t>
             </a:fld>
             <a:endParaRPr lang="ko-KR" altLang="en-US"/>
           </a:p>
@@ -2501,7 +2417,7 @@
           <a:p>
             <a:fld id="{48C2848A-6F74-48C5-A4CD-91F929EC3187}" type="datetimeFigureOut">
               <a:rPr lang="ko-KR" altLang="en-US" smtClean="0"/>
-              <a:t>2018-05-31</a:t>
+              <a:t>2018-06-12</a:t>
             </a:fld>
             <a:endParaRPr lang="ko-KR" altLang="en-US"/>
           </a:p>
@@ -2778,7 +2694,7 @@
           <a:p>
             <a:fld id="{48C2848A-6F74-48C5-A4CD-91F929EC3187}" type="datetimeFigureOut">
               <a:rPr lang="ko-KR" altLang="en-US" smtClean="0"/>
-              <a:t>2018-05-31</a:t>
+              <a:t>2018-06-12</a:t>
             </a:fld>
             <a:endParaRPr lang="ko-KR" altLang="en-US"/>
           </a:p>
@@ -3031,7 +2947,7 @@
           <a:p>
             <a:fld id="{48C2848A-6F74-48C5-A4CD-91F929EC3187}" type="datetimeFigureOut">
               <a:rPr lang="ko-KR" altLang="en-US" smtClean="0"/>
-              <a:t>2018-05-31</a:t>
+              <a:t>2018-06-12</a:t>
             </a:fld>
             <a:endParaRPr lang="ko-KR" altLang="en-US"/>
           </a:p>
@@ -3244,7 +3160,7 @@
           <a:p>
             <a:fld id="{48C2848A-6F74-48C5-A4CD-91F929EC3187}" type="datetimeFigureOut">
               <a:rPr lang="ko-KR" altLang="en-US" smtClean="0"/>
-              <a:t>2018-05-31</a:t>
+              <a:t>2018-06-12</a:t>
             </a:fld>
             <a:endParaRPr lang="ko-KR" altLang="en-US"/>
           </a:p>
@@ -8764,15 +8680,7 @@
                             <a:schemeClr val="tx2"/>
                           </a:solidFill>
                         </a:rPr>
-                        <a:t> </a:t>
-                      </a:r>
-                      <a:r>
-                        <a:rPr lang="ko-KR" altLang="en-US" sz="800" baseline="0" dirty="0" smtClean="0">
-                          <a:solidFill>
-                            <a:schemeClr val="tx2"/>
-                          </a:solidFill>
-                        </a:rPr>
-                        <a:t>모델학습</a:t>
+                        <a:t> 모델학습</a:t>
                       </a:r>
                       <a:endParaRPr lang="en-US" altLang="ko-KR" sz="800" baseline="0" dirty="0" smtClean="0">
                         <a:solidFill>
@@ -9054,15 +8962,7 @@
                             <a:schemeClr val="tx2"/>
                           </a:solidFill>
                         </a:rPr>
-                        <a:t>+ </a:t>
-                      </a:r>
-                      <a:r>
-                        <a:rPr lang="en-US" altLang="ko-KR" sz="800" dirty="0" smtClean="0">
-                          <a:solidFill>
-                            <a:schemeClr val="tx2"/>
-                          </a:solidFill>
-                        </a:rPr>
-                        <a:t>Comment</a:t>
+                        <a:t>+ Comment</a:t>
                       </a:r>
                       <a:endParaRPr lang="ko-KR" altLang="en-US" sz="800" dirty="0">
                         <a:solidFill>
@@ -10836,6 +10736,106 @@
           </a:p>
         </p:txBody>
       </p:sp>
+      <p:sp>
+        <p:nvSpPr>
+          <p:cNvPr id="39" name="타원 38"/>
+          <p:cNvSpPr/>
+          <p:nvPr/>
+        </p:nvSpPr>
+        <p:spPr>
+          <a:xfrm>
+            <a:off x="6042673" y="5877272"/>
+            <a:ext cx="127229" cy="132461"/>
+          </a:xfrm>
+          <a:prstGeom prst="ellipse">
+            <a:avLst/>
+          </a:prstGeom>
+        </p:spPr>
+        <p:style>
+          <a:lnRef idx="2">
+            <a:schemeClr val="accent1">
+              <a:shade val="50000"/>
+            </a:schemeClr>
+          </a:lnRef>
+          <a:fillRef idx="1">
+            <a:schemeClr val="accent1"/>
+          </a:fillRef>
+          <a:effectRef idx="0">
+            <a:schemeClr val="accent1"/>
+          </a:effectRef>
+          <a:fontRef idx="minor">
+            <a:schemeClr val="lt1"/>
+          </a:fontRef>
+        </p:style>
+        <p:txBody>
+          <a:bodyPr rtlCol="0" anchor="ctr"/>
+          <a:lstStyle/>
+          <a:p>
+            <a:pPr algn="ctr"/>
+            <a:endParaRPr lang="ko-KR" altLang="en-US"/>
+          </a:p>
+        </p:txBody>
+      </p:sp>
+      <p:cxnSp>
+        <p:nvCxnSpPr>
+          <p:cNvPr id="6" name="꺾인 연결선 5"/>
+          <p:cNvCxnSpPr/>
+          <p:nvPr/>
+        </p:nvCxnSpPr>
+        <p:spPr>
+          <a:xfrm>
+            <a:off x="539552" y="5902574"/>
+            <a:ext cx="8208912" cy="12700"/>
+          </a:xfrm>
+          <a:prstGeom prst="bentConnector3">
+            <a:avLst/>
+          </a:prstGeom>
+        </p:spPr>
+        <p:style>
+          <a:lnRef idx="1">
+            <a:schemeClr val="accent1"/>
+          </a:lnRef>
+          <a:fillRef idx="0">
+            <a:schemeClr val="accent1"/>
+          </a:fillRef>
+          <a:effectRef idx="0">
+            <a:schemeClr val="accent1"/>
+          </a:effectRef>
+          <a:fontRef idx="minor">
+            <a:schemeClr val="tx1"/>
+          </a:fontRef>
+        </p:style>
+      </p:cxnSp>
+      <p:cxnSp>
+        <p:nvCxnSpPr>
+          <p:cNvPr id="40" name="꺾인 연결선 39"/>
+          <p:cNvCxnSpPr/>
+          <p:nvPr/>
+        </p:nvCxnSpPr>
+        <p:spPr>
+          <a:xfrm>
+            <a:off x="539552" y="5990487"/>
+            <a:ext cx="8208912" cy="12700"/>
+          </a:xfrm>
+          <a:prstGeom prst="bentConnector3">
+            <a:avLst/>
+          </a:prstGeom>
+        </p:spPr>
+        <p:style>
+          <a:lnRef idx="1">
+            <a:schemeClr val="accent1"/>
+          </a:lnRef>
+          <a:fillRef idx="0">
+            <a:schemeClr val="accent1"/>
+          </a:fillRef>
+          <a:effectRef idx="0">
+            <a:schemeClr val="accent1"/>
+          </a:effectRef>
+          <a:fontRef idx="minor">
+            <a:schemeClr val="tx1"/>
+          </a:fontRef>
+        </p:style>
+      </p:cxnSp>
     </p:spTree>
     <p:extLst>
       <p:ext uri="{BB962C8B-B14F-4D97-AF65-F5344CB8AC3E}">
@@ -10888,617 +10888,689 @@
           <a:bodyPr/>
           <a:lstStyle/>
           <a:p>
-            <a:endParaRPr lang="ko-KR" altLang="en-US"/>
+            <a:r>
+              <a:rPr lang="ko-KR" altLang="en-US" dirty="0" smtClean="0">
+                <a:solidFill>
+                  <a:schemeClr val="tx2">
+                    <a:lumMod val="40000"/>
+                    <a:lumOff val="60000"/>
+                  </a:schemeClr>
+                </a:solidFill>
+              </a:rPr>
+              <a:t>후기</a:t>
+            </a:r>
+            <a:endParaRPr lang="ko-KR" altLang="en-US" dirty="0">
+              <a:solidFill>
+                <a:schemeClr val="tx2">
+                  <a:lumMod val="40000"/>
+                  <a:lumOff val="60000"/>
+                </a:schemeClr>
+              </a:solidFill>
+            </a:endParaRPr>
           </a:p>
         </p:txBody>
       </p:sp>
-      <p:graphicFrame>
-        <p:nvGraphicFramePr>
-          <p:cNvPr id="4" name="내용 개체 틀 3"/>
-          <p:cNvGraphicFramePr>
-            <a:graphicFrameLocks noGrp="1"/>
-          </p:cNvGraphicFramePr>
+      <p:sp>
+        <p:nvSpPr>
+          <p:cNvPr id="3" name="내용 개체 틀 2"/>
+          <p:cNvSpPr>
+            <a:spLocks noGrp="1"/>
+          </p:cNvSpPr>
           <p:nvPr>
             <p:ph idx="1"/>
-            <p:extLst>
-              <p:ext uri="{D42A27DB-BD31-4B8C-83A1-F6EECF244321}">
-                <p14:modId xmlns:p14="http://schemas.microsoft.com/office/powerpoint/2010/main" val="726782829"/>
-              </p:ext>
-            </p:extLst>
           </p:nvPr>
-        </p:nvGraphicFramePr>
-        <p:xfrm>
-          <a:off x="457200" y="1600200"/>
-          <a:ext cx="8229599" cy="1910080"/>
-        </p:xfrm>
-        <a:graphic>
-          <a:graphicData uri="http://schemas.openxmlformats.org/drawingml/2006/table">
-            <a:tbl>
-              <a:tblPr firstRow="1" bandRow="1">
-                <a:tableStyleId>{5C22544A-7EE6-4342-B048-85BDC9FD1C3A}</a:tableStyleId>
-              </a:tblPr>
-              <a:tblGrid>
-                <a:gridCol w="1175657"/>
-                <a:gridCol w="1175657"/>
-                <a:gridCol w="1175657"/>
-                <a:gridCol w="1175657"/>
-                <a:gridCol w="1175657"/>
-                <a:gridCol w="1175657"/>
-                <a:gridCol w="1175657"/>
-              </a:tblGrid>
-              <a:tr h="370840">
-                <a:tc>
-                  <a:txBody>
-                    <a:bodyPr/>
-                    <a:lstStyle/>
-                    <a:p>
-                      <a:pPr algn="ctr" latinLnBrk="1"/>
-                      <a:r>
-                        <a:rPr lang="ko-KR" altLang="en-US" sz="1100" dirty="0" smtClean="0"/>
-                        <a:t>일</a:t>
-                      </a:r>
-                      <a:endParaRPr lang="ko-KR" altLang="en-US" sz="1100" dirty="0"/>
-                    </a:p>
-                  </a:txBody>
-                  <a:tcPr/>
-                </a:tc>
-                <a:tc>
-                  <a:txBody>
-                    <a:bodyPr/>
-                    <a:lstStyle/>
-                    <a:p>
-                      <a:pPr algn="ctr" latinLnBrk="1"/>
-                      <a:r>
-                        <a:rPr lang="ko-KR" altLang="en-US" sz="1100" dirty="0" smtClean="0"/>
-                        <a:t>월</a:t>
-                      </a:r>
-                      <a:endParaRPr lang="ko-KR" altLang="en-US" sz="1100" dirty="0"/>
-                    </a:p>
-                  </a:txBody>
-                  <a:tcPr/>
-                </a:tc>
-                <a:tc>
-                  <a:txBody>
-                    <a:bodyPr/>
-                    <a:lstStyle/>
-                    <a:p>
-                      <a:pPr algn="ctr" latinLnBrk="1"/>
-                      <a:r>
-                        <a:rPr lang="ko-KR" altLang="en-US" sz="1100" dirty="0" smtClean="0"/>
-                        <a:t>화</a:t>
-                      </a:r>
-                      <a:endParaRPr lang="ko-KR" altLang="en-US" sz="1100" dirty="0"/>
-                    </a:p>
-                  </a:txBody>
-                  <a:tcPr/>
-                </a:tc>
-                <a:tc>
-                  <a:txBody>
-                    <a:bodyPr/>
-                    <a:lstStyle/>
-                    <a:p>
-                      <a:pPr algn="ctr" latinLnBrk="1"/>
-                      <a:r>
-                        <a:rPr lang="ko-KR" altLang="en-US" sz="1100" dirty="0" smtClean="0"/>
-                        <a:t>수</a:t>
-                      </a:r>
-                      <a:endParaRPr lang="ko-KR" altLang="en-US" sz="1100" dirty="0"/>
-                    </a:p>
-                  </a:txBody>
-                  <a:tcPr/>
-                </a:tc>
-                <a:tc>
-                  <a:txBody>
-                    <a:bodyPr/>
-                    <a:lstStyle/>
-                    <a:p>
-                      <a:pPr algn="ctr" latinLnBrk="1"/>
-                      <a:r>
-                        <a:rPr lang="ko-KR" altLang="en-US" sz="1100" dirty="0" smtClean="0"/>
-                        <a:t>목</a:t>
-                      </a:r>
-                      <a:endParaRPr lang="ko-KR" altLang="en-US" sz="1100" dirty="0"/>
-                    </a:p>
-                  </a:txBody>
-                  <a:tcPr/>
-                </a:tc>
-                <a:tc>
-                  <a:txBody>
-                    <a:bodyPr/>
-                    <a:lstStyle/>
-                    <a:p>
-                      <a:pPr algn="ctr" latinLnBrk="1"/>
-                      <a:r>
-                        <a:rPr lang="ko-KR" altLang="en-US" sz="1100" dirty="0" smtClean="0"/>
-                        <a:t>금</a:t>
-                      </a:r>
-                      <a:endParaRPr lang="ko-KR" altLang="en-US" sz="1100" dirty="0"/>
-                    </a:p>
-                  </a:txBody>
-                  <a:tcPr/>
-                </a:tc>
-                <a:tc>
-                  <a:txBody>
-                    <a:bodyPr/>
-                    <a:lstStyle/>
-                    <a:p>
-                      <a:pPr algn="ctr" latinLnBrk="1"/>
-                      <a:r>
-                        <a:rPr lang="ko-KR" altLang="en-US" sz="1100" dirty="0" smtClean="0"/>
-                        <a:t>토</a:t>
-                      </a:r>
-                      <a:endParaRPr lang="ko-KR" altLang="en-US" sz="1100" dirty="0"/>
-                    </a:p>
-                  </a:txBody>
-                  <a:tcPr/>
-                </a:tc>
-              </a:tr>
-              <a:tr h="370840">
-                <a:tc>
-                  <a:txBody>
-                    <a:bodyPr/>
-                    <a:lstStyle/>
-                    <a:p>
-                      <a:pPr algn="ctr" latinLnBrk="1"/>
-                      <a:r>
-                        <a:rPr lang="en-US" altLang="ko-KR" sz="1100" dirty="0" smtClean="0"/>
-                        <a:t>17</a:t>
-                      </a:r>
-                      <a:endParaRPr lang="ko-KR" altLang="en-US" sz="1100" dirty="0"/>
-                    </a:p>
-                  </a:txBody>
-                  <a:tcPr/>
-                </a:tc>
-                <a:tc>
-                  <a:txBody>
-                    <a:bodyPr/>
-                    <a:lstStyle/>
-                    <a:p>
-                      <a:pPr algn="ctr" latinLnBrk="1"/>
-                      <a:r>
-                        <a:rPr lang="en-US" altLang="ko-KR" sz="1100" dirty="0" smtClean="0"/>
-                        <a:t>18</a:t>
-                      </a:r>
-                      <a:endParaRPr lang="ko-KR" altLang="en-US" sz="1100" dirty="0"/>
-                    </a:p>
-                  </a:txBody>
-                  <a:tcPr/>
-                </a:tc>
-                <a:tc>
-                  <a:txBody>
-                    <a:bodyPr/>
-                    <a:lstStyle/>
-                    <a:p>
-                      <a:pPr algn="ctr" latinLnBrk="1"/>
-                      <a:r>
-                        <a:rPr lang="en-US" altLang="ko-KR" sz="1100" dirty="0" smtClean="0"/>
-                        <a:t>19</a:t>
-                      </a:r>
-                      <a:endParaRPr lang="ko-KR" altLang="en-US" sz="1100" dirty="0"/>
-                    </a:p>
-                  </a:txBody>
-                  <a:tcPr/>
-                </a:tc>
-                <a:tc>
-                  <a:txBody>
-                    <a:bodyPr/>
-                    <a:lstStyle/>
-                    <a:p>
-                      <a:pPr algn="ctr" latinLnBrk="1"/>
-                      <a:r>
-                        <a:rPr lang="en-US" altLang="ko-KR" sz="1100" dirty="0" smtClean="0"/>
-                        <a:t>20</a:t>
-                      </a:r>
-                      <a:endParaRPr lang="ko-KR" altLang="en-US" sz="1100" dirty="0"/>
-                    </a:p>
-                  </a:txBody>
-                  <a:tcPr/>
-                </a:tc>
-                <a:tc>
-                  <a:txBody>
-                    <a:bodyPr/>
-                    <a:lstStyle/>
-                    <a:p>
-                      <a:pPr algn="ctr" latinLnBrk="1"/>
-                      <a:r>
-                        <a:rPr lang="en-US" altLang="ko-KR" sz="1100" dirty="0" smtClean="0"/>
-                        <a:t>21</a:t>
-                      </a:r>
-                      <a:endParaRPr lang="ko-KR" altLang="en-US" sz="1100" dirty="0"/>
-                    </a:p>
-                  </a:txBody>
-                  <a:tcPr/>
-                </a:tc>
-                <a:tc>
-                  <a:txBody>
-                    <a:bodyPr/>
-                    <a:lstStyle/>
-                    <a:p>
-                      <a:pPr algn="ctr" latinLnBrk="1"/>
-                      <a:r>
-                        <a:rPr lang="en-US" altLang="ko-KR" sz="1100" dirty="0" smtClean="0"/>
-                        <a:t>22</a:t>
-                      </a:r>
-                      <a:endParaRPr lang="ko-KR" altLang="en-US" sz="1100" dirty="0"/>
-                    </a:p>
-                  </a:txBody>
-                  <a:tcPr/>
-                </a:tc>
-                <a:tc>
-                  <a:txBody>
-                    <a:bodyPr/>
-                    <a:lstStyle/>
-                    <a:p>
-                      <a:pPr algn="ctr" latinLnBrk="1"/>
-                      <a:r>
-                        <a:rPr lang="en-US" altLang="ko-KR" sz="1100" dirty="0" smtClean="0"/>
-                        <a:t>23</a:t>
-                      </a:r>
-                      <a:endParaRPr lang="ko-KR" altLang="en-US" sz="1100" dirty="0"/>
-                    </a:p>
-                  </a:txBody>
-                  <a:tcPr/>
-                </a:tc>
-              </a:tr>
-              <a:tr h="370840">
-                <a:tc>
-                  <a:txBody>
-                    <a:bodyPr/>
-                    <a:lstStyle/>
-                    <a:p>
-                      <a:pPr algn="ctr" latinLnBrk="1"/>
-                      <a:endParaRPr lang="ko-KR" altLang="en-US" sz="1100" dirty="0"/>
-                    </a:p>
-                  </a:txBody>
-                  <a:tcPr/>
-                </a:tc>
-                <a:tc>
-                  <a:txBody>
-                    <a:bodyPr/>
-                    <a:lstStyle/>
-                    <a:p>
-                      <a:pPr algn="ctr" latinLnBrk="1"/>
-                      <a:r>
-                        <a:rPr lang="en-US" altLang="ko-KR" sz="1100" dirty="0" smtClean="0"/>
-                        <a:t>ECMA javascript5</a:t>
-                      </a:r>
-                    </a:p>
-                  </a:txBody>
-                  <a:tcPr/>
-                </a:tc>
-                <a:tc>
-                  <a:txBody>
-                    <a:bodyPr/>
-                    <a:lstStyle/>
-                    <a:p>
-                      <a:pPr marL="0" marR="0" indent="0" algn="ctr" defTabSz="914400" rtl="0" eaLnBrk="1" fontAlgn="auto" latinLnBrk="1" hangingPunct="1">
-                        <a:lnSpc>
-                          <a:spcPct val="100000"/>
-                        </a:lnSpc>
-                        <a:spcBef>
-                          <a:spcPts val="0"/>
-                        </a:spcBef>
-                        <a:spcAft>
-                          <a:spcPts val="0"/>
-                        </a:spcAft>
-                        <a:buClrTx/>
-                        <a:buSzTx/>
-                        <a:buFontTx/>
-                        <a:buNone/>
-                        <a:tabLst/>
-                        <a:defRPr/>
-                      </a:pPr>
-                      <a:r>
-                        <a:rPr lang="en-US" altLang="ko-KR" sz="1100" dirty="0" smtClean="0"/>
-                        <a:t>ECMA javascript5</a:t>
-                      </a:r>
-                      <a:endParaRPr lang="en-US" altLang="ko-KR" sz="1100" baseline="0" dirty="0" smtClean="0"/>
-                    </a:p>
-                  </a:txBody>
-                  <a:tcPr/>
-                </a:tc>
-                <a:tc>
-                  <a:txBody>
-                    <a:bodyPr/>
-                    <a:lstStyle/>
-                    <a:p>
-                      <a:pPr marL="0" marR="0" indent="0" algn="ctr" defTabSz="914400" rtl="0" eaLnBrk="1" fontAlgn="auto" latinLnBrk="1" hangingPunct="1">
-                        <a:lnSpc>
-                          <a:spcPct val="100000"/>
-                        </a:lnSpc>
-                        <a:spcBef>
-                          <a:spcPts val="0"/>
-                        </a:spcBef>
-                        <a:spcAft>
-                          <a:spcPts val="0"/>
-                        </a:spcAft>
-                        <a:buClrTx/>
-                        <a:buSzTx/>
-                        <a:buFontTx/>
-                        <a:buNone/>
-                        <a:tabLst/>
-                        <a:defRPr/>
-                      </a:pPr>
-                      <a:r>
-                        <a:rPr lang="en-US" altLang="ko-KR" sz="1100" dirty="0" smtClean="0"/>
-                        <a:t>ECMA javascript5</a:t>
-                      </a:r>
-                    </a:p>
-                  </a:txBody>
-                  <a:tcPr/>
-                </a:tc>
-                <a:tc>
-                  <a:txBody>
-                    <a:bodyPr/>
-                    <a:lstStyle/>
-                    <a:p>
-                      <a:pPr marL="0" marR="0" indent="0" algn="ctr" defTabSz="914400" rtl="0" eaLnBrk="1" fontAlgn="auto" latinLnBrk="1" hangingPunct="1">
-                        <a:lnSpc>
-                          <a:spcPct val="100000"/>
-                        </a:lnSpc>
-                        <a:spcBef>
-                          <a:spcPts val="0"/>
-                        </a:spcBef>
-                        <a:spcAft>
-                          <a:spcPts val="0"/>
-                        </a:spcAft>
-                        <a:buClrTx/>
-                        <a:buSzTx/>
-                        <a:buFontTx/>
-                        <a:buNone/>
-                        <a:tabLst/>
-                        <a:defRPr/>
-                      </a:pPr>
-                      <a:r>
-                        <a:rPr lang="en-US" altLang="ko-KR" sz="1100" dirty="0" smtClean="0"/>
-                        <a:t>ECMA javascript5</a:t>
-                      </a:r>
-                    </a:p>
-                  </a:txBody>
-                  <a:tcPr/>
-                </a:tc>
-                <a:tc>
-                  <a:txBody>
-                    <a:bodyPr/>
-                    <a:lstStyle/>
-                    <a:p>
-                      <a:pPr marL="0" marR="0" indent="0" algn="ctr" defTabSz="914400" rtl="0" eaLnBrk="1" fontAlgn="auto" latinLnBrk="1" hangingPunct="1">
-                        <a:lnSpc>
-                          <a:spcPct val="100000"/>
-                        </a:lnSpc>
-                        <a:spcBef>
-                          <a:spcPts val="0"/>
-                        </a:spcBef>
-                        <a:spcAft>
-                          <a:spcPts val="0"/>
-                        </a:spcAft>
-                        <a:buClrTx/>
-                        <a:buSzTx/>
-                        <a:buFontTx/>
-                        <a:buNone/>
-                        <a:tabLst/>
-                        <a:defRPr/>
-                      </a:pPr>
-                      <a:r>
-                        <a:rPr lang="en-US" altLang="ko-KR" sz="1100" dirty="0" smtClean="0"/>
-                        <a:t>ECMA javascript5</a:t>
-                      </a:r>
-                    </a:p>
-                  </a:txBody>
-                  <a:tcPr/>
-                </a:tc>
-                <a:tc>
-                  <a:txBody>
-                    <a:bodyPr/>
-                    <a:lstStyle/>
-                    <a:p>
-                      <a:pPr algn="ctr" latinLnBrk="1"/>
-                      <a:endParaRPr lang="ko-KR" altLang="en-US" sz="1100" dirty="0"/>
-                    </a:p>
-                  </a:txBody>
-                  <a:tcPr/>
-                </a:tc>
-              </a:tr>
-              <a:tr h="370840">
-                <a:tc>
-                  <a:txBody>
-                    <a:bodyPr/>
-                    <a:lstStyle/>
-                    <a:p>
-                      <a:pPr algn="ctr" latinLnBrk="1"/>
-                      <a:r>
-                        <a:rPr lang="en-US" altLang="ko-KR" sz="1100" dirty="0" smtClean="0"/>
-                        <a:t>24</a:t>
-                      </a:r>
-                      <a:endParaRPr lang="ko-KR" altLang="en-US" sz="1100" dirty="0"/>
-                    </a:p>
-                  </a:txBody>
-                  <a:tcPr/>
-                </a:tc>
-                <a:tc>
-                  <a:txBody>
-                    <a:bodyPr/>
-                    <a:lstStyle/>
-                    <a:p>
-                      <a:pPr algn="ctr" latinLnBrk="1"/>
-                      <a:r>
-                        <a:rPr lang="en-US" altLang="ko-KR" sz="1100" dirty="0" smtClean="0"/>
-                        <a:t>25</a:t>
-                      </a:r>
-                      <a:endParaRPr lang="ko-KR" altLang="en-US" sz="1100" dirty="0"/>
-                    </a:p>
-                  </a:txBody>
-                  <a:tcPr/>
-                </a:tc>
-                <a:tc>
-                  <a:txBody>
-                    <a:bodyPr/>
-                    <a:lstStyle/>
-                    <a:p>
-                      <a:pPr algn="ctr" latinLnBrk="1"/>
-                      <a:r>
-                        <a:rPr lang="en-US" altLang="ko-KR" sz="1100" dirty="0" smtClean="0"/>
-                        <a:t>26</a:t>
-                      </a:r>
-                      <a:endParaRPr lang="ko-KR" altLang="en-US" sz="1100" dirty="0"/>
-                    </a:p>
-                  </a:txBody>
-                  <a:tcPr/>
-                </a:tc>
-                <a:tc>
-                  <a:txBody>
-                    <a:bodyPr/>
-                    <a:lstStyle/>
-                    <a:p>
-                      <a:pPr algn="ctr" latinLnBrk="1"/>
-                      <a:r>
-                        <a:rPr lang="en-US" altLang="ko-KR" sz="1100" dirty="0" smtClean="0"/>
-                        <a:t>27</a:t>
-                      </a:r>
-                      <a:endParaRPr lang="ko-KR" altLang="en-US" sz="1100" dirty="0"/>
-                    </a:p>
-                  </a:txBody>
-                  <a:tcPr/>
-                </a:tc>
-                <a:tc>
-                  <a:txBody>
-                    <a:bodyPr/>
-                    <a:lstStyle/>
-                    <a:p>
-                      <a:pPr algn="ctr" latinLnBrk="1"/>
-                      <a:r>
-                        <a:rPr lang="en-US" altLang="ko-KR" sz="1100" dirty="0" smtClean="0"/>
-                        <a:t>28</a:t>
-                      </a:r>
-                      <a:endParaRPr lang="ko-KR" altLang="en-US" sz="1100" dirty="0"/>
-                    </a:p>
-                  </a:txBody>
-                  <a:tcPr/>
-                </a:tc>
-                <a:tc>
-                  <a:txBody>
-                    <a:bodyPr/>
-                    <a:lstStyle/>
-                    <a:p>
-                      <a:pPr algn="ctr" latinLnBrk="1"/>
-                      <a:r>
-                        <a:rPr lang="en-US" altLang="ko-KR" sz="1100" dirty="0" smtClean="0"/>
-                        <a:t>29</a:t>
-                      </a:r>
-                      <a:endParaRPr lang="ko-KR" altLang="en-US" sz="1100" dirty="0"/>
-                    </a:p>
-                  </a:txBody>
-                  <a:tcPr/>
-                </a:tc>
-                <a:tc>
-                  <a:txBody>
-                    <a:bodyPr/>
-                    <a:lstStyle/>
-                    <a:p>
-                      <a:pPr algn="ctr" latinLnBrk="1"/>
-                      <a:r>
-                        <a:rPr lang="en-US" altLang="ko-KR" sz="1100" dirty="0" smtClean="0"/>
-                        <a:t>30</a:t>
-                      </a:r>
-                      <a:endParaRPr lang="ko-KR" altLang="en-US" sz="1100" dirty="0"/>
-                    </a:p>
-                  </a:txBody>
-                  <a:tcPr/>
-                </a:tc>
-              </a:tr>
-              <a:tr h="370840">
-                <a:tc>
-                  <a:txBody>
-                    <a:bodyPr/>
-                    <a:lstStyle/>
-                    <a:p>
-                      <a:pPr algn="ctr" latinLnBrk="1"/>
-                      <a:endParaRPr lang="ko-KR" altLang="en-US" sz="1100" dirty="0"/>
-                    </a:p>
-                  </a:txBody>
-                  <a:tcPr/>
-                </a:tc>
-                <a:tc>
-                  <a:txBody>
-                    <a:bodyPr/>
-                    <a:lstStyle/>
-                    <a:p>
-                      <a:pPr algn="ctr" latinLnBrk="1"/>
-                      <a:endParaRPr lang="ko-KR" altLang="en-US" sz="1100" dirty="0"/>
-                    </a:p>
-                  </a:txBody>
-                  <a:tcPr/>
-                </a:tc>
-                <a:tc>
-                  <a:txBody>
-                    <a:bodyPr/>
-                    <a:lstStyle/>
-                    <a:p>
-                      <a:pPr algn="ctr" latinLnBrk="1"/>
-                      <a:endParaRPr lang="ko-KR" altLang="en-US" sz="1100" dirty="0"/>
-                    </a:p>
-                  </a:txBody>
-                  <a:tcPr/>
-                </a:tc>
-                <a:tc>
-                  <a:txBody>
-                    <a:bodyPr/>
-                    <a:lstStyle/>
-                    <a:p>
-                      <a:pPr algn="ctr" latinLnBrk="1"/>
-                      <a:endParaRPr lang="ko-KR" altLang="en-US" sz="1100" dirty="0"/>
-                    </a:p>
-                  </a:txBody>
-                  <a:tcPr/>
-                </a:tc>
-                <a:tc>
-                  <a:txBody>
-                    <a:bodyPr/>
-                    <a:lstStyle/>
-                    <a:p>
-                      <a:pPr algn="ctr" latinLnBrk="1"/>
-                      <a:endParaRPr lang="ko-KR" altLang="en-US" sz="1100" dirty="0"/>
-                    </a:p>
-                  </a:txBody>
-                  <a:tcPr/>
-                </a:tc>
-                <a:tc>
-                  <a:txBody>
-                    <a:bodyPr/>
-                    <a:lstStyle/>
-                    <a:p>
-                      <a:pPr algn="ctr" latinLnBrk="1"/>
-                      <a:endParaRPr lang="ko-KR" altLang="en-US" sz="1100" dirty="0"/>
-                    </a:p>
-                  </a:txBody>
-                  <a:tcPr/>
-                </a:tc>
-                <a:tc>
-                  <a:txBody>
-                    <a:bodyPr/>
-                    <a:lstStyle/>
-                    <a:p>
-                      <a:pPr algn="ctr" latinLnBrk="1"/>
-                      <a:endParaRPr lang="ko-KR" altLang="en-US" sz="1100" dirty="0"/>
-                    </a:p>
-                  </a:txBody>
-                  <a:tcPr/>
-                </a:tc>
-              </a:tr>
-            </a:tbl>
-          </a:graphicData>
-        </a:graphic>
-      </p:graphicFrame>
+        </p:nvSpPr>
+        <p:spPr/>
+        <p:txBody>
+          <a:bodyPr>
+            <a:normAutofit/>
+          </a:bodyPr>
+          <a:lstStyle/>
+          <a:p>
+            <a:pPr marL="0" indent="0" algn="ctr">
+              <a:buNone/>
+            </a:pPr>
+            <a:r>
+              <a:rPr lang="ko-KR" altLang="en-US" sz="1400" dirty="0" smtClean="0">
+                <a:solidFill>
+                  <a:schemeClr val="tx2">
+                    <a:lumMod val="75000"/>
+                  </a:schemeClr>
+                </a:solidFill>
+              </a:rPr>
+              <a:t>지난 </a:t>
+            </a:r>
+            <a:r>
+              <a:rPr lang="en-US" altLang="ko-KR" sz="1400" dirty="0" smtClean="0">
+                <a:solidFill>
+                  <a:schemeClr val="tx2">
+                    <a:lumMod val="75000"/>
+                  </a:schemeClr>
+                </a:solidFill>
+              </a:rPr>
+              <a:t>2~3</a:t>
+            </a:r>
+            <a:r>
+              <a:rPr lang="ko-KR" altLang="en-US" sz="1400" dirty="0" smtClean="0">
+                <a:solidFill>
+                  <a:schemeClr val="tx2">
+                    <a:lumMod val="75000"/>
+                  </a:schemeClr>
+                </a:solidFill>
+              </a:rPr>
+              <a:t>개월간 너무 열심히 달려와서 그런지 계획을 실행하는 도중 퍼졌다</a:t>
+            </a:r>
+            <a:r>
+              <a:rPr lang="en-US" altLang="ko-KR" sz="1400" dirty="0" smtClean="0">
+                <a:solidFill>
+                  <a:schemeClr val="tx2">
+                    <a:lumMod val="75000"/>
+                  </a:schemeClr>
+                </a:solidFill>
+              </a:rPr>
+              <a:t>.</a:t>
+            </a:r>
+            <a:r>
+              <a:rPr lang="ko-KR" altLang="en-US" sz="1400" dirty="0" smtClean="0">
+                <a:solidFill>
+                  <a:schemeClr val="tx2">
+                    <a:lumMod val="75000"/>
+                  </a:schemeClr>
+                </a:solidFill>
+              </a:rPr>
+              <a:t> </a:t>
+            </a:r>
+            <a:endParaRPr lang="en-US" altLang="ko-KR" sz="1400" dirty="0">
+              <a:solidFill>
+                <a:schemeClr val="tx2">
+                  <a:lumMod val="75000"/>
+                </a:schemeClr>
+              </a:solidFill>
+            </a:endParaRPr>
+          </a:p>
+          <a:p>
+            <a:pPr marL="0" indent="0" algn="ctr">
+              <a:buNone/>
+            </a:pPr>
+            <a:r>
+              <a:rPr lang="ko-KR" altLang="en-US" sz="1400" dirty="0" smtClean="0">
+                <a:solidFill>
+                  <a:schemeClr val="tx2">
+                    <a:lumMod val="75000"/>
+                  </a:schemeClr>
+                </a:solidFill>
+              </a:rPr>
+              <a:t>아무래도 배울 양도 많고 시간도 촉박했고 마음도 급했다</a:t>
+            </a:r>
+            <a:r>
+              <a:rPr lang="en-US" altLang="ko-KR" sz="1400" dirty="0" smtClean="0">
+                <a:solidFill>
+                  <a:schemeClr val="tx2">
+                    <a:lumMod val="75000"/>
+                  </a:schemeClr>
+                </a:solidFill>
+              </a:rPr>
+              <a:t>.</a:t>
+            </a:r>
+          </a:p>
+          <a:p>
+            <a:pPr marL="0" indent="0" algn="ctr">
+              <a:buNone/>
+            </a:pPr>
+            <a:r>
+              <a:rPr lang="en-US" altLang="ko-KR" sz="1400" dirty="0" smtClean="0">
+                <a:solidFill>
+                  <a:schemeClr val="tx2">
+                    <a:lumMod val="75000"/>
+                  </a:schemeClr>
+                </a:solidFill>
+              </a:rPr>
+              <a:t>6</a:t>
+            </a:r>
+            <a:r>
+              <a:rPr lang="ko-KR" altLang="en-US" sz="1400" dirty="0" smtClean="0">
+                <a:solidFill>
+                  <a:schemeClr val="tx2">
+                    <a:lumMod val="75000"/>
+                  </a:schemeClr>
+                </a:solidFill>
+              </a:rPr>
+              <a:t>월초부터 퍼졌는데 여러모로 목표를 너무 높게 잡아서 그런 것 같다</a:t>
+            </a:r>
+            <a:r>
+              <a:rPr lang="en-US" altLang="ko-KR" sz="1400" dirty="0" smtClean="0">
+                <a:solidFill>
+                  <a:schemeClr val="tx2">
+                    <a:lumMod val="75000"/>
+                  </a:schemeClr>
+                </a:solidFill>
+              </a:rPr>
+              <a:t>.</a:t>
+            </a:r>
+          </a:p>
+          <a:p>
+            <a:pPr marL="0" indent="0" algn="ctr">
+              <a:buNone/>
+            </a:pPr>
+            <a:r>
+              <a:rPr lang="ko-KR" altLang="en-US" sz="1400" dirty="0" smtClean="0">
+                <a:solidFill>
+                  <a:schemeClr val="tx2">
+                    <a:lumMod val="75000"/>
+                  </a:schemeClr>
+                </a:solidFill>
+              </a:rPr>
+              <a:t>계획의 </a:t>
+            </a:r>
+            <a:r>
+              <a:rPr lang="en-US" altLang="ko-KR" sz="1400" dirty="0" smtClean="0">
+                <a:solidFill>
+                  <a:schemeClr val="tx2">
+                    <a:lumMod val="75000"/>
+                  </a:schemeClr>
+                </a:solidFill>
+              </a:rPr>
+              <a:t>2/3 </a:t>
+            </a:r>
+            <a:r>
+              <a:rPr lang="ko-KR" altLang="en-US" sz="1400" dirty="0">
+                <a:solidFill>
+                  <a:schemeClr val="tx2">
+                    <a:lumMod val="75000"/>
+                  </a:schemeClr>
+                </a:solidFill>
+              </a:rPr>
+              <a:t>이상은 </a:t>
+            </a:r>
+            <a:r>
+              <a:rPr lang="ko-KR" altLang="en-US" sz="1400" dirty="0" smtClean="0">
+                <a:solidFill>
+                  <a:schemeClr val="tx2">
+                    <a:lumMod val="75000"/>
+                  </a:schemeClr>
+                </a:solidFill>
+              </a:rPr>
+              <a:t>수행하고</a:t>
+            </a:r>
+            <a:r>
+              <a:rPr lang="en-US" altLang="ko-KR" sz="1400" dirty="0">
+                <a:solidFill>
+                  <a:schemeClr val="tx2">
+                    <a:lumMod val="75000"/>
+                  </a:schemeClr>
+                </a:solidFill>
+              </a:rPr>
+              <a:t> </a:t>
+            </a:r>
+            <a:r>
+              <a:rPr lang="en-US" altLang="ko-KR" sz="1400" dirty="0" smtClean="0">
+                <a:solidFill>
+                  <a:schemeClr val="tx2">
+                    <a:lumMod val="75000"/>
+                  </a:schemeClr>
+                </a:solidFill>
+              </a:rPr>
+              <a:t>6</a:t>
+            </a:r>
+            <a:r>
+              <a:rPr lang="ko-KR" altLang="en-US" sz="1400" dirty="0">
+                <a:solidFill>
+                  <a:schemeClr val="tx2">
+                    <a:lumMod val="75000"/>
+                  </a:schemeClr>
+                </a:solidFill>
+              </a:rPr>
+              <a:t>월초부터 </a:t>
+            </a:r>
+            <a:r>
+              <a:rPr lang="ko-KR" altLang="en-US" sz="1400" dirty="0" smtClean="0">
+                <a:solidFill>
+                  <a:schemeClr val="tx2">
+                    <a:lumMod val="75000"/>
+                  </a:schemeClr>
+                </a:solidFill>
+              </a:rPr>
+              <a:t>퍼진지라 </a:t>
+            </a:r>
+            <a:r>
+              <a:rPr lang="ko-KR" altLang="en-US" sz="1400" dirty="0">
+                <a:solidFill>
+                  <a:schemeClr val="tx2">
+                    <a:lumMod val="75000"/>
+                  </a:schemeClr>
+                </a:solidFill>
+              </a:rPr>
+              <a:t>그래도 수확은 있었다</a:t>
+            </a:r>
+            <a:r>
+              <a:rPr lang="en-US" altLang="ko-KR" sz="1400" dirty="0" smtClean="0">
+                <a:solidFill>
+                  <a:schemeClr val="tx2">
+                    <a:lumMod val="75000"/>
+                  </a:schemeClr>
+                </a:solidFill>
+              </a:rPr>
+              <a:t>.</a:t>
+            </a:r>
+          </a:p>
+          <a:p>
+            <a:pPr marL="0" indent="0" algn="ctr">
+              <a:buNone/>
+            </a:pPr>
+            <a:endParaRPr lang="en-US" altLang="ko-KR" sz="1400" dirty="0">
+              <a:solidFill>
+                <a:schemeClr val="tx2">
+                  <a:lumMod val="75000"/>
+                </a:schemeClr>
+              </a:solidFill>
+            </a:endParaRPr>
+          </a:p>
+          <a:p>
+            <a:pPr marL="0" indent="0" algn="ctr">
+              <a:buNone/>
+            </a:pPr>
+            <a:r>
+              <a:rPr lang="ko-KR" altLang="en-US" sz="1400" dirty="0" smtClean="0">
+                <a:solidFill>
+                  <a:schemeClr val="tx2">
+                    <a:lumMod val="75000"/>
+                  </a:schemeClr>
+                </a:solidFill>
+              </a:rPr>
+              <a:t>앞으로의 계획은 다음 </a:t>
+            </a:r>
+            <a:r>
+              <a:rPr lang="en-US" altLang="ko-KR" sz="1400" dirty="0" smtClean="0">
+                <a:solidFill>
+                  <a:schemeClr val="tx2">
+                    <a:lumMod val="75000"/>
+                  </a:schemeClr>
+                </a:solidFill>
+              </a:rPr>
+              <a:t>Monthly Plan </a:t>
+            </a:r>
+            <a:r>
+              <a:rPr lang="ko-KR" altLang="en-US" sz="1400" dirty="0" smtClean="0">
+                <a:solidFill>
+                  <a:schemeClr val="tx2">
+                    <a:lumMod val="75000"/>
+                  </a:schemeClr>
+                </a:solidFill>
+              </a:rPr>
+              <a:t>에서 작성할 것이다</a:t>
+            </a:r>
+            <a:r>
+              <a:rPr lang="en-US" altLang="ko-KR" sz="1400" dirty="0" smtClean="0">
+                <a:solidFill>
+                  <a:schemeClr val="tx2">
+                    <a:lumMod val="75000"/>
+                  </a:schemeClr>
+                </a:solidFill>
+              </a:rPr>
+              <a:t>.</a:t>
+            </a:r>
+          </a:p>
+          <a:p>
+            <a:pPr marL="0" indent="0" algn="ctr">
+              <a:buNone/>
+            </a:pPr>
+            <a:r>
+              <a:rPr lang="ko-KR" altLang="en-US" sz="1400" dirty="0" smtClean="0">
+                <a:solidFill>
+                  <a:schemeClr val="tx2">
+                    <a:lumMod val="75000"/>
+                  </a:schemeClr>
+                </a:solidFill>
+              </a:rPr>
+              <a:t>지금까지는 기본 </a:t>
+            </a:r>
+            <a:r>
+              <a:rPr lang="en-US" altLang="ko-KR" sz="1400" dirty="0" smtClean="0">
+                <a:solidFill>
+                  <a:schemeClr val="tx2">
+                    <a:lumMod val="75000"/>
+                  </a:schemeClr>
+                </a:solidFill>
+              </a:rPr>
+              <a:t>2</a:t>
+            </a:r>
+            <a:r>
+              <a:rPr lang="ko-KR" altLang="en-US" sz="1400" dirty="0" smtClean="0">
+                <a:solidFill>
+                  <a:schemeClr val="tx2">
+                    <a:lumMod val="75000"/>
+                  </a:schemeClr>
+                </a:solidFill>
+              </a:rPr>
+              <a:t>개월 단위로 계획을 세우고 수행했지만</a:t>
+            </a:r>
+            <a:endParaRPr lang="en-US" altLang="ko-KR" sz="1400" dirty="0" smtClean="0">
+              <a:solidFill>
+                <a:schemeClr val="tx2">
+                  <a:lumMod val="75000"/>
+                </a:schemeClr>
+              </a:solidFill>
+            </a:endParaRPr>
+          </a:p>
+          <a:p>
+            <a:pPr marL="0" indent="0" algn="ctr">
+              <a:buNone/>
+            </a:pPr>
+            <a:r>
+              <a:rPr lang="ko-KR" altLang="en-US" sz="1400" dirty="0" smtClean="0">
+                <a:solidFill>
+                  <a:schemeClr val="tx2">
+                    <a:lumMod val="75000"/>
+                  </a:schemeClr>
+                </a:solidFill>
+              </a:rPr>
+              <a:t>이번에는 </a:t>
+            </a:r>
+            <a:r>
+              <a:rPr lang="en-US" altLang="ko-KR" sz="1400" dirty="0" smtClean="0">
+                <a:solidFill>
+                  <a:schemeClr val="tx2">
+                    <a:lumMod val="75000"/>
+                  </a:schemeClr>
+                </a:solidFill>
+              </a:rPr>
+              <a:t>1</a:t>
+            </a:r>
+            <a:r>
+              <a:rPr lang="ko-KR" altLang="en-US" sz="1400" dirty="0" smtClean="0">
+                <a:solidFill>
+                  <a:schemeClr val="tx2">
+                    <a:lumMod val="75000"/>
+                  </a:schemeClr>
+                </a:solidFill>
+              </a:rPr>
+              <a:t>개월 단위를 도입하려고 한다</a:t>
+            </a:r>
+            <a:r>
+              <a:rPr lang="en-US" altLang="ko-KR" sz="1400" dirty="0" smtClean="0">
+                <a:solidFill>
+                  <a:schemeClr val="tx2">
+                    <a:lumMod val="75000"/>
+                  </a:schemeClr>
+                </a:solidFill>
+              </a:rPr>
+              <a:t>.</a:t>
+            </a:r>
+          </a:p>
+          <a:p>
+            <a:pPr marL="0" indent="0" algn="ctr">
+              <a:buNone/>
+            </a:pPr>
+            <a:endParaRPr lang="en-US" altLang="ko-KR" sz="1400" dirty="0" smtClean="0">
+              <a:solidFill>
+                <a:schemeClr val="tx2">
+                  <a:lumMod val="75000"/>
+                </a:schemeClr>
+              </a:solidFill>
+            </a:endParaRPr>
+          </a:p>
+          <a:p>
+            <a:pPr marL="0" indent="0" algn="ctr">
+              <a:buNone/>
+            </a:pPr>
+            <a:r>
+              <a:rPr lang="en-US" altLang="ko-KR" sz="1400" dirty="0" smtClean="0">
+                <a:solidFill>
+                  <a:schemeClr val="tx2">
+                    <a:lumMod val="75000"/>
+                  </a:schemeClr>
+                </a:solidFill>
+              </a:rPr>
+              <a:t>2</a:t>
+            </a:r>
+            <a:r>
+              <a:rPr lang="ko-KR" altLang="en-US" sz="1400" dirty="0" smtClean="0">
+                <a:solidFill>
+                  <a:schemeClr val="tx2">
+                    <a:lumMod val="75000"/>
+                  </a:schemeClr>
+                </a:solidFill>
+              </a:rPr>
+              <a:t>개월 단위를 도입했을 때</a:t>
+            </a:r>
+            <a:r>
+              <a:rPr lang="en-US" altLang="ko-KR" sz="1400" dirty="0" smtClean="0">
+                <a:solidFill>
+                  <a:schemeClr val="tx2">
+                    <a:lumMod val="75000"/>
+                  </a:schemeClr>
+                </a:solidFill>
+              </a:rPr>
+              <a:t>, </a:t>
+            </a:r>
+            <a:r>
+              <a:rPr lang="ko-KR" altLang="en-US" sz="1400" dirty="0" smtClean="0">
+                <a:solidFill>
+                  <a:schemeClr val="tx2">
+                    <a:lumMod val="75000"/>
+                  </a:schemeClr>
+                </a:solidFill>
+              </a:rPr>
+              <a:t>두 번째 달부터는 </a:t>
+            </a:r>
+            <a:endParaRPr lang="en-US" altLang="ko-KR" sz="1400" dirty="0" smtClean="0">
+              <a:solidFill>
+                <a:schemeClr val="tx2">
+                  <a:lumMod val="75000"/>
+                </a:schemeClr>
+              </a:solidFill>
+            </a:endParaRPr>
+          </a:p>
+          <a:p>
+            <a:pPr marL="0" indent="0" algn="ctr">
+              <a:buNone/>
+            </a:pPr>
+            <a:r>
+              <a:rPr lang="ko-KR" altLang="en-US" sz="1400" dirty="0" smtClean="0">
+                <a:solidFill>
+                  <a:schemeClr val="tx2">
+                    <a:lumMod val="75000"/>
+                  </a:schemeClr>
+                </a:solidFill>
+              </a:rPr>
+              <a:t>추진력이 약해지는 느낌이 들었다</a:t>
+            </a:r>
+            <a:r>
+              <a:rPr lang="en-US" altLang="ko-KR" sz="1400" dirty="0" smtClean="0">
+                <a:solidFill>
+                  <a:schemeClr val="tx2">
+                    <a:lumMod val="75000"/>
+                  </a:schemeClr>
+                </a:solidFill>
+              </a:rPr>
+              <a:t>.</a:t>
+            </a:r>
+          </a:p>
+          <a:p>
+            <a:pPr marL="0" indent="0" algn="ctr">
+              <a:buNone/>
+            </a:pPr>
+            <a:r>
+              <a:rPr lang="ko-KR" altLang="en-US" sz="1400" dirty="0" smtClean="0">
+                <a:solidFill>
+                  <a:schemeClr val="tx2">
+                    <a:lumMod val="75000"/>
+                  </a:schemeClr>
+                </a:solidFill>
+              </a:rPr>
+              <a:t>시각적으로 </a:t>
+            </a:r>
+            <a:r>
+              <a:rPr lang="en-US" altLang="ko-KR" sz="1400" dirty="0" smtClean="0">
+                <a:solidFill>
+                  <a:schemeClr val="tx2">
+                    <a:lumMod val="75000"/>
+                  </a:schemeClr>
+                </a:solidFill>
+              </a:rPr>
+              <a:t>1 </a:t>
+            </a:r>
+            <a:r>
+              <a:rPr lang="ko-KR" altLang="en-US" sz="1400" dirty="0" smtClean="0">
+                <a:solidFill>
+                  <a:schemeClr val="tx2">
+                    <a:lumMod val="75000"/>
+                  </a:schemeClr>
+                </a:solidFill>
+              </a:rPr>
+              <a:t>번째 달 계획을 수행 하고도 남은 일정이 많다는 것이 </a:t>
+            </a:r>
+            <a:endParaRPr lang="en-US" altLang="ko-KR" sz="1400" dirty="0" smtClean="0">
+              <a:solidFill>
+                <a:schemeClr val="tx2">
+                  <a:lumMod val="75000"/>
+                </a:schemeClr>
+              </a:solidFill>
+            </a:endParaRPr>
+          </a:p>
+          <a:p>
+            <a:pPr marL="0" indent="0" algn="ctr">
+              <a:buNone/>
+            </a:pPr>
+            <a:r>
+              <a:rPr lang="ko-KR" altLang="en-US" sz="1400" dirty="0">
+                <a:solidFill>
+                  <a:schemeClr val="tx2">
+                    <a:lumMod val="75000"/>
+                  </a:schemeClr>
+                </a:solidFill>
+              </a:rPr>
+              <a:t>아무래도 </a:t>
+            </a:r>
+            <a:r>
+              <a:rPr lang="ko-KR" altLang="en-US" sz="1400" dirty="0" smtClean="0">
+                <a:solidFill>
+                  <a:schemeClr val="tx2">
+                    <a:lumMod val="75000"/>
+                  </a:schemeClr>
+                </a:solidFill>
+              </a:rPr>
+              <a:t>심리적인 요인으로 작용한 것으로 보인다</a:t>
+            </a:r>
+            <a:r>
+              <a:rPr lang="en-US" altLang="ko-KR" sz="1400" dirty="0" smtClean="0">
+                <a:solidFill>
+                  <a:schemeClr val="tx2">
+                    <a:lumMod val="75000"/>
+                  </a:schemeClr>
+                </a:solidFill>
+              </a:rPr>
+              <a:t>. </a:t>
+            </a:r>
+          </a:p>
+          <a:p>
+            <a:pPr marL="0" indent="0" algn="ctr">
+              <a:buNone/>
+            </a:pPr>
+            <a:r>
+              <a:rPr lang="ko-KR" altLang="en-US" sz="1400" dirty="0">
+                <a:solidFill>
+                  <a:schemeClr val="tx2">
+                    <a:lumMod val="75000"/>
+                  </a:schemeClr>
+                </a:solidFill>
+              </a:rPr>
+              <a:t>월 중반이나 말로 </a:t>
+            </a:r>
+            <a:r>
+              <a:rPr lang="ko-KR" altLang="en-US" sz="1400" dirty="0" smtClean="0">
+                <a:solidFill>
+                  <a:schemeClr val="tx2">
+                    <a:lumMod val="75000"/>
+                  </a:schemeClr>
+                </a:solidFill>
+              </a:rPr>
+              <a:t>갈수록 퍼지는 것을 예방하려면 </a:t>
+            </a:r>
+            <a:endParaRPr lang="en-US" altLang="ko-KR" sz="1400" dirty="0" smtClean="0">
+              <a:solidFill>
+                <a:schemeClr val="tx2">
+                  <a:lumMod val="75000"/>
+                </a:schemeClr>
+              </a:solidFill>
+            </a:endParaRPr>
+          </a:p>
+          <a:p>
+            <a:pPr marL="0" indent="0" algn="ctr">
+              <a:buNone/>
+            </a:pPr>
+            <a:r>
+              <a:rPr lang="ko-KR" altLang="en-US" sz="1400" dirty="0" smtClean="0">
+                <a:solidFill>
+                  <a:schemeClr val="tx2">
+                    <a:lumMod val="75000"/>
+                  </a:schemeClr>
+                </a:solidFill>
+              </a:rPr>
+              <a:t>일단 </a:t>
+            </a:r>
+            <a:r>
+              <a:rPr lang="en-US" altLang="ko-KR" sz="1400" dirty="0" smtClean="0">
+                <a:solidFill>
+                  <a:schemeClr val="tx2">
+                    <a:lumMod val="75000"/>
+                  </a:schemeClr>
+                </a:solidFill>
+              </a:rPr>
+              <a:t>1</a:t>
+            </a:r>
+            <a:r>
+              <a:rPr lang="ko-KR" altLang="en-US" sz="1400" dirty="0" smtClean="0">
+                <a:solidFill>
+                  <a:schemeClr val="tx2">
+                    <a:lumMod val="75000"/>
+                  </a:schemeClr>
+                </a:solidFill>
+              </a:rPr>
+              <a:t>달 단위의 근시안적인 계획안이 필요한 듯 싶다</a:t>
+            </a:r>
+            <a:r>
+              <a:rPr lang="en-US" altLang="ko-KR" sz="1400" dirty="0" smtClean="0">
+                <a:solidFill>
+                  <a:schemeClr val="tx2">
+                    <a:lumMod val="75000"/>
+                  </a:schemeClr>
+                </a:solidFill>
+              </a:rPr>
+              <a:t>.</a:t>
+            </a:r>
+          </a:p>
+          <a:p>
+            <a:pPr marL="0" indent="0" algn="ctr">
+              <a:buNone/>
+            </a:pPr>
+            <a:endParaRPr lang="en-US" altLang="ko-KR" sz="1400" dirty="0">
+              <a:solidFill>
+                <a:schemeClr val="tx2">
+                  <a:lumMod val="75000"/>
+                </a:schemeClr>
+              </a:solidFill>
+            </a:endParaRPr>
+          </a:p>
+        </p:txBody>
+      </p:sp>
     </p:spTree>
     <p:extLst>
       <p:ext uri="{BB962C8B-B14F-4D97-AF65-F5344CB8AC3E}">
-        <p14:creationId xmlns:p14="http://schemas.microsoft.com/office/powerpoint/2010/main" val="2601775146"/>
+        <p14:creationId xmlns:p14="http://schemas.microsoft.com/office/powerpoint/2010/main" val="3276282374"/>
       </p:ext>
     </p:extLst>
   </p:cSld>
   <p:clrMapOvr>
     <a:masterClrMapping/>
   </p:clrMapOvr>
+  <p:timing>
+    <p:tnLst>
+      <p:par>
+        <p:cTn id="1" dur="indefinite" restart="never" nodeType="tmRoot"/>
+      </p:par>
+    </p:tnLst>
+  </p:timing>
 </p:sld>
 </file>
 
